--- a/Praesentation/Presentation.pptx
+++ b/Praesentation/Presentation.pptx
@@ -5,7 +5,7 @@
     <p:sldMasterId id="2147483660" r:id="rId1"/>
   </p:sldMasterIdLst>
   <p:notesMasterIdLst>
-    <p:notesMasterId r:id="rId21"/>
+    <p:notesMasterId r:id="rId18"/>
   </p:notesMasterIdLst>
   <p:sldIdLst>
     <p:sldId id="256" r:id="rId2"/>
@@ -18,15 +18,12 @@
     <p:sldId id="273" r:id="rId9"/>
     <p:sldId id="274" r:id="rId10"/>
     <p:sldId id="275" r:id="rId11"/>
-    <p:sldId id="259" r:id="rId12"/>
-    <p:sldId id="267" r:id="rId13"/>
-    <p:sldId id="269" r:id="rId14"/>
-    <p:sldId id="268" r:id="rId15"/>
-    <p:sldId id="261" r:id="rId16"/>
-    <p:sldId id="264" r:id="rId17"/>
-    <p:sldId id="265" r:id="rId18"/>
-    <p:sldId id="266" r:id="rId19"/>
-    <p:sldId id="260" r:id="rId20"/>
+    <p:sldId id="276" r:id="rId12"/>
+    <p:sldId id="268" r:id="rId13"/>
+    <p:sldId id="277" r:id="rId14"/>
+    <p:sldId id="278" r:id="rId15"/>
+    <p:sldId id="266" r:id="rId16"/>
+    <p:sldId id="260" r:id="rId17"/>
   </p:sldIdLst>
   <p:sldSz cx="12192000" cy="6858000"/>
   <p:notesSz cx="6858000" cy="9144000"/>
@@ -131,10 +128,6 @@
     </p:ext>
   </p:extLst>
 </p:presentation>
-</file>
-
-<file path=ppt/revisionInfo.xml><?xml version="1.0" encoding="utf-8"?>
-<p1510:revInfo xmlns:a="http://schemas.openxmlformats.org/drawingml/2006/main" xmlns:r="http://schemas.openxmlformats.org/officeDocument/2006/relationships" xmlns:p1510="http://schemas.microsoft.com/office/powerpoint/2015/10/main"/>
 </file>
 
 <file path=ppt/notesMasters/notesMaster1.xml><?xml version="1.0" encoding="utf-8"?>
@@ -703,7 +696,7 @@
           <a:p>
             <a:fld id="{56B4C143-3EED-4096-AFA5-55DE1A70944E}" type="slidenum">
               <a:rPr lang="de-CH" smtClean="0"/>
-              <a:t>14</a:t>
+              <a:t>12</a:t>
             </a:fld>
             <a:endParaRPr lang="de-CH"/>
           </a:p>
@@ -768,6 +761,52 @@
           <a:p>
             <a:r>
               <a:rPr lang="de-CH" dirty="0"/>
+              <a:t>Error Rate in Dependance </a:t>
+            </a:r>
+            <a:r>
+              <a:rPr lang="de-CH" dirty="0" err="1"/>
+              <a:t>of</a:t>
+            </a:r>
+            <a:r>
+              <a:rPr lang="de-CH" dirty="0"/>
+              <a:t> </a:t>
+            </a:r>
+            <a:r>
+              <a:rPr lang="de-CH" dirty="0" err="1"/>
+              <a:t>the</a:t>
+            </a:r>
+            <a:r>
+              <a:rPr lang="de-CH" dirty="0"/>
+              <a:t> </a:t>
+            </a:r>
+            <a:r>
+              <a:rPr lang="de-CH" dirty="0" err="1"/>
+              <a:t>Number</a:t>
+            </a:r>
+            <a:r>
+              <a:rPr lang="de-CH" dirty="0"/>
+              <a:t> </a:t>
+            </a:r>
+            <a:r>
+              <a:rPr lang="de-CH" dirty="0" err="1"/>
+              <a:t>of</a:t>
+            </a:r>
+            <a:r>
+              <a:rPr lang="de-CH" dirty="0"/>
+              <a:t> </a:t>
+            </a:r>
+            <a:r>
+              <a:rPr lang="de-CH" dirty="0" err="1"/>
+              <a:t>trees</a:t>
+            </a:r>
+            <a:endParaRPr lang="de-CH" dirty="0"/>
+          </a:p>
+          <a:p>
+            <a:endParaRPr lang="de-CH" dirty="0"/>
+          </a:p>
+          <a:p>
+            <a:r>
+              <a:rPr lang="de-CH" dirty="0"/>
               <a:t>After </a:t>
             </a:r>
             <a:r>
@@ -814,6 +853,12 @@
               <a:rPr lang="de-CH" dirty="0" err="1"/>
               <a:t>stable</a:t>
             </a:r>
+            <a:endParaRPr lang="de-CH" dirty="0"/>
+          </a:p>
+          <a:p>
+            <a:endParaRPr lang="de-CH" dirty="0"/>
+          </a:p>
+          <a:p>
             <a:endParaRPr lang="de-CH" dirty="0"/>
           </a:p>
         </p:txBody>
@@ -835,7 +880,7 @@
           <a:p>
             <a:fld id="{56B4C143-3EED-4096-AFA5-55DE1A70944E}" type="slidenum">
               <a:rPr lang="de-CH" smtClean="0"/>
-              <a:t>15</a:t>
+              <a:t>13</a:t>
             </a:fld>
             <a:endParaRPr lang="de-CH"/>
           </a:p>
@@ -844,7 +889,7 @@
     </p:spTree>
     <p:extLst>
       <p:ext uri="{BB962C8B-B14F-4D97-AF65-F5344CB8AC3E}">
-        <p14:creationId xmlns:p14="http://schemas.microsoft.com/office/powerpoint/2010/main" val="1404519157"/>
+        <p14:creationId xmlns:p14="http://schemas.microsoft.com/office/powerpoint/2010/main" val="2102382964"/>
       </p:ext>
     </p:extLst>
   </p:cSld>
@@ -1825,6 +1870,12 @@
               <a:t>.</a:t>
             </a:r>
           </a:p>
+          <a:p>
+            <a:endParaRPr lang="de-CH" dirty="0"/>
+          </a:p>
+          <a:p>
+            <a:endParaRPr lang="de-CH" dirty="0"/>
+          </a:p>
         </p:txBody>
       </p:sp>
       <p:sp>
@@ -1844,7 +1895,7 @@
           <a:p>
             <a:fld id="{56B4C143-3EED-4096-AFA5-55DE1A70944E}" type="slidenum">
               <a:rPr lang="de-CH" smtClean="0"/>
-              <a:t>16</a:t>
+              <a:t>14</a:t>
             </a:fld>
             <a:endParaRPr lang="de-CH"/>
           </a:p>
@@ -1853,7 +1904,7 @@
     </p:spTree>
     <p:extLst>
       <p:ext uri="{BB962C8B-B14F-4D97-AF65-F5344CB8AC3E}">
-        <p14:creationId xmlns:p14="http://schemas.microsoft.com/office/powerpoint/2010/main" val="4283878159"/>
+        <p14:creationId xmlns:p14="http://schemas.microsoft.com/office/powerpoint/2010/main" val="2681681258"/>
       </p:ext>
     </p:extLst>
   </p:cSld>
@@ -2210,7 +2261,7 @@
           <a:p>
             <a:fld id="{56B4C143-3EED-4096-AFA5-55DE1A70944E}" type="slidenum">
               <a:rPr lang="de-CH" smtClean="0"/>
-              <a:t>19</a:t>
+              <a:t>16</a:t>
             </a:fld>
             <a:endParaRPr lang="de-CH"/>
           </a:p>
@@ -4938,336 +4989,6 @@
               <a:tabLst/>
               <a:defRPr/>
             </a:pPr>
-            <a:r>
-              <a:rPr lang="de-CH" dirty="0"/>
-              <a:t>Selected </a:t>
-            </a:r>
-            <a:r>
-              <a:rPr lang="de-CH" dirty="0" err="1"/>
-              <a:t>by</a:t>
-            </a:r>
-            <a:r>
-              <a:rPr lang="de-CH" dirty="0"/>
-              <a:t> </a:t>
-            </a:r>
-            <a:r>
-              <a:rPr lang="de-CH" dirty="0" err="1"/>
-              <a:t>graphical</a:t>
-            </a:r>
-            <a:r>
-              <a:rPr lang="de-CH" dirty="0"/>
-              <a:t> </a:t>
-            </a:r>
-            <a:r>
-              <a:rPr lang="de-CH" dirty="0" err="1"/>
-              <a:t>and</a:t>
-            </a:r>
-            <a:r>
-              <a:rPr lang="de-CH" dirty="0"/>
-              <a:t> </a:t>
-            </a:r>
-            <a:r>
-              <a:rPr lang="de-CH" dirty="0" err="1"/>
-              <a:t>computational</a:t>
-            </a:r>
-            <a:r>
-              <a:rPr lang="de-CH" dirty="0"/>
-              <a:t> Tools</a:t>
-            </a:r>
-          </a:p>
-          <a:p>
-            <a:endParaRPr lang="de-CH" dirty="0"/>
-          </a:p>
-          <a:p>
-            <a:endParaRPr lang="de-CH" dirty="0"/>
-          </a:p>
-          <a:p>
-            <a:r>
-              <a:rPr lang="de-CH" dirty="0"/>
-              <a:t>In </a:t>
-            </a:r>
-            <a:r>
-              <a:rPr lang="de-CH" dirty="0" err="1"/>
-              <a:t>the</a:t>
-            </a:r>
-            <a:r>
-              <a:rPr lang="de-CH" dirty="0"/>
-              <a:t> </a:t>
-            </a:r>
-            <a:r>
-              <a:rPr lang="de-CH" dirty="0" err="1"/>
-              <a:t>codelist</a:t>
-            </a:r>
-            <a:r>
-              <a:rPr lang="de-CH" dirty="0"/>
-              <a:t> 6 variables </a:t>
-            </a:r>
-            <a:r>
-              <a:rPr lang="de-CH" dirty="0" err="1"/>
-              <a:t>were</a:t>
-            </a:r>
-            <a:r>
-              <a:rPr lang="de-CH" dirty="0"/>
-              <a:t> </a:t>
-            </a:r>
-            <a:r>
-              <a:rPr lang="de-CH" dirty="0" err="1"/>
-              <a:t>defined</a:t>
-            </a:r>
-            <a:r>
-              <a:rPr lang="de-CH" dirty="0"/>
-              <a:t> </a:t>
-            </a:r>
-            <a:r>
-              <a:rPr lang="de-CH" dirty="0" err="1"/>
-              <a:t>as</a:t>
-            </a:r>
-            <a:r>
-              <a:rPr lang="de-CH" dirty="0"/>
-              <a:t> </a:t>
-            </a:r>
-            <a:r>
-              <a:rPr lang="de-CH" dirty="0" err="1"/>
-              <a:t>numeric</a:t>
-            </a:r>
-            <a:r>
-              <a:rPr lang="de-CH" dirty="0"/>
-              <a:t>. </a:t>
-            </a:r>
-            <a:r>
-              <a:rPr lang="de-CH" dirty="0" err="1"/>
-              <a:t>Anyhow</a:t>
-            </a:r>
-            <a:r>
-              <a:rPr lang="de-CH" dirty="0"/>
-              <a:t> </a:t>
-            </a:r>
-            <a:r>
-              <a:rPr lang="de-CH" dirty="0" err="1"/>
-              <a:t>since</a:t>
-            </a:r>
-            <a:r>
-              <a:rPr lang="de-CH" dirty="0"/>
-              <a:t> 3 </a:t>
-            </a:r>
-            <a:r>
-              <a:rPr lang="de-CH" dirty="0" err="1"/>
-              <a:t>of</a:t>
-            </a:r>
-            <a:r>
-              <a:rPr lang="de-CH" dirty="0"/>
-              <a:t> </a:t>
-            </a:r>
-            <a:r>
-              <a:rPr lang="de-CH" dirty="0" err="1"/>
-              <a:t>these</a:t>
-            </a:r>
-            <a:r>
-              <a:rPr lang="de-CH" dirty="0"/>
-              <a:t> 6 </a:t>
-            </a:r>
-            <a:r>
-              <a:rPr lang="de-CH" dirty="0" err="1"/>
-              <a:t>were</a:t>
-            </a:r>
-            <a:r>
-              <a:rPr lang="de-CH" dirty="0"/>
-              <a:t> </a:t>
-            </a:r>
-            <a:r>
-              <a:rPr lang="de-CH" dirty="0" err="1"/>
-              <a:t>mostly</a:t>
-            </a:r>
-            <a:r>
-              <a:rPr lang="de-CH" dirty="0"/>
-              <a:t> </a:t>
-            </a:r>
-            <a:r>
-              <a:rPr lang="de-CH" dirty="0" err="1"/>
-              <a:t>ordinal</a:t>
-            </a:r>
-            <a:r>
-              <a:rPr lang="de-CH" dirty="0"/>
-              <a:t> variables </a:t>
-            </a:r>
-            <a:r>
-              <a:rPr lang="de-CH" dirty="0" err="1"/>
-              <a:t>with</a:t>
-            </a:r>
-            <a:r>
-              <a:rPr lang="de-CH" dirty="0"/>
-              <a:t> 4 </a:t>
-            </a:r>
-            <a:r>
-              <a:rPr lang="de-CH" dirty="0" err="1"/>
-              <a:t>or</a:t>
-            </a:r>
-            <a:r>
-              <a:rPr lang="de-CH" dirty="0"/>
-              <a:t> </a:t>
-            </a:r>
-            <a:r>
-              <a:rPr lang="de-CH" dirty="0" err="1"/>
-              <a:t>few</a:t>
-            </a:r>
-            <a:r>
-              <a:rPr lang="de-CH" dirty="0"/>
-              <a:t> </a:t>
-            </a:r>
-            <a:r>
-              <a:rPr lang="de-CH" dirty="0" err="1"/>
-              <a:t>categories</a:t>
-            </a:r>
-            <a:r>
-              <a:rPr lang="de-CH" dirty="0"/>
-              <a:t>, I </a:t>
-            </a:r>
-            <a:r>
-              <a:rPr lang="de-CH" dirty="0" err="1"/>
-              <a:t>decided</a:t>
-            </a:r>
-            <a:r>
-              <a:rPr lang="de-CH" dirty="0"/>
-              <a:t> </a:t>
-            </a:r>
-            <a:r>
-              <a:rPr lang="de-CH" dirty="0" err="1"/>
-              <a:t>to</a:t>
-            </a:r>
-            <a:r>
-              <a:rPr lang="de-CH" dirty="0"/>
-              <a:t> </a:t>
-            </a:r>
-            <a:r>
-              <a:rPr lang="de-CH" dirty="0" err="1"/>
-              <a:t>classify</a:t>
-            </a:r>
-            <a:r>
-              <a:rPr lang="de-CH" dirty="0"/>
-              <a:t> </a:t>
-            </a:r>
-            <a:r>
-              <a:rPr lang="de-CH" dirty="0" err="1"/>
-              <a:t>this</a:t>
-            </a:r>
-            <a:r>
-              <a:rPr lang="de-CH" dirty="0"/>
-              <a:t> 3 </a:t>
-            </a:r>
-            <a:r>
-              <a:rPr lang="de-CH" dirty="0" err="1"/>
-              <a:t>aswell</a:t>
-            </a:r>
-            <a:r>
-              <a:rPr lang="de-CH" dirty="0"/>
-              <a:t> </a:t>
-            </a:r>
-            <a:r>
-              <a:rPr lang="de-CH" dirty="0" err="1"/>
-              <a:t>as</a:t>
-            </a:r>
-            <a:r>
-              <a:rPr lang="de-CH" dirty="0"/>
-              <a:t> qualitative </a:t>
-            </a:r>
-            <a:r>
-              <a:rPr lang="de-CH" dirty="0" err="1"/>
-              <a:t>instead</a:t>
-            </a:r>
-            <a:r>
-              <a:rPr lang="de-CH" dirty="0"/>
-              <a:t> </a:t>
-            </a:r>
-            <a:r>
-              <a:rPr lang="de-CH" dirty="0" err="1"/>
-              <a:t>of</a:t>
-            </a:r>
-            <a:r>
-              <a:rPr lang="de-CH" dirty="0"/>
-              <a:t> quantitative </a:t>
-            </a:r>
-            <a:r>
-              <a:rPr lang="de-CH" dirty="0" err="1"/>
-              <a:t>vars</a:t>
-            </a:r>
-            <a:r>
-              <a:rPr lang="de-CH" dirty="0"/>
-              <a:t>.</a:t>
-            </a:r>
-          </a:p>
-          <a:p>
-            <a:r>
-              <a:rPr lang="de-CH" dirty="0"/>
-              <a:t>So at </a:t>
-            </a:r>
-            <a:r>
-              <a:rPr lang="de-CH" dirty="0" err="1"/>
-              <a:t>the</a:t>
-            </a:r>
-            <a:r>
-              <a:rPr lang="de-CH" dirty="0"/>
-              <a:t> end </a:t>
-            </a:r>
-            <a:r>
-              <a:rPr lang="de-CH" dirty="0" err="1"/>
-              <a:t>only</a:t>
-            </a:r>
-            <a:r>
-              <a:rPr lang="de-CH" dirty="0"/>
-              <a:t> 3 </a:t>
-            </a:r>
-            <a:r>
-              <a:rPr lang="de-CH" dirty="0" err="1"/>
-              <a:t>covariates</a:t>
-            </a:r>
-            <a:r>
-              <a:rPr lang="de-CH" dirty="0"/>
-              <a:t> </a:t>
-            </a:r>
-            <a:r>
-              <a:rPr lang="de-CH" dirty="0" err="1"/>
-              <a:t>remained</a:t>
-            </a:r>
-            <a:r>
-              <a:rPr lang="de-CH" dirty="0"/>
-              <a:t> </a:t>
-            </a:r>
-            <a:r>
-              <a:rPr lang="de-CH" dirty="0" err="1"/>
-              <a:t>which</a:t>
-            </a:r>
-            <a:r>
-              <a:rPr lang="de-CH" dirty="0"/>
-              <a:t> I </a:t>
-            </a:r>
-            <a:r>
-              <a:rPr lang="de-CH" dirty="0" err="1"/>
-              <a:t>consider</a:t>
-            </a:r>
-            <a:r>
-              <a:rPr lang="de-CH" dirty="0"/>
-              <a:t> </a:t>
-            </a:r>
-            <a:r>
-              <a:rPr lang="de-CH" dirty="0" err="1"/>
-              <a:t>as</a:t>
-            </a:r>
-            <a:r>
-              <a:rPr lang="de-CH" dirty="0"/>
-              <a:t> real </a:t>
-            </a:r>
-            <a:r>
-              <a:rPr lang="de-CH" dirty="0" err="1"/>
-              <a:t>continuous</a:t>
-            </a:r>
-            <a:r>
-              <a:rPr lang="de-CH" dirty="0"/>
-              <a:t> </a:t>
-            </a:r>
-            <a:r>
-              <a:rPr lang="de-CH" dirty="0" err="1"/>
-              <a:t>covariates</a:t>
-            </a:r>
             <a:endParaRPr lang="de-CH" dirty="0"/>
           </a:p>
         </p:txBody>
@@ -5352,6 +5073,353 @@
           <a:bodyPr/>
           <a:lstStyle/>
           <a:p>
+            <a:pPr marL="0" marR="0" lvl="0" indent="0" algn="l" defTabSz="914400" rtl="0" eaLnBrk="1" fontAlgn="auto" latinLnBrk="0" hangingPunct="1">
+              <a:lnSpc>
+                <a:spcPct val="100000"/>
+              </a:lnSpc>
+              <a:spcBef>
+                <a:spcPts val="0"/>
+              </a:spcBef>
+              <a:spcAft>
+                <a:spcPts val="0"/>
+              </a:spcAft>
+              <a:buClrTx/>
+              <a:buSzTx/>
+              <a:buFontTx/>
+              <a:buNone/>
+              <a:tabLst/>
+              <a:defRPr/>
+            </a:pPr>
+            <a:r>
+              <a:rPr lang="de-CH" dirty="0"/>
+              <a:t>Selected </a:t>
+            </a:r>
+            <a:r>
+              <a:rPr lang="de-CH" dirty="0" err="1"/>
+              <a:t>by</a:t>
+            </a:r>
+            <a:r>
+              <a:rPr lang="de-CH" dirty="0"/>
+              <a:t> </a:t>
+            </a:r>
+            <a:r>
+              <a:rPr lang="de-CH" dirty="0" err="1"/>
+              <a:t>graphical</a:t>
+            </a:r>
+            <a:r>
+              <a:rPr lang="de-CH" dirty="0"/>
+              <a:t> </a:t>
+            </a:r>
+            <a:r>
+              <a:rPr lang="de-CH" dirty="0" err="1"/>
+              <a:t>and</a:t>
+            </a:r>
+            <a:r>
+              <a:rPr lang="de-CH" dirty="0"/>
+              <a:t> </a:t>
+            </a:r>
+            <a:r>
+              <a:rPr lang="de-CH" dirty="0" err="1"/>
+              <a:t>computational</a:t>
+            </a:r>
+            <a:r>
+              <a:rPr lang="de-CH" dirty="0"/>
+              <a:t> Tools</a:t>
+            </a:r>
+          </a:p>
+          <a:p>
+            <a:endParaRPr lang="de-CH" dirty="0"/>
+          </a:p>
+          <a:p>
+            <a:endParaRPr lang="de-CH" dirty="0"/>
+          </a:p>
+          <a:p>
+            <a:r>
+              <a:rPr lang="de-CH" dirty="0"/>
+              <a:t>In </a:t>
+            </a:r>
+            <a:r>
+              <a:rPr lang="de-CH" dirty="0" err="1"/>
+              <a:t>the</a:t>
+            </a:r>
+            <a:r>
+              <a:rPr lang="de-CH" dirty="0"/>
+              <a:t> </a:t>
+            </a:r>
+            <a:r>
+              <a:rPr lang="de-CH" dirty="0" err="1"/>
+              <a:t>codelist</a:t>
+            </a:r>
+            <a:r>
+              <a:rPr lang="de-CH" dirty="0"/>
+              <a:t> 6 variables </a:t>
+            </a:r>
+            <a:r>
+              <a:rPr lang="de-CH" dirty="0" err="1"/>
+              <a:t>were</a:t>
+            </a:r>
+            <a:r>
+              <a:rPr lang="de-CH" dirty="0"/>
+              <a:t> </a:t>
+            </a:r>
+            <a:r>
+              <a:rPr lang="de-CH" dirty="0" err="1"/>
+              <a:t>defined</a:t>
+            </a:r>
+            <a:r>
+              <a:rPr lang="de-CH" dirty="0"/>
+              <a:t> </a:t>
+            </a:r>
+            <a:r>
+              <a:rPr lang="de-CH" dirty="0" err="1"/>
+              <a:t>as</a:t>
+            </a:r>
+            <a:r>
+              <a:rPr lang="de-CH" dirty="0"/>
+              <a:t> </a:t>
+            </a:r>
+            <a:r>
+              <a:rPr lang="de-CH" dirty="0" err="1"/>
+              <a:t>numeric</a:t>
+            </a:r>
+            <a:r>
+              <a:rPr lang="de-CH" dirty="0"/>
+              <a:t>. </a:t>
+            </a:r>
+            <a:r>
+              <a:rPr lang="de-CH" dirty="0" err="1"/>
+              <a:t>Anyhow</a:t>
+            </a:r>
+            <a:r>
+              <a:rPr lang="de-CH" dirty="0"/>
+              <a:t> </a:t>
+            </a:r>
+            <a:r>
+              <a:rPr lang="de-CH" dirty="0" err="1"/>
+              <a:t>since</a:t>
+            </a:r>
+            <a:r>
+              <a:rPr lang="de-CH" dirty="0"/>
+              <a:t> 3 </a:t>
+            </a:r>
+            <a:r>
+              <a:rPr lang="de-CH" dirty="0" err="1"/>
+              <a:t>of</a:t>
+            </a:r>
+            <a:r>
+              <a:rPr lang="de-CH" dirty="0"/>
+              <a:t> </a:t>
+            </a:r>
+            <a:r>
+              <a:rPr lang="de-CH" dirty="0" err="1"/>
+              <a:t>these</a:t>
+            </a:r>
+            <a:r>
+              <a:rPr lang="de-CH" dirty="0"/>
+              <a:t> 6 </a:t>
+            </a:r>
+            <a:r>
+              <a:rPr lang="de-CH" dirty="0" err="1"/>
+              <a:t>were</a:t>
+            </a:r>
+            <a:r>
+              <a:rPr lang="de-CH" dirty="0"/>
+              <a:t> </a:t>
+            </a:r>
+            <a:r>
+              <a:rPr lang="de-CH" dirty="0" err="1"/>
+              <a:t>mostly</a:t>
+            </a:r>
+            <a:r>
+              <a:rPr lang="de-CH" dirty="0"/>
+              <a:t> </a:t>
+            </a:r>
+            <a:r>
+              <a:rPr lang="de-CH" dirty="0" err="1"/>
+              <a:t>ordinal</a:t>
+            </a:r>
+            <a:r>
+              <a:rPr lang="de-CH" dirty="0"/>
+              <a:t> variables </a:t>
+            </a:r>
+            <a:r>
+              <a:rPr lang="de-CH" dirty="0" err="1"/>
+              <a:t>with</a:t>
+            </a:r>
+            <a:r>
+              <a:rPr lang="de-CH" dirty="0"/>
+              <a:t> 4 </a:t>
+            </a:r>
+            <a:r>
+              <a:rPr lang="de-CH" dirty="0" err="1"/>
+              <a:t>or</a:t>
+            </a:r>
+            <a:r>
+              <a:rPr lang="de-CH" dirty="0"/>
+              <a:t> </a:t>
+            </a:r>
+            <a:r>
+              <a:rPr lang="de-CH" dirty="0" err="1"/>
+              <a:t>few</a:t>
+            </a:r>
+            <a:r>
+              <a:rPr lang="de-CH" dirty="0"/>
+              <a:t> </a:t>
+            </a:r>
+            <a:r>
+              <a:rPr lang="de-CH" dirty="0" err="1"/>
+              <a:t>categories</a:t>
+            </a:r>
+            <a:r>
+              <a:rPr lang="de-CH" dirty="0"/>
+              <a:t>, I </a:t>
+            </a:r>
+            <a:r>
+              <a:rPr lang="de-CH" dirty="0" err="1"/>
+              <a:t>decided</a:t>
+            </a:r>
+            <a:r>
+              <a:rPr lang="de-CH" dirty="0"/>
+              <a:t> </a:t>
+            </a:r>
+            <a:r>
+              <a:rPr lang="de-CH" dirty="0" err="1"/>
+              <a:t>to</a:t>
+            </a:r>
+            <a:r>
+              <a:rPr lang="de-CH" dirty="0"/>
+              <a:t> </a:t>
+            </a:r>
+            <a:r>
+              <a:rPr lang="de-CH" dirty="0" err="1"/>
+              <a:t>classify</a:t>
+            </a:r>
+            <a:r>
+              <a:rPr lang="de-CH" dirty="0"/>
+              <a:t> </a:t>
+            </a:r>
+            <a:r>
+              <a:rPr lang="de-CH" dirty="0" err="1"/>
+              <a:t>this</a:t>
+            </a:r>
+            <a:r>
+              <a:rPr lang="de-CH" dirty="0"/>
+              <a:t> 3 </a:t>
+            </a:r>
+            <a:r>
+              <a:rPr lang="de-CH" dirty="0" err="1"/>
+              <a:t>aswell</a:t>
+            </a:r>
+            <a:r>
+              <a:rPr lang="de-CH" dirty="0"/>
+              <a:t> </a:t>
+            </a:r>
+            <a:r>
+              <a:rPr lang="de-CH" dirty="0" err="1"/>
+              <a:t>as</a:t>
+            </a:r>
+            <a:r>
+              <a:rPr lang="de-CH" dirty="0"/>
+              <a:t> qualitative </a:t>
+            </a:r>
+            <a:r>
+              <a:rPr lang="de-CH" dirty="0" err="1"/>
+              <a:t>instead</a:t>
+            </a:r>
+            <a:r>
+              <a:rPr lang="de-CH" dirty="0"/>
+              <a:t> </a:t>
+            </a:r>
+            <a:r>
+              <a:rPr lang="de-CH" dirty="0" err="1"/>
+              <a:t>of</a:t>
+            </a:r>
+            <a:r>
+              <a:rPr lang="de-CH" dirty="0"/>
+              <a:t> quantitative </a:t>
+            </a:r>
+            <a:r>
+              <a:rPr lang="de-CH" dirty="0" err="1"/>
+              <a:t>vars</a:t>
+            </a:r>
+            <a:r>
+              <a:rPr lang="de-CH" dirty="0"/>
+              <a:t>.</a:t>
+            </a:r>
+          </a:p>
+          <a:p>
+            <a:r>
+              <a:rPr lang="de-CH" dirty="0"/>
+              <a:t>So at </a:t>
+            </a:r>
+            <a:r>
+              <a:rPr lang="de-CH" dirty="0" err="1"/>
+              <a:t>the</a:t>
+            </a:r>
+            <a:r>
+              <a:rPr lang="de-CH" dirty="0"/>
+              <a:t> end </a:t>
+            </a:r>
+            <a:r>
+              <a:rPr lang="de-CH" dirty="0" err="1"/>
+              <a:t>only</a:t>
+            </a:r>
+            <a:r>
+              <a:rPr lang="de-CH" dirty="0"/>
+              <a:t> 3 </a:t>
+            </a:r>
+            <a:r>
+              <a:rPr lang="de-CH" dirty="0" err="1"/>
+              <a:t>covariates</a:t>
+            </a:r>
+            <a:r>
+              <a:rPr lang="de-CH" dirty="0"/>
+              <a:t> </a:t>
+            </a:r>
+            <a:r>
+              <a:rPr lang="de-CH" dirty="0" err="1"/>
+              <a:t>remained</a:t>
+            </a:r>
+            <a:r>
+              <a:rPr lang="de-CH" dirty="0"/>
+              <a:t> </a:t>
+            </a:r>
+            <a:r>
+              <a:rPr lang="de-CH" dirty="0" err="1"/>
+              <a:t>which</a:t>
+            </a:r>
+            <a:r>
+              <a:rPr lang="de-CH" dirty="0"/>
+              <a:t> I </a:t>
+            </a:r>
+            <a:r>
+              <a:rPr lang="de-CH" dirty="0" err="1"/>
+              <a:t>consider</a:t>
+            </a:r>
+            <a:r>
+              <a:rPr lang="de-CH" dirty="0"/>
+              <a:t> </a:t>
+            </a:r>
+            <a:r>
+              <a:rPr lang="de-CH" dirty="0" err="1"/>
+              <a:t>as</a:t>
+            </a:r>
+            <a:r>
+              <a:rPr lang="de-CH" dirty="0"/>
+              <a:t> real </a:t>
+            </a:r>
+            <a:r>
+              <a:rPr lang="de-CH" dirty="0" err="1"/>
+              <a:t>continuous</a:t>
+            </a:r>
+            <a:r>
+              <a:rPr lang="de-CH" dirty="0"/>
+              <a:t> </a:t>
+            </a:r>
+            <a:r>
+              <a:rPr lang="de-CH" dirty="0" err="1"/>
+              <a:t>covariates</a:t>
+            </a:r>
             <a:endParaRPr lang="de-CH" dirty="0"/>
           </a:p>
         </p:txBody>
@@ -5382,7 +5450,7 @@
     </p:spTree>
     <p:extLst>
       <p:ext uri="{BB962C8B-B14F-4D97-AF65-F5344CB8AC3E}">
-        <p14:creationId xmlns:p14="http://schemas.microsoft.com/office/powerpoint/2010/main" val="1540933001"/>
+        <p14:creationId xmlns:p14="http://schemas.microsoft.com/office/powerpoint/2010/main" val="2753647607"/>
       </p:ext>
     </p:extLst>
   </p:cSld>
@@ -11235,6 +11303,32 @@
           <a:chExt cx="0" cy="0"/>
         </a:xfrm>
       </p:grpSpPr>
+      <p:pic>
+        <p:nvPicPr>
+          <p:cNvPr id="4" name="Inhaltsplatzhalter 3"/>
+          <p:cNvPicPr>
+            <a:picLocks noGrp="1" noChangeAspect="1"/>
+          </p:cNvPicPr>
+          <p:nvPr>
+            <p:ph idx="1"/>
+          </p:nvPr>
+        </p:nvPicPr>
+        <p:blipFill>
+          <a:blip r:embed="rId3"/>
+          <a:stretch>
+            <a:fillRect/>
+          </a:stretch>
+        </p:blipFill>
+        <p:spPr>
+          <a:xfrm>
+            <a:off x="529966" y="121920"/>
+            <a:ext cx="8744036" cy="6370320"/>
+          </a:xfrm>
+          <a:prstGeom prst="rect">
+            <a:avLst/>
+          </a:prstGeom>
+        </p:spPr>
+      </p:pic>
       <p:sp>
         <p:nvSpPr>
           <p:cNvPr id="2" name="Titel 1"/>
@@ -11266,59 +11360,19 @@
             </a:r>
             <a:r>
               <a:rPr lang="de-CH" dirty="0"/>
-              <a:t>:</a:t>
+              <a:t>: Classification </a:t>
+            </a:r>
+            <a:r>
+              <a:rPr lang="de-CH" dirty="0" err="1"/>
+              <a:t>Tree</a:t>
             </a:r>
             <a:br>
               <a:rPr lang="de-CH" dirty="0"/>
             </a:br>
-            <a:r>
-              <a:rPr lang="de-CH" dirty="0"/>
-              <a:t>Classification </a:t>
-            </a:r>
-            <a:r>
-              <a:rPr lang="de-CH" dirty="0" err="1"/>
-              <a:t>Tree</a:t>
-            </a:r>
             <a:br>
               <a:rPr lang="de-CH" dirty="0"/>
             </a:br>
             <a:endParaRPr lang="de-CH" dirty="0"/>
-          </a:p>
-        </p:txBody>
-      </p:sp>
-      <p:sp>
-        <p:nvSpPr>
-          <p:cNvPr id="3" name="Inhaltsplatzhalter 2"/>
-          <p:cNvSpPr>
-            <a:spLocks noGrp="1"/>
-          </p:cNvSpPr>
-          <p:nvPr>
-            <p:ph idx="1"/>
-          </p:nvPr>
-        </p:nvSpPr>
-        <p:spPr>
-          <a:xfrm>
-            <a:off x="677334" y="1930400"/>
-            <a:ext cx="8596668" cy="4457491"/>
-          </a:xfrm>
-        </p:spPr>
-        <p:txBody>
-          <a:bodyPr>
-            <a:normAutofit/>
-          </a:bodyPr>
-          <a:lstStyle/>
-          <a:p>
-            <a:pPr marL="0" indent="0">
-              <a:buNone/>
-            </a:pPr>
-            <a:r>
-              <a:rPr lang="de-CH" sz="2400" dirty="0" err="1"/>
-              <a:t>Logistic</a:t>
-            </a:r>
-            <a:r>
-              <a:rPr lang="de-CH" sz="2400" dirty="0"/>
-              <a:t> Regression Model (4 quantitative variables)</a:t>
-            </a:r>
           </a:p>
         </p:txBody>
       </p:sp>
@@ -11369,41 +11423,33 @@
           </a:bodyPr>
           <a:lstStyle/>
           <a:p>
+            <a:r>
+              <a:rPr lang="de-CH" dirty="0" err="1"/>
+              <a:t>IIIa</a:t>
+            </a:r>
+            <a:r>
+              <a:rPr lang="de-CH" dirty="0"/>
+              <a:t> </a:t>
+            </a:r>
+            <a:r>
+              <a:rPr lang="de-CH" dirty="0" err="1"/>
+              <a:t>Modelling</a:t>
+            </a:r>
+            <a:r>
+              <a:rPr lang="de-CH" dirty="0"/>
+              <a:t>:</a:t>
+            </a:r>
             <a:br>
               <a:rPr lang="de-CH" dirty="0"/>
             </a:br>
-            <a:br>
-              <a:rPr lang="de-CH" dirty="0"/>
-            </a:br>
-            <a:br>
-              <a:rPr lang="de-CH" dirty="0"/>
-            </a:br>
-            <a:r>
-              <a:rPr lang="de-CH" dirty="0" err="1"/>
-              <a:t>IIIa</a:t>
-            </a:r>
-            <a:r>
-              <a:rPr lang="de-CH" dirty="0"/>
-              <a:t> </a:t>
-            </a:r>
-            <a:r>
-              <a:rPr lang="de-CH" dirty="0" err="1"/>
-              <a:t>Modelling</a:t>
-            </a:r>
-            <a:r>
-              <a:rPr lang="de-CH" dirty="0"/>
-              <a:t>: Classification </a:t>
+            <a:r>
+              <a:rPr lang="de-CH" dirty="0"/>
+              <a:t>Classification </a:t>
             </a:r>
             <a:r>
               <a:rPr lang="de-CH" dirty="0" err="1"/>
               <a:t>Tree</a:t>
             </a:r>
-            <a:br>
-              <a:rPr lang="de-CH" dirty="0"/>
-            </a:br>
-            <a:br>
-              <a:rPr lang="de-CH" dirty="0"/>
-            </a:br>
             <a:br>
               <a:rPr lang="de-CH" dirty="0"/>
             </a:br>
@@ -11411,68 +11457,29 @@
           </a:p>
         </p:txBody>
       </p:sp>
-      <p:graphicFrame>
-        <p:nvGraphicFramePr>
-          <p:cNvPr id="4" name="Inhaltsplatzhalter 3"/>
-          <p:cNvGraphicFramePr>
-            <a:graphicFrameLocks noGrp="1" noChangeAspect="1"/>
-          </p:cNvGraphicFramePr>
+      <p:sp>
+        <p:nvSpPr>
+          <p:cNvPr id="5" name="Inhaltsplatzhalter 4"/>
+          <p:cNvSpPr>
+            <a:spLocks noGrp="1"/>
+          </p:cNvSpPr>
           <p:nvPr>
             <p:ph idx="1"/>
-            <p:extLst>
-              <p:ext uri="{D42A27DB-BD31-4B8C-83A1-F6EECF244321}">
-                <p14:modId xmlns:p14="http://schemas.microsoft.com/office/powerpoint/2010/main" val="272372111"/>
-              </p:ext>
-            </p:extLst>
-          </p:nvPr>
-        </p:nvGraphicFramePr>
-        <p:xfrm>
-          <a:off x="2164079" y="2614241"/>
-          <a:ext cx="8875123" cy="11484178"/>
-        </p:xfrm>
-        <a:graphic>
-          <a:graphicData uri="http://schemas.openxmlformats.org/presentationml/2006/ole">
-            <mc:AlternateContent xmlns:mc="http://schemas.openxmlformats.org/markup-compatibility/2006">
-              <mc:Choice xmlns:v="urn:schemas-microsoft-com:vml" Requires="v">
-                <p:oleObj spid="_x0000_s1131" name="Acrobat Document" r:id="rId4" imgW="3886002" imgH="5028936" progId="AcroExch.Document.DC">
-                  <p:embed/>
-                </p:oleObj>
-              </mc:Choice>
-              <mc:Fallback>
-                <p:oleObj name="Acrobat Document" r:id="rId4" imgW="3886002" imgH="5028936" progId="AcroExch.Document.DC">
-                  <p:embed/>
-                  <p:pic>
-                    <p:nvPicPr>
-                      <p:cNvPr id="0" name=""/>
-                      <p:cNvPicPr/>
-                      <p:nvPr/>
-                    </p:nvPicPr>
-                    <p:blipFill>
-                      <a:blip r:embed="rId5"/>
-                      <a:stretch>
-                        <a:fillRect/>
-                      </a:stretch>
-                    </p:blipFill>
-                    <p:spPr>
-                      <a:xfrm>
-                        <a:off x="2164079" y="2614241"/>
-                        <a:ext cx="8875123" cy="11484178"/>
-                      </a:xfrm>
-                      <a:prstGeom prst="rect">
-                        <a:avLst/>
-                      </a:prstGeom>
-                    </p:spPr>
-                  </p:pic>
-                </p:oleObj>
-              </mc:Fallback>
-            </mc:AlternateContent>
-          </a:graphicData>
-        </a:graphic>
-      </p:graphicFrame>
+          </p:nvPr>
+        </p:nvSpPr>
+        <p:spPr/>
+        <p:txBody>
+          <a:bodyPr/>
+          <a:lstStyle/>
+          <a:p>
+            <a:endParaRPr lang="de-CH"/>
+          </a:p>
+        </p:txBody>
+      </p:sp>
     </p:spTree>
     <p:extLst>
       <p:ext uri="{BB962C8B-B14F-4D97-AF65-F5344CB8AC3E}">
-        <p14:creationId xmlns:p14="http://schemas.microsoft.com/office/powerpoint/2010/main" val="26884143"/>
+        <p14:creationId xmlns:p14="http://schemas.microsoft.com/office/powerpoint/2010/main" val="3527122797"/>
       </p:ext>
     </p:extLst>
   </p:cSld>
@@ -11483,293 +11490,6 @@
 </file>
 
 <file path=ppt/slides/slide12.xml><?xml version="1.0" encoding="utf-8"?>
-<p:sld xmlns:a="http://schemas.openxmlformats.org/drawingml/2006/main" xmlns:r="http://schemas.openxmlformats.org/officeDocument/2006/relationships" xmlns:p="http://schemas.openxmlformats.org/presentationml/2006/main">
-  <p:cSld>
-    <p:spTree>
-      <p:nvGrpSpPr>
-        <p:cNvPr id="1" name=""/>
-        <p:cNvGrpSpPr/>
-        <p:nvPr/>
-      </p:nvGrpSpPr>
-      <p:grpSpPr>
-        <a:xfrm>
-          <a:off x="0" y="0"/>
-          <a:ext cx="0" cy="0"/>
-          <a:chOff x="0" y="0"/>
-          <a:chExt cx="0" cy="0"/>
-        </a:xfrm>
-      </p:grpSpPr>
-      <p:graphicFrame>
-        <p:nvGraphicFramePr>
-          <p:cNvPr id="6" name="Objekt 5"/>
-          <p:cNvGraphicFramePr>
-            <a:graphicFrameLocks noChangeAspect="1"/>
-          </p:cNvGraphicFramePr>
-          <p:nvPr>
-            <p:extLst>
-              <p:ext uri="{D42A27DB-BD31-4B8C-83A1-F6EECF244321}">
-                <p14:modId xmlns:p14="http://schemas.microsoft.com/office/powerpoint/2010/main" val="2800909453"/>
-              </p:ext>
-            </p:extLst>
-          </p:nvPr>
-        </p:nvGraphicFramePr>
-        <p:xfrm>
-          <a:off x="958850" y="1920129"/>
-          <a:ext cx="10274300" cy="4391771"/>
-        </p:xfrm>
-        <a:graphic>
-          <a:graphicData uri="http://schemas.openxmlformats.org/presentationml/2006/ole">
-            <mc:AlternateContent xmlns:mc="http://schemas.openxmlformats.org/markup-compatibility/2006">
-              <mc:Choice xmlns:v="urn:schemas-microsoft-com:vml" Requires="v">
-                <p:oleObj spid="_x0000_s2140" name="Acrobat Document" r:id="rId3" imgW="3886002" imgH="5028936" progId="AcroExch.Document.DC">
-                  <p:embed/>
-                </p:oleObj>
-              </mc:Choice>
-              <mc:Fallback>
-                <p:oleObj name="Acrobat Document" r:id="rId3" imgW="3886002" imgH="5028936" progId="AcroExch.Document.DC">
-                  <p:embed/>
-                  <p:pic>
-                    <p:nvPicPr>
-                      <p:cNvPr id="0" name=""/>
-                      <p:cNvPicPr/>
-                      <p:nvPr/>
-                    </p:nvPicPr>
-                    <p:blipFill>
-                      <a:blip r:embed="rId4"/>
-                      <a:stretch>
-                        <a:fillRect/>
-                      </a:stretch>
-                    </p:blipFill>
-                    <p:spPr>
-                      <a:xfrm>
-                        <a:off x="958850" y="1920129"/>
-                        <a:ext cx="10274300" cy="4391771"/>
-                      </a:xfrm>
-                      <a:prstGeom prst="rect">
-                        <a:avLst/>
-                      </a:prstGeom>
-                    </p:spPr>
-                  </p:pic>
-                </p:oleObj>
-              </mc:Fallback>
-            </mc:AlternateContent>
-          </a:graphicData>
-        </a:graphic>
-      </p:graphicFrame>
-      <p:sp>
-        <p:nvSpPr>
-          <p:cNvPr id="2" name="Titel 1"/>
-          <p:cNvSpPr>
-            <a:spLocks noGrp="1"/>
-          </p:cNvSpPr>
-          <p:nvPr>
-            <p:ph type="title"/>
-          </p:nvPr>
-        </p:nvSpPr>
-        <p:spPr/>
-        <p:txBody>
-          <a:bodyPr>
-            <a:normAutofit fontScale="90000"/>
-          </a:bodyPr>
-          <a:lstStyle/>
-          <a:p>
-            <a:br>
-              <a:rPr lang="de-CH" dirty="0"/>
-            </a:br>
-            <a:br>
-              <a:rPr lang="de-CH" dirty="0"/>
-            </a:br>
-            <a:br>
-              <a:rPr lang="de-CH" dirty="0"/>
-            </a:br>
-            <a:r>
-              <a:rPr lang="de-CH" dirty="0" err="1"/>
-              <a:t>IIIa</a:t>
-            </a:r>
-            <a:r>
-              <a:rPr lang="de-CH" dirty="0"/>
-              <a:t> </a:t>
-            </a:r>
-            <a:r>
-              <a:rPr lang="de-CH" dirty="0" err="1"/>
-              <a:t>Modelling</a:t>
-            </a:r>
-            <a:r>
-              <a:rPr lang="de-CH" dirty="0"/>
-              <a:t>: Classification </a:t>
-            </a:r>
-            <a:r>
-              <a:rPr lang="de-CH" dirty="0" err="1"/>
-              <a:t>Tree</a:t>
-            </a:r>
-            <a:br>
-              <a:rPr lang="de-CH" dirty="0"/>
-            </a:br>
-            <a:br>
-              <a:rPr lang="de-CH" dirty="0"/>
-            </a:br>
-            <a:br>
-              <a:rPr lang="de-CH" dirty="0"/>
-            </a:br>
-            <a:endParaRPr lang="de-CH" dirty="0"/>
-          </a:p>
-        </p:txBody>
-      </p:sp>
-      <p:sp>
-        <p:nvSpPr>
-          <p:cNvPr id="5" name="Inhaltsplatzhalter 4"/>
-          <p:cNvSpPr>
-            <a:spLocks noGrp="1"/>
-          </p:cNvSpPr>
-          <p:nvPr>
-            <p:ph idx="1"/>
-          </p:nvPr>
-        </p:nvSpPr>
-        <p:spPr/>
-        <p:txBody>
-          <a:bodyPr/>
-          <a:lstStyle/>
-          <a:p>
-            <a:endParaRPr lang="de-CH" dirty="0"/>
-          </a:p>
-        </p:txBody>
-      </p:sp>
-    </p:spTree>
-    <p:extLst>
-      <p:ext uri="{BB962C8B-B14F-4D97-AF65-F5344CB8AC3E}">
-        <p14:creationId xmlns:p14="http://schemas.microsoft.com/office/powerpoint/2010/main" val="3686857678"/>
-      </p:ext>
-    </p:extLst>
-  </p:cSld>
-  <p:clrMapOvr>
-    <a:masterClrMapping/>
-  </p:clrMapOvr>
-</p:sld>
-</file>
-
-<file path=ppt/slides/slide13.xml><?xml version="1.0" encoding="utf-8"?>
-<p:sld xmlns:a="http://schemas.openxmlformats.org/drawingml/2006/main" xmlns:r="http://schemas.openxmlformats.org/officeDocument/2006/relationships" xmlns:p="http://schemas.openxmlformats.org/presentationml/2006/main">
-  <p:cSld>
-    <p:spTree>
-      <p:nvGrpSpPr>
-        <p:cNvPr id="1" name=""/>
-        <p:cNvGrpSpPr/>
-        <p:nvPr/>
-      </p:nvGrpSpPr>
-      <p:grpSpPr>
-        <a:xfrm>
-          <a:off x="0" y="0"/>
-          <a:ext cx="0" cy="0"/>
-          <a:chOff x="0" y="0"/>
-          <a:chExt cx="0" cy="0"/>
-        </a:xfrm>
-      </p:grpSpPr>
-      <p:sp>
-        <p:nvSpPr>
-          <p:cNvPr id="2" name="Titel 1"/>
-          <p:cNvSpPr>
-            <a:spLocks noGrp="1"/>
-          </p:cNvSpPr>
-          <p:nvPr>
-            <p:ph type="title"/>
-          </p:nvPr>
-        </p:nvSpPr>
-        <p:spPr/>
-        <p:txBody>
-          <a:bodyPr>
-            <a:normAutofit fontScale="90000"/>
-          </a:bodyPr>
-          <a:lstStyle/>
-          <a:p>
-            <a:br>
-              <a:rPr lang="de-CH" dirty="0"/>
-            </a:br>
-            <a:br>
-              <a:rPr lang="de-CH" dirty="0"/>
-            </a:br>
-            <a:br>
-              <a:rPr lang="de-CH" dirty="0"/>
-            </a:br>
-            <a:r>
-              <a:rPr lang="de-CH" dirty="0" err="1"/>
-              <a:t>IIIa</a:t>
-            </a:r>
-            <a:r>
-              <a:rPr lang="de-CH" dirty="0"/>
-              <a:t> </a:t>
-            </a:r>
-            <a:r>
-              <a:rPr lang="de-CH" dirty="0" err="1"/>
-              <a:t>Modelling</a:t>
-            </a:r>
-            <a:r>
-              <a:rPr lang="de-CH" dirty="0"/>
-              <a:t>: Classification </a:t>
-            </a:r>
-            <a:r>
-              <a:rPr lang="de-CH" dirty="0" err="1"/>
-              <a:t>Tree</a:t>
-            </a:r>
-            <a:r>
-              <a:rPr lang="de-CH" dirty="0"/>
-              <a:t> (cart_red_new_v2)</a:t>
-            </a:r>
-            <a:br>
-              <a:rPr lang="de-CH" dirty="0"/>
-            </a:br>
-            <a:br>
-              <a:rPr lang="de-CH" dirty="0"/>
-            </a:br>
-            <a:br>
-              <a:rPr lang="de-CH" dirty="0"/>
-            </a:br>
-            <a:endParaRPr lang="de-CH" dirty="0"/>
-          </a:p>
-        </p:txBody>
-      </p:sp>
-      <p:pic>
-        <p:nvPicPr>
-          <p:cNvPr id="4" name="Inhaltsplatzhalter 3"/>
-          <p:cNvPicPr>
-            <a:picLocks noGrp="1" noChangeAspect="1"/>
-          </p:cNvPicPr>
-          <p:nvPr>
-            <p:ph idx="1"/>
-          </p:nvPr>
-        </p:nvPicPr>
-        <p:blipFill>
-          <a:blip r:embed="rId2">
-            <a:extLst>
-              <a:ext uri="{28A0092B-C50C-407E-A947-70E740481C1C}">
-                <a14:useLocalDpi xmlns:a14="http://schemas.microsoft.com/office/drawing/2010/main" val="0"/>
-              </a:ext>
-            </a:extLst>
-          </a:blip>
-          <a:stretch>
-            <a:fillRect/>
-          </a:stretch>
-        </p:blipFill>
-        <p:spPr>
-          <a:xfrm>
-            <a:off x="1016000" y="1491167"/>
-            <a:ext cx="9156700" cy="5366833"/>
-          </a:xfrm>
-        </p:spPr>
-      </p:pic>
-    </p:spTree>
-    <p:extLst>
-      <p:ext uri="{BB962C8B-B14F-4D97-AF65-F5344CB8AC3E}">
-        <p14:creationId xmlns:p14="http://schemas.microsoft.com/office/powerpoint/2010/main" val="1729124144"/>
-      </p:ext>
-    </p:extLst>
-  </p:cSld>
-  <p:clrMapOvr>
-    <a:masterClrMapping/>
-  </p:clrMapOvr>
-</p:sld>
-</file>
-
-<file path=ppt/slides/slide14.xml><?xml version="1.0" encoding="utf-8"?>
 <p:sld xmlns:a="http://schemas.openxmlformats.org/drawingml/2006/main" xmlns:r="http://schemas.openxmlformats.org/officeDocument/2006/relationships" xmlns:p="http://schemas.openxmlformats.org/presentationml/2006/main">
   <p:cSld>
     <p:spTree>
@@ -12182,7 +11902,7 @@
 </p:sld>
 </file>
 
-<file path=ppt/slides/slide15.xml><?xml version="1.0" encoding="utf-8"?>
+<file path=ppt/slides/slide13.xml><?xml version="1.0" encoding="utf-8"?>
 <p:sld xmlns:a="http://schemas.openxmlformats.org/drawingml/2006/main" xmlns:r="http://schemas.openxmlformats.org/officeDocument/2006/relationships" xmlns:p="http://schemas.openxmlformats.org/presentationml/2006/main">
   <p:cSld>
     <p:spTree>
@@ -12199,150 +11919,135 @@
           <a:chExt cx="0" cy="0"/>
         </a:xfrm>
       </p:grpSpPr>
-      <p:sp>
-        <p:nvSpPr>
-          <p:cNvPr id="2" name="Titel 1"/>
-          <p:cNvSpPr>
-            <a:spLocks noGrp="1"/>
-          </p:cNvSpPr>
-          <p:nvPr>
-            <p:ph type="title"/>
-          </p:nvPr>
-        </p:nvSpPr>
-        <p:spPr/>
-        <p:txBody>
-          <a:bodyPr>
-            <a:normAutofit fontScale="90000"/>
-          </a:bodyPr>
-          <a:lstStyle/>
-          <a:p>
-            <a:br>
-              <a:rPr lang="de-CH" dirty="0"/>
-            </a:br>
-            <a:r>
-              <a:rPr lang="de-CH" dirty="0" err="1"/>
-              <a:t>IIIb</a:t>
-            </a:r>
-            <a:r>
-              <a:rPr lang="de-CH" dirty="0"/>
-              <a:t> </a:t>
-            </a:r>
-            <a:r>
-              <a:rPr lang="de-CH" dirty="0" err="1"/>
-              <a:t>Modelling</a:t>
-            </a:r>
-            <a:r>
-              <a:rPr lang="de-CH" dirty="0"/>
-              <a:t>: Random Forest</a:t>
-            </a:r>
-            <a:br>
-              <a:rPr lang="de-CH" dirty="0"/>
-            </a:br>
-            <a:br>
-              <a:rPr lang="de-CH" dirty="0"/>
-            </a:br>
-            <a:endParaRPr lang="de-CH" dirty="0"/>
-          </a:p>
-        </p:txBody>
-      </p:sp>
       <p:pic>
         <p:nvPicPr>
-          <p:cNvPr id="5" name="Inhaltsplatzhalter 4"/>
+          <p:cNvPr id="9" name="Grafik 8"/>
           <p:cNvPicPr>
-            <a:picLocks noGrp="1" noChangeAspect="1"/>
+            <a:picLocks noChangeAspect="1"/>
           </p:cNvPicPr>
-          <p:nvPr>
-            <p:ph idx="1"/>
-          </p:nvPr>
+          <p:nvPr/>
         </p:nvPicPr>
         <p:blipFill>
-          <a:blip r:embed="rId3">
-            <a:extLst>
-              <a:ext uri="{28A0092B-C50C-407E-A947-70E740481C1C}">
-                <a14:useLocalDpi xmlns:a14="http://schemas.microsoft.com/office/drawing/2010/main" val="0"/>
-              </a:ext>
-            </a:extLst>
-          </a:blip>
+          <a:blip r:embed="rId3"/>
           <a:stretch>
             <a:fillRect/>
           </a:stretch>
         </p:blipFill>
         <p:spPr>
           <a:xfrm>
-            <a:off x="957711" y="1524000"/>
-            <a:ext cx="10276577" cy="4809581"/>
-          </a:xfrm>
-        </p:spPr>
-      </p:pic>
-      <p:sp>
-        <p:nvSpPr>
-          <p:cNvPr id="6" name="Rechteck 5"/>
-          <p:cNvSpPr/>
-          <p:nvPr/>
-        </p:nvSpPr>
-        <p:spPr>
-          <a:xfrm>
-            <a:off x="1305951" y="1524000"/>
-            <a:ext cx="10336320" cy="369332"/>
+            <a:off x="677334" y="2634615"/>
+            <a:ext cx="8085666" cy="4201729"/>
           </a:xfrm>
           <a:prstGeom prst="rect">
             <a:avLst/>
           </a:prstGeom>
         </p:spPr>
-        <p:txBody>
-          <a:bodyPr wrap="square">
-            <a:spAutoFit/>
+      </p:pic>
+      <p:sp>
+        <p:nvSpPr>
+          <p:cNvPr id="2" name="Titel 1"/>
+          <p:cNvSpPr>
+            <a:spLocks noGrp="1"/>
+          </p:cNvSpPr>
+          <p:nvPr>
+            <p:ph type="title"/>
+          </p:nvPr>
+        </p:nvSpPr>
+        <p:spPr/>
+        <p:txBody>
+          <a:bodyPr>
+            <a:normAutofit/>
           </a:bodyPr>
           <a:lstStyle/>
           <a:p>
             <a:r>
-              <a:rPr lang="de-CH" dirty="0"/>
-              <a:t>Error Rate in </a:t>
-            </a:r>
-            <a:r>
-              <a:rPr lang="de-CH" dirty="0" err="1"/>
-              <a:t>depandance</a:t>
-            </a:r>
-            <a:r>
-              <a:rPr lang="de-CH" dirty="0"/>
-              <a:t> </a:t>
-            </a:r>
-            <a:r>
-              <a:rPr lang="de-CH" dirty="0" err="1"/>
+              <a:rPr lang="de-CH" dirty="0" err="1"/>
+              <a:t>IIIb</a:t>
+            </a:r>
+            <a:r>
+              <a:rPr lang="de-CH" dirty="0"/>
+              <a:t> </a:t>
+            </a:r>
+            <a:r>
+              <a:rPr lang="de-CH" dirty="0" err="1"/>
+              <a:t>Modelling</a:t>
+            </a:r>
+            <a:r>
+              <a:rPr lang="de-CH" dirty="0"/>
+              <a:t>: Random Forest</a:t>
+            </a:r>
+            <a:br>
+              <a:rPr lang="de-CH" dirty="0"/>
+            </a:br>
+            <a:endParaRPr lang="de-CH" dirty="0"/>
+          </a:p>
+        </p:txBody>
+      </p:sp>
+      <p:sp>
+        <p:nvSpPr>
+          <p:cNvPr id="8" name="Inhaltsplatzhalter 7"/>
+          <p:cNvSpPr>
+            <a:spLocks noGrp="1"/>
+          </p:cNvSpPr>
+          <p:nvPr>
+            <p:ph idx="1"/>
+          </p:nvPr>
+        </p:nvSpPr>
+        <p:spPr/>
+        <p:txBody>
+          <a:bodyPr>
+            <a:normAutofit/>
+          </a:bodyPr>
+          <a:lstStyle/>
+          <a:p>
+            <a:r>
+              <a:rPr lang="de-CH" sz="2400" dirty="0"/>
+              <a:t>Error rate in Dependance </a:t>
+            </a:r>
+            <a:r>
+              <a:rPr lang="de-CH" sz="2400" dirty="0" err="1"/>
               <a:t>of</a:t>
             </a:r>
             <a:r>
-              <a:rPr lang="de-CH" dirty="0"/>
-              <a:t> </a:t>
-            </a:r>
-            <a:r>
-              <a:rPr lang="de-CH" dirty="0" err="1"/>
+              <a:rPr lang="de-CH" sz="2400" dirty="0"/>
+              <a:t> </a:t>
+            </a:r>
+            <a:r>
+              <a:rPr lang="de-CH" sz="2400" dirty="0" err="1"/>
+              <a:t>the</a:t>
+            </a:r>
+            <a:r>
+              <a:rPr lang="de-CH" sz="2400" dirty="0"/>
+              <a:t> </a:t>
+            </a:r>
+            <a:r>
+              <a:rPr lang="de-CH" sz="2400" dirty="0" err="1"/>
               <a:t>number</a:t>
             </a:r>
             <a:r>
-              <a:rPr lang="de-CH" dirty="0"/>
-              <a:t> </a:t>
-            </a:r>
-            <a:r>
-              <a:rPr lang="de-CH" dirty="0" err="1"/>
+              <a:rPr lang="de-CH" sz="2400" dirty="0"/>
+              <a:t> </a:t>
+            </a:r>
+            <a:r>
+              <a:rPr lang="de-CH" sz="2400" dirty="0" err="1"/>
               <a:t>of</a:t>
             </a:r>
             <a:r>
-              <a:rPr lang="de-CH" dirty="0"/>
-              <a:t> </a:t>
-            </a:r>
-            <a:r>
-              <a:rPr lang="de-CH" dirty="0" err="1"/>
+              <a:rPr lang="de-CH" sz="2400" dirty="0"/>
+              <a:t> </a:t>
+            </a:r>
+            <a:r>
+              <a:rPr lang="de-CH" sz="2400" dirty="0" err="1"/>
               <a:t>trees</a:t>
             </a:r>
-            <a:endParaRPr lang="de-CH" dirty="0"/>
+            <a:endParaRPr lang="de-CH" sz="2400" dirty="0"/>
           </a:p>
         </p:txBody>
       </p:sp>
     </p:spTree>
     <p:extLst>
       <p:ext uri="{BB962C8B-B14F-4D97-AF65-F5344CB8AC3E}">
-        <p14:creationId xmlns:p14="http://schemas.microsoft.com/office/powerpoint/2010/main" val="2790198030"/>
+        <p14:creationId xmlns:p14="http://schemas.microsoft.com/office/powerpoint/2010/main" val="1116370599"/>
       </p:ext>
     </p:extLst>
   </p:cSld>
@@ -12352,7 +12057,7 @@
 </p:sld>
 </file>
 
-<file path=ppt/slides/slide16.xml><?xml version="1.0" encoding="utf-8"?>
+<file path=ppt/slides/slide14.xml><?xml version="1.0" encoding="utf-8"?>
 <p:sld xmlns:a="http://schemas.openxmlformats.org/drawingml/2006/main" xmlns:r="http://schemas.openxmlformats.org/officeDocument/2006/relationships" xmlns:p="http://schemas.openxmlformats.org/presentationml/2006/main">
   <p:cSld>
     <p:spTree>
@@ -12369,6 +12074,30 @@
           <a:chExt cx="0" cy="0"/>
         </a:xfrm>
       </p:grpSpPr>
+      <p:pic>
+        <p:nvPicPr>
+          <p:cNvPr id="18" name="Grafik 17"/>
+          <p:cNvPicPr>
+            <a:picLocks noChangeAspect="1"/>
+          </p:cNvPicPr>
+          <p:nvPr/>
+        </p:nvPicPr>
+        <p:blipFill>
+          <a:blip r:embed="rId3"/>
+          <a:stretch>
+            <a:fillRect/>
+          </a:stretch>
+        </p:blipFill>
+        <p:spPr>
+          <a:xfrm>
+            <a:off x="1691640" y="2072832"/>
+            <a:ext cx="5897880" cy="4785168"/>
+          </a:xfrm>
+          <a:prstGeom prst="rect">
+            <a:avLst/>
+          </a:prstGeom>
+        </p:spPr>
+      </p:pic>
       <p:sp>
         <p:nvSpPr>
           <p:cNvPr id="2" name="Titel 1"/>
@@ -12382,13 +12111,10 @@
         <p:spPr/>
         <p:txBody>
           <a:bodyPr>
-            <a:normAutofit fontScale="90000"/>
+            <a:normAutofit/>
           </a:bodyPr>
           <a:lstStyle/>
           <a:p>
-            <a:br>
-              <a:rPr lang="de-CH" dirty="0"/>
-            </a:br>
             <a:r>
               <a:rPr lang="de-CH" dirty="0" err="1"/>
               <a:t>IIIb</a:t>
@@ -12412,68 +12138,47 @@
           </a:p>
         </p:txBody>
       </p:sp>
-      <p:graphicFrame>
-        <p:nvGraphicFramePr>
-          <p:cNvPr id="4" name="Inhaltsplatzhalter 3"/>
-          <p:cNvGraphicFramePr>
-            <a:graphicFrameLocks noGrp="1" noChangeAspect="1"/>
-          </p:cNvGraphicFramePr>
+      <p:sp>
+        <p:nvSpPr>
+          <p:cNvPr id="19" name="Inhaltsplatzhalter 7"/>
+          <p:cNvSpPr>
+            <a:spLocks noGrp="1"/>
+          </p:cNvSpPr>
           <p:nvPr>
             <p:ph idx="1"/>
-            <p:extLst>
-              <p:ext uri="{D42A27DB-BD31-4B8C-83A1-F6EECF244321}">
-                <p14:modId xmlns:p14="http://schemas.microsoft.com/office/powerpoint/2010/main" val="2207152401"/>
-              </p:ext>
-            </p:extLst>
-          </p:nvPr>
-        </p:nvGraphicFramePr>
-        <p:xfrm>
-          <a:off x="3760788" y="1473200"/>
-          <a:ext cx="3802062" cy="4919663"/>
-        </p:xfrm>
-        <a:graphic>
-          <a:graphicData uri="http://schemas.openxmlformats.org/presentationml/2006/ole">
-            <mc:AlternateContent xmlns:mc="http://schemas.openxmlformats.org/markup-compatibility/2006">
-              <mc:Choice xmlns:v="urn:schemas-microsoft-com:vml" Requires="v">
-                <p:oleObj spid="_x0000_s3162" name="Acrobat Document" r:id="rId4" imgW="3886002" imgH="5028936" progId="AcroExch.Document.DC">
-                  <p:embed/>
-                </p:oleObj>
-              </mc:Choice>
-              <mc:Fallback>
-                <p:oleObj name="Acrobat Document" r:id="rId4" imgW="3886002" imgH="5028936" progId="AcroExch.Document.DC">
-                  <p:embed/>
-                  <p:pic>
-                    <p:nvPicPr>
-                      <p:cNvPr id="0" name=""/>
-                      <p:cNvPicPr/>
-                      <p:nvPr/>
-                    </p:nvPicPr>
-                    <p:blipFill>
-                      <a:blip r:embed="rId5"/>
-                      <a:stretch>
-                        <a:fillRect/>
-                      </a:stretch>
-                    </p:blipFill>
-                    <p:spPr>
-                      <a:xfrm>
-                        <a:off x="3760788" y="1473200"/>
-                        <a:ext cx="3802062" cy="4919663"/>
-                      </a:xfrm>
-                      <a:prstGeom prst="rect">
-                        <a:avLst/>
-                      </a:prstGeom>
-                    </p:spPr>
-                  </p:pic>
-                </p:oleObj>
-              </mc:Fallback>
-            </mc:AlternateContent>
-          </a:graphicData>
-        </a:graphic>
-      </p:graphicFrame>
+          </p:nvPr>
+        </p:nvSpPr>
+        <p:spPr>
+          <a:xfrm>
+            <a:off x="677334" y="1691639"/>
+            <a:ext cx="8596668" cy="3880773"/>
+          </a:xfrm>
+        </p:spPr>
+        <p:txBody>
+          <a:bodyPr>
+            <a:normAutofit/>
+          </a:bodyPr>
+          <a:lstStyle/>
+          <a:p>
+            <a:r>
+              <a:rPr lang="de-CH" sz="2400" dirty="0"/>
+              <a:t>Most </a:t>
+            </a:r>
+            <a:r>
+              <a:rPr lang="de-CH" sz="2400" dirty="0" err="1"/>
+              <a:t>important</a:t>
+            </a:r>
+            <a:r>
+              <a:rPr lang="de-CH" sz="2400" dirty="0"/>
+              <a:t> Variables</a:t>
+            </a:r>
+          </a:p>
+        </p:txBody>
+      </p:sp>
     </p:spTree>
     <p:extLst>
       <p:ext uri="{BB962C8B-B14F-4D97-AF65-F5344CB8AC3E}">
-        <p14:creationId xmlns:p14="http://schemas.microsoft.com/office/powerpoint/2010/main" val="468297327"/>
+        <p14:creationId xmlns:p14="http://schemas.microsoft.com/office/powerpoint/2010/main" val="3092949066"/>
       </p:ext>
     </p:extLst>
   </p:cSld>
@@ -12483,99 +12188,7 @@
 </p:sld>
 </file>
 
-<file path=ppt/slides/slide17.xml><?xml version="1.0" encoding="utf-8"?>
-<p:sld xmlns:a="http://schemas.openxmlformats.org/drawingml/2006/main" xmlns:r="http://schemas.openxmlformats.org/officeDocument/2006/relationships" xmlns:p="http://schemas.openxmlformats.org/presentationml/2006/main">
-  <p:cSld>
-    <p:spTree>
-      <p:nvGrpSpPr>
-        <p:cNvPr id="1" name=""/>
-        <p:cNvGrpSpPr/>
-        <p:nvPr/>
-      </p:nvGrpSpPr>
-      <p:grpSpPr>
-        <a:xfrm>
-          <a:off x="0" y="0"/>
-          <a:ext cx="0" cy="0"/>
-          <a:chOff x="0" y="0"/>
-          <a:chExt cx="0" cy="0"/>
-        </a:xfrm>
-      </p:grpSpPr>
-      <p:sp>
-        <p:nvSpPr>
-          <p:cNvPr id="2" name="Titel 1"/>
-          <p:cNvSpPr>
-            <a:spLocks noGrp="1"/>
-          </p:cNvSpPr>
-          <p:nvPr>
-            <p:ph type="title"/>
-          </p:nvPr>
-        </p:nvSpPr>
-        <p:spPr/>
-        <p:txBody>
-          <a:bodyPr>
-            <a:normAutofit fontScale="90000"/>
-          </a:bodyPr>
-          <a:lstStyle/>
-          <a:p>
-            <a:br>
-              <a:rPr lang="de-CH" dirty="0"/>
-            </a:br>
-            <a:r>
-              <a:rPr lang="de-CH" dirty="0" err="1"/>
-              <a:t>IIIb</a:t>
-            </a:r>
-            <a:r>
-              <a:rPr lang="de-CH" dirty="0"/>
-              <a:t> </a:t>
-            </a:r>
-            <a:r>
-              <a:rPr lang="de-CH" dirty="0" err="1"/>
-              <a:t>Modelling</a:t>
-            </a:r>
-            <a:r>
-              <a:rPr lang="de-CH" dirty="0"/>
-              <a:t>: Random Forest</a:t>
-            </a:r>
-            <a:br>
-              <a:rPr lang="de-CH" dirty="0"/>
-            </a:br>
-            <a:endParaRPr lang="de-CH" dirty="0"/>
-          </a:p>
-        </p:txBody>
-      </p:sp>
-      <p:sp>
-        <p:nvSpPr>
-          <p:cNvPr id="6" name="Inhaltsplatzhalter 5"/>
-          <p:cNvSpPr>
-            <a:spLocks noGrp="1"/>
-          </p:cNvSpPr>
-          <p:nvPr>
-            <p:ph idx="1"/>
-          </p:nvPr>
-        </p:nvSpPr>
-        <p:spPr/>
-        <p:txBody>
-          <a:bodyPr/>
-          <a:lstStyle/>
-          <a:p>
-            <a:endParaRPr lang="de-CH"/>
-          </a:p>
-        </p:txBody>
-      </p:sp>
-    </p:spTree>
-    <p:extLst>
-      <p:ext uri="{BB962C8B-B14F-4D97-AF65-F5344CB8AC3E}">
-        <p14:creationId xmlns:p14="http://schemas.microsoft.com/office/powerpoint/2010/main" val="2040562957"/>
-      </p:ext>
-    </p:extLst>
-  </p:cSld>
-  <p:clrMapOvr>
-    <a:masterClrMapping/>
-  </p:clrMapOvr>
-</p:sld>
-</file>
-
-<file path=ppt/slides/slide18.xml><?xml version="1.0" encoding="utf-8"?>
+<file path=ppt/slides/slide15.xml><?xml version="1.0" encoding="utf-8"?>
 <p:sld xmlns:a="http://schemas.openxmlformats.org/drawingml/2006/main" xmlns:r="http://schemas.openxmlformats.org/officeDocument/2006/relationships" xmlns:p="http://schemas.openxmlformats.org/presentationml/2006/main">
   <p:cSld>
     <p:spTree>
@@ -12936,7 +12549,7 @@
 </p:sld>
 </file>
 
-<file path=ppt/slides/slide19.xml><?xml version="1.0" encoding="utf-8"?>
+<file path=ppt/slides/slide16.xml><?xml version="1.0" encoding="utf-8"?>
 <p:sld xmlns:a="http://schemas.openxmlformats.org/drawingml/2006/main" xmlns:r="http://schemas.openxmlformats.org/officeDocument/2006/relationships" xmlns:p="http://schemas.openxmlformats.org/presentationml/2006/main">
   <p:cSld>
     <p:spTree>
@@ -12993,10 +12606,15 @@
             <p:ph idx="1"/>
           </p:nvPr>
         </p:nvSpPr>
-        <p:spPr/>
+        <p:spPr>
+          <a:xfrm>
+            <a:off x="677334" y="1524001"/>
+            <a:ext cx="8596668" cy="4517362"/>
+          </a:xfrm>
+        </p:spPr>
         <p:txBody>
           <a:bodyPr>
-            <a:normAutofit fontScale="92500" lnSpcReduction="10000"/>
+            <a:normAutofit fontScale="47500" lnSpcReduction="20000"/>
           </a:bodyPr>
           <a:lstStyle/>
           <a:p>
@@ -13004,75 +12622,75 @@
               <a:buNone/>
             </a:pPr>
             <a:r>
-              <a:rPr lang="de-CH" dirty="0"/>
+              <a:rPr lang="de-CH" sz="3100" dirty="0"/>
               <a:t>Most </a:t>
             </a:r>
             <a:r>
-              <a:rPr lang="de-CH" dirty="0" err="1"/>
+              <a:rPr lang="de-CH" sz="3100" dirty="0" err="1"/>
               <a:t>important</a:t>
             </a:r>
             <a:r>
-              <a:rPr lang="de-CH" dirty="0"/>
-              <a:t> </a:t>
-            </a:r>
-            <a:r>
-              <a:rPr lang="de-CH" dirty="0" err="1"/>
+              <a:rPr lang="de-CH" sz="3100" dirty="0"/>
+              <a:t> </a:t>
+            </a:r>
+            <a:r>
+              <a:rPr lang="de-CH" sz="3100" dirty="0" err="1"/>
               <a:t>and</a:t>
             </a:r>
             <a:r>
-              <a:rPr lang="de-CH" dirty="0"/>
+              <a:rPr lang="de-CH" sz="3100" dirty="0"/>
               <a:t> robust Variables </a:t>
             </a:r>
             <a:r>
-              <a:rPr lang="de-CH" b="1" dirty="0" err="1"/>
+              <a:rPr lang="de-CH" sz="3100" b="1" dirty="0" err="1"/>
               <a:t>according</a:t>
             </a:r>
             <a:r>
-              <a:rPr lang="de-CH" b="1" dirty="0"/>
-              <a:t> </a:t>
-            </a:r>
-            <a:r>
-              <a:rPr lang="de-CH" b="1" dirty="0" err="1"/>
+              <a:rPr lang="de-CH" sz="3100" b="1" dirty="0"/>
+              <a:t> </a:t>
+            </a:r>
+            <a:r>
+              <a:rPr lang="de-CH" sz="3100" b="1" dirty="0" err="1"/>
               <a:t>to</a:t>
             </a:r>
             <a:r>
-              <a:rPr lang="de-CH" b="1" dirty="0"/>
-              <a:t> </a:t>
-            </a:r>
-            <a:r>
-              <a:rPr lang="de-CH" b="1" dirty="0" err="1"/>
+              <a:rPr lang="de-CH" sz="3100" b="1" dirty="0"/>
+              <a:t> </a:t>
+            </a:r>
+            <a:r>
+              <a:rPr lang="de-CH" sz="3100" b="1" dirty="0" err="1"/>
               <a:t>both</a:t>
             </a:r>
             <a:r>
-              <a:rPr lang="de-CH" b="1" dirty="0"/>
-              <a:t> </a:t>
-            </a:r>
-            <a:r>
-              <a:rPr lang="de-CH" b="1" dirty="0" err="1"/>
+              <a:rPr lang="de-CH" sz="3100" b="1" dirty="0"/>
+              <a:t> </a:t>
+            </a:r>
+            <a:r>
+              <a:rPr lang="de-CH" sz="3100" b="1" dirty="0" err="1"/>
               <a:t>models</a:t>
             </a:r>
             <a:r>
-              <a:rPr lang="de-CH" b="1" dirty="0"/>
-              <a:t> </a:t>
-            </a:r>
-            <a:r>
-              <a:rPr lang="de-CH" dirty="0"/>
+              <a:rPr lang="de-CH" sz="3100" b="1" dirty="0"/>
+              <a:t> </a:t>
+            </a:r>
+            <a:r>
+              <a:rPr lang="de-CH" sz="3100" dirty="0"/>
               <a:t>Classification </a:t>
             </a:r>
             <a:r>
-              <a:rPr lang="de-CH" dirty="0" err="1"/>
+              <a:rPr lang="de-CH" sz="3100" dirty="0" err="1"/>
               <a:t>Tree</a:t>
             </a:r>
             <a:r>
-              <a:rPr lang="de-CH" dirty="0"/>
-              <a:t> </a:t>
-            </a:r>
-            <a:r>
-              <a:rPr lang="de-CH" dirty="0" err="1"/>
+              <a:rPr lang="de-CH" sz="3100" dirty="0"/>
+              <a:t> </a:t>
+            </a:r>
+            <a:r>
+              <a:rPr lang="de-CH" sz="3100" dirty="0" err="1"/>
               <a:t>and</a:t>
             </a:r>
             <a:r>
-              <a:rPr lang="de-CH" dirty="0"/>
+              <a:rPr lang="de-CH" sz="3100" dirty="0"/>
               <a:t> Random Forest:</a:t>
             </a:r>
           </a:p>
@@ -13081,23 +12699,23 @@
               <a:buAutoNum type="arabicPeriod"/>
             </a:pPr>
             <a:r>
-              <a:rPr lang="de-CH" dirty="0"/>
+              <a:rPr lang="de-CH" sz="3100" dirty="0"/>
               <a:t>CHK_ACCT (</a:t>
             </a:r>
             <a:r>
-              <a:rPr lang="de-CH" dirty="0" err="1"/>
+              <a:rPr lang="de-CH" sz="3100" dirty="0" err="1"/>
               <a:t>most</a:t>
             </a:r>
             <a:r>
-              <a:rPr lang="de-CH" dirty="0"/>
-              <a:t> </a:t>
-            </a:r>
-            <a:r>
-              <a:rPr lang="de-CH" dirty="0" err="1"/>
+              <a:rPr lang="de-CH" sz="3100" dirty="0"/>
+              <a:t> </a:t>
+            </a:r>
+            <a:r>
+              <a:rPr lang="de-CH" sz="3100" dirty="0" err="1"/>
               <a:t>important</a:t>
             </a:r>
             <a:r>
-              <a:rPr lang="de-CH" dirty="0"/>
+              <a:rPr lang="de-CH" sz="3100" dirty="0"/>
               <a:t> Variable!)</a:t>
             </a:r>
           </a:p>
@@ -13106,7 +12724,7 @@
               <a:buNone/>
             </a:pPr>
             <a:r>
-              <a:rPr lang="de-CH" dirty="0"/>
+              <a:rPr lang="de-CH" sz="3100" dirty="0"/>
               <a:t>Further: DURATION, HISTORY, AMOUNT, SAVE_ACCT</a:t>
             </a:r>
           </a:p>
@@ -13114,38 +12732,38 @@
             <a:pPr marL="0" indent="0">
               <a:buNone/>
             </a:pPr>
-            <a:endParaRPr lang="de-CH" dirty="0"/>
+            <a:endParaRPr lang="de-CH" sz="3100" dirty="0"/>
           </a:p>
           <a:p>
             <a:pPr marL="0" indent="0">
               <a:buNone/>
             </a:pPr>
             <a:r>
-              <a:rPr lang="de-CH" dirty="0"/>
+              <a:rPr lang="de-CH" sz="3100" dirty="0"/>
               <a:t>Further </a:t>
             </a:r>
             <a:r>
-              <a:rPr lang="de-CH" dirty="0" err="1"/>
+              <a:rPr lang="de-CH" sz="3100" dirty="0" err="1"/>
               <a:t>important</a:t>
             </a:r>
             <a:r>
-              <a:rPr lang="de-CH" dirty="0"/>
-              <a:t> in </a:t>
-            </a:r>
-            <a:r>
-              <a:rPr lang="de-CH" dirty="0" err="1"/>
+              <a:rPr lang="de-CH" sz="3100" dirty="0"/>
+              <a:t> </a:t>
+            </a:r>
+            <a:r>
+              <a:rPr lang="de-CH" sz="3100" dirty="0" err="1"/>
               <a:t>only</a:t>
             </a:r>
             <a:r>
-              <a:rPr lang="de-CH" dirty="0"/>
-              <a:t> Classification </a:t>
-            </a:r>
-            <a:r>
-              <a:rPr lang="de-CH" dirty="0" err="1"/>
+              <a:rPr lang="de-CH" sz="3100" dirty="0"/>
+              <a:t> in Classification </a:t>
+            </a:r>
+            <a:r>
+              <a:rPr lang="de-CH" sz="3100" dirty="0" err="1"/>
               <a:t>Tree</a:t>
             </a:r>
             <a:r>
-              <a:rPr lang="de-CH" dirty="0"/>
+              <a:rPr lang="de-CH" sz="3100" dirty="0"/>
               <a:t>: USED_CAR</a:t>
             </a:r>
           </a:p>
@@ -13154,297 +12772,524 @@
               <a:buNone/>
             </a:pPr>
             <a:r>
-              <a:rPr lang="de-CH" dirty="0"/>
+              <a:rPr lang="de-CH" sz="3100" dirty="0"/>
               <a:t>Further </a:t>
             </a:r>
             <a:r>
-              <a:rPr lang="de-CH" dirty="0" err="1"/>
+              <a:rPr lang="de-CH" sz="3100" dirty="0" err="1"/>
               <a:t>important</a:t>
             </a:r>
             <a:r>
-              <a:rPr lang="de-CH" dirty="0"/>
-              <a:t> in </a:t>
-            </a:r>
-            <a:r>
-              <a:rPr lang="de-CH" dirty="0" err="1"/>
+              <a:rPr lang="de-CH" sz="3100" dirty="0"/>
+              <a:t> </a:t>
+            </a:r>
+            <a:r>
+              <a:rPr lang="de-CH" sz="3100" dirty="0" err="1"/>
               <a:t>only</a:t>
             </a:r>
             <a:r>
-              <a:rPr lang="de-CH" dirty="0"/>
-              <a:t> Random Forest: AGE, EMPLOYMENT</a:t>
+              <a:rPr lang="de-CH" sz="3100" dirty="0"/>
+              <a:t> in Random Forest: AGE, EMPLOYMENT</a:t>
             </a:r>
           </a:p>
           <a:p>
             <a:pPr marL="0" indent="0">
               <a:buNone/>
             </a:pPr>
-            <a:endParaRPr lang="de-CH" dirty="0"/>
+            <a:endParaRPr lang="de-CH" sz="3100" dirty="0"/>
           </a:p>
           <a:p>
             <a:pPr marL="0" indent="0">
               <a:buNone/>
             </a:pPr>
             <a:r>
-              <a:rPr lang="de-CH" dirty="0" err="1"/>
+              <a:rPr lang="de-CH" sz="3100" dirty="0"/>
+              <a:t>Both Models </a:t>
+            </a:r>
+            <a:r>
+              <a:rPr lang="de-CH" sz="3100" dirty="0" err="1"/>
+              <a:t>are</a:t>
+            </a:r>
+            <a:r>
+              <a:rPr lang="de-CH" sz="3100" dirty="0"/>
+              <a:t> </a:t>
+            </a:r>
+            <a:r>
+              <a:rPr lang="de-CH" sz="3100" dirty="0" err="1"/>
+              <a:t>good</a:t>
+            </a:r>
+            <a:r>
+              <a:rPr lang="de-CH" sz="3100" dirty="0"/>
+              <a:t> in </a:t>
+            </a:r>
+            <a:r>
+              <a:rPr lang="de-CH" sz="3100" dirty="0" err="1"/>
+              <a:t>prediction</a:t>
+            </a:r>
+            <a:r>
+              <a:rPr lang="de-CH" sz="3100" dirty="0"/>
+              <a:t> </a:t>
+            </a:r>
+            <a:r>
+              <a:rPr lang="de-CH" sz="3100" dirty="0" err="1"/>
+              <a:t>if</a:t>
+            </a:r>
+            <a:r>
+              <a:rPr lang="de-CH" sz="3100" dirty="0"/>
+              <a:t> an </a:t>
+            </a:r>
+            <a:r>
+              <a:rPr lang="de-CH" sz="3100" dirty="0" err="1"/>
+              <a:t>applicant</a:t>
+            </a:r>
+            <a:r>
+              <a:rPr lang="de-CH" sz="3100" dirty="0"/>
+              <a:t> </a:t>
+            </a:r>
+            <a:r>
+              <a:rPr lang="de-CH" sz="3100" dirty="0" err="1"/>
+              <a:t>has</a:t>
+            </a:r>
+            <a:r>
+              <a:rPr lang="de-CH" sz="3100" dirty="0"/>
+              <a:t> a </a:t>
+            </a:r>
+            <a:r>
+              <a:rPr lang="de-CH" sz="3100" dirty="0" err="1"/>
+              <a:t>good</a:t>
+            </a:r>
+            <a:r>
+              <a:rPr lang="de-CH" sz="3100" dirty="0"/>
+              <a:t> </a:t>
+            </a:r>
+            <a:r>
+              <a:rPr lang="de-CH" sz="3100" dirty="0" err="1"/>
+              <a:t>credit</a:t>
+            </a:r>
+            <a:r>
+              <a:rPr lang="de-CH" sz="3100" dirty="0"/>
+              <a:t> </a:t>
+            </a:r>
+            <a:r>
+              <a:rPr lang="de-CH" sz="3100" dirty="0" err="1"/>
+              <a:t>rating</a:t>
+            </a:r>
+            <a:endParaRPr lang="de-CH" sz="3100" dirty="0"/>
+          </a:p>
+          <a:p>
+            <a:pPr marL="0" indent="0">
+              <a:buNone/>
+            </a:pPr>
+            <a:r>
+              <a:rPr lang="de-CH" sz="3100" dirty="0"/>
+              <a:t>Not </a:t>
+            </a:r>
+            <a:r>
+              <a:rPr lang="de-CH" sz="3100" dirty="0" err="1"/>
+              <a:t>very</a:t>
+            </a:r>
+            <a:r>
+              <a:rPr lang="de-CH" sz="3100" dirty="0"/>
+              <a:t> </a:t>
+            </a:r>
+            <a:r>
+              <a:rPr lang="de-CH" sz="3100" dirty="0" err="1"/>
+              <a:t>precise</a:t>
+            </a:r>
+            <a:r>
+              <a:rPr lang="de-CH" sz="3100" dirty="0"/>
+              <a:t> in </a:t>
+            </a:r>
+            <a:r>
+              <a:rPr lang="de-CH" sz="3100" dirty="0" err="1"/>
+              <a:t>predicting</a:t>
+            </a:r>
+            <a:r>
+              <a:rPr lang="de-CH" sz="3100" dirty="0"/>
+              <a:t> </a:t>
+            </a:r>
+            <a:r>
+              <a:rPr lang="de-CH" sz="3100" dirty="0" err="1"/>
+              <a:t>applicants</a:t>
+            </a:r>
+            <a:r>
+              <a:rPr lang="de-CH" sz="3100" dirty="0"/>
+              <a:t> </a:t>
+            </a:r>
+            <a:r>
+              <a:rPr lang="de-CH" sz="3100" dirty="0" err="1"/>
+              <a:t>having</a:t>
+            </a:r>
+            <a:r>
+              <a:rPr lang="de-CH" sz="3100" dirty="0"/>
+              <a:t> a </a:t>
+            </a:r>
+            <a:r>
+              <a:rPr lang="de-CH" sz="3100" dirty="0" err="1"/>
+              <a:t>bad</a:t>
+            </a:r>
+            <a:r>
+              <a:rPr lang="de-CH" sz="3100" dirty="0"/>
+              <a:t> </a:t>
+            </a:r>
+            <a:r>
+              <a:rPr lang="de-CH" sz="3100" dirty="0" err="1"/>
+              <a:t>credit</a:t>
+            </a:r>
+            <a:r>
+              <a:rPr lang="de-CH" sz="3100" dirty="0"/>
+              <a:t> </a:t>
+            </a:r>
+            <a:r>
+              <a:rPr lang="de-CH" sz="3100" dirty="0" err="1"/>
+              <a:t>rating</a:t>
+            </a:r>
+            <a:endParaRPr lang="de-CH" sz="3100" dirty="0"/>
+          </a:p>
+          <a:p>
+            <a:pPr marL="0" indent="0">
+              <a:buNone/>
+            </a:pPr>
+            <a:endParaRPr lang="de-CH" sz="3100" dirty="0"/>
+          </a:p>
+          <a:p>
+            <a:pPr marL="0" indent="0">
+              <a:buNone/>
+            </a:pPr>
+            <a:r>
+              <a:rPr lang="de-CH" sz="3100" dirty="0" err="1"/>
               <a:t>Conclusion</a:t>
             </a:r>
             <a:r>
-              <a:rPr lang="de-CH" dirty="0"/>
+              <a:rPr lang="de-CH" sz="3100" dirty="0"/>
               <a:t>: </a:t>
             </a:r>
             <a:r>
-              <a:rPr lang="de-CH" dirty="0" err="1"/>
+              <a:rPr lang="de-CH" sz="3100" dirty="0" err="1"/>
               <a:t>One</a:t>
             </a:r>
             <a:r>
-              <a:rPr lang="de-CH" dirty="0"/>
-              <a:t> </a:t>
-            </a:r>
-            <a:r>
-              <a:rPr lang="de-CH" dirty="0" err="1"/>
+              <a:rPr lang="de-CH" sz="3100" dirty="0"/>
+              <a:t> </a:t>
+            </a:r>
+            <a:r>
+              <a:rPr lang="de-CH" sz="3100" dirty="0" err="1"/>
               <a:t>should</a:t>
             </a:r>
             <a:r>
-              <a:rPr lang="de-CH" dirty="0"/>
-              <a:t> </a:t>
-            </a:r>
-            <a:r>
-              <a:rPr lang="de-CH" dirty="0" err="1"/>
+              <a:rPr lang="de-CH" sz="3100" dirty="0"/>
+              <a:t> </a:t>
+            </a:r>
+            <a:r>
+              <a:rPr lang="de-CH" sz="3100" dirty="0" err="1"/>
               <a:t>emphasize</a:t>
             </a:r>
             <a:r>
-              <a:rPr lang="de-CH" dirty="0"/>
-              <a:t> </a:t>
-            </a:r>
-            <a:r>
-              <a:rPr lang="de-CH" dirty="0" err="1"/>
+              <a:rPr lang="de-CH" sz="3100" dirty="0"/>
+              <a:t> </a:t>
+            </a:r>
+            <a:r>
+              <a:rPr lang="de-CH" sz="3100" dirty="0" err="1"/>
               <a:t>especially</a:t>
             </a:r>
             <a:r>
-              <a:rPr lang="de-CH" dirty="0"/>
+              <a:rPr lang="de-CH" sz="3100" dirty="0"/>
               <a:t> on </a:t>
             </a:r>
             <a:r>
-              <a:rPr lang="de-CH" dirty="0" err="1"/>
+              <a:rPr lang="de-CH" sz="3100" dirty="0" err="1"/>
               <a:t>the</a:t>
             </a:r>
             <a:r>
-              <a:rPr lang="de-CH" dirty="0"/>
-              <a:t> </a:t>
-            </a:r>
-            <a:r>
-              <a:rPr lang="de-CH" dirty="0" err="1"/>
+              <a:rPr lang="de-CH" sz="3100" dirty="0"/>
+              <a:t> </a:t>
+            </a:r>
+            <a:r>
+              <a:rPr lang="de-CH" sz="3100" dirty="0" err="1"/>
               <a:t>Checking</a:t>
             </a:r>
             <a:r>
-              <a:rPr lang="de-CH" dirty="0"/>
-              <a:t> </a:t>
-            </a:r>
-            <a:r>
-              <a:rPr lang="de-CH" dirty="0" err="1"/>
+              <a:rPr lang="de-CH" sz="3100" dirty="0"/>
+              <a:t> </a:t>
+            </a:r>
+            <a:r>
+              <a:rPr lang="de-CH" sz="3100" dirty="0" err="1"/>
               <a:t>account</a:t>
             </a:r>
             <a:r>
-              <a:rPr lang="de-CH" dirty="0"/>
-              <a:t> </a:t>
-            </a:r>
-            <a:r>
-              <a:rPr lang="de-CH" dirty="0" err="1"/>
+              <a:rPr lang="de-CH" sz="3100" dirty="0"/>
+              <a:t> </a:t>
+            </a:r>
+            <a:r>
+              <a:rPr lang="de-CH" sz="3100" dirty="0" err="1"/>
               <a:t>status</a:t>
             </a:r>
             <a:r>
-              <a:rPr lang="de-CH" dirty="0"/>
-              <a:t> </a:t>
-            </a:r>
-            <a:r>
-              <a:rPr lang="de-CH" dirty="0" err="1"/>
+              <a:rPr lang="de-CH" sz="3100" dirty="0"/>
+              <a:t> </a:t>
+            </a:r>
+            <a:r>
+              <a:rPr lang="de-CH" sz="3100" dirty="0" err="1"/>
               <a:t>and</a:t>
             </a:r>
             <a:r>
-              <a:rPr lang="de-CH" dirty="0"/>
-              <a:t> </a:t>
-            </a:r>
-            <a:r>
-              <a:rPr lang="de-CH" dirty="0" err="1"/>
+              <a:rPr lang="de-CH" sz="3100" dirty="0"/>
+              <a:t> </a:t>
+            </a:r>
+            <a:r>
+              <a:rPr lang="de-CH" sz="3100" dirty="0" err="1"/>
               <a:t>one</a:t>
             </a:r>
             <a:r>
-              <a:rPr lang="de-CH" dirty="0"/>
-              <a:t> </a:t>
-            </a:r>
-            <a:r>
-              <a:rPr lang="de-CH" dirty="0" err="1"/>
+              <a:rPr lang="de-CH" sz="3100" dirty="0"/>
+              <a:t> </a:t>
+            </a:r>
+            <a:r>
+              <a:rPr lang="de-CH" sz="3100" dirty="0" err="1"/>
               <a:t>can</a:t>
             </a:r>
             <a:r>
-              <a:rPr lang="de-CH" dirty="0"/>
-              <a:t> </a:t>
-            </a:r>
-            <a:r>
-              <a:rPr lang="de-CH" dirty="0" err="1"/>
+              <a:rPr lang="de-CH" sz="3100" dirty="0"/>
+              <a:t> </a:t>
+            </a:r>
+            <a:r>
+              <a:rPr lang="de-CH" sz="3100" dirty="0" err="1"/>
               <a:t>further</a:t>
             </a:r>
             <a:r>
-              <a:rPr lang="de-CH" dirty="0"/>
-              <a:t> </a:t>
-            </a:r>
-            <a:r>
-              <a:rPr lang="de-CH" dirty="0" err="1"/>
+              <a:rPr lang="de-CH" sz="3100" dirty="0"/>
+              <a:t> </a:t>
+            </a:r>
+            <a:r>
+              <a:rPr lang="de-CH" sz="3100" dirty="0" err="1"/>
               <a:t>emphasize</a:t>
             </a:r>
             <a:r>
-              <a:rPr lang="de-CH" dirty="0"/>
+              <a:rPr lang="de-CH" sz="3100" dirty="0"/>
               <a:t> on variables like </a:t>
             </a:r>
             <a:r>
-              <a:rPr lang="de-CH" dirty="0" err="1"/>
+              <a:rPr lang="de-CH" sz="3100" dirty="0" err="1"/>
               <a:t>Credit</a:t>
             </a:r>
             <a:r>
-              <a:rPr lang="de-CH" dirty="0"/>
+              <a:rPr lang="de-CH" sz="3100" dirty="0"/>
               <a:t> Duration, </a:t>
             </a:r>
             <a:r>
-              <a:rPr lang="de-CH" dirty="0" err="1"/>
+              <a:rPr lang="de-CH" sz="3100" dirty="0" err="1"/>
               <a:t>Credit</a:t>
             </a:r>
             <a:r>
-              <a:rPr lang="de-CH" dirty="0"/>
-              <a:t> </a:t>
-            </a:r>
-            <a:r>
-              <a:rPr lang="de-CH" dirty="0" err="1"/>
+              <a:rPr lang="de-CH" sz="3100" dirty="0"/>
+              <a:t> </a:t>
+            </a:r>
+            <a:r>
+              <a:rPr lang="de-CH" sz="3100" dirty="0" err="1"/>
               <a:t>History</a:t>
             </a:r>
             <a:r>
-              <a:rPr lang="de-CH" dirty="0"/>
+              <a:rPr lang="de-CH" sz="3100" dirty="0"/>
               <a:t>, </a:t>
             </a:r>
             <a:r>
-              <a:rPr lang="de-CH" dirty="0" err="1"/>
+              <a:rPr lang="de-CH" sz="3100" dirty="0" err="1"/>
               <a:t>Credit</a:t>
             </a:r>
             <a:r>
-              <a:rPr lang="de-CH" dirty="0"/>
-              <a:t> </a:t>
-            </a:r>
-            <a:r>
-              <a:rPr lang="de-CH" dirty="0" err="1"/>
+              <a:rPr lang="de-CH" sz="3100" dirty="0"/>
+              <a:t> </a:t>
+            </a:r>
+            <a:r>
+              <a:rPr lang="de-CH" sz="3100" dirty="0" err="1"/>
               <a:t>Amount</a:t>
             </a:r>
             <a:r>
-              <a:rPr lang="de-CH" dirty="0"/>
-              <a:t> </a:t>
-            </a:r>
-            <a:r>
-              <a:rPr lang="de-CH" dirty="0" err="1"/>
+              <a:rPr lang="de-CH" sz="3100" dirty="0"/>
+              <a:t> </a:t>
+            </a:r>
+            <a:r>
+              <a:rPr lang="de-CH" sz="3100" dirty="0" err="1"/>
               <a:t>as</a:t>
             </a:r>
             <a:r>
-              <a:rPr lang="de-CH" dirty="0"/>
-              <a:t> </a:t>
-            </a:r>
-            <a:r>
-              <a:rPr lang="de-CH" dirty="0" err="1"/>
+              <a:rPr lang="de-CH" sz="3100" dirty="0"/>
+              <a:t> </a:t>
+            </a:r>
+            <a:r>
+              <a:rPr lang="de-CH" sz="3100" dirty="0" err="1"/>
               <a:t>well</a:t>
             </a:r>
             <a:r>
-              <a:rPr lang="de-CH" dirty="0"/>
-              <a:t> </a:t>
-            </a:r>
-            <a:r>
-              <a:rPr lang="de-CH" dirty="0" err="1"/>
+              <a:rPr lang="de-CH" sz="3100" dirty="0"/>
+              <a:t> </a:t>
+            </a:r>
+            <a:r>
+              <a:rPr lang="de-CH" sz="3100" dirty="0" err="1"/>
               <a:t>as</a:t>
             </a:r>
             <a:r>
-              <a:rPr lang="de-CH" dirty="0"/>
+              <a:rPr lang="de-CH" sz="3100" dirty="0"/>
               <a:t> on </a:t>
             </a:r>
             <a:r>
-              <a:rPr lang="de-CH" dirty="0" err="1"/>
+              <a:rPr lang="de-CH" sz="3100" dirty="0" err="1"/>
               <a:t>the</a:t>
             </a:r>
             <a:r>
-              <a:rPr lang="de-CH" dirty="0"/>
-              <a:t> </a:t>
-            </a:r>
-            <a:r>
-              <a:rPr lang="de-CH" dirty="0" err="1"/>
+              <a:rPr lang="de-CH" sz="3100" dirty="0"/>
+              <a:t> </a:t>
+            </a:r>
+            <a:r>
+              <a:rPr lang="de-CH" sz="3100" dirty="0" err="1"/>
               <a:t>purpose</a:t>
             </a:r>
             <a:r>
-              <a:rPr lang="de-CH" dirty="0"/>
+              <a:rPr lang="de-CH" sz="3100" dirty="0"/>
               <a:t> (</a:t>
             </a:r>
             <a:r>
-              <a:rPr lang="de-CH" dirty="0" err="1"/>
+              <a:rPr lang="de-CH" sz="3100" dirty="0" err="1"/>
               <a:t>Used_Car</a:t>
             </a:r>
             <a:r>
-              <a:rPr lang="de-CH" dirty="0"/>
+              <a:rPr lang="de-CH" sz="3100" dirty="0"/>
               <a:t>) </a:t>
             </a:r>
             <a:r>
-              <a:rPr lang="de-CH" dirty="0" err="1"/>
+              <a:rPr lang="de-CH" sz="3100" dirty="0" err="1"/>
               <a:t>and</a:t>
             </a:r>
             <a:r>
-              <a:rPr lang="de-CH" dirty="0"/>
-              <a:t> </a:t>
-            </a:r>
-            <a:r>
-              <a:rPr lang="de-CH" dirty="0" err="1"/>
+              <a:rPr lang="de-CH" sz="3100" dirty="0"/>
+              <a:t> </a:t>
+            </a:r>
+            <a:r>
+              <a:rPr lang="de-CH" sz="3100" dirty="0" err="1"/>
               <a:t>socio-economic</a:t>
             </a:r>
             <a:r>
-              <a:rPr lang="de-CH" dirty="0"/>
+              <a:rPr lang="de-CH" sz="3100" dirty="0"/>
               <a:t> variables </a:t>
             </a:r>
             <a:r>
-              <a:rPr lang="de-CH" dirty="0" err="1"/>
+              <a:rPr lang="de-CH" sz="3100" dirty="0" err="1"/>
               <a:t>as</a:t>
             </a:r>
             <a:r>
-              <a:rPr lang="de-CH" dirty="0"/>
+              <a:rPr lang="de-CH" sz="3100" dirty="0"/>
               <a:t> AGE </a:t>
             </a:r>
             <a:r>
-              <a:rPr lang="de-CH" dirty="0" err="1"/>
+              <a:rPr lang="de-CH" sz="3100" dirty="0" err="1"/>
               <a:t>and</a:t>
             </a:r>
             <a:r>
-              <a:rPr lang="de-CH" dirty="0"/>
+              <a:rPr lang="de-CH" sz="3100" dirty="0"/>
               <a:t> EMPLOYMENT in </a:t>
             </a:r>
             <a:r>
-              <a:rPr lang="de-CH" dirty="0" err="1"/>
+              <a:rPr lang="de-CH" sz="3100" dirty="0" err="1"/>
               <a:t>order</a:t>
             </a:r>
             <a:r>
-              <a:rPr lang="de-CH" dirty="0"/>
-              <a:t> </a:t>
-            </a:r>
-            <a:r>
-              <a:rPr lang="de-CH" dirty="0" err="1"/>
+              <a:rPr lang="de-CH" sz="3100" dirty="0"/>
+              <a:t> </a:t>
+            </a:r>
+            <a:r>
+              <a:rPr lang="de-CH" sz="3100" dirty="0" err="1"/>
               <a:t>to</a:t>
             </a:r>
             <a:r>
-              <a:rPr lang="de-CH" dirty="0"/>
+              <a:rPr lang="de-CH" sz="3100" dirty="0"/>
               <a:t> rate a </a:t>
             </a:r>
             <a:r>
-              <a:rPr lang="de-CH" dirty="0" err="1"/>
+              <a:rPr lang="de-CH" sz="3100" dirty="0" err="1"/>
               <a:t>Persons</a:t>
             </a:r>
             <a:r>
-              <a:rPr lang="de-CH" dirty="0"/>
-              <a:t> </a:t>
-            </a:r>
-            <a:r>
-              <a:rPr lang="de-CH" dirty="0" err="1"/>
+              <a:rPr lang="de-CH" sz="3100" dirty="0"/>
+              <a:t> </a:t>
+            </a:r>
+            <a:r>
+              <a:rPr lang="de-CH" sz="3100" dirty="0" err="1"/>
               <a:t>Credibility</a:t>
             </a:r>
-            <a:endParaRPr lang="de-CH" dirty="0"/>
+            <a:endParaRPr lang="de-CH" sz="3100" dirty="0"/>
+          </a:p>
+          <a:p>
+            <a:pPr marL="0" indent="0">
+              <a:buNone/>
+            </a:pPr>
+            <a:r>
+              <a:rPr lang="de-CH" sz="3100" dirty="0"/>
+              <a:t>Be </a:t>
+            </a:r>
+            <a:r>
+              <a:rPr lang="de-CH" sz="3100" dirty="0" err="1"/>
+              <a:t>aware</a:t>
+            </a:r>
+            <a:r>
+              <a:rPr lang="de-CH" sz="3100" dirty="0"/>
+              <a:t> </a:t>
+            </a:r>
+            <a:r>
+              <a:rPr lang="de-CH" sz="3100" dirty="0" err="1"/>
+              <a:t>of</a:t>
+            </a:r>
+            <a:r>
+              <a:rPr lang="de-CH" sz="3100" dirty="0"/>
+              <a:t> </a:t>
+            </a:r>
+            <a:r>
+              <a:rPr lang="de-CH" sz="3100" dirty="0" err="1"/>
+              <a:t>predicting</a:t>
+            </a:r>
+            <a:r>
+              <a:rPr lang="de-CH" sz="3100" dirty="0"/>
+              <a:t> </a:t>
+            </a:r>
+            <a:r>
+              <a:rPr lang="de-CH" sz="3100" dirty="0" err="1"/>
+              <a:t>bad</a:t>
+            </a:r>
+            <a:r>
+              <a:rPr lang="de-CH" sz="3100" dirty="0"/>
+              <a:t> </a:t>
+            </a:r>
+            <a:r>
+              <a:rPr lang="de-CH" sz="3100" dirty="0" err="1"/>
+              <a:t>rated</a:t>
+            </a:r>
+            <a:r>
+              <a:rPr lang="de-CH" sz="3100" dirty="0"/>
+              <a:t> </a:t>
+            </a:r>
+            <a:r>
+              <a:rPr lang="de-CH" sz="3100" dirty="0" err="1"/>
+              <a:t>applicants</a:t>
+            </a:r>
+            <a:r>
+              <a:rPr lang="de-CH" sz="3100" dirty="0"/>
+              <a:t> -&gt; True negative rate </a:t>
+            </a:r>
+            <a:r>
+              <a:rPr lang="de-CH" sz="3100" dirty="0" err="1"/>
+              <a:t>of</a:t>
+            </a:r>
+            <a:r>
+              <a:rPr lang="de-CH" sz="3100" dirty="0"/>
+              <a:t> </a:t>
+            </a:r>
+            <a:r>
+              <a:rPr lang="de-CH" sz="3100" dirty="0" err="1"/>
+              <a:t>only</a:t>
+            </a:r>
+            <a:r>
+              <a:rPr lang="de-CH" sz="3100" dirty="0"/>
+              <a:t> 41%!</a:t>
+            </a:r>
           </a:p>
           <a:p>
             <a:endParaRPr lang="de-CH" dirty="0"/>
@@ -14019,8 +13864,12 @@
           <a:lstStyle/>
           <a:p>
             <a:r>
-              <a:rPr lang="de-CH"/>
-              <a:t>IIa </a:t>
+              <a:rPr lang="de-CH" dirty="0" err="1"/>
+              <a:t>IIa</a:t>
+            </a:r>
+            <a:r>
+              <a:rPr lang="de-CH" dirty="0"/>
+              <a:t> </a:t>
             </a:r>
             <a:r>
               <a:rPr lang="de-CH" dirty="0" err="1"/>

--- a/Praesentation/Presentation.pptx
+++ b/Praesentation/Presentation.pptx
@@ -18,10 +18,10 @@
     <p:sldId id="273" r:id="rId9"/>
     <p:sldId id="274" r:id="rId10"/>
     <p:sldId id="275" r:id="rId11"/>
-    <p:sldId id="276" r:id="rId12"/>
-    <p:sldId id="268" r:id="rId13"/>
-    <p:sldId id="277" r:id="rId14"/>
-    <p:sldId id="278" r:id="rId15"/>
+    <p:sldId id="268" r:id="rId12"/>
+    <p:sldId id="277" r:id="rId13"/>
+    <p:sldId id="278" r:id="rId14"/>
+    <p:sldId id="279" r:id="rId15"/>
     <p:sldId id="266" r:id="rId16"/>
     <p:sldId id="260" r:id="rId17"/>
   </p:sldIdLst>
@@ -610,72 +610,105 @@
           <a:p>
             <a:r>
               <a:rPr lang="de-CH" dirty="0"/>
-              <a:t>So </a:t>
-            </a:r>
-            <a:r>
-              <a:rPr lang="de-CH" dirty="0" err="1"/>
-              <a:t>we</a:t>
-            </a:r>
-            <a:r>
-              <a:rPr lang="de-CH" dirty="0"/>
-              <a:t> </a:t>
-            </a:r>
-            <a:r>
-              <a:rPr lang="de-CH" dirty="0" err="1"/>
-              <a:t>can</a:t>
-            </a:r>
-            <a:r>
-              <a:rPr lang="de-CH" dirty="0"/>
-              <a:t> </a:t>
-            </a:r>
-            <a:r>
-              <a:rPr lang="de-CH" dirty="0" err="1"/>
-              <a:t>very</a:t>
-            </a:r>
-            <a:r>
-              <a:rPr lang="de-CH" dirty="0"/>
-              <a:t> </a:t>
-            </a:r>
-            <a:r>
-              <a:rPr lang="de-CH" dirty="0" err="1"/>
-              <a:t>well</a:t>
-            </a:r>
-            <a:r>
-              <a:rPr lang="de-CH" dirty="0"/>
-              <a:t> </a:t>
-            </a:r>
-            <a:r>
-              <a:rPr lang="de-CH" dirty="0" err="1"/>
-              <a:t>distinguish</a:t>
-            </a:r>
-            <a:r>
-              <a:rPr lang="de-CH" dirty="0"/>
-              <a:t> </a:t>
-            </a:r>
-            <a:r>
-              <a:rPr lang="de-CH" dirty="0" err="1"/>
-              <a:t>true</a:t>
-            </a:r>
-            <a:r>
-              <a:rPr lang="de-CH" dirty="0"/>
-              <a:t> positives </a:t>
-            </a:r>
-            <a:r>
-              <a:rPr lang="de-CH" dirty="0" err="1"/>
-              <a:t>and</a:t>
-            </a:r>
-            <a:r>
-              <a:rPr lang="de-CH" dirty="0"/>
-              <a:t> </a:t>
-            </a:r>
-            <a:r>
-              <a:rPr lang="de-CH" dirty="0" err="1"/>
-              <a:t>false</a:t>
-            </a:r>
-            <a:r>
-              <a:rPr lang="de-CH" dirty="0"/>
-              <a:t> negatives</a:t>
-            </a:r>
+              <a:t>Error Rate in Dependance </a:t>
+            </a:r>
+            <a:r>
+              <a:rPr lang="de-CH" dirty="0" err="1"/>
+              <a:t>of</a:t>
+            </a:r>
+            <a:r>
+              <a:rPr lang="de-CH" dirty="0"/>
+              <a:t> </a:t>
+            </a:r>
+            <a:r>
+              <a:rPr lang="de-CH" dirty="0" err="1"/>
+              <a:t>the</a:t>
+            </a:r>
+            <a:r>
+              <a:rPr lang="de-CH" dirty="0"/>
+              <a:t> </a:t>
+            </a:r>
+            <a:r>
+              <a:rPr lang="de-CH" dirty="0" err="1"/>
+              <a:t>Number</a:t>
+            </a:r>
+            <a:r>
+              <a:rPr lang="de-CH" dirty="0"/>
+              <a:t> </a:t>
+            </a:r>
+            <a:r>
+              <a:rPr lang="de-CH" dirty="0" err="1"/>
+              <a:t>of</a:t>
+            </a:r>
+            <a:r>
+              <a:rPr lang="de-CH" dirty="0"/>
+              <a:t> </a:t>
+            </a:r>
+            <a:r>
+              <a:rPr lang="de-CH" dirty="0" err="1"/>
+              <a:t>trees</a:t>
+            </a:r>
+            <a:endParaRPr lang="de-CH" dirty="0"/>
+          </a:p>
+          <a:p>
+            <a:endParaRPr lang="de-CH" dirty="0"/>
+          </a:p>
+          <a:p>
+            <a:r>
+              <a:rPr lang="de-CH" dirty="0"/>
+              <a:t>After </a:t>
+            </a:r>
+            <a:r>
+              <a:rPr lang="de-CH" dirty="0" err="1"/>
+              <a:t>around</a:t>
+            </a:r>
+            <a:r>
+              <a:rPr lang="de-CH" dirty="0"/>
+              <a:t> 30 </a:t>
+            </a:r>
+            <a:r>
+              <a:rPr lang="de-CH" dirty="0" err="1"/>
+              <a:t>trees</a:t>
+            </a:r>
+            <a:r>
+              <a:rPr lang="de-CH" dirty="0"/>
+              <a:t> </a:t>
+            </a:r>
+            <a:r>
+              <a:rPr lang="de-CH" dirty="0" err="1"/>
+              <a:t>the</a:t>
+            </a:r>
+            <a:r>
+              <a:rPr lang="de-CH" dirty="0"/>
+              <a:t> </a:t>
+            </a:r>
+            <a:r>
+              <a:rPr lang="de-CH" dirty="0" err="1"/>
+              <a:t>error</a:t>
+            </a:r>
+            <a:r>
+              <a:rPr lang="de-CH" dirty="0"/>
+              <a:t> </a:t>
+            </a:r>
+            <a:r>
+              <a:rPr lang="de-CH" dirty="0" err="1"/>
+              <a:t>keeps</a:t>
+            </a:r>
+            <a:r>
+              <a:rPr lang="de-CH" dirty="0"/>
+              <a:t> </a:t>
+            </a:r>
+            <a:r>
+              <a:rPr lang="de-CH" dirty="0" err="1"/>
+              <a:t>stable</a:t>
+            </a:r>
+            <a:endParaRPr lang="de-CH" dirty="0"/>
+          </a:p>
+          <a:p>
+            <a:endParaRPr lang="de-CH" dirty="0"/>
+          </a:p>
+          <a:p>
+            <a:endParaRPr lang="de-CH" dirty="0"/>
           </a:p>
         </p:txBody>
       </p:sp>
@@ -705,7 +738,7 @@
     </p:spTree>
     <p:extLst>
       <p:ext uri="{BB962C8B-B14F-4D97-AF65-F5344CB8AC3E}">
-        <p14:creationId xmlns:p14="http://schemas.microsoft.com/office/powerpoint/2010/main" val="3590793876"/>
+        <p14:creationId xmlns:p14="http://schemas.microsoft.com/office/powerpoint/2010/main" val="2102382964"/>
       </p:ext>
     </p:extLst>
   </p:cSld>
@@ -761,7 +794,601 @@
           <a:p>
             <a:r>
               <a:rPr lang="de-CH" dirty="0"/>
-              <a:t>Error Rate in Dependance </a:t>
+              <a:t>The Random Forest </a:t>
+            </a:r>
+            <a:r>
+              <a:rPr lang="de-CH" dirty="0" err="1"/>
+              <a:t>supports</a:t>
+            </a:r>
+            <a:r>
+              <a:rPr lang="de-CH" dirty="0"/>
+              <a:t> </a:t>
+            </a:r>
+            <a:r>
+              <a:rPr lang="de-CH" dirty="0" err="1"/>
+              <a:t>our</a:t>
+            </a:r>
+            <a:r>
+              <a:rPr lang="de-CH" dirty="0"/>
+              <a:t> </a:t>
+            </a:r>
+            <a:r>
+              <a:rPr lang="de-CH" dirty="0" err="1"/>
+              <a:t>findings</a:t>
+            </a:r>
+            <a:r>
+              <a:rPr lang="de-CH" dirty="0"/>
+              <a:t> </a:t>
+            </a:r>
+            <a:r>
+              <a:rPr lang="de-CH" dirty="0" err="1"/>
+              <a:t>from</a:t>
+            </a:r>
+            <a:r>
+              <a:rPr lang="de-CH" dirty="0"/>
+              <a:t> </a:t>
+            </a:r>
+            <a:r>
+              <a:rPr lang="de-CH" dirty="0" err="1"/>
+              <a:t>the</a:t>
+            </a:r>
+            <a:r>
+              <a:rPr lang="de-CH" dirty="0"/>
+              <a:t> Classification </a:t>
+            </a:r>
+            <a:r>
+              <a:rPr lang="de-CH" dirty="0" err="1"/>
+              <a:t>Tree</a:t>
+            </a:r>
+            <a:r>
+              <a:rPr lang="de-CH" dirty="0"/>
+              <a:t> </a:t>
+            </a:r>
+            <a:r>
+              <a:rPr lang="de-CH" dirty="0" err="1"/>
+              <a:t>quite</a:t>
+            </a:r>
+            <a:r>
+              <a:rPr lang="de-CH" dirty="0"/>
+              <a:t> </a:t>
+            </a:r>
+            <a:r>
+              <a:rPr lang="de-CH" dirty="0" err="1"/>
+              <a:t>well</a:t>
+            </a:r>
+            <a:r>
+              <a:rPr lang="de-CH" dirty="0"/>
+              <a:t>. </a:t>
+            </a:r>
+            <a:r>
+              <a:rPr lang="de-CH" dirty="0" err="1"/>
+              <a:t>We</a:t>
+            </a:r>
+            <a:r>
+              <a:rPr lang="de-CH" dirty="0"/>
+              <a:t> </a:t>
+            </a:r>
+            <a:r>
+              <a:rPr lang="de-CH" dirty="0" err="1"/>
+              <a:t>can</a:t>
+            </a:r>
+            <a:r>
+              <a:rPr lang="de-CH" dirty="0"/>
+              <a:t> </a:t>
+            </a:r>
+            <a:r>
+              <a:rPr lang="de-CH" dirty="0" err="1"/>
+              <a:t>see</a:t>
+            </a:r>
+            <a:r>
+              <a:rPr lang="de-CH" dirty="0"/>
+              <a:t> </a:t>
+            </a:r>
+            <a:r>
+              <a:rPr lang="de-CH" dirty="0" err="1"/>
+              <a:t>that</a:t>
+            </a:r>
+            <a:r>
+              <a:rPr lang="de-CH" dirty="0"/>
+              <a:t> </a:t>
+            </a:r>
+            <a:r>
+              <a:rPr lang="de-CH" dirty="0" err="1"/>
+              <a:t>the</a:t>
+            </a:r>
+            <a:r>
+              <a:rPr lang="de-CH" dirty="0"/>
+              <a:t> same variables </a:t>
+            </a:r>
+            <a:r>
+              <a:rPr lang="de-CH" dirty="0" err="1"/>
+              <a:t>are</a:t>
+            </a:r>
+            <a:r>
+              <a:rPr lang="de-CH" dirty="0"/>
+              <a:t> </a:t>
+            </a:r>
+            <a:r>
+              <a:rPr lang="de-CH" dirty="0" err="1"/>
+              <a:t>important</a:t>
+            </a:r>
+            <a:endParaRPr lang="de-CH" dirty="0"/>
+          </a:p>
+          <a:p>
+            <a:r>
+              <a:rPr lang="de-CH" dirty="0" err="1"/>
+              <a:t>We</a:t>
+            </a:r>
+            <a:r>
+              <a:rPr lang="de-CH" dirty="0"/>
+              <a:t> </a:t>
+            </a:r>
+            <a:r>
+              <a:rPr lang="de-CH" dirty="0" err="1"/>
+              <a:t>can</a:t>
+            </a:r>
+            <a:r>
+              <a:rPr lang="de-CH" dirty="0"/>
+              <a:t> </a:t>
+            </a:r>
+            <a:r>
+              <a:rPr lang="de-CH" dirty="0" err="1"/>
+              <a:t>see</a:t>
+            </a:r>
+            <a:r>
+              <a:rPr lang="de-CH" dirty="0"/>
+              <a:t> </a:t>
+            </a:r>
+            <a:r>
+              <a:rPr lang="de-CH" dirty="0" err="1"/>
+              <a:t>by</a:t>
+            </a:r>
+            <a:r>
+              <a:rPr lang="de-CH" dirty="0"/>
+              <a:t> </a:t>
+            </a:r>
+            <a:r>
+              <a:rPr lang="de-CH" dirty="0" err="1"/>
+              <a:t>the</a:t>
+            </a:r>
+            <a:r>
+              <a:rPr lang="de-CH" dirty="0"/>
+              <a:t> </a:t>
+            </a:r>
+            <a:r>
+              <a:rPr lang="de-CH" dirty="0" err="1"/>
+              <a:t>left</a:t>
+            </a:r>
+            <a:r>
+              <a:rPr lang="de-CH" dirty="0"/>
+              <a:t> </a:t>
+            </a:r>
+            <a:r>
+              <a:rPr lang="de-CH" dirty="0" err="1"/>
+              <a:t>graph</a:t>
+            </a:r>
+            <a:r>
+              <a:rPr lang="de-CH" dirty="0"/>
+              <a:t>, </a:t>
+            </a:r>
+            <a:r>
+              <a:rPr lang="de-CH" dirty="0" err="1"/>
+              <a:t>that</a:t>
+            </a:r>
+            <a:r>
+              <a:rPr lang="de-CH" dirty="0"/>
+              <a:t> </a:t>
+            </a:r>
+            <a:r>
+              <a:rPr lang="de-CH" dirty="0" err="1"/>
+              <a:t>MeanDecrease</a:t>
+            </a:r>
+            <a:r>
+              <a:rPr lang="de-CH" dirty="0"/>
+              <a:t> </a:t>
+            </a:r>
+            <a:r>
+              <a:rPr lang="de-CH" dirty="0" err="1"/>
+              <a:t>Accuracy</a:t>
+            </a:r>
+            <a:r>
+              <a:rPr lang="de-CH" dirty="0"/>
+              <a:t> </a:t>
+            </a:r>
+            <a:r>
+              <a:rPr lang="de-CH" dirty="0" err="1"/>
+              <a:t>is</a:t>
+            </a:r>
+            <a:r>
+              <a:rPr lang="de-CH" dirty="0"/>
+              <a:t> </a:t>
+            </a:r>
+            <a:r>
+              <a:rPr lang="de-CH" dirty="0" err="1"/>
+              <a:t>forced</a:t>
+            </a:r>
+            <a:r>
+              <a:rPr lang="de-CH" dirty="0"/>
+              <a:t> </a:t>
+            </a:r>
+            <a:r>
+              <a:rPr lang="de-CH" dirty="0" err="1"/>
+              <a:t>mainly</a:t>
+            </a:r>
+            <a:r>
+              <a:rPr lang="de-CH" dirty="0"/>
+              <a:t> </a:t>
+            </a:r>
+            <a:r>
+              <a:rPr lang="de-CH" dirty="0" err="1"/>
+              <a:t>by</a:t>
+            </a:r>
+            <a:r>
+              <a:rPr lang="de-CH" dirty="0"/>
+              <a:t> </a:t>
+            </a:r>
+            <a:r>
+              <a:rPr lang="de-CH" dirty="0" err="1"/>
+              <a:t>the</a:t>
+            </a:r>
+            <a:r>
+              <a:rPr lang="de-CH" dirty="0"/>
+              <a:t> 3 dominant Variables in </a:t>
+            </a:r>
+            <a:r>
+              <a:rPr lang="de-CH" dirty="0" err="1"/>
+              <a:t>the</a:t>
+            </a:r>
+            <a:r>
+              <a:rPr lang="de-CH" dirty="0"/>
+              <a:t> CT </a:t>
+            </a:r>
+            <a:r>
+              <a:rPr lang="de-CH" dirty="0" err="1"/>
+              <a:t>model</a:t>
+            </a:r>
+            <a:r>
+              <a:rPr lang="de-CH" dirty="0"/>
+              <a:t>, CHK_ACCT, DURATION, </a:t>
+            </a:r>
+            <a:r>
+              <a:rPr lang="de-CH" dirty="0" err="1"/>
+              <a:t>and</a:t>
+            </a:r>
+            <a:r>
+              <a:rPr lang="de-CH" dirty="0"/>
+              <a:t> </a:t>
+            </a:r>
+            <a:r>
+              <a:rPr lang="de-CH" dirty="0" err="1"/>
+              <a:t>History</a:t>
+            </a:r>
+            <a:r>
+              <a:rPr lang="de-CH" dirty="0"/>
+              <a:t>. </a:t>
+            </a:r>
+            <a:r>
+              <a:rPr lang="de-CH" dirty="0" err="1"/>
+              <a:t>Again</a:t>
+            </a:r>
+            <a:r>
+              <a:rPr lang="de-CH" dirty="0"/>
+              <a:t> CHK_ACCT </a:t>
+            </a:r>
+            <a:r>
+              <a:rPr lang="de-CH" dirty="0" err="1"/>
+              <a:t>points</a:t>
+            </a:r>
+            <a:r>
+              <a:rPr lang="de-CH" dirty="0"/>
+              <a:t> out </a:t>
+            </a:r>
+            <a:r>
+              <a:rPr lang="de-CH" dirty="0" err="1"/>
+              <a:t>to</a:t>
+            </a:r>
+            <a:r>
+              <a:rPr lang="de-CH" dirty="0"/>
+              <a:t> </a:t>
+            </a:r>
+            <a:r>
+              <a:rPr lang="de-CH" dirty="0" err="1"/>
+              <a:t>be</a:t>
+            </a:r>
+            <a:r>
+              <a:rPr lang="de-CH" dirty="0"/>
+              <a:t> </a:t>
+            </a:r>
+            <a:r>
+              <a:rPr lang="de-CH" dirty="0" err="1"/>
+              <a:t>the</a:t>
+            </a:r>
+            <a:r>
+              <a:rPr lang="de-CH" dirty="0"/>
+              <a:t> </a:t>
+            </a:r>
+            <a:r>
+              <a:rPr lang="de-CH" dirty="0" err="1"/>
+              <a:t>most</a:t>
+            </a:r>
+            <a:r>
+              <a:rPr lang="de-CH" dirty="0"/>
+              <a:t> </a:t>
+            </a:r>
+            <a:r>
+              <a:rPr lang="de-CH" dirty="0" err="1"/>
+              <a:t>influential</a:t>
+            </a:r>
+            <a:r>
+              <a:rPr lang="de-CH" dirty="0"/>
+              <a:t> </a:t>
+            </a:r>
+            <a:r>
+              <a:rPr lang="de-CH" dirty="0" err="1"/>
+              <a:t>coviariate</a:t>
+            </a:r>
+            <a:r>
+              <a:rPr lang="de-CH" dirty="0"/>
+              <a:t> </a:t>
+            </a:r>
+            <a:r>
+              <a:rPr lang="de-CH" dirty="0" err="1"/>
+              <a:t>as</a:t>
+            </a:r>
+            <a:r>
+              <a:rPr lang="de-CH" dirty="0"/>
+              <a:t> </a:t>
+            </a:r>
+            <a:r>
+              <a:rPr lang="de-CH" dirty="0" err="1"/>
+              <a:t>it</a:t>
+            </a:r>
+            <a:r>
+              <a:rPr lang="de-CH" dirty="0"/>
+              <a:t> was </a:t>
+            </a:r>
+            <a:r>
+              <a:rPr lang="de-CH" dirty="0" err="1"/>
+              <a:t>before</a:t>
+            </a:r>
+            <a:r>
+              <a:rPr lang="de-CH" dirty="0"/>
+              <a:t> in </a:t>
+            </a:r>
+            <a:r>
+              <a:rPr lang="de-CH" dirty="0" err="1"/>
+              <a:t>the</a:t>
+            </a:r>
+            <a:r>
+              <a:rPr lang="de-CH" dirty="0"/>
+              <a:t> Classification </a:t>
+            </a:r>
+            <a:r>
+              <a:rPr lang="de-CH" dirty="0" err="1"/>
+              <a:t>tree</a:t>
+            </a:r>
+            <a:r>
+              <a:rPr lang="de-CH" dirty="0"/>
+              <a:t> </a:t>
+            </a:r>
+            <a:r>
+              <a:rPr lang="de-CH" dirty="0" err="1"/>
+              <a:t>as</a:t>
+            </a:r>
+            <a:r>
+              <a:rPr lang="de-CH" dirty="0"/>
+              <a:t> </a:t>
+            </a:r>
+            <a:r>
+              <a:rPr lang="de-CH" dirty="0" err="1"/>
+              <a:t>it</a:t>
+            </a:r>
+            <a:r>
+              <a:rPr lang="de-CH" dirty="0"/>
+              <a:t> </a:t>
+            </a:r>
+            <a:r>
+              <a:rPr lang="de-CH" dirty="0" err="1"/>
+              <a:t>represented</a:t>
+            </a:r>
+            <a:r>
+              <a:rPr lang="de-CH" dirty="0"/>
+              <a:t> </a:t>
+            </a:r>
+            <a:r>
+              <a:rPr lang="de-CH" dirty="0" err="1"/>
+              <a:t>the</a:t>
+            </a:r>
+            <a:r>
+              <a:rPr lang="de-CH" dirty="0"/>
+              <a:t> </a:t>
+            </a:r>
+            <a:r>
+              <a:rPr lang="de-CH" dirty="0" err="1"/>
+              <a:t>first</a:t>
+            </a:r>
+            <a:r>
+              <a:rPr lang="de-CH" dirty="0"/>
+              <a:t> </a:t>
+            </a:r>
+            <a:r>
+              <a:rPr lang="de-CH" dirty="0" err="1"/>
+              <a:t>node</a:t>
+            </a:r>
+            <a:r>
+              <a:rPr lang="de-CH" dirty="0"/>
+              <a:t>. </a:t>
+            </a:r>
+          </a:p>
+          <a:p>
+            <a:pPr marL="171450" indent="-171450">
+              <a:buFontTx/>
+              <a:buChar char="-"/>
+            </a:pPr>
+            <a:r>
+              <a:rPr lang="de-CH" dirty="0"/>
+              <a:t>CHK-ACCT, DURATION, HISTORY, AMOUNT, SAVE_ACCT</a:t>
+            </a:r>
+          </a:p>
+          <a:p>
+            <a:pPr marL="171450" indent="-171450">
+              <a:buFontTx/>
+              <a:buChar char="-"/>
+            </a:pPr>
+            <a:endParaRPr lang="de-CH" dirty="0"/>
+          </a:p>
+          <a:p>
+            <a:pPr marL="171450" indent="-171450">
+              <a:buFontTx/>
+              <a:buChar char="-"/>
+            </a:pPr>
+            <a:r>
+              <a:rPr lang="de-CH" dirty="0"/>
+              <a:t>By </a:t>
+            </a:r>
+            <a:r>
+              <a:rPr lang="de-CH" dirty="0" err="1"/>
+              <a:t>the</a:t>
+            </a:r>
+            <a:r>
+              <a:rPr lang="de-CH" dirty="0"/>
+              <a:t> </a:t>
+            </a:r>
+            <a:r>
+              <a:rPr lang="de-CH" dirty="0" err="1"/>
+              <a:t>right</a:t>
+            </a:r>
+            <a:r>
+              <a:rPr lang="de-CH" dirty="0"/>
+              <a:t> </a:t>
+            </a:r>
+            <a:r>
+              <a:rPr lang="de-CH" dirty="0" err="1"/>
+              <a:t>graph</a:t>
+            </a:r>
+            <a:r>
+              <a:rPr lang="de-CH" dirty="0"/>
+              <a:t> </a:t>
+            </a:r>
+            <a:r>
+              <a:rPr lang="de-CH" dirty="0" err="1"/>
+              <a:t>we</a:t>
+            </a:r>
+            <a:r>
+              <a:rPr lang="de-CH" dirty="0"/>
+              <a:t> </a:t>
+            </a:r>
+            <a:r>
+              <a:rPr lang="de-CH" dirty="0" err="1"/>
+              <a:t>can</a:t>
+            </a:r>
+            <a:r>
+              <a:rPr lang="de-CH" dirty="0"/>
+              <a:t> </a:t>
+            </a:r>
+            <a:r>
+              <a:rPr lang="de-CH" dirty="0" err="1"/>
+              <a:t>see</a:t>
+            </a:r>
+            <a:r>
+              <a:rPr lang="de-CH" dirty="0"/>
+              <a:t> </a:t>
+            </a:r>
+            <a:r>
+              <a:rPr lang="de-CH" dirty="0" err="1"/>
+              <a:t>that</a:t>
+            </a:r>
+            <a:r>
+              <a:rPr lang="de-CH" dirty="0"/>
+              <a:t> Age </a:t>
+            </a:r>
+            <a:r>
+              <a:rPr lang="de-CH" dirty="0" err="1"/>
+              <a:t>and</a:t>
+            </a:r>
+            <a:r>
+              <a:rPr lang="de-CH" dirty="0"/>
+              <a:t> </a:t>
+            </a:r>
+            <a:r>
+              <a:rPr lang="de-CH" dirty="0" err="1"/>
+              <a:t>the</a:t>
+            </a:r>
+            <a:r>
+              <a:rPr lang="de-CH" dirty="0"/>
+              <a:t> </a:t>
+            </a:r>
+            <a:r>
+              <a:rPr lang="de-CH" dirty="0" err="1"/>
+              <a:t>employment</a:t>
+            </a:r>
+            <a:r>
+              <a:rPr lang="de-CH" dirty="0"/>
+              <a:t> </a:t>
+            </a:r>
+            <a:r>
+              <a:rPr lang="de-CH" dirty="0" err="1"/>
+              <a:t>affects</a:t>
+            </a:r>
+            <a:r>
+              <a:rPr lang="de-CH" dirty="0"/>
+              <a:t> </a:t>
+            </a:r>
+            <a:r>
+              <a:rPr lang="de-CH" dirty="0" err="1"/>
+              <a:t>the</a:t>
+            </a:r>
+            <a:r>
+              <a:rPr lang="de-CH" dirty="0"/>
+              <a:t> RESPONSE variable </a:t>
+            </a:r>
+            <a:r>
+              <a:rPr lang="de-CH" dirty="0" err="1"/>
+              <a:t>as</a:t>
+            </a:r>
+            <a:r>
+              <a:rPr lang="de-CH" dirty="0"/>
+              <a:t> </a:t>
+            </a:r>
+            <a:r>
+              <a:rPr lang="de-CH" dirty="0" err="1"/>
+              <a:t>well</a:t>
+            </a:r>
+            <a:r>
+              <a:rPr lang="de-CH" dirty="0"/>
+              <a:t>. So </a:t>
+            </a:r>
+            <a:r>
+              <a:rPr lang="de-CH" dirty="0" err="1"/>
+              <a:t>the</a:t>
+            </a:r>
+            <a:r>
+              <a:rPr lang="de-CH" dirty="0"/>
+              <a:t> RF </a:t>
+            </a:r>
+            <a:r>
+              <a:rPr lang="de-CH" dirty="0" err="1"/>
+              <a:t>weights</a:t>
+            </a:r>
+            <a:r>
+              <a:rPr lang="de-CH" dirty="0"/>
+              <a:t> </a:t>
+            </a:r>
+            <a:r>
+              <a:rPr lang="de-CH" dirty="0" err="1"/>
+              <a:t>the</a:t>
+            </a:r>
+            <a:r>
+              <a:rPr lang="de-CH" dirty="0"/>
+              <a:t> </a:t>
+            </a:r>
+            <a:r>
+              <a:rPr lang="de-CH" dirty="0" err="1"/>
+              <a:t>importance</a:t>
+            </a:r>
+            <a:r>
+              <a:rPr lang="de-CH" dirty="0"/>
+              <a:t> </a:t>
             </a:r>
             <a:r>
               <a:rPr lang="de-CH" dirty="0" err="1"/>
@@ -773,6 +1400,54 @@
             </a:r>
             <a:r>
               <a:rPr lang="de-CH" dirty="0" err="1"/>
+              <a:t>these</a:t>
+            </a:r>
+            <a:r>
+              <a:rPr lang="de-CH" dirty="0"/>
+              <a:t> </a:t>
+            </a:r>
+            <a:r>
+              <a:rPr lang="de-CH" dirty="0" err="1"/>
+              <a:t>two</a:t>
+            </a:r>
+            <a:r>
+              <a:rPr lang="de-CH" dirty="0"/>
+              <a:t> variables a </a:t>
+            </a:r>
+            <a:r>
+              <a:rPr lang="de-CH" dirty="0" err="1"/>
+              <a:t>bit</a:t>
+            </a:r>
+            <a:r>
+              <a:rPr lang="de-CH" dirty="0"/>
+              <a:t> </a:t>
+            </a:r>
+            <a:r>
+              <a:rPr lang="de-CH" dirty="0" err="1"/>
+              <a:t>higher</a:t>
+            </a:r>
+            <a:r>
+              <a:rPr lang="de-CH" dirty="0"/>
+              <a:t>, </a:t>
+            </a:r>
+            <a:r>
+              <a:rPr lang="de-CH" dirty="0" err="1"/>
+              <a:t>otherwise</a:t>
+            </a:r>
+            <a:r>
+              <a:rPr lang="de-CH" dirty="0"/>
+              <a:t> </a:t>
+            </a:r>
+            <a:r>
+              <a:rPr lang="de-CH" dirty="0" err="1"/>
+              <a:t>for</a:t>
+            </a:r>
+            <a:r>
+              <a:rPr lang="de-CH" dirty="0"/>
+              <a:t> </a:t>
+            </a:r>
+            <a:r>
+              <a:rPr lang="de-CH" dirty="0" err="1"/>
               <a:t>the</a:t>
             </a:r>
             <a:r>
@@ -781,7 +1456,247 @@
             </a:r>
             <a:r>
               <a:rPr lang="de-CH" dirty="0" err="1"/>
-              <a:t>Number</a:t>
+              <a:t>classification</a:t>
+            </a:r>
+            <a:r>
+              <a:rPr lang="de-CH" dirty="0"/>
+              <a:t> </a:t>
+            </a:r>
+            <a:r>
+              <a:rPr lang="de-CH" dirty="0" err="1"/>
+              <a:t>the</a:t>
+            </a:r>
+            <a:r>
+              <a:rPr lang="de-CH" dirty="0"/>
+              <a:t> </a:t>
+            </a:r>
+            <a:r>
+              <a:rPr lang="de-CH" dirty="0" err="1"/>
+              <a:t>used</a:t>
+            </a:r>
+            <a:r>
+              <a:rPr lang="de-CH" dirty="0"/>
+              <a:t> Car variable was </a:t>
+            </a:r>
+            <a:r>
+              <a:rPr lang="de-CH" dirty="0" err="1"/>
+              <a:t>quite</a:t>
+            </a:r>
+            <a:r>
+              <a:rPr lang="de-CH" dirty="0"/>
+              <a:t> </a:t>
+            </a:r>
+            <a:r>
+              <a:rPr lang="de-CH" dirty="0" err="1"/>
+              <a:t>important</a:t>
+            </a:r>
+            <a:r>
+              <a:rPr lang="de-CH" dirty="0"/>
+              <a:t>. But </a:t>
+            </a:r>
+            <a:r>
+              <a:rPr lang="de-CH" dirty="0" err="1"/>
+              <a:t>for</a:t>
+            </a:r>
+            <a:r>
+              <a:rPr lang="de-CH" dirty="0"/>
+              <a:t> </a:t>
+            </a:r>
+            <a:r>
+              <a:rPr lang="de-CH" dirty="0" err="1"/>
+              <a:t>both</a:t>
+            </a:r>
+            <a:r>
+              <a:rPr lang="de-CH" dirty="0"/>
+              <a:t> </a:t>
+            </a:r>
+            <a:r>
+              <a:rPr lang="de-CH" dirty="0" err="1"/>
+              <a:t>model</a:t>
+            </a:r>
+            <a:r>
+              <a:rPr lang="de-CH" dirty="0"/>
+              <a:t> </a:t>
+            </a:r>
+            <a:r>
+              <a:rPr lang="de-CH" dirty="0" err="1"/>
+              <a:t>the</a:t>
+            </a:r>
+            <a:r>
+              <a:rPr lang="de-CH" dirty="0"/>
+              <a:t> </a:t>
+            </a:r>
+            <a:r>
+              <a:rPr lang="de-CH" dirty="0" err="1"/>
+              <a:t>core</a:t>
+            </a:r>
+            <a:r>
+              <a:rPr lang="de-CH" dirty="0"/>
+              <a:t> variables, CHEK ACC, DURATION, HISTORY AMOUNT </a:t>
+            </a:r>
+            <a:r>
+              <a:rPr lang="de-CH" dirty="0" err="1"/>
+              <a:t>and</a:t>
+            </a:r>
+            <a:r>
+              <a:rPr lang="de-CH" dirty="0"/>
+              <a:t> SAVE ACCOUNT </a:t>
+            </a:r>
+            <a:r>
+              <a:rPr lang="de-CH" dirty="0" err="1"/>
+              <a:t>stays</a:t>
+            </a:r>
+            <a:r>
+              <a:rPr lang="de-CH" dirty="0"/>
+              <a:t> </a:t>
+            </a:r>
+            <a:r>
+              <a:rPr lang="de-CH" dirty="0" err="1"/>
+              <a:t>the</a:t>
+            </a:r>
+            <a:r>
+              <a:rPr lang="de-CH" dirty="0"/>
+              <a:t> same, </a:t>
+            </a:r>
+            <a:r>
+              <a:rPr lang="de-CH" dirty="0" err="1"/>
+              <a:t>giving</a:t>
+            </a:r>
+            <a:r>
+              <a:rPr lang="de-CH" dirty="0"/>
+              <a:t> </a:t>
+            </a:r>
+            <a:r>
+              <a:rPr lang="de-CH" dirty="0" err="1"/>
+              <a:t>us</a:t>
+            </a:r>
+            <a:r>
+              <a:rPr lang="de-CH" dirty="0"/>
+              <a:t> </a:t>
+            </a:r>
+            <a:r>
+              <a:rPr lang="de-CH" dirty="0" err="1"/>
+              <a:t>robustness</a:t>
+            </a:r>
+            <a:r>
+              <a:rPr lang="de-CH" dirty="0"/>
+              <a:t> </a:t>
+            </a:r>
+            <a:r>
+              <a:rPr lang="de-CH" dirty="0" err="1"/>
+              <a:t>or</a:t>
+            </a:r>
+            <a:r>
+              <a:rPr lang="de-CH" dirty="0"/>
+              <a:t> </a:t>
+            </a:r>
+            <a:r>
+              <a:rPr lang="de-CH" dirty="0" err="1"/>
+              <a:t>both</a:t>
+            </a:r>
+            <a:r>
+              <a:rPr lang="de-CH" dirty="0"/>
+              <a:t> </a:t>
+            </a:r>
+            <a:r>
+              <a:rPr lang="de-CH" dirty="0" err="1"/>
+              <a:t>models</a:t>
+            </a:r>
+            <a:r>
+              <a:rPr lang="de-CH" dirty="0"/>
+              <a:t> </a:t>
+            </a:r>
+            <a:r>
+              <a:rPr lang="de-CH" dirty="0" err="1"/>
+              <a:t>and</a:t>
+            </a:r>
+            <a:r>
+              <a:rPr lang="de-CH" dirty="0"/>
+              <a:t> </a:t>
+            </a:r>
+            <a:r>
+              <a:rPr lang="de-CH" dirty="0" err="1"/>
+              <a:t>evidence</a:t>
+            </a:r>
+            <a:r>
+              <a:rPr lang="de-CH" dirty="0"/>
+              <a:t> </a:t>
+            </a:r>
+            <a:r>
+              <a:rPr lang="de-CH" dirty="0" err="1"/>
+              <a:t>that</a:t>
+            </a:r>
+            <a:r>
+              <a:rPr lang="de-CH" dirty="0"/>
+              <a:t> </a:t>
+            </a:r>
+            <a:r>
+              <a:rPr lang="de-CH" dirty="0" err="1"/>
+              <a:t>these</a:t>
+            </a:r>
+            <a:r>
+              <a:rPr lang="de-CH" dirty="0"/>
+              <a:t> </a:t>
+            </a:r>
+            <a:r>
+              <a:rPr lang="de-CH" dirty="0" err="1"/>
+              <a:t>are</a:t>
+            </a:r>
+            <a:r>
+              <a:rPr lang="de-CH" dirty="0"/>
+              <a:t> </a:t>
+            </a:r>
+            <a:r>
+              <a:rPr lang="de-CH" dirty="0" err="1"/>
+              <a:t>the</a:t>
+            </a:r>
+            <a:r>
+              <a:rPr lang="de-CH" dirty="0"/>
+              <a:t> </a:t>
+            </a:r>
+            <a:r>
+              <a:rPr lang="de-CH" dirty="0" err="1"/>
+              <a:t>most</a:t>
+            </a:r>
+            <a:r>
+              <a:rPr lang="de-CH" dirty="0"/>
+              <a:t> </a:t>
+            </a:r>
+            <a:r>
+              <a:rPr lang="de-CH" dirty="0" err="1"/>
+              <a:t>important</a:t>
+            </a:r>
+            <a:r>
+              <a:rPr lang="de-CH" dirty="0"/>
+              <a:t> variables </a:t>
+            </a:r>
+            <a:r>
+              <a:rPr lang="de-CH" dirty="0" err="1"/>
+              <a:t>to</a:t>
+            </a:r>
+            <a:r>
+              <a:rPr lang="de-CH" dirty="0"/>
+              <a:t> </a:t>
+            </a:r>
+            <a:r>
+              <a:rPr lang="de-CH" dirty="0" err="1"/>
+              <a:t>explain</a:t>
+            </a:r>
+            <a:r>
+              <a:rPr lang="de-CH" dirty="0"/>
+              <a:t> </a:t>
+            </a:r>
+            <a:r>
+              <a:rPr lang="de-CH" dirty="0" err="1"/>
+              <a:t>credit</a:t>
+            </a:r>
+            <a:r>
+              <a:rPr lang="de-CH" dirty="0"/>
+              <a:t> </a:t>
+            </a:r>
+            <a:r>
+              <a:rPr lang="de-CH" dirty="0" err="1"/>
+              <a:t>rating</a:t>
             </a:r>
             <a:r>
               <a:rPr lang="de-CH" dirty="0"/>
@@ -793,67 +1708,16 @@
             </a:r>
             <a:r>
               <a:rPr lang="de-CH" dirty="0"/>
-              <a:t> </a:t>
-            </a:r>
-            <a:r>
-              <a:rPr lang="de-CH" dirty="0" err="1"/>
-              <a:t>trees</a:t>
-            </a:r>
-            <a:endParaRPr lang="de-CH" dirty="0"/>
-          </a:p>
-          <a:p>
-            <a:endParaRPr lang="de-CH" dirty="0"/>
-          </a:p>
-          <a:p>
-            <a:r>
-              <a:rPr lang="de-CH" dirty="0"/>
-              <a:t>After </a:t>
-            </a:r>
-            <a:r>
-              <a:rPr lang="de-CH" dirty="0" err="1"/>
-              <a:t>around</a:t>
-            </a:r>
-            <a:r>
-              <a:rPr lang="de-CH" dirty="0"/>
-              <a:t> 30 </a:t>
-            </a:r>
-            <a:r>
-              <a:rPr lang="de-CH" dirty="0" err="1"/>
-              <a:t>trees</a:t>
-            </a:r>
-            <a:r>
-              <a:rPr lang="de-CH" dirty="0"/>
-              <a:t> </a:t>
-            </a:r>
-            <a:r>
-              <a:rPr lang="de-CH" dirty="0" err="1"/>
-              <a:t>the</a:t>
-            </a:r>
-            <a:r>
-              <a:rPr lang="de-CH" dirty="0"/>
-              <a:t> </a:t>
-            </a:r>
-            <a:r>
-              <a:rPr lang="de-CH" dirty="0" err="1"/>
-              <a:t>error</a:t>
-            </a:r>
-            <a:r>
-              <a:rPr lang="de-CH" dirty="0"/>
-              <a:t> </a:t>
-            </a:r>
-            <a:r>
-              <a:rPr lang="de-CH" dirty="0" err="1"/>
-              <a:t>keeps</a:t>
-            </a:r>
-            <a:r>
-              <a:rPr lang="de-CH" dirty="0"/>
-              <a:t> </a:t>
-            </a:r>
-            <a:r>
-              <a:rPr lang="de-CH" dirty="0" err="1"/>
-              <a:t>stable</a:t>
-            </a:r>
-            <a:endParaRPr lang="de-CH" dirty="0"/>
+              <a:t> a </a:t>
+            </a:r>
+            <a:r>
+              <a:rPr lang="de-CH" dirty="0" err="1"/>
+              <a:t>person</a:t>
+            </a:r>
+            <a:r>
+              <a:rPr lang="de-CH" dirty="0"/>
+              <a:t>.</a:t>
+            </a:r>
           </a:p>
           <a:p>
             <a:endParaRPr lang="de-CH" dirty="0"/>
@@ -889,7 +1753,7 @@
     </p:spTree>
     <p:extLst>
       <p:ext uri="{BB962C8B-B14F-4D97-AF65-F5344CB8AC3E}">
-        <p14:creationId xmlns:p14="http://schemas.microsoft.com/office/powerpoint/2010/main" val="2102382964"/>
+        <p14:creationId xmlns:p14="http://schemas.microsoft.com/office/powerpoint/2010/main" val="2681681258"/>
       </p:ext>
     </p:extLst>
   </p:cSld>
@@ -943,934 +1807,6 @@
           <a:bodyPr/>
           <a:lstStyle/>
           <a:p>
-            <a:r>
-              <a:rPr lang="de-CH" dirty="0"/>
-              <a:t>The Random Forest </a:t>
-            </a:r>
-            <a:r>
-              <a:rPr lang="de-CH" dirty="0" err="1"/>
-              <a:t>supports</a:t>
-            </a:r>
-            <a:r>
-              <a:rPr lang="de-CH" dirty="0"/>
-              <a:t> </a:t>
-            </a:r>
-            <a:r>
-              <a:rPr lang="de-CH" dirty="0" err="1"/>
-              <a:t>our</a:t>
-            </a:r>
-            <a:r>
-              <a:rPr lang="de-CH" dirty="0"/>
-              <a:t> </a:t>
-            </a:r>
-            <a:r>
-              <a:rPr lang="de-CH" dirty="0" err="1"/>
-              <a:t>findings</a:t>
-            </a:r>
-            <a:r>
-              <a:rPr lang="de-CH" dirty="0"/>
-              <a:t> </a:t>
-            </a:r>
-            <a:r>
-              <a:rPr lang="de-CH" dirty="0" err="1"/>
-              <a:t>from</a:t>
-            </a:r>
-            <a:r>
-              <a:rPr lang="de-CH" dirty="0"/>
-              <a:t> </a:t>
-            </a:r>
-            <a:r>
-              <a:rPr lang="de-CH" dirty="0" err="1"/>
-              <a:t>the</a:t>
-            </a:r>
-            <a:r>
-              <a:rPr lang="de-CH" dirty="0"/>
-              <a:t> Classification </a:t>
-            </a:r>
-            <a:r>
-              <a:rPr lang="de-CH" dirty="0" err="1"/>
-              <a:t>Tree</a:t>
-            </a:r>
-            <a:r>
-              <a:rPr lang="de-CH" dirty="0"/>
-              <a:t> </a:t>
-            </a:r>
-            <a:r>
-              <a:rPr lang="de-CH" dirty="0" err="1"/>
-              <a:t>quite</a:t>
-            </a:r>
-            <a:r>
-              <a:rPr lang="de-CH" dirty="0"/>
-              <a:t> </a:t>
-            </a:r>
-            <a:r>
-              <a:rPr lang="de-CH" dirty="0" err="1"/>
-              <a:t>well</a:t>
-            </a:r>
-            <a:r>
-              <a:rPr lang="de-CH" dirty="0"/>
-              <a:t>. </a:t>
-            </a:r>
-            <a:r>
-              <a:rPr lang="de-CH" dirty="0" err="1"/>
-              <a:t>We</a:t>
-            </a:r>
-            <a:r>
-              <a:rPr lang="de-CH" dirty="0"/>
-              <a:t> </a:t>
-            </a:r>
-            <a:r>
-              <a:rPr lang="de-CH" dirty="0" err="1"/>
-              <a:t>can</a:t>
-            </a:r>
-            <a:r>
-              <a:rPr lang="de-CH" dirty="0"/>
-              <a:t> </a:t>
-            </a:r>
-            <a:r>
-              <a:rPr lang="de-CH" dirty="0" err="1"/>
-              <a:t>see</a:t>
-            </a:r>
-            <a:r>
-              <a:rPr lang="de-CH" dirty="0"/>
-              <a:t> </a:t>
-            </a:r>
-            <a:r>
-              <a:rPr lang="de-CH" dirty="0" err="1"/>
-              <a:t>that</a:t>
-            </a:r>
-            <a:r>
-              <a:rPr lang="de-CH" dirty="0"/>
-              <a:t> </a:t>
-            </a:r>
-            <a:r>
-              <a:rPr lang="de-CH" dirty="0" err="1"/>
-              <a:t>the</a:t>
-            </a:r>
-            <a:r>
-              <a:rPr lang="de-CH" dirty="0"/>
-              <a:t> same variables </a:t>
-            </a:r>
-            <a:r>
-              <a:rPr lang="de-CH" dirty="0" err="1"/>
-              <a:t>are</a:t>
-            </a:r>
-            <a:r>
-              <a:rPr lang="de-CH" dirty="0"/>
-              <a:t> </a:t>
-            </a:r>
-            <a:r>
-              <a:rPr lang="de-CH" dirty="0" err="1"/>
-              <a:t>important</a:t>
-            </a:r>
-            <a:endParaRPr lang="de-CH" dirty="0"/>
-          </a:p>
-          <a:p>
-            <a:r>
-              <a:rPr lang="de-CH" dirty="0" err="1"/>
-              <a:t>We</a:t>
-            </a:r>
-            <a:r>
-              <a:rPr lang="de-CH" dirty="0"/>
-              <a:t> </a:t>
-            </a:r>
-            <a:r>
-              <a:rPr lang="de-CH" dirty="0" err="1"/>
-              <a:t>can</a:t>
-            </a:r>
-            <a:r>
-              <a:rPr lang="de-CH" dirty="0"/>
-              <a:t> </a:t>
-            </a:r>
-            <a:r>
-              <a:rPr lang="de-CH" dirty="0" err="1"/>
-              <a:t>see</a:t>
-            </a:r>
-            <a:r>
-              <a:rPr lang="de-CH" dirty="0"/>
-              <a:t> </a:t>
-            </a:r>
-            <a:r>
-              <a:rPr lang="de-CH" dirty="0" err="1"/>
-              <a:t>by</a:t>
-            </a:r>
-            <a:r>
-              <a:rPr lang="de-CH" dirty="0"/>
-              <a:t> </a:t>
-            </a:r>
-            <a:r>
-              <a:rPr lang="de-CH" dirty="0" err="1"/>
-              <a:t>the</a:t>
-            </a:r>
-            <a:r>
-              <a:rPr lang="de-CH" dirty="0"/>
-              <a:t> </a:t>
-            </a:r>
-            <a:r>
-              <a:rPr lang="de-CH" dirty="0" err="1"/>
-              <a:t>left</a:t>
-            </a:r>
-            <a:r>
-              <a:rPr lang="de-CH" dirty="0"/>
-              <a:t> </a:t>
-            </a:r>
-            <a:r>
-              <a:rPr lang="de-CH" dirty="0" err="1"/>
-              <a:t>graph</a:t>
-            </a:r>
-            <a:r>
-              <a:rPr lang="de-CH" dirty="0"/>
-              <a:t>, </a:t>
-            </a:r>
-            <a:r>
-              <a:rPr lang="de-CH" dirty="0" err="1"/>
-              <a:t>that</a:t>
-            </a:r>
-            <a:r>
-              <a:rPr lang="de-CH" dirty="0"/>
-              <a:t> </a:t>
-            </a:r>
-            <a:r>
-              <a:rPr lang="de-CH" dirty="0" err="1"/>
-              <a:t>MeanDecrease</a:t>
-            </a:r>
-            <a:r>
-              <a:rPr lang="de-CH" dirty="0"/>
-              <a:t> </a:t>
-            </a:r>
-            <a:r>
-              <a:rPr lang="de-CH" dirty="0" err="1"/>
-              <a:t>Accuracy</a:t>
-            </a:r>
-            <a:r>
-              <a:rPr lang="de-CH" dirty="0"/>
-              <a:t> </a:t>
-            </a:r>
-            <a:r>
-              <a:rPr lang="de-CH" dirty="0" err="1"/>
-              <a:t>is</a:t>
-            </a:r>
-            <a:r>
-              <a:rPr lang="de-CH" dirty="0"/>
-              <a:t> </a:t>
-            </a:r>
-            <a:r>
-              <a:rPr lang="de-CH" dirty="0" err="1"/>
-              <a:t>forced</a:t>
-            </a:r>
-            <a:r>
-              <a:rPr lang="de-CH" dirty="0"/>
-              <a:t> </a:t>
-            </a:r>
-            <a:r>
-              <a:rPr lang="de-CH" dirty="0" err="1"/>
-              <a:t>mainly</a:t>
-            </a:r>
-            <a:r>
-              <a:rPr lang="de-CH" dirty="0"/>
-              <a:t> </a:t>
-            </a:r>
-            <a:r>
-              <a:rPr lang="de-CH" dirty="0" err="1"/>
-              <a:t>by</a:t>
-            </a:r>
-            <a:r>
-              <a:rPr lang="de-CH" dirty="0"/>
-              <a:t> </a:t>
-            </a:r>
-            <a:r>
-              <a:rPr lang="de-CH" dirty="0" err="1"/>
-              <a:t>the</a:t>
-            </a:r>
-            <a:r>
-              <a:rPr lang="de-CH" dirty="0"/>
-              <a:t> 3 dominant Variables in </a:t>
-            </a:r>
-            <a:r>
-              <a:rPr lang="de-CH" dirty="0" err="1"/>
-              <a:t>the</a:t>
-            </a:r>
-            <a:r>
-              <a:rPr lang="de-CH" dirty="0"/>
-              <a:t> CT </a:t>
-            </a:r>
-            <a:r>
-              <a:rPr lang="de-CH" dirty="0" err="1"/>
-              <a:t>model</a:t>
-            </a:r>
-            <a:r>
-              <a:rPr lang="de-CH" dirty="0"/>
-              <a:t>, CHK_ACCT, DURATION, </a:t>
-            </a:r>
-            <a:r>
-              <a:rPr lang="de-CH" dirty="0" err="1"/>
-              <a:t>and</a:t>
-            </a:r>
-            <a:r>
-              <a:rPr lang="de-CH" dirty="0"/>
-              <a:t> </a:t>
-            </a:r>
-            <a:r>
-              <a:rPr lang="de-CH" dirty="0" err="1"/>
-              <a:t>History</a:t>
-            </a:r>
-            <a:r>
-              <a:rPr lang="de-CH" dirty="0"/>
-              <a:t>. </a:t>
-            </a:r>
-            <a:r>
-              <a:rPr lang="de-CH" dirty="0" err="1"/>
-              <a:t>Again</a:t>
-            </a:r>
-            <a:r>
-              <a:rPr lang="de-CH" dirty="0"/>
-              <a:t> CHK_ACCT </a:t>
-            </a:r>
-            <a:r>
-              <a:rPr lang="de-CH" dirty="0" err="1"/>
-              <a:t>points</a:t>
-            </a:r>
-            <a:r>
-              <a:rPr lang="de-CH" dirty="0"/>
-              <a:t> out </a:t>
-            </a:r>
-            <a:r>
-              <a:rPr lang="de-CH" dirty="0" err="1"/>
-              <a:t>to</a:t>
-            </a:r>
-            <a:r>
-              <a:rPr lang="de-CH" dirty="0"/>
-              <a:t> </a:t>
-            </a:r>
-            <a:r>
-              <a:rPr lang="de-CH" dirty="0" err="1"/>
-              <a:t>be</a:t>
-            </a:r>
-            <a:r>
-              <a:rPr lang="de-CH" dirty="0"/>
-              <a:t> </a:t>
-            </a:r>
-            <a:r>
-              <a:rPr lang="de-CH" dirty="0" err="1"/>
-              <a:t>the</a:t>
-            </a:r>
-            <a:r>
-              <a:rPr lang="de-CH" dirty="0"/>
-              <a:t> </a:t>
-            </a:r>
-            <a:r>
-              <a:rPr lang="de-CH" dirty="0" err="1"/>
-              <a:t>most</a:t>
-            </a:r>
-            <a:r>
-              <a:rPr lang="de-CH" dirty="0"/>
-              <a:t> </a:t>
-            </a:r>
-            <a:r>
-              <a:rPr lang="de-CH" dirty="0" err="1"/>
-              <a:t>influential</a:t>
-            </a:r>
-            <a:r>
-              <a:rPr lang="de-CH" dirty="0"/>
-              <a:t> </a:t>
-            </a:r>
-            <a:r>
-              <a:rPr lang="de-CH" dirty="0" err="1"/>
-              <a:t>coviariate</a:t>
-            </a:r>
-            <a:r>
-              <a:rPr lang="de-CH" dirty="0"/>
-              <a:t> </a:t>
-            </a:r>
-            <a:r>
-              <a:rPr lang="de-CH" dirty="0" err="1"/>
-              <a:t>as</a:t>
-            </a:r>
-            <a:r>
-              <a:rPr lang="de-CH" dirty="0"/>
-              <a:t> </a:t>
-            </a:r>
-            <a:r>
-              <a:rPr lang="de-CH" dirty="0" err="1"/>
-              <a:t>it</a:t>
-            </a:r>
-            <a:r>
-              <a:rPr lang="de-CH" dirty="0"/>
-              <a:t> was </a:t>
-            </a:r>
-            <a:r>
-              <a:rPr lang="de-CH" dirty="0" err="1"/>
-              <a:t>before</a:t>
-            </a:r>
-            <a:r>
-              <a:rPr lang="de-CH" dirty="0"/>
-              <a:t> in </a:t>
-            </a:r>
-            <a:r>
-              <a:rPr lang="de-CH" dirty="0" err="1"/>
-              <a:t>the</a:t>
-            </a:r>
-            <a:r>
-              <a:rPr lang="de-CH" dirty="0"/>
-              <a:t> Classification </a:t>
-            </a:r>
-            <a:r>
-              <a:rPr lang="de-CH" dirty="0" err="1"/>
-              <a:t>tree</a:t>
-            </a:r>
-            <a:r>
-              <a:rPr lang="de-CH" dirty="0"/>
-              <a:t> </a:t>
-            </a:r>
-            <a:r>
-              <a:rPr lang="de-CH" dirty="0" err="1"/>
-              <a:t>as</a:t>
-            </a:r>
-            <a:r>
-              <a:rPr lang="de-CH" dirty="0"/>
-              <a:t> </a:t>
-            </a:r>
-            <a:r>
-              <a:rPr lang="de-CH" dirty="0" err="1"/>
-              <a:t>it</a:t>
-            </a:r>
-            <a:r>
-              <a:rPr lang="de-CH" dirty="0"/>
-              <a:t> </a:t>
-            </a:r>
-            <a:r>
-              <a:rPr lang="de-CH" dirty="0" err="1"/>
-              <a:t>represented</a:t>
-            </a:r>
-            <a:r>
-              <a:rPr lang="de-CH" dirty="0"/>
-              <a:t> </a:t>
-            </a:r>
-            <a:r>
-              <a:rPr lang="de-CH" dirty="0" err="1"/>
-              <a:t>the</a:t>
-            </a:r>
-            <a:r>
-              <a:rPr lang="de-CH" dirty="0"/>
-              <a:t> </a:t>
-            </a:r>
-            <a:r>
-              <a:rPr lang="de-CH" dirty="0" err="1"/>
-              <a:t>first</a:t>
-            </a:r>
-            <a:r>
-              <a:rPr lang="de-CH" dirty="0"/>
-              <a:t> </a:t>
-            </a:r>
-            <a:r>
-              <a:rPr lang="de-CH" dirty="0" err="1"/>
-              <a:t>node</a:t>
-            </a:r>
-            <a:r>
-              <a:rPr lang="de-CH" dirty="0"/>
-              <a:t>. </a:t>
-            </a:r>
-          </a:p>
-          <a:p>
-            <a:pPr marL="171450" indent="-171450">
-              <a:buFontTx/>
-              <a:buChar char="-"/>
-            </a:pPr>
-            <a:r>
-              <a:rPr lang="de-CH" dirty="0"/>
-              <a:t>CHK-ACCT, DURATION, HISTORY, AMOUNT, SAVE_ACCT</a:t>
-            </a:r>
-          </a:p>
-          <a:p>
-            <a:pPr marL="171450" indent="-171450">
-              <a:buFontTx/>
-              <a:buChar char="-"/>
-            </a:pPr>
-            <a:endParaRPr lang="de-CH" dirty="0"/>
-          </a:p>
-          <a:p>
-            <a:pPr marL="171450" indent="-171450">
-              <a:buFontTx/>
-              <a:buChar char="-"/>
-            </a:pPr>
-            <a:r>
-              <a:rPr lang="de-CH" dirty="0"/>
-              <a:t>By </a:t>
-            </a:r>
-            <a:r>
-              <a:rPr lang="de-CH" dirty="0" err="1"/>
-              <a:t>the</a:t>
-            </a:r>
-            <a:r>
-              <a:rPr lang="de-CH" dirty="0"/>
-              <a:t> </a:t>
-            </a:r>
-            <a:r>
-              <a:rPr lang="de-CH" dirty="0" err="1"/>
-              <a:t>right</a:t>
-            </a:r>
-            <a:r>
-              <a:rPr lang="de-CH" dirty="0"/>
-              <a:t> </a:t>
-            </a:r>
-            <a:r>
-              <a:rPr lang="de-CH" dirty="0" err="1"/>
-              <a:t>graph</a:t>
-            </a:r>
-            <a:r>
-              <a:rPr lang="de-CH" dirty="0"/>
-              <a:t> </a:t>
-            </a:r>
-            <a:r>
-              <a:rPr lang="de-CH" dirty="0" err="1"/>
-              <a:t>we</a:t>
-            </a:r>
-            <a:r>
-              <a:rPr lang="de-CH" dirty="0"/>
-              <a:t> </a:t>
-            </a:r>
-            <a:r>
-              <a:rPr lang="de-CH" dirty="0" err="1"/>
-              <a:t>can</a:t>
-            </a:r>
-            <a:r>
-              <a:rPr lang="de-CH" dirty="0"/>
-              <a:t> </a:t>
-            </a:r>
-            <a:r>
-              <a:rPr lang="de-CH" dirty="0" err="1"/>
-              <a:t>see</a:t>
-            </a:r>
-            <a:r>
-              <a:rPr lang="de-CH" dirty="0"/>
-              <a:t> </a:t>
-            </a:r>
-            <a:r>
-              <a:rPr lang="de-CH" dirty="0" err="1"/>
-              <a:t>that</a:t>
-            </a:r>
-            <a:r>
-              <a:rPr lang="de-CH" dirty="0"/>
-              <a:t> Age </a:t>
-            </a:r>
-            <a:r>
-              <a:rPr lang="de-CH" dirty="0" err="1"/>
-              <a:t>and</a:t>
-            </a:r>
-            <a:r>
-              <a:rPr lang="de-CH" dirty="0"/>
-              <a:t> </a:t>
-            </a:r>
-            <a:r>
-              <a:rPr lang="de-CH" dirty="0" err="1"/>
-              <a:t>the</a:t>
-            </a:r>
-            <a:r>
-              <a:rPr lang="de-CH" dirty="0"/>
-              <a:t> </a:t>
-            </a:r>
-            <a:r>
-              <a:rPr lang="de-CH" dirty="0" err="1"/>
-              <a:t>employment</a:t>
-            </a:r>
-            <a:r>
-              <a:rPr lang="de-CH" dirty="0"/>
-              <a:t> </a:t>
-            </a:r>
-            <a:r>
-              <a:rPr lang="de-CH" dirty="0" err="1"/>
-              <a:t>affects</a:t>
-            </a:r>
-            <a:r>
-              <a:rPr lang="de-CH" dirty="0"/>
-              <a:t> </a:t>
-            </a:r>
-            <a:r>
-              <a:rPr lang="de-CH" dirty="0" err="1"/>
-              <a:t>the</a:t>
-            </a:r>
-            <a:r>
-              <a:rPr lang="de-CH" dirty="0"/>
-              <a:t> RESPONSE variable </a:t>
-            </a:r>
-            <a:r>
-              <a:rPr lang="de-CH" dirty="0" err="1"/>
-              <a:t>as</a:t>
-            </a:r>
-            <a:r>
-              <a:rPr lang="de-CH" dirty="0"/>
-              <a:t> </a:t>
-            </a:r>
-            <a:r>
-              <a:rPr lang="de-CH" dirty="0" err="1"/>
-              <a:t>well</a:t>
-            </a:r>
-            <a:r>
-              <a:rPr lang="de-CH" dirty="0"/>
-              <a:t>. So </a:t>
-            </a:r>
-            <a:r>
-              <a:rPr lang="de-CH" dirty="0" err="1"/>
-              <a:t>the</a:t>
-            </a:r>
-            <a:r>
-              <a:rPr lang="de-CH" dirty="0"/>
-              <a:t> RF </a:t>
-            </a:r>
-            <a:r>
-              <a:rPr lang="de-CH" dirty="0" err="1"/>
-              <a:t>weights</a:t>
-            </a:r>
-            <a:r>
-              <a:rPr lang="de-CH" dirty="0"/>
-              <a:t> </a:t>
-            </a:r>
-            <a:r>
-              <a:rPr lang="de-CH" dirty="0" err="1"/>
-              <a:t>the</a:t>
-            </a:r>
-            <a:r>
-              <a:rPr lang="de-CH" dirty="0"/>
-              <a:t> </a:t>
-            </a:r>
-            <a:r>
-              <a:rPr lang="de-CH" dirty="0" err="1"/>
-              <a:t>importance</a:t>
-            </a:r>
-            <a:r>
-              <a:rPr lang="de-CH" dirty="0"/>
-              <a:t> </a:t>
-            </a:r>
-            <a:r>
-              <a:rPr lang="de-CH" dirty="0" err="1"/>
-              <a:t>of</a:t>
-            </a:r>
-            <a:r>
-              <a:rPr lang="de-CH" dirty="0"/>
-              <a:t> </a:t>
-            </a:r>
-            <a:r>
-              <a:rPr lang="de-CH" dirty="0" err="1"/>
-              <a:t>these</a:t>
-            </a:r>
-            <a:r>
-              <a:rPr lang="de-CH" dirty="0"/>
-              <a:t> </a:t>
-            </a:r>
-            <a:r>
-              <a:rPr lang="de-CH" dirty="0" err="1"/>
-              <a:t>two</a:t>
-            </a:r>
-            <a:r>
-              <a:rPr lang="de-CH" dirty="0"/>
-              <a:t> variables a </a:t>
-            </a:r>
-            <a:r>
-              <a:rPr lang="de-CH" dirty="0" err="1"/>
-              <a:t>bit</a:t>
-            </a:r>
-            <a:r>
-              <a:rPr lang="de-CH" dirty="0"/>
-              <a:t> </a:t>
-            </a:r>
-            <a:r>
-              <a:rPr lang="de-CH" dirty="0" err="1"/>
-              <a:t>higher</a:t>
-            </a:r>
-            <a:r>
-              <a:rPr lang="de-CH" dirty="0"/>
-              <a:t>, </a:t>
-            </a:r>
-            <a:r>
-              <a:rPr lang="de-CH" dirty="0" err="1"/>
-              <a:t>otherwise</a:t>
-            </a:r>
-            <a:r>
-              <a:rPr lang="de-CH" dirty="0"/>
-              <a:t> </a:t>
-            </a:r>
-            <a:r>
-              <a:rPr lang="de-CH" dirty="0" err="1"/>
-              <a:t>for</a:t>
-            </a:r>
-            <a:r>
-              <a:rPr lang="de-CH" dirty="0"/>
-              <a:t> </a:t>
-            </a:r>
-            <a:r>
-              <a:rPr lang="de-CH" dirty="0" err="1"/>
-              <a:t>the</a:t>
-            </a:r>
-            <a:r>
-              <a:rPr lang="de-CH" dirty="0"/>
-              <a:t> </a:t>
-            </a:r>
-            <a:r>
-              <a:rPr lang="de-CH" dirty="0" err="1"/>
-              <a:t>classification</a:t>
-            </a:r>
-            <a:r>
-              <a:rPr lang="de-CH" dirty="0"/>
-              <a:t> </a:t>
-            </a:r>
-            <a:r>
-              <a:rPr lang="de-CH" dirty="0" err="1"/>
-              <a:t>the</a:t>
-            </a:r>
-            <a:r>
-              <a:rPr lang="de-CH" dirty="0"/>
-              <a:t> </a:t>
-            </a:r>
-            <a:r>
-              <a:rPr lang="de-CH" dirty="0" err="1"/>
-              <a:t>used</a:t>
-            </a:r>
-            <a:r>
-              <a:rPr lang="de-CH" dirty="0"/>
-              <a:t> Car variable was </a:t>
-            </a:r>
-            <a:r>
-              <a:rPr lang="de-CH" dirty="0" err="1"/>
-              <a:t>quite</a:t>
-            </a:r>
-            <a:r>
-              <a:rPr lang="de-CH" dirty="0"/>
-              <a:t> </a:t>
-            </a:r>
-            <a:r>
-              <a:rPr lang="de-CH" dirty="0" err="1"/>
-              <a:t>important</a:t>
-            </a:r>
-            <a:r>
-              <a:rPr lang="de-CH" dirty="0"/>
-              <a:t>. But </a:t>
-            </a:r>
-            <a:r>
-              <a:rPr lang="de-CH" dirty="0" err="1"/>
-              <a:t>for</a:t>
-            </a:r>
-            <a:r>
-              <a:rPr lang="de-CH" dirty="0"/>
-              <a:t> </a:t>
-            </a:r>
-            <a:r>
-              <a:rPr lang="de-CH" dirty="0" err="1"/>
-              <a:t>both</a:t>
-            </a:r>
-            <a:r>
-              <a:rPr lang="de-CH" dirty="0"/>
-              <a:t> </a:t>
-            </a:r>
-            <a:r>
-              <a:rPr lang="de-CH" dirty="0" err="1"/>
-              <a:t>model</a:t>
-            </a:r>
-            <a:r>
-              <a:rPr lang="de-CH" dirty="0"/>
-              <a:t> </a:t>
-            </a:r>
-            <a:r>
-              <a:rPr lang="de-CH" dirty="0" err="1"/>
-              <a:t>the</a:t>
-            </a:r>
-            <a:r>
-              <a:rPr lang="de-CH" dirty="0"/>
-              <a:t> </a:t>
-            </a:r>
-            <a:r>
-              <a:rPr lang="de-CH" dirty="0" err="1"/>
-              <a:t>core</a:t>
-            </a:r>
-            <a:r>
-              <a:rPr lang="de-CH" dirty="0"/>
-              <a:t> variables, CHEK ACC, DURATION, HISTORY AMOUNT </a:t>
-            </a:r>
-            <a:r>
-              <a:rPr lang="de-CH" dirty="0" err="1"/>
-              <a:t>and</a:t>
-            </a:r>
-            <a:r>
-              <a:rPr lang="de-CH" dirty="0"/>
-              <a:t> SAVE ACCOUNT </a:t>
-            </a:r>
-            <a:r>
-              <a:rPr lang="de-CH" dirty="0" err="1"/>
-              <a:t>stays</a:t>
-            </a:r>
-            <a:r>
-              <a:rPr lang="de-CH" dirty="0"/>
-              <a:t> </a:t>
-            </a:r>
-            <a:r>
-              <a:rPr lang="de-CH" dirty="0" err="1"/>
-              <a:t>the</a:t>
-            </a:r>
-            <a:r>
-              <a:rPr lang="de-CH" dirty="0"/>
-              <a:t> same, </a:t>
-            </a:r>
-            <a:r>
-              <a:rPr lang="de-CH" dirty="0" err="1"/>
-              <a:t>giving</a:t>
-            </a:r>
-            <a:r>
-              <a:rPr lang="de-CH" dirty="0"/>
-              <a:t> </a:t>
-            </a:r>
-            <a:r>
-              <a:rPr lang="de-CH" dirty="0" err="1"/>
-              <a:t>us</a:t>
-            </a:r>
-            <a:r>
-              <a:rPr lang="de-CH" dirty="0"/>
-              <a:t> </a:t>
-            </a:r>
-            <a:r>
-              <a:rPr lang="de-CH" dirty="0" err="1"/>
-              <a:t>robustness</a:t>
-            </a:r>
-            <a:r>
-              <a:rPr lang="de-CH" dirty="0"/>
-              <a:t> </a:t>
-            </a:r>
-            <a:r>
-              <a:rPr lang="de-CH" dirty="0" err="1"/>
-              <a:t>or</a:t>
-            </a:r>
-            <a:r>
-              <a:rPr lang="de-CH" dirty="0"/>
-              <a:t> </a:t>
-            </a:r>
-            <a:r>
-              <a:rPr lang="de-CH" dirty="0" err="1"/>
-              <a:t>both</a:t>
-            </a:r>
-            <a:r>
-              <a:rPr lang="de-CH" dirty="0"/>
-              <a:t> </a:t>
-            </a:r>
-            <a:r>
-              <a:rPr lang="de-CH" dirty="0" err="1"/>
-              <a:t>models</a:t>
-            </a:r>
-            <a:r>
-              <a:rPr lang="de-CH" dirty="0"/>
-              <a:t> </a:t>
-            </a:r>
-            <a:r>
-              <a:rPr lang="de-CH" dirty="0" err="1"/>
-              <a:t>and</a:t>
-            </a:r>
-            <a:r>
-              <a:rPr lang="de-CH" dirty="0"/>
-              <a:t> </a:t>
-            </a:r>
-            <a:r>
-              <a:rPr lang="de-CH" dirty="0" err="1"/>
-              <a:t>evidence</a:t>
-            </a:r>
-            <a:r>
-              <a:rPr lang="de-CH" dirty="0"/>
-              <a:t> </a:t>
-            </a:r>
-            <a:r>
-              <a:rPr lang="de-CH" dirty="0" err="1"/>
-              <a:t>that</a:t>
-            </a:r>
-            <a:r>
-              <a:rPr lang="de-CH" dirty="0"/>
-              <a:t> </a:t>
-            </a:r>
-            <a:r>
-              <a:rPr lang="de-CH" dirty="0" err="1"/>
-              <a:t>these</a:t>
-            </a:r>
-            <a:r>
-              <a:rPr lang="de-CH" dirty="0"/>
-              <a:t> </a:t>
-            </a:r>
-            <a:r>
-              <a:rPr lang="de-CH" dirty="0" err="1"/>
-              <a:t>are</a:t>
-            </a:r>
-            <a:r>
-              <a:rPr lang="de-CH" dirty="0"/>
-              <a:t> </a:t>
-            </a:r>
-            <a:r>
-              <a:rPr lang="de-CH" dirty="0" err="1"/>
-              <a:t>the</a:t>
-            </a:r>
-            <a:r>
-              <a:rPr lang="de-CH" dirty="0"/>
-              <a:t> </a:t>
-            </a:r>
-            <a:r>
-              <a:rPr lang="de-CH" dirty="0" err="1"/>
-              <a:t>most</a:t>
-            </a:r>
-            <a:r>
-              <a:rPr lang="de-CH" dirty="0"/>
-              <a:t> </a:t>
-            </a:r>
-            <a:r>
-              <a:rPr lang="de-CH" dirty="0" err="1"/>
-              <a:t>important</a:t>
-            </a:r>
-            <a:r>
-              <a:rPr lang="de-CH" dirty="0"/>
-              <a:t> variables </a:t>
-            </a:r>
-            <a:r>
-              <a:rPr lang="de-CH" dirty="0" err="1"/>
-              <a:t>to</a:t>
-            </a:r>
-            <a:r>
-              <a:rPr lang="de-CH" dirty="0"/>
-              <a:t> </a:t>
-            </a:r>
-            <a:r>
-              <a:rPr lang="de-CH" dirty="0" err="1"/>
-              <a:t>explain</a:t>
-            </a:r>
-            <a:r>
-              <a:rPr lang="de-CH" dirty="0"/>
-              <a:t> </a:t>
-            </a:r>
-            <a:r>
-              <a:rPr lang="de-CH" dirty="0" err="1"/>
-              <a:t>credit</a:t>
-            </a:r>
-            <a:r>
-              <a:rPr lang="de-CH" dirty="0"/>
-              <a:t> </a:t>
-            </a:r>
-            <a:r>
-              <a:rPr lang="de-CH" dirty="0" err="1"/>
-              <a:t>rating</a:t>
-            </a:r>
-            <a:r>
-              <a:rPr lang="de-CH" dirty="0"/>
-              <a:t> </a:t>
-            </a:r>
-            <a:r>
-              <a:rPr lang="de-CH" dirty="0" err="1"/>
-              <a:t>of</a:t>
-            </a:r>
-            <a:r>
-              <a:rPr lang="de-CH" dirty="0"/>
-              <a:t> a </a:t>
-            </a:r>
-            <a:r>
-              <a:rPr lang="de-CH" dirty="0" err="1"/>
-              <a:t>person</a:t>
-            </a:r>
-            <a:r>
-              <a:rPr lang="de-CH" dirty="0"/>
-              <a:t>.</a:t>
-            </a:r>
-          </a:p>
-          <a:p>
             <a:endParaRPr lang="de-CH" dirty="0"/>
           </a:p>
           <a:p>
@@ -1904,7 +1840,7 @@
     </p:spTree>
     <p:extLst>
       <p:ext uri="{BB962C8B-B14F-4D97-AF65-F5344CB8AC3E}">
-        <p14:creationId xmlns:p14="http://schemas.microsoft.com/office/powerpoint/2010/main" val="2681681258"/>
+        <p14:creationId xmlns:p14="http://schemas.microsoft.com/office/powerpoint/2010/main" val="800877710"/>
       </p:ext>
     </p:extLst>
   </p:cSld>
@@ -2324,292 +2260,6 @@
           <a:bodyPr/>
           <a:lstStyle/>
           <a:p>
-            <a:r>
-              <a:rPr lang="de-CH" dirty="0"/>
-              <a:t>In </a:t>
-            </a:r>
-            <a:r>
-              <a:rPr lang="de-CH" dirty="0" err="1"/>
-              <a:t>the</a:t>
-            </a:r>
-            <a:r>
-              <a:rPr lang="de-CH" dirty="0"/>
-              <a:t> </a:t>
-            </a:r>
-            <a:r>
-              <a:rPr lang="de-CH" dirty="0" err="1"/>
-              <a:t>codelist</a:t>
-            </a:r>
-            <a:r>
-              <a:rPr lang="de-CH" dirty="0"/>
-              <a:t> 6 variables </a:t>
-            </a:r>
-            <a:r>
-              <a:rPr lang="de-CH" dirty="0" err="1"/>
-              <a:t>were</a:t>
-            </a:r>
-            <a:r>
-              <a:rPr lang="de-CH" dirty="0"/>
-              <a:t> </a:t>
-            </a:r>
-            <a:r>
-              <a:rPr lang="de-CH" dirty="0" err="1"/>
-              <a:t>defined</a:t>
-            </a:r>
-            <a:r>
-              <a:rPr lang="de-CH" dirty="0"/>
-              <a:t> </a:t>
-            </a:r>
-            <a:r>
-              <a:rPr lang="de-CH" dirty="0" err="1"/>
-              <a:t>as</a:t>
-            </a:r>
-            <a:r>
-              <a:rPr lang="de-CH" dirty="0"/>
-              <a:t> </a:t>
-            </a:r>
-            <a:r>
-              <a:rPr lang="de-CH" dirty="0" err="1"/>
-              <a:t>numeric</a:t>
-            </a:r>
-            <a:r>
-              <a:rPr lang="de-CH" dirty="0"/>
-              <a:t>. </a:t>
-            </a:r>
-            <a:r>
-              <a:rPr lang="de-CH" dirty="0" err="1"/>
-              <a:t>Anyhow</a:t>
-            </a:r>
-            <a:r>
-              <a:rPr lang="de-CH" dirty="0"/>
-              <a:t> </a:t>
-            </a:r>
-            <a:r>
-              <a:rPr lang="de-CH" dirty="0" err="1"/>
-              <a:t>since</a:t>
-            </a:r>
-            <a:r>
-              <a:rPr lang="de-CH" dirty="0"/>
-              <a:t> 3 </a:t>
-            </a:r>
-            <a:r>
-              <a:rPr lang="de-CH" dirty="0" err="1"/>
-              <a:t>of</a:t>
-            </a:r>
-            <a:r>
-              <a:rPr lang="de-CH" dirty="0"/>
-              <a:t> </a:t>
-            </a:r>
-            <a:r>
-              <a:rPr lang="de-CH" dirty="0" err="1"/>
-              <a:t>these</a:t>
-            </a:r>
-            <a:r>
-              <a:rPr lang="de-CH" dirty="0"/>
-              <a:t> 6 </a:t>
-            </a:r>
-            <a:r>
-              <a:rPr lang="de-CH" dirty="0" err="1"/>
-              <a:t>were</a:t>
-            </a:r>
-            <a:r>
-              <a:rPr lang="de-CH" dirty="0"/>
-              <a:t> </a:t>
-            </a:r>
-            <a:r>
-              <a:rPr lang="de-CH" dirty="0" err="1"/>
-              <a:t>mostly</a:t>
-            </a:r>
-            <a:r>
-              <a:rPr lang="de-CH" dirty="0"/>
-              <a:t> </a:t>
-            </a:r>
-            <a:r>
-              <a:rPr lang="de-CH" dirty="0" err="1"/>
-              <a:t>ordinal</a:t>
-            </a:r>
-            <a:r>
-              <a:rPr lang="de-CH" dirty="0"/>
-              <a:t> variables </a:t>
-            </a:r>
-            <a:r>
-              <a:rPr lang="de-CH" dirty="0" err="1"/>
-              <a:t>with</a:t>
-            </a:r>
-            <a:r>
-              <a:rPr lang="de-CH" dirty="0"/>
-              <a:t> 4 </a:t>
-            </a:r>
-            <a:r>
-              <a:rPr lang="de-CH" dirty="0" err="1"/>
-              <a:t>or</a:t>
-            </a:r>
-            <a:r>
-              <a:rPr lang="de-CH" dirty="0"/>
-              <a:t> </a:t>
-            </a:r>
-            <a:r>
-              <a:rPr lang="de-CH" dirty="0" err="1"/>
-              <a:t>few</a:t>
-            </a:r>
-            <a:r>
-              <a:rPr lang="de-CH" dirty="0"/>
-              <a:t> </a:t>
-            </a:r>
-            <a:r>
-              <a:rPr lang="de-CH" dirty="0" err="1"/>
-              <a:t>categories</a:t>
-            </a:r>
-            <a:r>
-              <a:rPr lang="de-CH" dirty="0"/>
-              <a:t>, I </a:t>
-            </a:r>
-            <a:r>
-              <a:rPr lang="de-CH" dirty="0" err="1"/>
-              <a:t>decided</a:t>
-            </a:r>
-            <a:r>
-              <a:rPr lang="de-CH" dirty="0"/>
-              <a:t> </a:t>
-            </a:r>
-            <a:r>
-              <a:rPr lang="de-CH" dirty="0" err="1"/>
-              <a:t>to</a:t>
-            </a:r>
-            <a:r>
-              <a:rPr lang="de-CH" dirty="0"/>
-              <a:t> </a:t>
-            </a:r>
-            <a:r>
-              <a:rPr lang="de-CH" dirty="0" err="1"/>
-              <a:t>classify</a:t>
-            </a:r>
-            <a:r>
-              <a:rPr lang="de-CH" dirty="0"/>
-              <a:t> </a:t>
-            </a:r>
-            <a:r>
-              <a:rPr lang="de-CH" dirty="0" err="1"/>
-              <a:t>this</a:t>
-            </a:r>
-            <a:r>
-              <a:rPr lang="de-CH" dirty="0"/>
-              <a:t> 3 </a:t>
-            </a:r>
-            <a:r>
-              <a:rPr lang="de-CH" dirty="0" err="1"/>
-              <a:t>aswell</a:t>
-            </a:r>
-            <a:r>
-              <a:rPr lang="de-CH" dirty="0"/>
-              <a:t> </a:t>
-            </a:r>
-            <a:r>
-              <a:rPr lang="de-CH" dirty="0" err="1"/>
-              <a:t>as</a:t>
-            </a:r>
-            <a:r>
-              <a:rPr lang="de-CH" dirty="0"/>
-              <a:t> qualitative </a:t>
-            </a:r>
-            <a:r>
-              <a:rPr lang="de-CH" dirty="0" err="1"/>
-              <a:t>instead</a:t>
-            </a:r>
-            <a:r>
-              <a:rPr lang="de-CH" dirty="0"/>
-              <a:t> </a:t>
-            </a:r>
-            <a:r>
-              <a:rPr lang="de-CH" dirty="0" err="1"/>
-              <a:t>of</a:t>
-            </a:r>
-            <a:r>
-              <a:rPr lang="de-CH" dirty="0"/>
-              <a:t> quantitative </a:t>
-            </a:r>
-            <a:r>
-              <a:rPr lang="de-CH" dirty="0" err="1"/>
-              <a:t>vars</a:t>
-            </a:r>
-            <a:r>
-              <a:rPr lang="de-CH" dirty="0"/>
-              <a:t>.</a:t>
-            </a:r>
-          </a:p>
-          <a:p>
-            <a:r>
-              <a:rPr lang="de-CH" dirty="0"/>
-              <a:t>So at </a:t>
-            </a:r>
-            <a:r>
-              <a:rPr lang="de-CH" dirty="0" err="1"/>
-              <a:t>the</a:t>
-            </a:r>
-            <a:r>
-              <a:rPr lang="de-CH" dirty="0"/>
-              <a:t> end </a:t>
-            </a:r>
-            <a:r>
-              <a:rPr lang="de-CH" dirty="0" err="1"/>
-              <a:t>only</a:t>
-            </a:r>
-            <a:r>
-              <a:rPr lang="de-CH" dirty="0"/>
-              <a:t> 3 </a:t>
-            </a:r>
-            <a:r>
-              <a:rPr lang="de-CH" dirty="0" err="1"/>
-              <a:t>covariates</a:t>
-            </a:r>
-            <a:r>
-              <a:rPr lang="de-CH" dirty="0"/>
-              <a:t> </a:t>
-            </a:r>
-            <a:r>
-              <a:rPr lang="de-CH" dirty="0" err="1"/>
-              <a:t>remained</a:t>
-            </a:r>
-            <a:r>
-              <a:rPr lang="de-CH" dirty="0"/>
-              <a:t> </a:t>
-            </a:r>
-            <a:r>
-              <a:rPr lang="de-CH" dirty="0" err="1"/>
-              <a:t>which</a:t>
-            </a:r>
-            <a:r>
-              <a:rPr lang="de-CH" dirty="0"/>
-              <a:t> I </a:t>
-            </a:r>
-            <a:r>
-              <a:rPr lang="de-CH" dirty="0" err="1"/>
-              <a:t>consider</a:t>
-            </a:r>
-            <a:r>
-              <a:rPr lang="de-CH" dirty="0"/>
-              <a:t> </a:t>
-            </a:r>
-            <a:r>
-              <a:rPr lang="de-CH" dirty="0" err="1"/>
-              <a:t>as</a:t>
-            </a:r>
-            <a:r>
-              <a:rPr lang="de-CH" dirty="0"/>
-              <a:t> real </a:t>
-            </a:r>
-            <a:r>
-              <a:rPr lang="de-CH" dirty="0" err="1"/>
-              <a:t>continuous</a:t>
-            </a:r>
-            <a:r>
-              <a:rPr lang="de-CH" dirty="0"/>
-              <a:t> </a:t>
-            </a:r>
-            <a:r>
-              <a:rPr lang="de-CH" dirty="0" err="1"/>
-              <a:t>covariates</a:t>
-            </a:r>
             <a:endParaRPr lang="de-CH" dirty="0"/>
           </a:p>
         </p:txBody>
@@ -2697,6 +2347,321 @@
             <a:endParaRPr lang="de-CH" dirty="0"/>
           </a:p>
           <a:p>
+            <a:endParaRPr lang="de-CH" dirty="0"/>
+          </a:p>
+          <a:p>
+            <a:endParaRPr lang="de-CH" dirty="0"/>
+          </a:p>
+          <a:p>
+            <a:r>
+              <a:rPr lang="de-CH" dirty="0"/>
+              <a:t>In </a:t>
+            </a:r>
+            <a:r>
+              <a:rPr lang="de-CH" dirty="0" err="1"/>
+              <a:t>the</a:t>
+            </a:r>
+            <a:r>
+              <a:rPr lang="de-CH" dirty="0"/>
+              <a:t> </a:t>
+            </a:r>
+            <a:r>
+              <a:rPr lang="de-CH" dirty="0" err="1"/>
+              <a:t>codelist</a:t>
+            </a:r>
+            <a:r>
+              <a:rPr lang="de-CH" dirty="0"/>
+              <a:t> 6 variables </a:t>
+            </a:r>
+            <a:r>
+              <a:rPr lang="de-CH" dirty="0" err="1"/>
+              <a:t>were</a:t>
+            </a:r>
+            <a:r>
+              <a:rPr lang="de-CH" dirty="0"/>
+              <a:t> </a:t>
+            </a:r>
+            <a:r>
+              <a:rPr lang="de-CH" dirty="0" err="1"/>
+              <a:t>defined</a:t>
+            </a:r>
+            <a:r>
+              <a:rPr lang="de-CH" dirty="0"/>
+              <a:t> </a:t>
+            </a:r>
+            <a:r>
+              <a:rPr lang="de-CH" dirty="0" err="1"/>
+              <a:t>as</a:t>
+            </a:r>
+            <a:r>
+              <a:rPr lang="de-CH" dirty="0"/>
+              <a:t> </a:t>
+            </a:r>
+            <a:r>
+              <a:rPr lang="de-CH" dirty="0" err="1"/>
+              <a:t>numeric</a:t>
+            </a:r>
+            <a:r>
+              <a:rPr lang="de-CH" dirty="0"/>
+              <a:t>. </a:t>
+            </a:r>
+            <a:r>
+              <a:rPr lang="de-CH" dirty="0" err="1"/>
+              <a:t>Anyhow</a:t>
+            </a:r>
+            <a:r>
+              <a:rPr lang="de-CH" dirty="0"/>
+              <a:t> </a:t>
+            </a:r>
+            <a:r>
+              <a:rPr lang="de-CH" dirty="0" err="1"/>
+              <a:t>since</a:t>
+            </a:r>
+            <a:r>
+              <a:rPr lang="de-CH" dirty="0"/>
+              <a:t> 3 </a:t>
+            </a:r>
+            <a:r>
+              <a:rPr lang="de-CH" dirty="0" err="1"/>
+              <a:t>of</a:t>
+            </a:r>
+            <a:r>
+              <a:rPr lang="de-CH" dirty="0"/>
+              <a:t> </a:t>
+            </a:r>
+            <a:r>
+              <a:rPr lang="de-CH" dirty="0" err="1"/>
+              <a:t>these</a:t>
+            </a:r>
+            <a:r>
+              <a:rPr lang="de-CH" dirty="0"/>
+              <a:t> 6 </a:t>
+            </a:r>
+            <a:r>
+              <a:rPr lang="de-CH" dirty="0" err="1"/>
+              <a:t>were</a:t>
+            </a:r>
+            <a:r>
+              <a:rPr lang="de-CH" dirty="0"/>
+              <a:t> </a:t>
+            </a:r>
+            <a:r>
+              <a:rPr lang="de-CH" dirty="0" err="1"/>
+              <a:t>mostly</a:t>
+            </a:r>
+            <a:r>
+              <a:rPr lang="de-CH" dirty="0"/>
+              <a:t> </a:t>
+            </a:r>
+            <a:r>
+              <a:rPr lang="de-CH" dirty="0" err="1"/>
+              <a:t>ordinal</a:t>
+            </a:r>
+            <a:r>
+              <a:rPr lang="de-CH" dirty="0"/>
+              <a:t> variables </a:t>
+            </a:r>
+            <a:r>
+              <a:rPr lang="de-CH" dirty="0" err="1"/>
+              <a:t>with</a:t>
+            </a:r>
+            <a:r>
+              <a:rPr lang="de-CH" dirty="0"/>
+              <a:t> 4 </a:t>
+            </a:r>
+            <a:r>
+              <a:rPr lang="de-CH" dirty="0" err="1"/>
+              <a:t>or</a:t>
+            </a:r>
+            <a:r>
+              <a:rPr lang="de-CH" dirty="0"/>
+              <a:t> </a:t>
+            </a:r>
+            <a:r>
+              <a:rPr lang="de-CH" dirty="0" err="1"/>
+              <a:t>few</a:t>
+            </a:r>
+            <a:r>
+              <a:rPr lang="de-CH" dirty="0"/>
+              <a:t> </a:t>
+            </a:r>
+            <a:r>
+              <a:rPr lang="de-CH" dirty="0" err="1"/>
+              <a:t>categories</a:t>
+            </a:r>
+            <a:r>
+              <a:rPr lang="de-CH" dirty="0"/>
+              <a:t>, I </a:t>
+            </a:r>
+            <a:r>
+              <a:rPr lang="de-CH" dirty="0" err="1"/>
+              <a:t>decided</a:t>
+            </a:r>
+            <a:r>
+              <a:rPr lang="de-CH" dirty="0"/>
+              <a:t> </a:t>
+            </a:r>
+            <a:r>
+              <a:rPr lang="de-CH" dirty="0" err="1"/>
+              <a:t>to</a:t>
+            </a:r>
+            <a:r>
+              <a:rPr lang="de-CH" dirty="0"/>
+              <a:t> </a:t>
+            </a:r>
+            <a:r>
+              <a:rPr lang="de-CH" dirty="0" err="1"/>
+              <a:t>classify</a:t>
+            </a:r>
+            <a:r>
+              <a:rPr lang="de-CH" dirty="0"/>
+              <a:t> </a:t>
+            </a:r>
+            <a:r>
+              <a:rPr lang="de-CH" dirty="0" err="1"/>
+              <a:t>this</a:t>
+            </a:r>
+            <a:r>
+              <a:rPr lang="de-CH" dirty="0"/>
+              <a:t> 3 </a:t>
+            </a:r>
+            <a:r>
+              <a:rPr lang="de-CH" dirty="0" err="1"/>
+              <a:t>aswell</a:t>
+            </a:r>
+            <a:r>
+              <a:rPr lang="de-CH" dirty="0"/>
+              <a:t> </a:t>
+            </a:r>
+            <a:r>
+              <a:rPr lang="de-CH" dirty="0" err="1"/>
+              <a:t>as</a:t>
+            </a:r>
+            <a:r>
+              <a:rPr lang="de-CH" dirty="0"/>
+              <a:t> qualitative </a:t>
+            </a:r>
+            <a:r>
+              <a:rPr lang="de-CH" dirty="0" err="1"/>
+              <a:t>instead</a:t>
+            </a:r>
+            <a:r>
+              <a:rPr lang="de-CH" dirty="0"/>
+              <a:t> </a:t>
+            </a:r>
+            <a:r>
+              <a:rPr lang="de-CH" dirty="0" err="1"/>
+              <a:t>of</a:t>
+            </a:r>
+            <a:r>
+              <a:rPr lang="de-CH" dirty="0"/>
+              <a:t> quantitative </a:t>
+            </a:r>
+            <a:r>
+              <a:rPr lang="de-CH" dirty="0" err="1"/>
+              <a:t>vars</a:t>
+            </a:r>
+            <a:r>
+              <a:rPr lang="de-CH" dirty="0"/>
+              <a:t>.</a:t>
+            </a:r>
+          </a:p>
+          <a:p>
+            <a:r>
+              <a:rPr lang="de-CH" dirty="0"/>
+              <a:t>So at </a:t>
+            </a:r>
+            <a:r>
+              <a:rPr lang="de-CH" dirty="0" err="1"/>
+              <a:t>the</a:t>
+            </a:r>
+            <a:r>
+              <a:rPr lang="de-CH" dirty="0"/>
+              <a:t> end </a:t>
+            </a:r>
+            <a:r>
+              <a:rPr lang="de-CH" dirty="0" err="1"/>
+              <a:t>only</a:t>
+            </a:r>
+            <a:r>
+              <a:rPr lang="de-CH" dirty="0"/>
+              <a:t> 3 </a:t>
+            </a:r>
+            <a:r>
+              <a:rPr lang="de-CH" dirty="0" err="1"/>
+              <a:t>covariates</a:t>
+            </a:r>
+            <a:r>
+              <a:rPr lang="de-CH" dirty="0"/>
+              <a:t> </a:t>
+            </a:r>
+            <a:r>
+              <a:rPr lang="de-CH" dirty="0" err="1"/>
+              <a:t>remained</a:t>
+            </a:r>
+            <a:r>
+              <a:rPr lang="de-CH" dirty="0"/>
+              <a:t> </a:t>
+            </a:r>
+            <a:r>
+              <a:rPr lang="de-CH" dirty="0" err="1"/>
+              <a:t>which</a:t>
+            </a:r>
+            <a:r>
+              <a:rPr lang="de-CH" dirty="0"/>
+              <a:t> I </a:t>
+            </a:r>
+            <a:r>
+              <a:rPr lang="de-CH" dirty="0" err="1"/>
+              <a:t>consider</a:t>
+            </a:r>
+            <a:r>
+              <a:rPr lang="de-CH" dirty="0"/>
+              <a:t> </a:t>
+            </a:r>
+            <a:r>
+              <a:rPr lang="de-CH" dirty="0" err="1"/>
+              <a:t>as</a:t>
+            </a:r>
+            <a:r>
+              <a:rPr lang="de-CH" dirty="0"/>
+              <a:t> real </a:t>
+            </a:r>
+            <a:r>
+              <a:rPr lang="de-CH" dirty="0" err="1"/>
+              <a:t>continuous</a:t>
+            </a:r>
+            <a:r>
+              <a:rPr lang="de-CH" dirty="0"/>
+              <a:t> </a:t>
+            </a:r>
+            <a:r>
+              <a:rPr lang="de-CH" dirty="0" err="1"/>
+              <a:t>covariates</a:t>
+            </a:r>
+            <a:endParaRPr lang="de-CH" dirty="0"/>
+          </a:p>
+          <a:p>
+            <a:endParaRPr lang="de-CH" dirty="0"/>
+          </a:p>
+          <a:p>
+            <a:pPr marL="0" marR="0" lvl="0" indent="0" algn="l" defTabSz="914400" rtl="0" eaLnBrk="1" fontAlgn="auto" latinLnBrk="0" hangingPunct="1">
+              <a:lnSpc>
+                <a:spcPct val="100000"/>
+              </a:lnSpc>
+              <a:spcBef>
+                <a:spcPts val="0"/>
+              </a:spcBef>
+              <a:spcAft>
+                <a:spcPts val="0"/>
+              </a:spcAft>
+              <a:buClrTx/>
+              <a:buSzTx/>
+              <a:buFontTx/>
+              <a:buNone/>
+              <a:tabLst/>
+              <a:defRPr/>
+            </a:pPr>
             <a:r>
               <a:rPr lang="de-CH" dirty="0" err="1"/>
               <a:t>Logically</a:t>
@@ -2719,7 +2684,7 @@
             </a:r>
             <a:r>
               <a:rPr lang="de-CH" dirty="0"/>
-              <a:t>, </a:t>
+              <a:t> in </a:t>
             </a:r>
             <a:r>
               <a:rPr lang="de-CH" dirty="0" err="1"/>
@@ -2872,298 +2837,6 @@
             <a:endParaRPr lang="de-CH" dirty="0"/>
           </a:p>
           <a:p>
-            <a:endParaRPr lang="de-CH" dirty="0"/>
-          </a:p>
-          <a:p>
-            <a:endParaRPr lang="de-CH" dirty="0"/>
-          </a:p>
-          <a:p>
-            <a:r>
-              <a:rPr lang="de-CH" dirty="0"/>
-              <a:t>In </a:t>
-            </a:r>
-            <a:r>
-              <a:rPr lang="de-CH" dirty="0" err="1"/>
-              <a:t>the</a:t>
-            </a:r>
-            <a:r>
-              <a:rPr lang="de-CH" dirty="0"/>
-              <a:t> </a:t>
-            </a:r>
-            <a:r>
-              <a:rPr lang="de-CH" dirty="0" err="1"/>
-              <a:t>codelist</a:t>
-            </a:r>
-            <a:r>
-              <a:rPr lang="de-CH" dirty="0"/>
-              <a:t> 6 variables </a:t>
-            </a:r>
-            <a:r>
-              <a:rPr lang="de-CH" dirty="0" err="1"/>
-              <a:t>were</a:t>
-            </a:r>
-            <a:r>
-              <a:rPr lang="de-CH" dirty="0"/>
-              <a:t> </a:t>
-            </a:r>
-            <a:r>
-              <a:rPr lang="de-CH" dirty="0" err="1"/>
-              <a:t>defined</a:t>
-            </a:r>
-            <a:r>
-              <a:rPr lang="de-CH" dirty="0"/>
-              <a:t> </a:t>
-            </a:r>
-            <a:r>
-              <a:rPr lang="de-CH" dirty="0" err="1"/>
-              <a:t>as</a:t>
-            </a:r>
-            <a:r>
-              <a:rPr lang="de-CH" dirty="0"/>
-              <a:t> </a:t>
-            </a:r>
-            <a:r>
-              <a:rPr lang="de-CH" dirty="0" err="1"/>
-              <a:t>numeric</a:t>
-            </a:r>
-            <a:r>
-              <a:rPr lang="de-CH" dirty="0"/>
-              <a:t>. </a:t>
-            </a:r>
-            <a:r>
-              <a:rPr lang="de-CH" dirty="0" err="1"/>
-              <a:t>Anyhow</a:t>
-            </a:r>
-            <a:r>
-              <a:rPr lang="de-CH" dirty="0"/>
-              <a:t> </a:t>
-            </a:r>
-            <a:r>
-              <a:rPr lang="de-CH" dirty="0" err="1"/>
-              <a:t>since</a:t>
-            </a:r>
-            <a:r>
-              <a:rPr lang="de-CH" dirty="0"/>
-              <a:t> 3 </a:t>
-            </a:r>
-            <a:r>
-              <a:rPr lang="de-CH" dirty="0" err="1"/>
-              <a:t>of</a:t>
-            </a:r>
-            <a:r>
-              <a:rPr lang="de-CH" dirty="0"/>
-              <a:t> </a:t>
-            </a:r>
-            <a:r>
-              <a:rPr lang="de-CH" dirty="0" err="1"/>
-              <a:t>these</a:t>
-            </a:r>
-            <a:r>
-              <a:rPr lang="de-CH" dirty="0"/>
-              <a:t> 6 </a:t>
-            </a:r>
-            <a:r>
-              <a:rPr lang="de-CH" dirty="0" err="1"/>
-              <a:t>were</a:t>
-            </a:r>
-            <a:r>
-              <a:rPr lang="de-CH" dirty="0"/>
-              <a:t> </a:t>
-            </a:r>
-            <a:r>
-              <a:rPr lang="de-CH" dirty="0" err="1"/>
-              <a:t>mostly</a:t>
-            </a:r>
-            <a:r>
-              <a:rPr lang="de-CH" dirty="0"/>
-              <a:t> </a:t>
-            </a:r>
-            <a:r>
-              <a:rPr lang="de-CH" dirty="0" err="1"/>
-              <a:t>ordinal</a:t>
-            </a:r>
-            <a:r>
-              <a:rPr lang="de-CH" dirty="0"/>
-              <a:t> variables </a:t>
-            </a:r>
-            <a:r>
-              <a:rPr lang="de-CH" dirty="0" err="1"/>
-              <a:t>with</a:t>
-            </a:r>
-            <a:r>
-              <a:rPr lang="de-CH" dirty="0"/>
-              <a:t> 4 </a:t>
-            </a:r>
-            <a:r>
-              <a:rPr lang="de-CH" dirty="0" err="1"/>
-              <a:t>or</a:t>
-            </a:r>
-            <a:r>
-              <a:rPr lang="de-CH" dirty="0"/>
-              <a:t> </a:t>
-            </a:r>
-            <a:r>
-              <a:rPr lang="de-CH" dirty="0" err="1"/>
-              <a:t>few</a:t>
-            </a:r>
-            <a:r>
-              <a:rPr lang="de-CH" dirty="0"/>
-              <a:t> </a:t>
-            </a:r>
-            <a:r>
-              <a:rPr lang="de-CH" dirty="0" err="1"/>
-              <a:t>categories</a:t>
-            </a:r>
-            <a:r>
-              <a:rPr lang="de-CH" dirty="0"/>
-              <a:t>, I </a:t>
-            </a:r>
-            <a:r>
-              <a:rPr lang="de-CH" dirty="0" err="1"/>
-              <a:t>decided</a:t>
-            </a:r>
-            <a:r>
-              <a:rPr lang="de-CH" dirty="0"/>
-              <a:t> </a:t>
-            </a:r>
-            <a:r>
-              <a:rPr lang="de-CH" dirty="0" err="1"/>
-              <a:t>to</a:t>
-            </a:r>
-            <a:r>
-              <a:rPr lang="de-CH" dirty="0"/>
-              <a:t> </a:t>
-            </a:r>
-            <a:r>
-              <a:rPr lang="de-CH" dirty="0" err="1"/>
-              <a:t>classify</a:t>
-            </a:r>
-            <a:r>
-              <a:rPr lang="de-CH" dirty="0"/>
-              <a:t> </a:t>
-            </a:r>
-            <a:r>
-              <a:rPr lang="de-CH" dirty="0" err="1"/>
-              <a:t>this</a:t>
-            </a:r>
-            <a:r>
-              <a:rPr lang="de-CH" dirty="0"/>
-              <a:t> 3 </a:t>
-            </a:r>
-            <a:r>
-              <a:rPr lang="de-CH" dirty="0" err="1"/>
-              <a:t>aswell</a:t>
-            </a:r>
-            <a:r>
-              <a:rPr lang="de-CH" dirty="0"/>
-              <a:t> </a:t>
-            </a:r>
-            <a:r>
-              <a:rPr lang="de-CH" dirty="0" err="1"/>
-              <a:t>as</a:t>
-            </a:r>
-            <a:r>
-              <a:rPr lang="de-CH" dirty="0"/>
-              <a:t> qualitative </a:t>
-            </a:r>
-            <a:r>
-              <a:rPr lang="de-CH" dirty="0" err="1"/>
-              <a:t>instead</a:t>
-            </a:r>
-            <a:r>
-              <a:rPr lang="de-CH" dirty="0"/>
-              <a:t> </a:t>
-            </a:r>
-            <a:r>
-              <a:rPr lang="de-CH" dirty="0" err="1"/>
-              <a:t>of</a:t>
-            </a:r>
-            <a:r>
-              <a:rPr lang="de-CH" dirty="0"/>
-              <a:t> quantitative </a:t>
-            </a:r>
-            <a:r>
-              <a:rPr lang="de-CH" dirty="0" err="1"/>
-              <a:t>vars</a:t>
-            </a:r>
-            <a:r>
-              <a:rPr lang="de-CH" dirty="0"/>
-              <a:t>.</a:t>
-            </a:r>
-          </a:p>
-          <a:p>
-            <a:r>
-              <a:rPr lang="de-CH" dirty="0"/>
-              <a:t>So at </a:t>
-            </a:r>
-            <a:r>
-              <a:rPr lang="de-CH" dirty="0" err="1"/>
-              <a:t>the</a:t>
-            </a:r>
-            <a:r>
-              <a:rPr lang="de-CH" dirty="0"/>
-              <a:t> end </a:t>
-            </a:r>
-            <a:r>
-              <a:rPr lang="de-CH" dirty="0" err="1"/>
-              <a:t>only</a:t>
-            </a:r>
-            <a:r>
-              <a:rPr lang="de-CH" dirty="0"/>
-              <a:t> 3 </a:t>
-            </a:r>
-            <a:r>
-              <a:rPr lang="de-CH" dirty="0" err="1"/>
-              <a:t>covariates</a:t>
-            </a:r>
-            <a:r>
-              <a:rPr lang="de-CH" dirty="0"/>
-              <a:t> </a:t>
-            </a:r>
-            <a:r>
-              <a:rPr lang="de-CH" dirty="0" err="1"/>
-              <a:t>remained</a:t>
-            </a:r>
-            <a:r>
-              <a:rPr lang="de-CH" dirty="0"/>
-              <a:t> </a:t>
-            </a:r>
-            <a:r>
-              <a:rPr lang="de-CH" dirty="0" err="1"/>
-              <a:t>which</a:t>
-            </a:r>
-            <a:r>
-              <a:rPr lang="de-CH" dirty="0"/>
-              <a:t> I </a:t>
-            </a:r>
-            <a:r>
-              <a:rPr lang="de-CH" dirty="0" err="1"/>
-              <a:t>consider</a:t>
-            </a:r>
-            <a:r>
-              <a:rPr lang="de-CH" dirty="0"/>
-              <a:t> </a:t>
-            </a:r>
-            <a:r>
-              <a:rPr lang="de-CH" dirty="0" err="1"/>
-              <a:t>as</a:t>
-            </a:r>
-            <a:r>
-              <a:rPr lang="de-CH" dirty="0"/>
-              <a:t> real </a:t>
-            </a:r>
-            <a:r>
-              <a:rPr lang="de-CH" dirty="0" err="1"/>
-              <a:t>continuous</a:t>
-            </a:r>
-            <a:r>
-              <a:rPr lang="de-CH" dirty="0"/>
-              <a:t> </a:t>
-            </a:r>
-            <a:r>
-              <a:rPr lang="de-CH" dirty="0" err="1"/>
-              <a:t>covariates</a:t>
-            </a:r>
             <a:endParaRPr lang="de-CH" dirty="0"/>
           </a:p>
         </p:txBody>
@@ -3265,336 +2938,6 @@
               <a:tabLst/>
               <a:defRPr/>
             </a:pPr>
-            <a:r>
-              <a:rPr lang="de-CH" dirty="0"/>
-              <a:t>Selected </a:t>
-            </a:r>
-            <a:r>
-              <a:rPr lang="de-CH" dirty="0" err="1"/>
-              <a:t>by</a:t>
-            </a:r>
-            <a:r>
-              <a:rPr lang="de-CH" dirty="0"/>
-              <a:t> </a:t>
-            </a:r>
-            <a:r>
-              <a:rPr lang="de-CH" dirty="0" err="1"/>
-              <a:t>graphical</a:t>
-            </a:r>
-            <a:r>
-              <a:rPr lang="de-CH" dirty="0"/>
-              <a:t> </a:t>
-            </a:r>
-            <a:r>
-              <a:rPr lang="de-CH" dirty="0" err="1"/>
-              <a:t>and</a:t>
-            </a:r>
-            <a:r>
-              <a:rPr lang="de-CH" dirty="0"/>
-              <a:t> </a:t>
-            </a:r>
-            <a:r>
-              <a:rPr lang="de-CH" dirty="0" err="1"/>
-              <a:t>computational</a:t>
-            </a:r>
-            <a:r>
-              <a:rPr lang="de-CH" dirty="0"/>
-              <a:t> Tools</a:t>
-            </a:r>
-          </a:p>
-          <a:p>
-            <a:endParaRPr lang="de-CH" dirty="0"/>
-          </a:p>
-          <a:p>
-            <a:endParaRPr lang="de-CH" dirty="0"/>
-          </a:p>
-          <a:p>
-            <a:r>
-              <a:rPr lang="de-CH" dirty="0"/>
-              <a:t>In </a:t>
-            </a:r>
-            <a:r>
-              <a:rPr lang="de-CH" dirty="0" err="1"/>
-              <a:t>the</a:t>
-            </a:r>
-            <a:r>
-              <a:rPr lang="de-CH" dirty="0"/>
-              <a:t> </a:t>
-            </a:r>
-            <a:r>
-              <a:rPr lang="de-CH" dirty="0" err="1"/>
-              <a:t>codelist</a:t>
-            </a:r>
-            <a:r>
-              <a:rPr lang="de-CH" dirty="0"/>
-              <a:t> 6 variables </a:t>
-            </a:r>
-            <a:r>
-              <a:rPr lang="de-CH" dirty="0" err="1"/>
-              <a:t>were</a:t>
-            </a:r>
-            <a:r>
-              <a:rPr lang="de-CH" dirty="0"/>
-              <a:t> </a:t>
-            </a:r>
-            <a:r>
-              <a:rPr lang="de-CH" dirty="0" err="1"/>
-              <a:t>defined</a:t>
-            </a:r>
-            <a:r>
-              <a:rPr lang="de-CH" dirty="0"/>
-              <a:t> </a:t>
-            </a:r>
-            <a:r>
-              <a:rPr lang="de-CH" dirty="0" err="1"/>
-              <a:t>as</a:t>
-            </a:r>
-            <a:r>
-              <a:rPr lang="de-CH" dirty="0"/>
-              <a:t> </a:t>
-            </a:r>
-            <a:r>
-              <a:rPr lang="de-CH" dirty="0" err="1"/>
-              <a:t>numeric</a:t>
-            </a:r>
-            <a:r>
-              <a:rPr lang="de-CH" dirty="0"/>
-              <a:t>. </a:t>
-            </a:r>
-            <a:r>
-              <a:rPr lang="de-CH" dirty="0" err="1"/>
-              <a:t>Anyhow</a:t>
-            </a:r>
-            <a:r>
-              <a:rPr lang="de-CH" dirty="0"/>
-              <a:t> </a:t>
-            </a:r>
-            <a:r>
-              <a:rPr lang="de-CH" dirty="0" err="1"/>
-              <a:t>since</a:t>
-            </a:r>
-            <a:r>
-              <a:rPr lang="de-CH" dirty="0"/>
-              <a:t> 3 </a:t>
-            </a:r>
-            <a:r>
-              <a:rPr lang="de-CH" dirty="0" err="1"/>
-              <a:t>of</a:t>
-            </a:r>
-            <a:r>
-              <a:rPr lang="de-CH" dirty="0"/>
-              <a:t> </a:t>
-            </a:r>
-            <a:r>
-              <a:rPr lang="de-CH" dirty="0" err="1"/>
-              <a:t>these</a:t>
-            </a:r>
-            <a:r>
-              <a:rPr lang="de-CH" dirty="0"/>
-              <a:t> 6 </a:t>
-            </a:r>
-            <a:r>
-              <a:rPr lang="de-CH" dirty="0" err="1"/>
-              <a:t>were</a:t>
-            </a:r>
-            <a:r>
-              <a:rPr lang="de-CH" dirty="0"/>
-              <a:t> </a:t>
-            </a:r>
-            <a:r>
-              <a:rPr lang="de-CH" dirty="0" err="1"/>
-              <a:t>mostly</a:t>
-            </a:r>
-            <a:r>
-              <a:rPr lang="de-CH" dirty="0"/>
-              <a:t> </a:t>
-            </a:r>
-            <a:r>
-              <a:rPr lang="de-CH" dirty="0" err="1"/>
-              <a:t>ordinal</a:t>
-            </a:r>
-            <a:r>
-              <a:rPr lang="de-CH" dirty="0"/>
-              <a:t> variables </a:t>
-            </a:r>
-            <a:r>
-              <a:rPr lang="de-CH" dirty="0" err="1"/>
-              <a:t>with</a:t>
-            </a:r>
-            <a:r>
-              <a:rPr lang="de-CH" dirty="0"/>
-              <a:t> 4 </a:t>
-            </a:r>
-            <a:r>
-              <a:rPr lang="de-CH" dirty="0" err="1"/>
-              <a:t>or</a:t>
-            </a:r>
-            <a:r>
-              <a:rPr lang="de-CH" dirty="0"/>
-              <a:t> </a:t>
-            </a:r>
-            <a:r>
-              <a:rPr lang="de-CH" dirty="0" err="1"/>
-              <a:t>few</a:t>
-            </a:r>
-            <a:r>
-              <a:rPr lang="de-CH" dirty="0"/>
-              <a:t> </a:t>
-            </a:r>
-            <a:r>
-              <a:rPr lang="de-CH" dirty="0" err="1"/>
-              <a:t>categories</a:t>
-            </a:r>
-            <a:r>
-              <a:rPr lang="de-CH" dirty="0"/>
-              <a:t>, I </a:t>
-            </a:r>
-            <a:r>
-              <a:rPr lang="de-CH" dirty="0" err="1"/>
-              <a:t>decided</a:t>
-            </a:r>
-            <a:r>
-              <a:rPr lang="de-CH" dirty="0"/>
-              <a:t> </a:t>
-            </a:r>
-            <a:r>
-              <a:rPr lang="de-CH" dirty="0" err="1"/>
-              <a:t>to</a:t>
-            </a:r>
-            <a:r>
-              <a:rPr lang="de-CH" dirty="0"/>
-              <a:t> </a:t>
-            </a:r>
-            <a:r>
-              <a:rPr lang="de-CH" dirty="0" err="1"/>
-              <a:t>classify</a:t>
-            </a:r>
-            <a:r>
-              <a:rPr lang="de-CH" dirty="0"/>
-              <a:t> </a:t>
-            </a:r>
-            <a:r>
-              <a:rPr lang="de-CH" dirty="0" err="1"/>
-              <a:t>this</a:t>
-            </a:r>
-            <a:r>
-              <a:rPr lang="de-CH" dirty="0"/>
-              <a:t> 3 </a:t>
-            </a:r>
-            <a:r>
-              <a:rPr lang="de-CH" dirty="0" err="1"/>
-              <a:t>aswell</a:t>
-            </a:r>
-            <a:r>
-              <a:rPr lang="de-CH" dirty="0"/>
-              <a:t> </a:t>
-            </a:r>
-            <a:r>
-              <a:rPr lang="de-CH" dirty="0" err="1"/>
-              <a:t>as</a:t>
-            </a:r>
-            <a:r>
-              <a:rPr lang="de-CH" dirty="0"/>
-              <a:t> qualitative </a:t>
-            </a:r>
-            <a:r>
-              <a:rPr lang="de-CH" dirty="0" err="1"/>
-              <a:t>instead</a:t>
-            </a:r>
-            <a:r>
-              <a:rPr lang="de-CH" dirty="0"/>
-              <a:t> </a:t>
-            </a:r>
-            <a:r>
-              <a:rPr lang="de-CH" dirty="0" err="1"/>
-              <a:t>of</a:t>
-            </a:r>
-            <a:r>
-              <a:rPr lang="de-CH" dirty="0"/>
-              <a:t> quantitative </a:t>
-            </a:r>
-            <a:r>
-              <a:rPr lang="de-CH" dirty="0" err="1"/>
-              <a:t>vars</a:t>
-            </a:r>
-            <a:r>
-              <a:rPr lang="de-CH" dirty="0"/>
-              <a:t>.</a:t>
-            </a:r>
-          </a:p>
-          <a:p>
-            <a:r>
-              <a:rPr lang="de-CH" dirty="0"/>
-              <a:t>So at </a:t>
-            </a:r>
-            <a:r>
-              <a:rPr lang="de-CH" dirty="0" err="1"/>
-              <a:t>the</a:t>
-            </a:r>
-            <a:r>
-              <a:rPr lang="de-CH" dirty="0"/>
-              <a:t> end </a:t>
-            </a:r>
-            <a:r>
-              <a:rPr lang="de-CH" dirty="0" err="1"/>
-              <a:t>only</a:t>
-            </a:r>
-            <a:r>
-              <a:rPr lang="de-CH" dirty="0"/>
-              <a:t> 3 </a:t>
-            </a:r>
-            <a:r>
-              <a:rPr lang="de-CH" dirty="0" err="1"/>
-              <a:t>covariates</a:t>
-            </a:r>
-            <a:r>
-              <a:rPr lang="de-CH" dirty="0"/>
-              <a:t> </a:t>
-            </a:r>
-            <a:r>
-              <a:rPr lang="de-CH" dirty="0" err="1"/>
-              <a:t>remained</a:t>
-            </a:r>
-            <a:r>
-              <a:rPr lang="de-CH" dirty="0"/>
-              <a:t> </a:t>
-            </a:r>
-            <a:r>
-              <a:rPr lang="de-CH" dirty="0" err="1"/>
-              <a:t>which</a:t>
-            </a:r>
-            <a:r>
-              <a:rPr lang="de-CH" dirty="0"/>
-              <a:t> I </a:t>
-            </a:r>
-            <a:r>
-              <a:rPr lang="de-CH" dirty="0" err="1"/>
-              <a:t>consider</a:t>
-            </a:r>
-            <a:r>
-              <a:rPr lang="de-CH" dirty="0"/>
-              <a:t> </a:t>
-            </a:r>
-            <a:r>
-              <a:rPr lang="de-CH" dirty="0" err="1"/>
-              <a:t>as</a:t>
-            </a:r>
-            <a:r>
-              <a:rPr lang="de-CH" dirty="0"/>
-              <a:t> real </a:t>
-            </a:r>
-            <a:r>
-              <a:rPr lang="de-CH" dirty="0" err="1"/>
-              <a:t>continuous</a:t>
-            </a:r>
-            <a:r>
-              <a:rPr lang="de-CH" dirty="0"/>
-              <a:t> </a:t>
-            </a:r>
-            <a:r>
-              <a:rPr lang="de-CH" dirty="0" err="1"/>
-              <a:t>covariates</a:t>
-            </a:r>
             <a:endParaRPr lang="de-CH" dirty="0"/>
           </a:p>
         </p:txBody>
@@ -3696,336 +3039,6 @@
               <a:tabLst/>
               <a:defRPr/>
             </a:pPr>
-            <a:r>
-              <a:rPr lang="de-CH" dirty="0"/>
-              <a:t>Selected </a:t>
-            </a:r>
-            <a:r>
-              <a:rPr lang="de-CH" dirty="0" err="1"/>
-              <a:t>by</a:t>
-            </a:r>
-            <a:r>
-              <a:rPr lang="de-CH" dirty="0"/>
-              <a:t> </a:t>
-            </a:r>
-            <a:r>
-              <a:rPr lang="de-CH" dirty="0" err="1"/>
-              <a:t>graphical</a:t>
-            </a:r>
-            <a:r>
-              <a:rPr lang="de-CH" dirty="0"/>
-              <a:t> </a:t>
-            </a:r>
-            <a:r>
-              <a:rPr lang="de-CH" dirty="0" err="1"/>
-              <a:t>and</a:t>
-            </a:r>
-            <a:r>
-              <a:rPr lang="de-CH" dirty="0"/>
-              <a:t> </a:t>
-            </a:r>
-            <a:r>
-              <a:rPr lang="de-CH" dirty="0" err="1"/>
-              <a:t>computational</a:t>
-            </a:r>
-            <a:r>
-              <a:rPr lang="de-CH" dirty="0"/>
-              <a:t> Tools</a:t>
-            </a:r>
-          </a:p>
-          <a:p>
-            <a:endParaRPr lang="de-CH" dirty="0"/>
-          </a:p>
-          <a:p>
-            <a:endParaRPr lang="de-CH" dirty="0"/>
-          </a:p>
-          <a:p>
-            <a:r>
-              <a:rPr lang="de-CH" dirty="0"/>
-              <a:t>In </a:t>
-            </a:r>
-            <a:r>
-              <a:rPr lang="de-CH" dirty="0" err="1"/>
-              <a:t>the</a:t>
-            </a:r>
-            <a:r>
-              <a:rPr lang="de-CH" dirty="0"/>
-              <a:t> </a:t>
-            </a:r>
-            <a:r>
-              <a:rPr lang="de-CH" dirty="0" err="1"/>
-              <a:t>codelist</a:t>
-            </a:r>
-            <a:r>
-              <a:rPr lang="de-CH" dirty="0"/>
-              <a:t> 6 variables </a:t>
-            </a:r>
-            <a:r>
-              <a:rPr lang="de-CH" dirty="0" err="1"/>
-              <a:t>were</a:t>
-            </a:r>
-            <a:r>
-              <a:rPr lang="de-CH" dirty="0"/>
-              <a:t> </a:t>
-            </a:r>
-            <a:r>
-              <a:rPr lang="de-CH" dirty="0" err="1"/>
-              <a:t>defined</a:t>
-            </a:r>
-            <a:r>
-              <a:rPr lang="de-CH" dirty="0"/>
-              <a:t> </a:t>
-            </a:r>
-            <a:r>
-              <a:rPr lang="de-CH" dirty="0" err="1"/>
-              <a:t>as</a:t>
-            </a:r>
-            <a:r>
-              <a:rPr lang="de-CH" dirty="0"/>
-              <a:t> </a:t>
-            </a:r>
-            <a:r>
-              <a:rPr lang="de-CH" dirty="0" err="1"/>
-              <a:t>numeric</a:t>
-            </a:r>
-            <a:r>
-              <a:rPr lang="de-CH" dirty="0"/>
-              <a:t>. </a:t>
-            </a:r>
-            <a:r>
-              <a:rPr lang="de-CH" dirty="0" err="1"/>
-              <a:t>Anyhow</a:t>
-            </a:r>
-            <a:r>
-              <a:rPr lang="de-CH" dirty="0"/>
-              <a:t> </a:t>
-            </a:r>
-            <a:r>
-              <a:rPr lang="de-CH" dirty="0" err="1"/>
-              <a:t>since</a:t>
-            </a:r>
-            <a:r>
-              <a:rPr lang="de-CH" dirty="0"/>
-              <a:t> 3 </a:t>
-            </a:r>
-            <a:r>
-              <a:rPr lang="de-CH" dirty="0" err="1"/>
-              <a:t>of</a:t>
-            </a:r>
-            <a:r>
-              <a:rPr lang="de-CH" dirty="0"/>
-              <a:t> </a:t>
-            </a:r>
-            <a:r>
-              <a:rPr lang="de-CH" dirty="0" err="1"/>
-              <a:t>these</a:t>
-            </a:r>
-            <a:r>
-              <a:rPr lang="de-CH" dirty="0"/>
-              <a:t> 6 </a:t>
-            </a:r>
-            <a:r>
-              <a:rPr lang="de-CH" dirty="0" err="1"/>
-              <a:t>were</a:t>
-            </a:r>
-            <a:r>
-              <a:rPr lang="de-CH" dirty="0"/>
-              <a:t> </a:t>
-            </a:r>
-            <a:r>
-              <a:rPr lang="de-CH" dirty="0" err="1"/>
-              <a:t>mostly</a:t>
-            </a:r>
-            <a:r>
-              <a:rPr lang="de-CH" dirty="0"/>
-              <a:t> </a:t>
-            </a:r>
-            <a:r>
-              <a:rPr lang="de-CH" dirty="0" err="1"/>
-              <a:t>ordinal</a:t>
-            </a:r>
-            <a:r>
-              <a:rPr lang="de-CH" dirty="0"/>
-              <a:t> variables </a:t>
-            </a:r>
-            <a:r>
-              <a:rPr lang="de-CH" dirty="0" err="1"/>
-              <a:t>with</a:t>
-            </a:r>
-            <a:r>
-              <a:rPr lang="de-CH" dirty="0"/>
-              <a:t> 4 </a:t>
-            </a:r>
-            <a:r>
-              <a:rPr lang="de-CH" dirty="0" err="1"/>
-              <a:t>or</a:t>
-            </a:r>
-            <a:r>
-              <a:rPr lang="de-CH" dirty="0"/>
-              <a:t> </a:t>
-            </a:r>
-            <a:r>
-              <a:rPr lang="de-CH" dirty="0" err="1"/>
-              <a:t>few</a:t>
-            </a:r>
-            <a:r>
-              <a:rPr lang="de-CH" dirty="0"/>
-              <a:t> </a:t>
-            </a:r>
-            <a:r>
-              <a:rPr lang="de-CH" dirty="0" err="1"/>
-              <a:t>categories</a:t>
-            </a:r>
-            <a:r>
-              <a:rPr lang="de-CH" dirty="0"/>
-              <a:t>, I </a:t>
-            </a:r>
-            <a:r>
-              <a:rPr lang="de-CH" dirty="0" err="1"/>
-              <a:t>decided</a:t>
-            </a:r>
-            <a:r>
-              <a:rPr lang="de-CH" dirty="0"/>
-              <a:t> </a:t>
-            </a:r>
-            <a:r>
-              <a:rPr lang="de-CH" dirty="0" err="1"/>
-              <a:t>to</a:t>
-            </a:r>
-            <a:r>
-              <a:rPr lang="de-CH" dirty="0"/>
-              <a:t> </a:t>
-            </a:r>
-            <a:r>
-              <a:rPr lang="de-CH" dirty="0" err="1"/>
-              <a:t>classify</a:t>
-            </a:r>
-            <a:r>
-              <a:rPr lang="de-CH" dirty="0"/>
-              <a:t> </a:t>
-            </a:r>
-            <a:r>
-              <a:rPr lang="de-CH" dirty="0" err="1"/>
-              <a:t>this</a:t>
-            </a:r>
-            <a:r>
-              <a:rPr lang="de-CH" dirty="0"/>
-              <a:t> 3 </a:t>
-            </a:r>
-            <a:r>
-              <a:rPr lang="de-CH" dirty="0" err="1"/>
-              <a:t>aswell</a:t>
-            </a:r>
-            <a:r>
-              <a:rPr lang="de-CH" dirty="0"/>
-              <a:t> </a:t>
-            </a:r>
-            <a:r>
-              <a:rPr lang="de-CH" dirty="0" err="1"/>
-              <a:t>as</a:t>
-            </a:r>
-            <a:r>
-              <a:rPr lang="de-CH" dirty="0"/>
-              <a:t> qualitative </a:t>
-            </a:r>
-            <a:r>
-              <a:rPr lang="de-CH" dirty="0" err="1"/>
-              <a:t>instead</a:t>
-            </a:r>
-            <a:r>
-              <a:rPr lang="de-CH" dirty="0"/>
-              <a:t> </a:t>
-            </a:r>
-            <a:r>
-              <a:rPr lang="de-CH" dirty="0" err="1"/>
-              <a:t>of</a:t>
-            </a:r>
-            <a:r>
-              <a:rPr lang="de-CH" dirty="0"/>
-              <a:t> quantitative </a:t>
-            </a:r>
-            <a:r>
-              <a:rPr lang="de-CH" dirty="0" err="1"/>
-              <a:t>vars</a:t>
-            </a:r>
-            <a:r>
-              <a:rPr lang="de-CH" dirty="0"/>
-              <a:t>.</a:t>
-            </a:r>
-          </a:p>
-          <a:p>
-            <a:r>
-              <a:rPr lang="de-CH" dirty="0"/>
-              <a:t>So at </a:t>
-            </a:r>
-            <a:r>
-              <a:rPr lang="de-CH" dirty="0" err="1"/>
-              <a:t>the</a:t>
-            </a:r>
-            <a:r>
-              <a:rPr lang="de-CH" dirty="0"/>
-              <a:t> end </a:t>
-            </a:r>
-            <a:r>
-              <a:rPr lang="de-CH" dirty="0" err="1"/>
-              <a:t>only</a:t>
-            </a:r>
-            <a:r>
-              <a:rPr lang="de-CH" dirty="0"/>
-              <a:t> 3 </a:t>
-            </a:r>
-            <a:r>
-              <a:rPr lang="de-CH" dirty="0" err="1"/>
-              <a:t>covariates</a:t>
-            </a:r>
-            <a:r>
-              <a:rPr lang="de-CH" dirty="0"/>
-              <a:t> </a:t>
-            </a:r>
-            <a:r>
-              <a:rPr lang="de-CH" dirty="0" err="1"/>
-              <a:t>remained</a:t>
-            </a:r>
-            <a:r>
-              <a:rPr lang="de-CH" dirty="0"/>
-              <a:t> </a:t>
-            </a:r>
-            <a:r>
-              <a:rPr lang="de-CH" dirty="0" err="1"/>
-              <a:t>which</a:t>
-            </a:r>
-            <a:r>
-              <a:rPr lang="de-CH" dirty="0"/>
-              <a:t> I </a:t>
-            </a:r>
-            <a:r>
-              <a:rPr lang="de-CH" dirty="0" err="1"/>
-              <a:t>consider</a:t>
-            </a:r>
-            <a:r>
-              <a:rPr lang="de-CH" dirty="0"/>
-              <a:t> </a:t>
-            </a:r>
-            <a:r>
-              <a:rPr lang="de-CH" dirty="0" err="1"/>
-              <a:t>as</a:t>
-            </a:r>
-            <a:r>
-              <a:rPr lang="de-CH" dirty="0"/>
-              <a:t> real </a:t>
-            </a:r>
-            <a:r>
-              <a:rPr lang="de-CH" dirty="0" err="1"/>
-              <a:t>continuous</a:t>
-            </a:r>
-            <a:r>
-              <a:rPr lang="de-CH" dirty="0"/>
-              <a:t> </a:t>
-            </a:r>
-            <a:r>
-              <a:rPr lang="de-CH" dirty="0" err="1"/>
-              <a:t>covariates</a:t>
-            </a:r>
             <a:endParaRPr lang="de-CH" dirty="0"/>
           </a:p>
         </p:txBody>
@@ -4127,336 +3140,6 @@
               <a:tabLst/>
               <a:defRPr/>
             </a:pPr>
-            <a:r>
-              <a:rPr lang="de-CH" dirty="0"/>
-              <a:t>Selected </a:t>
-            </a:r>
-            <a:r>
-              <a:rPr lang="de-CH" dirty="0" err="1"/>
-              <a:t>by</a:t>
-            </a:r>
-            <a:r>
-              <a:rPr lang="de-CH" dirty="0"/>
-              <a:t> </a:t>
-            </a:r>
-            <a:r>
-              <a:rPr lang="de-CH" dirty="0" err="1"/>
-              <a:t>graphical</a:t>
-            </a:r>
-            <a:r>
-              <a:rPr lang="de-CH" dirty="0"/>
-              <a:t> </a:t>
-            </a:r>
-            <a:r>
-              <a:rPr lang="de-CH" dirty="0" err="1"/>
-              <a:t>and</a:t>
-            </a:r>
-            <a:r>
-              <a:rPr lang="de-CH" dirty="0"/>
-              <a:t> </a:t>
-            </a:r>
-            <a:r>
-              <a:rPr lang="de-CH" dirty="0" err="1"/>
-              <a:t>computational</a:t>
-            </a:r>
-            <a:r>
-              <a:rPr lang="de-CH" dirty="0"/>
-              <a:t> Tools</a:t>
-            </a:r>
-          </a:p>
-          <a:p>
-            <a:endParaRPr lang="de-CH" dirty="0"/>
-          </a:p>
-          <a:p>
-            <a:endParaRPr lang="de-CH" dirty="0"/>
-          </a:p>
-          <a:p>
-            <a:r>
-              <a:rPr lang="de-CH" dirty="0"/>
-              <a:t>In </a:t>
-            </a:r>
-            <a:r>
-              <a:rPr lang="de-CH" dirty="0" err="1"/>
-              <a:t>the</a:t>
-            </a:r>
-            <a:r>
-              <a:rPr lang="de-CH" dirty="0"/>
-              <a:t> </a:t>
-            </a:r>
-            <a:r>
-              <a:rPr lang="de-CH" dirty="0" err="1"/>
-              <a:t>codelist</a:t>
-            </a:r>
-            <a:r>
-              <a:rPr lang="de-CH" dirty="0"/>
-              <a:t> 6 variables </a:t>
-            </a:r>
-            <a:r>
-              <a:rPr lang="de-CH" dirty="0" err="1"/>
-              <a:t>were</a:t>
-            </a:r>
-            <a:r>
-              <a:rPr lang="de-CH" dirty="0"/>
-              <a:t> </a:t>
-            </a:r>
-            <a:r>
-              <a:rPr lang="de-CH" dirty="0" err="1"/>
-              <a:t>defined</a:t>
-            </a:r>
-            <a:r>
-              <a:rPr lang="de-CH" dirty="0"/>
-              <a:t> </a:t>
-            </a:r>
-            <a:r>
-              <a:rPr lang="de-CH" dirty="0" err="1"/>
-              <a:t>as</a:t>
-            </a:r>
-            <a:r>
-              <a:rPr lang="de-CH" dirty="0"/>
-              <a:t> </a:t>
-            </a:r>
-            <a:r>
-              <a:rPr lang="de-CH" dirty="0" err="1"/>
-              <a:t>numeric</a:t>
-            </a:r>
-            <a:r>
-              <a:rPr lang="de-CH" dirty="0"/>
-              <a:t>. </a:t>
-            </a:r>
-            <a:r>
-              <a:rPr lang="de-CH" dirty="0" err="1"/>
-              <a:t>Anyhow</a:t>
-            </a:r>
-            <a:r>
-              <a:rPr lang="de-CH" dirty="0"/>
-              <a:t> </a:t>
-            </a:r>
-            <a:r>
-              <a:rPr lang="de-CH" dirty="0" err="1"/>
-              <a:t>since</a:t>
-            </a:r>
-            <a:r>
-              <a:rPr lang="de-CH" dirty="0"/>
-              <a:t> 3 </a:t>
-            </a:r>
-            <a:r>
-              <a:rPr lang="de-CH" dirty="0" err="1"/>
-              <a:t>of</a:t>
-            </a:r>
-            <a:r>
-              <a:rPr lang="de-CH" dirty="0"/>
-              <a:t> </a:t>
-            </a:r>
-            <a:r>
-              <a:rPr lang="de-CH" dirty="0" err="1"/>
-              <a:t>these</a:t>
-            </a:r>
-            <a:r>
-              <a:rPr lang="de-CH" dirty="0"/>
-              <a:t> 6 </a:t>
-            </a:r>
-            <a:r>
-              <a:rPr lang="de-CH" dirty="0" err="1"/>
-              <a:t>were</a:t>
-            </a:r>
-            <a:r>
-              <a:rPr lang="de-CH" dirty="0"/>
-              <a:t> </a:t>
-            </a:r>
-            <a:r>
-              <a:rPr lang="de-CH" dirty="0" err="1"/>
-              <a:t>mostly</a:t>
-            </a:r>
-            <a:r>
-              <a:rPr lang="de-CH" dirty="0"/>
-              <a:t> </a:t>
-            </a:r>
-            <a:r>
-              <a:rPr lang="de-CH" dirty="0" err="1"/>
-              <a:t>ordinal</a:t>
-            </a:r>
-            <a:r>
-              <a:rPr lang="de-CH" dirty="0"/>
-              <a:t> variables </a:t>
-            </a:r>
-            <a:r>
-              <a:rPr lang="de-CH" dirty="0" err="1"/>
-              <a:t>with</a:t>
-            </a:r>
-            <a:r>
-              <a:rPr lang="de-CH" dirty="0"/>
-              <a:t> 4 </a:t>
-            </a:r>
-            <a:r>
-              <a:rPr lang="de-CH" dirty="0" err="1"/>
-              <a:t>or</a:t>
-            </a:r>
-            <a:r>
-              <a:rPr lang="de-CH" dirty="0"/>
-              <a:t> </a:t>
-            </a:r>
-            <a:r>
-              <a:rPr lang="de-CH" dirty="0" err="1"/>
-              <a:t>few</a:t>
-            </a:r>
-            <a:r>
-              <a:rPr lang="de-CH" dirty="0"/>
-              <a:t> </a:t>
-            </a:r>
-            <a:r>
-              <a:rPr lang="de-CH" dirty="0" err="1"/>
-              <a:t>categories</a:t>
-            </a:r>
-            <a:r>
-              <a:rPr lang="de-CH" dirty="0"/>
-              <a:t>, I </a:t>
-            </a:r>
-            <a:r>
-              <a:rPr lang="de-CH" dirty="0" err="1"/>
-              <a:t>decided</a:t>
-            </a:r>
-            <a:r>
-              <a:rPr lang="de-CH" dirty="0"/>
-              <a:t> </a:t>
-            </a:r>
-            <a:r>
-              <a:rPr lang="de-CH" dirty="0" err="1"/>
-              <a:t>to</a:t>
-            </a:r>
-            <a:r>
-              <a:rPr lang="de-CH" dirty="0"/>
-              <a:t> </a:t>
-            </a:r>
-            <a:r>
-              <a:rPr lang="de-CH" dirty="0" err="1"/>
-              <a:t>classify</a:t>
-            </a:r>
-            <a:r>
-              <a:rPr lang="de-CH" dirty="0"/>
-              <a:t> </a:t>
-            </a:r>
-            <a:r>
-              <a:rPr lang="de-CH" dirty="0" err="1"/>
-              <a:t>this</a:t>
-            </a:r>
-            <a:r>
-              <a:rPr lang="de-CH" dirty="0"/>
-              <a:t> 3 </a:t>
-            </a:r>
-            <a:r>
-              <a:rPr lang="de-CH" dirty="0" err="1"/>
-              <a:t>aswell</a:t>
-            </a:r>
-            <a:r>
-              <a:rPr lang="de-CH" dirty="0"/>
-              <a:t> </a:t>
-            </a:r>
-            <a:r>
-              <a:rPr lang="de-CH" dirty="0" err="1"/>
-              <a:t>as</a:t>
-            </a:r>
-            <a:r>
-              <a:rPr lang="de-CH" dirty="0"/>
-              <a:t> qualitative </a:t>
-            </a:r>
-            <a:r>
-              <a:rPr lang="de-CH" dirty="0" err="1"/>
-              <a:t>instead</a:t>
-            </a:r>
-            <a:r>
-              <a:rPr lang="de-CH" dirty="0"/>
-              <a:t> </a:t>
-            </a:r>
-            <a:r>
-              <a:rPr lang="de-CH" dirty="0" err="1"/>
-              <a:t>of</a:t>
-            </a:r>
-            <a:r>
-              <a:rPr lang="de-CH" dirty="0"/>
-              <a:t> quantitative </a:t>
-            </a:r>
-            <a:r>
-              <a:rPr lang="de-CH" dirty="0" err="1"/>
-              <a:t>vars</a:t>
-            </a:r>
-            <a:r>
-              <a:rPr lang="de-CH" dirty="0"/>
-              <a:t>.</a:t>
-            </a:r>
-          </a:p>
-          <a:p>
-            <a:r>
-              <a:rPr lang="de-CH" dirty="0"/>
-              <a:t>So at </a:t>
-            </a:r>
-            <a:r>
-              <a:rPr lang="de-CH" dirty="0" err="1"/>
-              <a:t>the</a:t>
-            </a:r>
-            <a:r>
-              <a:rPr lang="de-CH" dirty="0"/>
-              <a:t> end </a:t>
-            </a:r>
-            <a:r>
-              <a:rPr lang="de-CH" dirty="0" err="1"/>
-              <a:t>only</a:t>
-            </a:r>
-            <a:r>
-              <a:rPr lang="de-CH" dirty="0"/>
-              <a:t> 3 </a:t>
-            </a:r>
-            <a:r>
-              <a:rPr lang="de-CH" dirty="0" err="1"/>
-              <a:t>covariates</a:t>
-            </a:r>
-            <a:r>
-              <a:rPr lang="de-CH" dirty="0"/>
-              <a:t> </a:t>
-            </a:r>
-            <a:r>
-              <a:rPr lang="de-CH" dirty="0" err="1"/>
-              <a:t>remained</a:t>
-            </a:r>
-            <a:r>
-              <a:rPr lang="de-CH" dirty="0"/>
-              <a:t> </a:t>
-            </a:r>
-            <a:r>
-              <a:rPr lang="de-CH" dirty="0" err="1"/>
-              <a:t>which</a:t>
-            </a:r>
-            <a:r>
-              <a:rPr lang="de-CH" dirty="0"/>
-              <a:t> I </a:t>
-            </a:r>
-            <a:r>
-              <a:rPr lang="de-CH" dirty="0" err="1"/>
-              <a:t>consider</a:t>
-            </a:r>
-            <a:r>
-              <a:rPr lang="de-CH" dirty="0"/>
-              <a:t> </a:t>
-            </a:r>
-            <a:r>
-              <a:rPr lang="de-CH" dirty="0" err="1"/>
-              <a:t>as</a:t>
-            </a:r>
-            <a:r>
-              <a:rPr lang="de-CH" dirty="0"/>
-              <a:t> real </a:t>
-            </a:r>
-            <a:r>
-              <a:rPr lang="de-CH" dirty="0" err="1"/>
-              <a:t>continuous</a:t>
-            </a:r>
-            <a:r>
-              <a:rPr lang="de-CH" dirty="0"/>
-              <a:t> </a:t>
-            </a:r>
-            <a:r>
-              <a:rPr lang="de-CH" dirty="0" err="1"/>
-              <a:t>covariates</a:t>
-            </a:r>
             <a:endParaRPr lang="de-CH" dirty="0"/>
           </a:p>
         </p:txBody>
@@ -4558,336 +3241,6 @@
               <a:tabLst/>
               <a:defRPr/>
             </a:pPr>
-            <a:r>
-              <a:rPr lang="de-CH" dirty="0"/>
-              <a:t>Selected </a:t>
-            </a:r>
-            <a:r>
-              <a:rPr lang="de-CH" dirty="0" err="1"/>
-              <a:t>by</a:t>
-            </a:r>
-            <a:r>
-              <a:rPr lang="de-CH" dirty="0"/>
-              <a:t> </a:t>
-            </a:r>
-            <a:r>
-              <a:rPr lang="de-CH" dirty="0" err="1"/>
-              <a:t>graphical</a:t>
-            </a:r>
-            <a:r>
-              <a:rPr lang="de-CH" dirty="0"/>
-              <a:t> </a:t>
-            </a:r>
-            <a:r>
-              <a:rPr lang="de-CH" dirty="0" err="1"/>
-              <a:t>and</a:t>
-            </a:r>
-            <a:r>
-              <a:rPr lang="de-CH" dirty="0"/>
-              <a:t> </a:t>
-            </a:r>
-            <a:r>
-              <a:rPr lang="de-CH" dirty="0" err="1"/>
-              <a:t>computational</a:t>
-            </a:r>
-            <a:r>
-              <a:rPr lang="de-CH" dirty="0"/>
-              <a:t> Tools</a:t>
-            </a:r>
-          </a:p>
-          <a:p>
-            <a:endParaRPr lang="de-CH" dirty="0"/>
-          </a:p>
-          <a:p>
-            <a:endParaRPr lang="de-CH" dirty="0"/>
-          </a:p>
-          <a:p>
-            <a:r>
-              <a:rPr lang="de-CH" dirty="0"/>
-              <a:t>In </a:t>
-            </a:r>
-            <a:r>
-              <a:rPr lang="de-CH" dirty="0" err="1"/>
-              <a:t>the</a:t>
-            </a:r>
-            <a:r>
-              <a:rPr lang="de-CH" dirty="0"/>
-              <a:t> </a:t>
-            </a:r>
-            <a:r>
-              <a:rPr lang="de-CH" dirty="0" err="1"/>
-              <a:t>codelist</a:t>
-            </a:r>
-            <a:r>
-              <a:rPr lang="de-CH" dirty="0"/>
-              <a:t> 6 variables </a:t>
-            </a:r>
-            <a:r>
-              <a:rPr lang="de-CH" dirty="0" err="1"/>
-              <a:t>were</a:t>
-            </a:r>
-            <a:r>
-              <a:rPr lang="de-CH" dirty="0"/>
-              <a:t> </a:t>
-            </a:r>
-            <a:r>
-              <a:rPr lang="de-CH" dirty="0" err="1"/>
-              <a:t>defined</a:t>
-            </a:r>
-            <a:r>
-              <a:rPr lang="de-CH" dirty="0"/>
-              <a:t> </a:t>
-            </a:r>
-            <a:r>
-              <a:rPr lang="de-CH" dirty="0" err="1"/>
-              <a:t>as</a:t>
-            </a:r>
-            <a:r>
-              <a:rPr lang="de-CH" dirty="0"/>
-              <a:t> </a:t>
-            </a:r>
-            <a:r>
-              <a:rPr lang="de-CH" dirty="0" err="1"/>
-              <a:t>numeric</a:t>
-            </a:r>
-            <a:r>
-              <a:rPr lang="de-CH" dirty="0"/>
-              <a:t>. </a:t>
-            </a:r>
-            <a:r>
-              <a:rPr lang="de-CH" dirty="0" err="1"/>
-              <a:t>Anyhow</a:t>
-            </a:r>
-            <a:r>
-              <a:rPr lang="de-CH" dirty="0"/>
-              <a:t> </a:t>
-            </a:r>
-            <a:r>
-              <a:rPr lang="de-CH" dirty="0" err="1"/>
-              <a:t>since</a:t>
-            </a:r>
-            <a:r>
-              <a:rPr lang="de-CH" dirty="0"/>
-              <a:t> 3 </a:t>
-            </a:r>
-            <a:r>
-              <a:rPr lang="de-CH" dirty="0" err="1"/>
-              <a:t>of</a:t>
-            </a:r>
-            <a:r>
-              <a:rPr lang="de-CH" dirty="0"/>
-              <a:t> </a:t>
-            </a:r>
-            <a:r>
-              <a:rPr lang="de-CH" dirty="0" err="1"/>
-              <a:t>these</a:t>
-            </a:r>
-            <a:r>
-              <a:rPr lang="de-CH" dirty="0"/>
-              <a:t> 6 </a:t>
-            </a:r>
-            <a:r>
-              <a:rPr lang="de-CH" dirty="0" err="1"/>
-              <a:t>were</a:t>
-            </a:r>
-            <a:r>
-              <a:rPr lang="de-CH" dirty="0"/>
-              <a:t> </a:t>
-            </a:r>
-            <a:r>
-              <a:rPr lang="de-CH" dirty="0" err="1"/>
-              <a:t>mostly</a:t>
-            </a:r>
-            <a:r>
-              <a:rPr lang="de-CH" dirty="0"/>
-              <a:t> </a:t>
-            </a:r>
-            <a:r>
-              <a:rPr lang="de-CH" dirty="0" err="1"/>
-              <a:t>ordinal</a:t>
-            </a:r>
-            <a:r>
-              <a:rPr lang="de-CH" dirty="0"/>
-              <a:t> variables </a:t>
-            </a:r>
-            <a:r>
-              <a:rPr lang="de-CH" dirty="0" err="1"/>
-              <a:t>with</a:t>
-            </a:r>
-            <a:r>
-              <a:rPr lang="de-CH" dirty="0"/>
-              <a:t> 4 </a:t>
-            </a:r>
-            <a:r>
-              <a:rPr lang="de-CH" dirty="0" err="1"/>
-              <a:t>or</a:t>
-            </a:r>
-            <a:r>
-              <a:rPr lang="de-CH" dirty="0"/>
-              <a:t> </a:t>
-            </a:r>
-            <a:r>
-              <a:rPr lang="de-CH" dirty="0" err="1"/>
-              <a:t>few</a:t>
-            </a:r>
-            <a:r>
-              <a:rPr lang="de-CH" dirty="0"/>
-              <a:t> </a:t>
-            </a:r>
-            <a:r>
-              <a:rPr lang="de-CH" dirty="0" err="1"/>
-              <a:t>categories</a:t>
-            </a:r>
-            <a:r>
-              <a:rPr lang="de-CH" dirty="0"/>
-              <a:t>, I </a:t>
-            </a:r>
-            <a:r>
-              <a:rPr lang="de-CH" dirty="0" err="1"/>
-              <a:t>decided</a:t>
-            </a:r>
-            <a:r>
-              <a:rPr lang="de-CH" dirty="0"/>
-              <a:t> </a:t>
-            </a:r>
-            <a:r>
-              <a:rPr lang="de-CH" dirty="0" err="1"/>
-              <a:t>to</a:t>
-            </a:r>
-            <a:r>
-              <a:rPr lang="de-CH" dirty="0"/>
-              <a:t> </a:t>
-            </a:r>
-            <a:r>
-              <a:rPr lang="de-CH" dirty="0" err="1"/>
-              <a:t>classify</a:t>
-            </a:r>
-            <a:r>
-              <a:rPr lang="de-CH" dirty="0"/>
-              <a:t> </a:t>
-            </a:r>
-            <a:r>
-              <a:rPr lang="de-CH" dirty="0" err="1"/>
-              <a:t>this</a:t>
-            </a:r>
-            <a:r>
-              <a:rPr lang="de-CH" dirty="0"/>
-              <a:t> 3 </a:t>
-            </a:r>
-            <a:r>
-              <a:rPr lang="de-CH" dirty="0" err="1"/>
-              <a:t>aswell</a:t>
-            </a:r>
-            <a:r>
-              <a:rPr lang="de-CH" dirty="0"/>
-              <a:t> </a:t>
-            </a:r>
-            <a:r>
-              <a:rPr lang="de-CH" dirty="0" err="1"/>
-              <a:t>as</a:t>
-            </a:r>
-            <a:r>
-              <a:rPr lang="de-CH" dirty="0"/>
-              <a:t> qualitative </a:t>
-            </a:r>
-            <a:r>
-              <a:rPr lang="de-CH" dirty="0" err="1"/>
-              <a:t>instead</a:t>
-            </a:r>
-            <a:r>
-              <a:rPr lang="de-CH" dirty="0"/>
-              <a:t> </a:t>
-            </a:r>
-            <a:r>
-              <a:rPr lang="de-CH" dirty="0" err="1"/>
-              <a:t>of</a:t>
-            </a:r>
-            <a:r>
-              <a:rPr lang="de-CH" dirty="0"/>
-              <a:t> quantitative </a:t>
-            </a:r>
-            <a:r>
-              <a:rPr lang="de-CH" dirty="0" err="1"/>
-              <a:t>vars</a:t>
-            </a:r>
-            <a:r>
-              <a:rPr lang="de-CH" dirty="0"/>
-              <a:t>.</a:t>
-            </a:r>
-          </a:p>
-          <a:p>
-            <a:r>
-              <a:rPr lang="de-CH" dirty="0"/>
-              <a:t>So at </a:t>
-            </a:r>
-            <a:r>
-              <a:rPr lang="de-CH" dirty="0" err="1"/>
-              <a:t>the</a:t>
-            </a:r>
-            <a:r>
-              <a:rPr lang="de-CH" dirty="0"/>
-              <a:t> end </a:t>
-            </a:r>
-            <a:r>
-              <a:rPr lang="de-CH" dirty="0" err="1"/>
-              <a:t>only</a:t>
-            </a:r>
-            <a:r>
-              <a:rPr lang="de-CH" dirty="0"/>
-              <a:t> 3 </a:t>
-            </a:r>
-            <a:r>
-              <a:rPr lang="de-CH" dirty="0" err="1"/>
-              <a:t>covariates</a:t>
-            </a:r>
-            <a:r>
-              <a:rPr lang="de-CH" dirty="0"/>
-              <a:t> </a:t>
-            </a:r>
-            <a:r>
-              <a:rPr lang="de-CH" dirty="0" err="1"/>
-              <a:t>remained</a:t>
-            </a:r>
-            <a:r>
-              <a:rPr lang="de-CH" dirty="0"/>
-              <a:t> </a:t>
-            </a:r>
-            <a:r>
-              <a:rPr lang="de-CH" dirty="0" err="1"/>
-              <a:t>which</a:t>
-            </a:r>
-            <a:r>
-              <a:rPr lang="de-CH" dirty="0"/>
-              <a:t> I </a:t>
-            </a:r>
-            <a:r>
-              <a:rPr lang="de-CH" dirty="0" err="1"/>
-              <a:t>consider</a:t>
-            </a:r>
-            <a:r>
-              <a:rPr lang="de-CH" dirty="0"/>
-              <a:t> </a:t>
-            </a:r>
-            <a:r>
-              <a:rPr lang="de-CH" dirty="0" err="1"/>
-              <a:t>as</a:t>
-            </a:r>
-            <a:r>
-              <a:rPr lang="de-CH" dirty="0"/>
-              <a:t> real </a:t>
-            </a:r>
-            <a:r>
-              <a:rPr lang="de-CH" dirty="0" err="1"/>
-              <a:t>continuous</a:t>
-            </a:r>
-            <a:r>
-              <a:rPr lang="de-CH" dirty="0"/>
-              <a:t> </a:t>
-            </a:r>
-            <a:r>
-              <a:rPr lang="de-CH" dirty="0" err="1"/>
-              <a:t>covariates</a:t>
-            </a:r>
             <a:endParaRPr lang="de-CH" dirty="0"/>
           </a:p>
         </p:txBody>
@@ -5073,42 +3426,57 @@
           <a:bodyPr/>
           <a:lstStyle/>
           <a:p>
-            <a:pPr marL="0" marR="0" lvl="0" indent="0" algn="l" defTabSz="914400" rtl="0" eaLnBrk="1" fontAlgn="auto" latinLnBrk="0" hangingPunct="1">
-              <a:lnSpc>
-                <a:spcPct val="100000"/>
-              </a:lnSpc>
-              <a:spcBef>
-                <a:spcPts val="0"/>
-              </a:spcBef>
-              <a:spcAft>
-                <a:spcPts val="0"/>
-              </a:spcAft>
-              <a:buClrTx/>
-              <a:buSzTx/>
-              <a:buFontTx/>
-              <a:buNone/>
-              <a:tabLst/>
-              <a:defRPr/>
-            </a:pPr>
-            <a:r>
-              <a:rPr lang="de-CH" dirty="0"/>
-              <a:t>Selected </a:t>
-            </a:r>
-            <a:r>
-              <a:rPr lang="de-CH" dirty="0" err="1"/>
-              <a:t>by</a:t>
-            </a:r>
-            <a:r>
-              <a:rPr lang="de-CH" dirty="0"/>
-              <a:t> </a:t>
-            </a:r>
-            <a:r>
-              <a:rPr lang="de-CH" dirty="0" err="1"/>
-              <a:t>graphical</a:t>
-            </a:r>
-            <a:r>
-              <a:rPr lang="de-CH" dirty="0"/>
-              <a:t> </a:t>
+            <a:r>
+              <a:rPr lang="de-CH" dirty="0"/>
+              <a:t>So </a:t>
+            </a:r>
+            <a:r>
+              <a:rPr lang="de-CH" dirty="0" err="1"/>
+              <a:t>we</a:t>
+            </a:r>
+            <a:r>
+              <a:rPr lang="de-CH" dirty="0"/>
+              <a:t> </a:t>
+            </a:r>
+            <a:r>
+              <a:rPr lang="de-CH" dirty="0" err="1"/>
+              <a:t>can</a:t>
+            </a:r>
+            <a:r>
+              <a:rPr lang="de-CH" dirty="0"/>
+              <a:t> </a:t>
+            </a:r>
+            <a:r>
+              <a:rPr lang="de-CH" dirty="0" err="1"/>
+              <a:t>very</a:t>
+            </a:r>
+            <a:r>
+              <a:rPr lang="de-CH" dirty="0"/>
+              <a:t> </a:t>
+            </a:r>
+            <a:r>
+              <a:rPr lang="de-CH" dirty="0" err="1"/>
+              <a:t>well</a:t>
+            </a:r>
+            <a:r>
+              <a:rPr lang="de-CH" dirty="0"/>
+              <a:t> </a:t>
+            </a:r>
+            <a:r>
+              <a:rPr lang="de-CH" dirty="0" err="1"/>
+              <a:t>distinguish</a:t>
+            </a:r>
+            <a:r>
+              <a:rPr lang="de-CH" dirty="0"/>
+              <a:t> </a:t>
+            </a:r>
+            <a:r>
+              <a:rPr lang="de-CH" dirty="0" err="1"/>
+              <a:t>true</a:t>
+            </a:r>
+            <a:r>
+              <a:rPr lang="de-CH" dirty="0"/>
+              <a:t> positives </a:t>
             </a:r>
             <a:r>
               <a:rPr lang="de-CH" dirty="0" err="1"/>
@@ -5120,307 +3488,12 @@
             </a:r>
             <a:r>
               <a:rPr lang="de-CH" dirty="0" err="1"/>
-              <a:t>computational</a:t>
-            </a:r>
-            <a:r>
-              <a:rPr lang="de-CH" dirty="0"/>
-              <a:t> Tools</a:t>
-            </a:r>
-          </a:p>
-          <a:p>
-            <a:endParaRPr lang="de-CH" dirty="0"/>
-          </a:p>
-          <a:p>
-            <a:endParaRPr lang="de-CH" dirty="0"/>
-          </a:p>
-          <a:p>
-            <a:r>
-              <a:rPr lang="de-CH" dirty="0"/>
-              <a:t>In </a:t>
-            </a:r>
-            <a:r>
-              <a:rPr lang="de-CH" dirty="0" err="1"/>
-              <a:t>the</a:t>
-            </a:r>
-            <a:r>
-              <a:rPr lang="de-CH" dirty="0"/>
-              <a:t> </a:t>
-            </a:r>
-            <a:r>
-              <a:rPr lang="de-CH" dirty="0" err="1"/>
-              <a:t>codelist</a:t>
-            </a:r>
-            <a:r>
-              <a:rPr lang="de-CH" dirty="0"/>
-              <a:t> 6 variables </a:t>
-            </a:r>
-            <a:r>
-              <a:rPr lang="de-CH" dirty="0" err="1"/>
-              <a:t>were</a:t>
-            </a:r>
-            <a:r>
-              <a:rPr lang="de-CH" dirty="0"/>
-              <a:t> </a:t>
-            </a:r>
-            <a:r>
-              <a:rPr lang="de-CH" dirty="0" err="1"/>
-              <a:t>defined</a:t>
-            </a:r>
-            <a:r>
-              <a:rPr lang="de-CH" dirty="0"/>
-              <a:t> </a:t>
-            </a:r>
-            <a:r>
-              <a:rPr lang="de-CH" dirty="0" err="1"/>
-              <a:t>as</a:t>
-            </a:r>
-            <a:r>
-              <a:rPr lang="de-CH" dirty="0"/>
-              <a:t> </a:t>
-            </a:r>
-            <a:r>
-              <a:rPr lang="de-CH" dirty="0" err="1"/>
-              <a:t>numeric</a:t>
-            </a:r>
-            <a:r>
-              <a:rPr lang="de-CH" dirty="0"/>
-              <a:t>. </a:t>
-            </a:r>
-            <a:r>
-              <a:rPr lang="de-CH" dirty="0" err="1"/>
-              <a:t>Anyhow</a:t>
-            </a:r>
-            <a:r>
-              <a:rPr lang="de-CH" dirty="0"/>
-              <a:t> </a:t>
-            </a:r>
-            <a:r>
-              <a:rPr lang="de-CH" dirty="0" err="1"/>
-              <a:t>since</a:t>
-            </a:r>
-            <a:r>
-              <a:rPr lang="de-CH" dirty="0"/>
-              <a:t> 3 </a:t>
-            </a:r>
-            <a:r>
-              <a:rPr lang="de-CH" dirty="0" err="1"/>
-              <a:t>of</a:t>
-            </a:r>
-            <a:r>
-              <a:rPr lang="de-CH" dirty="0"/>
-              <a:t> </a:t>
-            </a:r>
-            <a:r>
-              <a:rPr lang="de-CH" dirty="0" err="1"/>
-              <a:t>these</a:t>
-            </a:r>
-            <a:r>
-              <a:rPr lang="de-CH" dirty="0"/>
-              <a:t> 6 </a:t>
-            </a:r>
-            <a:r>
-              <a:rPr lang="de-CH" dirty="0" err="1"/>
-              <a:t>were</a:t>
-            </a:r>
-            <a:r>
-              <a:rPr lang="de-CH" dirty="0"/>
-              <a:t> </a:t>
-            </a:r>
-            <a:r>
-              <a:rPr lang="de-CH" dirty="0" err="1"/>
-              <a:t>mostly</a:t>
-            </a:r>
-            <a:r>
-              <a:rPr lang="de-CH" dirty="0"/>
-              <a:t> </a:t>
-            </a:r>
-            <a:r>
-              <a:rPr lang="de-CH" dirty="0" err="1"/>
-              <a:t>ordinal</a:t>
-            </a:r>
-            <a:r>
-              <a:rPr lang="de-CH" dirty="0"/>
-              <a:t> variables </a:t>
-            </a:r>
-            <a:r>
-              <a:rPr lang="de-CH" dirty="0" err="1"/>
-              <a:t>with</a:t>
-            </a:r>
-            <a:r>
-              <a:rPr lang="de-CH" dirty="0"/>
-              <a:t> 4 </a:t>
-            </a:r>
-            <a:r>
-              <a:rPr lang="de-CH" dirty="0" err="1"/>
-              <a:t>or</a:t>
-            </a:r>
-            <a:r>
-              <a:rPr lang="de-CH" dirty="0"/>
-              <a:t> </a:t>
-            </a:r>
-            <a:r>
-              <a:rPr lang="de-CH" dirty="0" err="1"/>
-              <a:t>few</a:t>
-            </a:r>
-            <a:r>
-              <a:rPr lang="de-CH" dirty="0"/>
-              <a:t> </a:t>
-            </a:r>
-            <a:r>
-              <a:rPr lang="de-CH" dirty="0" err="1"/>
-              <a:t>categories</a:t>
-            </a:r>
-            <a:r>
-              <a:rPr lang="de-CH" dirty="0"/>
-              <a:t>, I </a:t>
-            </a:r>
-            <a:r>
-              <a:rPr lang="de-CH" dirty="0" err="1"/>
-              <a:t>decided</a:t>
-            </a:r>
-            <a:r>
-              <a:rPr lang="de-CH" dirty="0"/>
-              <a:t> </a:t>
-            </a:r>
-            <a:r>
-              <a:rPr lang="de-CH" dirty="0" err="1"/>
-              <a:t>to</a:t>
-            </a:r>
-            <a:r>
-              <a:rPr lang="de-CH" dirty="0"/>
-              <a:t> </a:t>
-            </a:r>
-            <a:r>
-              <a:rPr lang="de-CH" dirty="0" err="1"/>
-              <a:t>classify</a:t>
-            </a:r>
-            <a:r>
-              <a:rPr lang="de-CH" dirty="0"/>
-              <a:t> </a:t>
-            </a:r>
-            <a:r>
-              <a:rPr lang="de-CH" dirty="0" err="1"/>
-              <a:t>this</a:t>
-            </a:r>
-            <a:r>
-              <a:rPr lang="de-CH" dirty="0"/>
-              <a:t> 3 </a:t>
-            </a:r>
-            <a:r>
-              <a:rPr lang="de-CH" dirty="0" err="1"/>
-              <a:t>aswell</a:t>
-            </a:r>
-            <a:r>
-              <a:rPr lang="de-CH" dirty="0"/>
-              <a:t> </a:t>
-            </a:r>
-            <a:r>
-              <a:rPr lang="de-CH" dirty="0" err="1"/>
-              <a:t>as</a:t>
-            </a:r>
-            <a:r>
-              <a:rPr lang="de-CH" dirty="0"/>
-              <a:t> qualitative </a:t>
-            </a:r>
-            <a:r>
-              <a:rPr lang="de-CH" dirty="0" err="1"/>
-              <a:t>instead</a:t>
-            </a:r>
-            <a:r>
-              <a:rPr lang="de-CH" dirty="0"/>
-              <a:t> </a:t>
-            </a:r>
-            <a:r>
-              <a:rPr lang="de-CH" dirty="0" err="1"/>
-              <a:t>of</a:t>
-            </a:r>
-            <a:r>
-              <a:rPr lang="de-CH" dirty="0"/>
-              <a:t> quantitative </a:t>
-            </a:r>
-            <a:r>
-              <a:rPr lang="de-CH" dirty="0" err="1"/>
-              <a:t>vars</a:t>
-            </a:r>
-            <a:r>
-              <a:rPr lang="de-CH" dirty="0"/>
-              <a:t>.</a:t>
-            </a:r>
-          </a:p>
-          <a:p>
-            <a:r>
-              <a:rPr lang="de-CH" dirty="0"/>
-              <a:t>So at </a:t>
-            </a:r>
-            <a:r>
-              <a:rPr lang="de-CH" dirty="0" err="1"/>
-              <a:t>the</a:t>
-            </a:r>
-            <a:r>
-              <a:rPr lang="de-CH" dirty="0"/>
-              <a:t> end </a:t>
-            </a:r>
-            <a:r>
-              <a:rPr lang="de-CH" dirty="0" err="1"/>
-              <a:t>only</a:t>
-            </a:r>
-            <a:r>
-              <a:rPr lang="de-CH" dirty="0"/>
-              <a:t> 3 </a:t>
-            </a:r>
-            <a:r>
-              <a:rPr lang="de-CH" dirty="0" err="1"/>
-              <a:t>covariates</a:t>
-            </a:r>
-            <a:r>
-              <a:rPr lang="de-CH" dirty="0"/>
-              <a:t> </a:t>
-            </a:r>
-            <a:r>
-              <a:rPr lang="de-CH" dirty="0" err="1"/>
-              <a:t>remained</a:t>
-            </a:r>
-            <a:r>
-              <a:rPr lang="de-CH" dirty="0"/>
-              <a:t> </a:t>
-            </a:r>
-            <a:r>
-              <a:rPr lang="de-CH" dirty="0" err="1"/>
-              <a:t>which</a:t>
-            </a:r>
-            <a:r>
-              <a:rPr lang="de-CH" dirty="0"/>
-              <a:t> I </a:t>
-            </a:r>
-            <a:r>
-              <a:rPr lang="de-CH" dirty="0" err="1"/>
-              <a:t>consider</a:t>
-            </a:r>
-            <a:r>
-              <a:rPr lang="de-CH" dirty="0"/>
-              <a:t> </a:t>
-            </a:r>
-            <a:r>
-              <a:rPr lang="de-CH" dirty="0" err="1"/>
-              <a:t>as</a:t>
-            </a:r>
-            <a:r>
-              <a:rPr lang="de-CH" dirty="0"/>
-              <a:t> real </a:t>
-            </a:r>
-            <a:r>
-              <a:rPr lang="de-CH" dirty="0" err="1"/>
-              <a:t>continuous</a:t>
-            </a:r>
-            <a:r>
-              <a:rPr lang="de-CH" dirty="0"/>
-              <a:t> </a:t>
-            </a:r>
-            <a:r>
-              <a:rPr lang="de-CH" dirty="0" err="1"/>
-              <a:t>covariates</a:t>
-            </a:r>
-            <a:endParaRPr lang="de-CH" dirty="0"/>
+              <a:t>false</a:t>
+            </a:r>
+            <a:r>
+              <a:rPr lang="de-CH" dirty="0"/>
+              <a:t> negatives</a:t>
+            </a:r>
           </a:p>
         </p:txBody>
       </p:sp>
@@ -5450,7 +3523,7 @@
     </p:spTree>
     <p:extLst>
       <p:ext uri="{BB962C8B-B14F-4D97-AF65-F5344CB8AC3E}">
-        <p14:creationId xmlns:p14="http://schemas.microsoft.com/office/powerpoint/2010/main" val="2753647607"/>
+        <p14:creationId xmlns:p14="http://schemas.microsoft.com/office/powerpoint/2010/main" val="3590793876"/>
       </p:ext>
     </p:extLst>
   </p:cSld>
@@ -11305,24 +9378,28 @@
       </p:grpSpPr>
       <p:pic>
         <p:nvPicPr>
-          <p:cNvPr id="4" name="Inhaltsplatzhalter 3"/>
+          <p:cNvPr id="9" name="Grafik 8"/>
           <p:cNvPicPr>
-            <a:picLocks noGrp="1" noChangeAspect="1"/>
+            <a:picLocks noChangeAspect="1"/>
           </p:cNvPicPr>
-          <p:nvPr>
-            <p:ph idx="1"/>
-          </p:nvPr>
+          <p:nvPr/>
         </p:nvPicPr>
         <p:blipFill>
-          <a:blip r:embed="rId3"/>
+          <a:blip r:embed="rId3">
+            <a:extLst>
+              <a:ext uri="{28A0092B-C50C-407E-A947-70E740481C1C}">
+                <a14:useLocalDpi xmlns:a14="http://schemas.microsoft.com/office/drawing/2010/main" val="0"/>
+              </a:ext>
+            </a:extLst>
+          </a:blip>
           <a:stretch>
             <a:fillRect/>
           </a:stretch>
         </p:blipFill>
         <p:spPr>
           <a:xfrm>
-            <a:off x="529966" y="121920"/>
-            <a:ext cx="8744036" cy="6370320"/>
+            <a:off x="548640" y="1270000"/>
+            <a:ext cx="8351520" cy="5588000"/>
           </a:xfrm>
           <a:prstGeom prst="rect">
             <a:avLst/>
@@ -11390,106 +9467,6 @@
 </file>
 
 <file path=ppt/slides/slide11.xml><?xml version="1.0" encoding="utf-8"?>
-<p:sld xmlns:a="http://schemas.openxmlformats.org/drawingml/2006/main" xmlns:r="http://schemas.openxmlformats.org/officeDocument/2006/relationships" xmlns:p="http://schemas.openxmlformats.org/presentationml/2006/main">
-  <p:cSld>
-    <p:spTree>
-      <p:nvGrpSpPr>
-        <p:cNvPr id="1" name=""/>
-        <p:cNvGrpSpPr/>
-        <p:nvPr/>
-      </p:nvGrpSpPr>
-      <p:grpSpPr>
-        <a:xfrm>
-          <a:off x="0" y="0"/>
-          <a:ext cx="0" cy="0"/>
-          <a:chOff x="0" y="0"/>
-          <a:chExt cx="0" cy="0"/>
-        </a:xfrm>
-      </p:grpSpPr>
-      <p:sp>
-        <p:nvSpPr>
-          <p:cNvPr id="2" name="Titel 1"/>
-          <p:cNvSpPr>
-            <a:spLocks noGrp="1"/>
-          </p:cNvSpPr>
-          <p:nvPr>
-            <p:ph type="title"/>
-          </p:nvPr>
-        </p:nvSpPr>
-        <p:spPr/>
-        <p:txBody>
-          <a:bodyPr>
-            <a:normAutofit fontScale="90000"/>
-          </a:bodyPr>
-          <a:lstStyle/>
-          <a:p>
-            <a:r>
-              <a:rPr lang="de-CH" dirty="0" err="1"/>
-              <a:t>IIIa</a:t>
-            </a:r>
-            <a:r>
-              <a:rPr lang="de-CH" dirty="0"/>
-              <a:t> </a:t>
-            </a:r>
-            <a:r>
-              <a:rPr lang="de-CH" dirty="0" err="1"/>
-              <a:t>Modelling</a:t>
-            </a:r>
-            <a:r>
-              <a:rPr lang="de-CH" dirty="0"/>
-              <a:t>:</a:t>
-            </a:r>
-            <a:br>
-              <a:rPr lang="de-CH" dirty="0"/>
-            </a:br>
-            <a:r>
-              <a:rPr lang="de-CH" dirty="0"/>
-              <a:t>Classification </a:t>
-            </a:r>
-            <a:r>
-              <a:rPr lang="de-CH" dirty="0" err="1"/>
-              <a:t>Tree</a:t>
-            </a:r>
-            <a:br>
-              <a:rPr lang="de-CH" dirty="0"/>
-            </a:br>
-            <a:endParaRPr lang="de-CH" dirty="0"/>
-          </a:p>
-        </p:txBody>
-      </p:sp>
-      <p:sp>
-        <p:nvSpPr>
-          <p:cNvPr id="5" name="Inhaltsplatzhalter 4"/>
-          <p:cNvSpPr>
-            <a:spLocks noGrp="1"/>
-          </p:cNvSpPr>
-          <p:nvPr>
-            <p:ph idx="1"/>
-          </p:nvPr>
-        </p:nvSpPr>
-        <p:spPr/>
-        <p:txBody>
-          <a:bodyPr/>
-          <a:lstStyle/>
-          <a:p>
-            <a:endParaRPr lang="de-CH"/>
-          </a:p>
-        </p:txBody>
-      </p:sp>
-    </p:spTree>
-    <p:extLst>
-      <p:ext uri="{BB962C8B-B14F-4D97-AF65-F5344CB8AC3E}">
-        <p14:creationId xmlns:p14="http://schemas.microsoft.com/office/powerpoint/2010/main" val="3527122797"/>
-      </p:ext>
-    </p:extLst>
-  </p:cSld>
-  <p:clrMapOvr>
-    <a:masterClrMapping/>
-  </p:clrMapOvr>
-</p:sld>
-</file>
-
-<file path=ppt/slides/slide12.xml><?xml version="1.0" encoding="utf-8"?>
 <p:sld xmlns:a="http://schemas.openxmlformats.org/drawingml/2006/main" xmlns:r="http://schemas.openxmlformats.org/officeDocument/2006/relationships" xmlns:p="http://schemas.openxmlformats.org/presentationml/2006/main">
   <p:cSld>
     <p:spTree>
@@ -11902,7 +9879,7 @@
 </p:sld>
 </file>
 
-<file path=ppt/slides/slide13.xml><?xml version="1.0" encoding="utf-8"?>
+<file path=ppt/slides/slide12.xml><?xml version="1.0" encoding="utf-8"?>
 <p:sld xmlns:a="http://schemas.openxmlformats.org/drawingml/2006/main" xmlns:r="http://schemas.openxmlformats.org/officeDocument/2006/relationships" xmlns:p="http://schemas.openxmlformats.org/presentationml/2006/main">
   <p:cSld>
     <p:spTree>
@@ -12002,7 +9979,15 @@
           <a:p>
             <a:r>
               <a:rPr lang="de-CH" sz="2400" dirty="0"/>
-              <a:t>Error rate in Dependance </a:t>
+              <a:t>Error rate in </a:t>
+            </a:r>
+            <a:r>
+              <a:rPr lang="de-CH" sz="2400" dirty="0" err="1"/>
+              <a:t>dependance</a:t>
+            </a:r>
+            <a:r>
+              <a:rPr lang="de-CH" sz="2400" dirty="0"/>
+              <a:t> </a:t>
             </a:r>
             <a:r>
               <a:rPr lang="de-CH" sz="2400" dirty="0" err="1"/>
@@ -12057,7 +10042,7 @@
 </p:sld>
 </file>
 
-<file path=ppt/slides/slide14.xml><?xml version="1.0" encoding="utf-8"?>
+<file path=ppt/slides/slide13.xml><?xml version="1.0" encoding="utf-8"?>
 <p:sld xmlns:a="http://schemas.openxmlformats.org/drawingml/2006/main" xmlns:r="http://schemas.openxmlformats.org/officeDocument/2006/relationships" xmlns:p="http://schemas.openxmlformats.org/presentationml/2006/main">
   <p:cSld>
     <p:spTree>
@@ -12188,6 +10173,228 @@
 </p:sld>
 </file>
 
+<file path=ppt/slides/slide14.xml><?xml version="1.0" encoding="utf-8"?>
+<p:sld xmlns:a="http://schemas.openxmlformats.org/drawingml/2006/main" xmlns:r="http://schemas.openxmlformats.org/officeDocument/2006/relationships" xmlns:p="http://schemas.openxmlformats.org/presentationml/2006/main">
+  <p:cSld>
+    <p:spTree>
+      <p:nvGrpSpPr>
+        <p:cNvPr id="1" name=""/>
+        <p:cNvGrpSpPr/>
+        <p:nvPr/>
+      </p:nvGrpSpPr>
+      <p:grpSpPr>
+        <a:xfrm>
+          <a:off x="0" y="0"/>
+          <a:ext cx="0" cy="0"/>
+          <a:chOff x="0" y="0"/>
+          <a:chExt cx="0" cy="0"/>
+        </a:xfrm>
+      </p:grpSpPr>
+      <p:sp>
+        <p:nvSpPr>
+          <p:cNvPr id="2" name="Titel 1"/>
+          <p:cNvSpPr>
+            <a:spLocks noGrp="1"/>
+          </p:cNvSpPr>
+          <p:nvPr>
+            <p:ph type="title"/>
+          </p:nvPr>
+        </p:nvSpPr>
+        <p:spPr/>
+        <p:txBody>
+          <a:bodyPr>
+            <a:normAutofit/>
+          </a:bodyPr>
+          <a:lstStyle/>
+          <a:p>
+            <a:r>
+              <a:rPr lang="de-CH" dirty="0" err="1"/>
+              <a:t>IIIc</a:t>
+            </a:r>
+            <a:r>
+              <a:rPr lang="de-CH" dirty="0"/>
+              <a:t> </a:t>
+            </a:r>
+            <a:r>
+              <a:rPr lang="de-CH" dirty="0" err="1"/>
+              <a:t>Modelling</a:t>
+            </a:r>
+            <a:r>
+              <a:rPr lang="de-CH" dirty="0"/>
+              <a:t>: </a:t>
+            </a:r>
+            <a:r>
+              <a:rPr lang="de-CH" dirty="0" err="1"/>
+              <a:t>Comparison</a:t>
+            </a:r>
+            <a:br>
+              <a:rPr lang="de-CH" dirty="0"/>
+            </a:br>
+            <a:endParaRPr lang="de-CH" dirty="0"/>
+          </a:p>
+        </p:txBody>
+      </p:sp>
+      <p:sp>
+        <p:nvSpPr>
+          <p:cNvPr id="5" name="Textplatzhalter 4"/>
+          <p:cNvSpPr>
+            <a:spLocks noGrp="1"/>
+          </p:cNvSpPr>
+          <p:nvPr>
+            <p:ph type="body" idx="1"/>
+          </p:nvPr>
+        </p:nvSpPr>
+        <p:spPr>
+          <a:xfrm>
+            <a:off x="675746" y="1688543"/>
+            <a:ext cx="4185623" cy="576262"/>
+          </a:xfrm>
+        </p:spPr>
+        <p:txBody>
+          <a:bodyPr/>
+          <a:lstStyle/>
+          <a:p>
+            <a:r>
+              <a:rPr lang="de-CH" dirty="0"/>
+              <a:t>Classification </a:t>
+            </a:r>
+            <a:r>
+              <a:rPr lang="de-CH" dirty="0" err="1"/>
+              <a:t>Tree</a:t>
+            </a:r>
+            <a:endParaRPr lang="de-CH" dirty="0"/>
+          </a:p>
+        </p:txBody>
+      </p:sp>
+      <p:sp>
+        <p:nvSpPr>
+          <p:cNvPr id="8" name="Inhaltsplatzhalter 7"/>
+          <p:cNvSpPr>
+            <a:spLocks noGrp="1"/>
+          </p:cNvSpPr>
+          <p:nvPr>
+            <p:ph sz="half" idx="2"/>
+          </p:nvPr>
+        </p:nvSpPr>
+        <p:spPr>
+          <a:xfrm>
+            <a:off x="508106" y="5036824"/>
+            <a:ext cx="8498734" cy="1653536"/>
+          </a:xfrm>
+        </p:spPr>
+        <p:txBody>
+          <a:bodyPr>
+            <a:normAutofit/>
+          </a:bodyPr>
+          <a:lstStyle/>
+          <a:p>
+            <a:pPr marL="0" indent="0">
+              <a:buNone/>
+            </a:pPr>
+            <a:endParaRPr lang="de-CH" sz="2400" dirty="0"/>
+          </a:p>
+        </p:txBody>
+      </p:sp>
+      <p:sp>
+        <p:nvSpPr>
+          <p:cNvPr id="6" name="Textplatzhalter 5"/>
+          <p:cNvSpPr>
+            <a:spLocks noGrp="1"/>
+          </p:cNvSpPr>
+          <p:nvPr>
+            <p:ph type="body" sz="quarter" idx="3"/>
+          </p:nvPr>
+        </p:nvSpPr>
+        <p:spPr>
+          <a:xfrm>
+            <a:off x="5088384" y="1688543"/>
+            <a:ext cx="4185618" cy="576262"/>
+          </a:xfrm>
+        </p:spPr>
+        <p:txBody>
+          <a:bodyPr/>
+          <a:lstStyle/>
+          <a:p>
+            <a:r>
+              <a:rPr lang="de-CH" dirty="0"/>
+              <a:t>Random Forest</a:t>
+            </a:r>
+          </a:p>
+        </p:txBody>
+      </p:sp>
+      <p:pic>
+        <p:nvPicPr>
+          <p:cNvPr id="7" name="Grafik 6"/>
+          <p:cNvPicPr>
+            <a:picLocks noChangeAspect="1"/>
+          </p:cNvPicPr>
+          <p:nvPr/>
+        </p:nvPicPr>
+        <p:blipFill>
+          <a:blip r:embed="rId3">
+            <a:extLst>
+              <a:ext uri="{28A0092B-C50C-407E-A947-70E740481C1C}">
+                <a14:useLocalDpi xmlns:a14="http://schemas.microsoft.com/office/drawing/2010/main" val="0"/>
+              </a:ext>
+            </a:extLst>
+          </a:blip>
+          <a:stretch>
+            <a:fillRect/>
+          </a:stretch>
+        </p:blipFill>
+        <p:spPr>
+          <a:xfrm>
+            <a:off x="264053" y="2264805"/>
+            <a:ext cx="4824331" cy="2703435"/>
+          </a:xfrm>
+          <a:prstGeom prst="rect">
+            <a:avLst/>
+          </a:prstGeom>
+        </p:spPr>
+      </p:pic>
+      <p:pic>
+        <p:nvPicPr>
+          <p:cNvPr id="15" name="Grafik 14"/>
+          <p:cNvPicPr>
+            <a:picLocks noChangeAspect="1"/>
+          </p:cNvPicPr>
+          <p:nvPr/>
+        </p:nvPicPr>
+        <p:blipFill>
+          <a:blip r:embed="rId4">
+            <a:extLst>
+              <a:ext uri="{28A0092B-C50C-407E-A947-70E740481C1C}">
+                <a14:useLocalDpi xmlns:a14="http://schemas.microsoft.com/office/drawing/2010/main" val="0"/>
+              </a:ext>
+            </a:extLst>
+          </a:blip>
+          <a:stretch>
+            <a:fillRect/>
+          </a:stretch>
+        </p:blipFill>
+        <p:spPr>
+          <a:xfrm>
+            <a:off x="5088384" y="2321957"/>
+            <a:ext cx="4589016" cy="2646283"/>
+          </a:xfrm>
+          <a:prstGeom prst="rect">
+            <a:avLst/>
+          </a:prstGeom>
+        </p:spPr>
+      </p:pic>
+    </p:spTree>
+    <p:extLst>
+      <p:ext uri="{BB962C8B-B14F-4D97-AF65-F5344CB8AC3E}">
+        <p14:creationId xmlns:p14="http://schemas.microsoft.com/office/powerpoint/2010/main" val="3829861240"/>
+      </p:ext>
+    </p:extLst>
+  </p:cSld>
+  <p:clrMapOvr>
+    <a:masterClrMapping/>
+  </p:clrMapOvr>
+</p:sld>
+</file>
+
 <file path=ppt/slides/slide15.xml><?xml version="1.0" encoding="utf-8"?>
 <p:sld xmlns:a="http://schemas.openxmlformats.org/drawingml/2006/main" xmlns:r="http://schemas.openxmlformats.org/officeDocument/2006/relationships" xmlns:p="http://schemas.openxmlformats.org/presentationml/2006/main">
   <p:cSld>
@@ -12528,7 +10735,7 @@
         </p:blipFill>
         <p:spPr>
           <a:xfrm>
-            <a:off x="2120900" y="1825625"/>
+            <a:off x="4848860" y="1930400"/>
             <a:ext cx="4581562" cy="1335432"/>
           </a:xfrm>
           <a:prstGeom prst="rect">
@@ -12589,6 +10796,14 @@
               <a:rPr lang="de-CH" dirty="0" err="1"/>
               <a:t>Conclusion</a:t>
             </a:r>
+            <a:r>
+              <a:rPr lang="de-CH" dirty="0"/>
+              <a:t>/</a:t>
+            </a:r>
+            <a:r>
+              <a:rPr lang="de-CH" dirty="0" err="1"/>
+              <a:t>Findings</a:t>
+            </a:r>
             <a:br>
               <a:rPr lang="de-CH" dirty="0"/>
             </a:br>
@@ -13366,8 +11581,8 @@
         </p:nvSpPr>
         <p:spPr>
           <a:xfrm>
-            <a:off x="538843" y="1930401"/>
-            <a:ext cx="8735159" cy="4110962"/>
+            <a:off x="538843" y="1930400"/>
+            <a:ext cx="8735159" cy="4424679"/>
           </a:xfrm>
         </p:spPr>
         <p:txBody>
@@ -13384,27 +11599,27 @@
               <a:buAutoNum type="romanUcPeriod"/>
             </a:pPr>
             <a:r>
-              <a:rPr lang="de-CH" sz="2600" dirty="0" err="1"/>
+              <a:rPr lang="de-CH" sz="2800" dirty="0" err="1"/>
               <a:t>Introduction</a:t>
             </a:r>
             <a:r>
-              <a:rPr lang="de-CH" sz="2600" dirty="0"/>
-              <a:t> </a:t>
-            </a:r>
-            <a:r>
-              <a:rPr lang="de-CH" sz="2600" dirty="0" err="1"/>
+              <a:rPr lang="de-CH" sz="2800" dirty="0"/>
+              <a:t> </a:t>
+            </a:r>
+            <a:r>
+              <a:rPr lang="de-CH" sz="2800" dirty="0" err="1"/>
               <a:t>to</a:t>
             </a:r>
             <a:r>
-              <a:rPr lang="de-CH" sz="2600" dirty="0"/>
-              <a:t> </a:t>
-            </a:r>
-            <a:r>
-              <a:rPr lang="de-CH" sz="2600" dirty="0" err="1"/>
+              <a:rPr lang="de-CH" sz="2800" dirty="0"/>
+              <a:t> </a:t>
+            </a:r>
+            <a:r>
+              <a:rPr lang="de-CH" sz="2800" dirty="0" err="1"/>
               <a:t>the</a:t>
             </a:r>
             <a:r>
-              <a:rPr lang="de-CH" sz="2600" dirty="0"/>
+              <a:rPr lang="de-CH" sz="2800" dirty="0"/>
               <a:t> Problem</a:t>
             </a:r>
           </a:p>
@@ -13416,7 +11631,7 @@
               <a:buFont typeface="+mj-lt"/>
               <a:buAutoNum type="romanUcPeriod"/>
             </a:pPr>
-            <a:endParaRPr lang="de-CH" sz="2600" dirty="0"/>
+            <a:endParaRPr lang="de-CH" sz="2800" dirty="0"/>
           </a:p>
           <a:p>
             <a:pPr marL="514350" indent="-514350">
@@ -13427,11 +11642,11 @@
               <a:buAutoNum type="romanUcPeriod"/>
             </a:pPr>
             <a:r>
-              <a:rPr lang="de-CH" sz="2600" dirty="0" err="1"/>
+              <a:rPr lang="de-CH" sz="2800" dirty="0" err="1"/>
               <a:t>Exploratory</a:t>
             </a:r>
             <a:r>
-              <a:rPr lang="de-CH" sz="2600" dirty="0"/>
+              <a:rPr lang="de-CH" sz="2800" dirty="0"/>
               <a:t> Data Analysis</a:t>
             </a:r>
           </a:p>
@@ -13443,7 +11658,7 @@
               <a:buFont typeface="+mj-lt"/>
               <a:buAutoNum type="romanUcPeriod"/>
             </a:pPr>
-            <a:endParaRPr lang="de-CH" sz="2600" dirty="0"/>
+            <a:endParaRPr lang="de-CH" sz="2800" dirty="0"/>
           </a:p>
           <a:p>
             <a:pPr marL="514350" indent="-514350">
@@ -13451,10 +11666,10 @@
               <a:buAutoNum type="romanUcPeriod"/>
             </a:pPr>
             <a:r>
-              <a:rPr lang="de-CH" sz="2600" dirty="0" err="1"/>
+              <a:rPr lang="de-CH" sz="2800" dirty="0" err="1"/>
               <a:t>Modelling</a:t>
             </a:r>
-            <a:endParaRPr lang="de-CH" sz="2600" dirty="0"/>
+            <a:endParaRPr lang="de-CH" sz="2800" dirty="0"/>
           </a:p>
           <a:p>
             <a:pPr lvl="1">
@@ -13462,14 +11677,14 @@
               <a:buChar char="-"/>
             </a:pPr>
             <a:r>
-              <a:rPr lang="de-CH" sz="2600" dirty="0"/>
+              <a:rPr lang="de-CH" sz="2800" dirty="0"/>
               <a:t>Classification </a:t>
             </a:r>
             <a:r>
-              <a:rPr lang="de-CH" sz="2600" dirty="0" err="1"/>
+              <a:rPr lang="de-CH" sz="2800" dirty="0" err="1"/>
               <a:t>Tree</a:t>
             </a:r>
-            <a:endParaRPr lang="de-CH" sz="2600" dirty="0"/>
+            <a:endParaRPr lang="de-CH" sz="2800" dirty="0"/>
           </a:p>
           <a:p>
             <a:pPr lvl="1">
@@ -13477,7 +11692,7 @@
               <a:buChar char="-"/>
             </a:pPr>
             <a:r>
-              <a:rPr lang="de-CH" sz="2600" dirty="0"/>
+              <a:rPr lang="de-CH" sz="2800" dirty="0"/>
               <a:t>Random Forest</a:t>
             </a:r>
           </a:p>
@@ -13487,11 +11702,11 @@
               <a:buChar char="-"/>
             </a:pPr>
             <a:r>
-              <a:rPr lang="de-CH" sz="2600" dirty="0" err="1"/>
+              <a:rPr lang="de-CH" sz="2800" dirty="0" err="1"/>
               <a:t>Neural</a:t>
             </a:r>
             <a:r>
-              <a:rPr lang="de-CH" sz="2600" dirty="0"/>
+              <a:rPr lang="de-CH" sz="2800" dirty="0"/>
               <a:t> Network</a:t>
             </a:r>
           </a:p>
@@ -13500,7 +11715,30 @@
               <a:buFont typeface="Symbol" panose="05050102010706020507" pitchFamily="18" charset="2"/>
               <a:buChar char="-"/>
             </a:pPr>
-            <a:endParaRPr lang="de-CH" sz="2600" dirty="0"/>
+            <a:r>
+              <a:rPr lang="de-CH" sz="2800" dirty="0" err="1"/>
+              <a:t>Comparison</a:t>
+            </a:r>
+            <a:r>
+              <a:rPr lang="de-CH" sz="2800" dirty="0"/>
+              <a:t> </a:t>
+            </a:r>
+            <a:r>
+              <a:rPr lang="de-CH" sz="2800" dirty="0" err="1"/>
+              <a:t>of</a:t>
+            </a:r>
+            <a:r>
+              <a:rPr lang="de-CH" sz="2800" dirty="0"/>
+              <a:t> </a:t>
+            </a:r>
+            <a:r>
+              <a:rPr lang="de-CH" sz="2800" dirty="0" err="1"/>
+              <a:t>the</a:t>
+            </a:r>
+            <a:r>
+              <a:rPr lang="de-CH" sz="2800" dirty="0"/>
+              <a:t> Models</a:t>
+            </a:r>
           </a:p>
           <a:p>
             <a:pPr marL="514350" indent="-514350">
@@ -13508,18 +11746,18 @@
               <a:buAutoNum type="romanUcPeriod"/>
             </a:pPr>
             <a:r>
-              <a:rPr lang="de-CH" sz="2600" dirty="0" err="1"/>
+              <a:rPr lang="de-CH" sz="2800" dirty="0" err="1"/>
               <a:t>Conclusion</a:t>
             </a:r>
             <a:r>
-              <a:rPr lang="de-CH" sz="2600" dirty="0"/>
+              <a:rPr lang="de-CH" sz="2800" dirty="0"/>
               <a:t>/</a:t>
             </a:r>
             <a:r>
-              <a:rPr lang="de-CH" sz="2600" dirty="0" err="1"/>
+              <a:rPr lang="de-CH" sz="2800" dirty="0" err="1"/>
               <a:t>Findings</a:t>
             </a:r>
-            <a:endParaRPr lang="de-CH" sz="2600" dirty="0"/>
+            <a:endParaRPr lang="de-CH" sz="2800" dirty="0"/>
           </a:p>
           <a:p>
             <a:pPr marL="514350" indent="-514350">
@@ -13626,7 +11864,12 @@
             <p:ph idx="1"/>
           </p:nvPr>
         </p:nvSpPr>
-        <p:spPr/>
+        <p:spPr>
+          <a:xfrm>
+            <a:off x="677334" y="1645921"/>
+            <a:ext cx="9274386" cy="5105400"/>
+          </a:xfrm>
+        </p:spPr>
         <p:txBody>
           <a:bodyPr>
             <a:normAutofit fontScale="92500" lnSpcReduction="20000"/>
@@ -13701,6 +11944,18 @@
           </a:p>
           <a:p>
             <a:r>
+              <a:rPr lang="de-CH" sz="2400" dirty="0"/>
+              <a:t>1st </a:t>
+            </a:r>
+            <a:r>
+              <a:rPr lang="de-CH" sz="2400" dirty="0" err="1"/>
+              <a:t>step</a:t>
+            </a:r>
+            <a:r>
+              <a:rPr lang="de-CH" sz="2400" dirty="0"/>
+              <a:t>: </a:t>
+            </a:r>
+            <a:r>
               <a:rPr lang="de-CH" sz="2400" dirty="0" err="1"/>
               <a:t>Explanatory</a:t>
             </a:r>
@@ -13727,6 +11982,18 @@
           </a:p>
           <a:p>
             <a:r>
+              <a:rPr lang="de-CH" sz="2400" dirty="0"/>
+              <a:t>2st </a:t>
+            </a:r>
+            <a:r>
+              <a:rPr lang="de-CH" sz="2400" dirty="0" err="1"/>
+              <a:t>step</a:t>
+            </a:r>
+            <a:r>
+              <a:rPr lang="de-CH" sz="2400" dirty="0"/>
+              <a:t>: </a:t>
+            </a:r>
+            <a:r>
               <a:rPr lang="de-CH" sz="2400" dirty="0" err="1"/>
               <a:t>Modelling</a:t>
             </a:r>
@@ -13800,6 +12067,55 @@
             <a:r>
               <a:rPr lang="de-CH" sz="2200" dirty="0"/>
               <a:t> Networks</a:t>
+            </a:r>
+          </a:p>
+          <a:p>
+            <a:r>
+              <a:rPr lang="de-CH" sz="2400" dirty="0"/>
+              <a:t>3st </a:t>
+            </a:r>
+            <a:r>
+              <a:rPr lang="de-CH" sz="2400" dirty="0" err="1"/>
+              <a:t>step</a:t>
+            </a:r>
+            <a:r>
+              <a:rPr lang="de-CH" sz="2400" dirty="0"/>
+              <a:t>: </a:t>
+            </a:r>
+            <a:r>
+              <a:rPr lang="de-CH" sz="2400" dirty="0" err="1"/>
+              <a:t>Conclusion</a:t>
+            </a:r>
+            <a:endParaRPr lang="de-CH" sz="2400" dirty="0"/>
+          </a:p>
+          <a:p>
+            <a:pPr lvl="1"/>
+            <a:r>
+              <a:rPr lang="de-CH" sz="2000" dirty="0"/>
+              <a:t>Most </a:t>
+            </a:r>
+            <a:r>
+              <a:rPr lang="de-CH" sz="2000" dirty="0" err="1"/>
+              <a:t>appropriate</a:t>
+            </a:r>
+            <a:r>
+              <a:rPr lang="de-CH" sz="2000" dirty="0"/>
+              <a:t> Model</a:t>
+            </a:r>
+          </a:p>
+          <a:p>
+            <a:pPr lvl="1"/>
+            <a:r>
+              <a:rPr lang="de-CH" sz="2000" dirty="0"/>
+              <a:t>Most </a:t>
+            </a:r>
+            <a:r>
+              <a:rPr lang="de-CH" sz="2000" dirty="0" err="1"/>
+              <a:t>important</a:t>
+            </a:r>
+            <a:r>
+              <a:rPr lang="de-CH" sz="2000" dirty="0"/>
+              <a:t> variables</a:t>
             </a:r>
           </a:p>
           <a:p>
@@ -13905,185 +12221,185 @@
         </p:nvSpPr>
         <p:spPr>
           <a:xfrm>
-            <a:off x="677334" y="2160589"/>
-            <a:ext cx="9259146" cy="4697411"/>
+            <a:off x="677334" y="1930399"/>
+            <a:ext cx="9259146" cy="4927601"/>
           </a:xfrm>
         </p:spPr>
         <p:txBody>
           <a:bodyPr>
-            <a:normAutofit fontScale="62500" lnSpcReduction="20000"/>
+            <a:normAutofit/>
           </a:bodyPr>
           <a:lstStyle/>
           <a:p>
             <a:r>
-              <a:rPr lang="de-CH" sz="2900" dirty="0" err="1"/>
+              <a:rPr lang="de-CH" sz="2200" dirty="0" err="1"/>
               <a:t>Crosstabling</a:t>
             </a:r>
             <a:r>
-              <a:rPr lang="de-CH" sz="2900" dirty="0"/>
-              <a:t> </a:t>
-            </a:r>
-            <a:r>
-              <a:rPr lang="de-CH" sz="2900" dirty="0" err="1"/>
+              <a:rPr lang="de-CH" sz="2200" dirty="0"/>
+              <a:t> </a:t>
+            </a:r>
+            <a:r>
+              <a:rPr lang="de-CH" sz="2200" dirty="0" err="1"/>
               <a:t>the</a:t>
             </a:r>
             <a:r>
-              <a:rPr lang="de-CH" sz="2900" dirty="0"/>
+              <a:rPr lang="de-CH" sz="2200" dirty="0"/>
               <a:t> qualitative </a:t>
             </a:r>
             <a:r>
-              <a:rPr lang="de-CH" sz="2900" dirty="0" err="1"/>
+              <a:rPr lang="de-CH" sz="2200" dirty="0" err="1"/>
               <a:t>covariates</a:t>
             </a:r>
-            <a:endParaRPr lang="de-CH" sz="2900" dirty="0"/>
-          </a:p>
-          <a:p>
-            <a:r>
-              <a:rPr lang="de-CH" sz="2900" dirty="0" err="1"/>
+            <a:endParaRPr lang="de-CH" sz="2200" dirty="0"/>
+          </a:p>
+          <a:p>
+            <a:r>
+              <a:rPr lang="de-CH" sz="2200" dirty="0" err="1"/>
               <a:t>Signification</a:t>
             </a:r>
             <a:r>
-              <a:rPr lang="de-CH" sz="2900" dirty="0"/>
-              <a:t> </a:t>
-            </a:r>
-            <a:r>
-              <a:rPr lang="de-CH" sz="2900" dirty="0" err="1"/>
+              <a:rPr lang="de-CH" sz="2200" dirty="0"/>
+              <a:t> </a:t>
+            </a:r>
+            <a:r>
+              <a:rPr lang="de-CH" sz="2200" dirty="0" err="1"/>
               <a:t>Criteria</a:t>
             </a:r>
             <a:r>
-              <a:rPr lang="de-CH" sz="2900" dirty="0"/>
+              <a:rPr lang="de-CH" sz="2200" dirty="0"/>
               <a:t>: p-Value Pearson’ Chi^2-Test</a:t>
             </a:r>
           </a:p>
           <a:p>
             <a:r>
-              <a:rPr lang="de-CH" sz="2900" dirty="0" err="1"/>
+              <a:rPr lang="de-CH" sz="2200" dirty="0" err="1"/>
               <a:t>Finding</a:t>
             </a:r>
             <a:r>
-              <a:rPr lang="de-CH" sz="2900" dirty="0"/>
-              <a:t> </a:t>
-            </a:r>
-            <a:r>
-              <a:rPr lang="de-CH" sz="2900" dirty="0" err="1"/>
+              <a:rPr lang="de-CH" sz="2200" dirty="0"/>
+              <a:t> </a:t>
+            </a:r>
+            <a:r>
+              <a:rPr lang="de-CH" sz="2200" dirty="0" err="1"/>
               <a:t>significant</a:t>
             </a:r>
             <a:r>
-              <a:rPr lang="de-CH" sz="2900" dirty="0"/>
-              <a:t> </a:t>
-            </a:r>
-            <a:r>
-              <a:rPr lang="de-CH" sz="2900" dirty="0" err="1"/>
+              <a:rPr lang="de-CH" sz="2200" dirty="0"/>
+              <a:t> </a:t>
+            </a:r>
+            <a:r>
+              <a:rPr lang="de-CH" sz="2200" dirty="0" err="1"/>
               <a:t>relationships</a:t>
             </a:r>
             <a:r>
-              <a:rPr lang="de-CH" sz="2900" dirty="0"/>
-              <a:t> </a:t>
-            </a:r>
-            <a:r>
-              <a:rPr lang="de-CH" sz="2900" dirty="0" err="1"/>
+              <a:rPr lang="de-CH" sz="2200" dirty="0"/>
+              <a:t> </a:t>
+            </a:r>
+            <a:r>
+              <a:rPr lang="de-CH" sz="2200" dirty="0" err="1"/>
               <a:t>to</a:t>
             </a:r>
             <a:r>
-              <a:rPr lang="de-CH" sz="2900" dirty="0"/>
-              <a:t> </a:t>
-            </a:r>
-            <a:r>
-              <a:rPr lang="de-CH" sz="2900" dirty="0" err="1"/>
+              <a:rPr lang="de-CH" sz="2200" dirty="0"/>
+              <a:t> </a:t>
+            </a:r>
+            <a:r>
+              <a:rPr lang="de-CH" sz="2200" dirty="0" err="1"/>
               <a:t>Credit</a:t>
             </a:r>
             <a:r>
-              <a:rPr lang="de-CH" sz="2900" dirty="0"/>
+              <a:rPr lang="de-CH" sz="2200" dirty="0"/>
               <a:t> Rating </a:t>
             </a:r>
             <a:r>
-              <a:rPr lang="de-CH" sz="2900" dirty="0" err="1"/>
+              <a:rPr lang="de-CH" sz="2200" dirty="0" err="1"/>
               <a:t>for</a:t>
             </a:r>
             <a:r>
-              <a:rPr lang="de-CH" sz="2900" dirty="0"/>
-              <a:t> </a:t>
-            </a:r>
-            <a:r>
-              <a:rPr lang="de-CH" sz="2900" dirty="0" err="1"/>
+              <a:rPr lang="de-CH" sz="2200" dirty="0"/>
+              <a:t> </a:t>
+            </a:r>
+            <a:r>
+              <a:rPr lang="de-CH" sz="2200" dirty="0" err="1"/>
               <a:t>most</a:t>
             </a:r>
             <a:r>
-              <a:rPr lang="de-CH" sz="2900" dirty="0"/>
-              <a:t> </a:t>
-            </a:r>
-            <a:r>
-              <a:rPr lang="de-CH" sz="2900" dirty="0" err="1"/>
+              <a:rPr lang="de-CH" sz="2200" dirty="0"/>
+              <a:t> </a:t>
+            </a:r>
+            <a:r>
+              <a:rPr lang="de-CH" sz="2200" dirty="0" err="1"/>
               <a:t>of</a:t>
             </a:r>
             <a:r>
-              <a:rPr lang="de-CH" sz="2900" dirty="0"/>
-              <a:t> </a:t>
-            </a:r>
-            <a:r>
-              <a:rPr lang="de-CH" sz="2900" dirty="0" err="1"/>
+              <a:rPr lang="de-CH" sz="2200" dirty="0"/>
+              <a:t> </a:t>
+            </a:r>
+            <a:r>
+              <a:rPr lang="de-CH" sz="2200" dirty="0" err="1"/>
               <a:t>the</a:t>
             </a:r>
             <a:r>
-              <a:rPr lang="de-CH" sz="2900" dirty="0"/>
+              <a:rPr lang="de-CH" sz="2200" dirty="0"/>
               <a:t> qualitative </a:t>
             </a:r>
             <a:r>
-              <a:rPr lang="de-CH" sz="2900" dirty="0" err="1"/>
+              <a:rPr lang="de-CH" sz="2200" dirty="0" err="1"/>
               <a:t>covariates</a:t>
             </a:r>
             <a:r>
-              <a:rPr lang="de-CH" sz="2900" dirty="0"/>
+              <a:rPr lang="de-CH" sz="2200" dirty="0"/>
               <a:t>!</a:t>
             </a:r>
           </a:p>
           <a:p>
             <a:r>
-              <a:rPr lang="de-CH" sz="2900" dirty="0" err="1"/>
+              <a:rPr lang="de-CH" sz="2200" dirty="0" err="1"/>
               <a:t>Eliminating</a:t>
             </a:r>
             <a:r>
-              <a:rPr lang="de-CH" sz="2900" dirty="0"/>
-              <a:t> </a:t>
-            </a:r>
-            <a:r>
-              <a:rPr lang="de-CH" sz="2900" dirty="0" err="1"/>
+              <a:rPr lang="de-CH" sz="2200" dirty="0"/>
+              <a:t> </a:t>
+            </a:r>
+            <a:r>
+              <a:rPr lang="de-CH" sz="2200" dirty="0" err="1"/>
               <a:t>the</a:t>
             </a:r>
             <a:r>
-              <a:rPr lang="de-CH" sz="2900" dirty="0"/>
-              <a:t> </a:t>
-            </a:r>
-            <a:r>
-              <a:rPr lang="de-CH" sz="2900" dirty="0" err="1"/>
+              <a:rPr lang="de-CH" sz="2200" dirty="0"/>
+              <a:t> </a:t>
+            </a:r>
+            <a:r>
+              <a:rPr lang="de-CH" sz="2200" dirty="0" err="1"/>
               <a:t>following</a:t>
             </a:r>
             <a:r>
-              <a:rPr lang="de-CH" sz="2900" dirty="0"/>
-              <a:t> </a:t>
-            </a:r>
-            <a:r>
-              <a:rPr lang="de-CH" sz="2900" dirty="0" err="1"/>
+              <a:rPr lang="de-CH" sz="2200" dirty="0"/>
+              <a:t> </a:t>
+            </a:r>
+            <a:r>
+              <a:rPr lang="de-CH" sz="2200" dirty="0" err="1"/>
               <a:t>covariates</a:t>
             </a:r>
             <a:r>
-              <a:rPr lang="de-CH" sz="2900" dirty="0"/>
+              <a:rPr lang="de-CH" sz="2200" dirty="0"/>
               <a:t> at </a:t>
             </a:r>
             <a:r>
-              <a:rPr lang="de-CH" sz="2900" dirty="0" err="1"/>
+              <a:rPr lang="de-CH" sz="2200" dirty="0" err="1"/>
               <a:t>this</a:t>
             </a:r>
             <a:r>
-              <a:rPr lang="de-CH" sz="2900" dirty="0"/>
-              <a:t> </a:t>
-            </a:r>
-            <a:r>
-              <a:rPr lang="de-CH" sz="2900" dirty="0" err="1"/>
+              <a:rPr lang="de-CH" sz="2200" dirty="0"/>
+              <a:t> </a:t>
+            </a:r>
+            <a:r>
+              <a:rPr lang="de-CH" sz="2200" dirty="0" err="1"/>
               <a:t>step</a:t>
             </a:r>
             <a:r>
-              <a:rPr lang="de-CH" sz="2900" dirty="0"/>
+              <a:rPr lang="de-CH" sz="2200" dirty="0"/>
               <a:t>:</a:t>
             </a:r>
           </a:p>
@@ -14093,8 +12409,8 @@
               <a:buChar char="-"/>
             </a:pPr>
             <a:r>
-              <a:rPr lang="de-CH" sz="2900" dirty="0"/>
-              <a:t>FURNITURE</a:t>
+              <a:rPr lang="de-CH" sz="2200" dirty="0"/>
+              <a:t>FURNITURE			RETRAINING</a:t>
             </a:r>
           </a:p>
           <a:p>
@@ -14103,8 +12419,8 @@
               <a:buChar char="-"/>
             </a:pPr>
             <a:r>
-              <a:rPr lang="de-CH" sz="2900" dirty="0"/>
-              <a:t>RETRAINING</a:t>
+              <a:rPr lang="de-CH" sz="2200" dirty="0"/>
+              <a:t>MALE_DIV			MALE_MAR_WID</a:t>
             </a:r>
           </a:p>
           <a:p>
@@ -14113,8 +12429,8 @@
               <a:buChar char="-"/>
             </a:pPr>
             <a:r>
-              <a:rPr lang="de-CH" sz="2900" dirty="0"/>
-              <a:t>MALE_DIV</a:t>
+              <a:rPr lang="de-CH" sz="2200" dirty="0"/>
+              <a:t>GUARANTOR			PRESENT_RESIDENT</a:t>
             </a:r>
           </a:p>
           <a:p>
@@ -14123,8 +12439,8 @@
               <a:buChar char="-"/>
             </a:pPr>
             <a:r>
-              <a:rPr lang="de-CH" sz="2900" dirty="0"/>
-              <a:t>MALE_MAR_WID</a:t>
+              <a:rPr lang="de-CH" sz="2200" dirty="0"/>
+              <a:t>NUM_CREDITS		TELEPHONE</a:t>
             </a:r>
           </a:p>
           <a:p>
@@ -14133,48 +12449,8 @@
               <a:buChar char="-"/>
             </a:pPr>
             <a:r>
-              <a:rPr lang="de-CH" sz="2900" dirty="0"/>
-              <a:t>GUARANTOR</a:t>
-            </a:r>
-          </a:p>
-          <a:p>
-            <a:pPr lvl="1">
-              <a:buFont typeface="Symbol" panose="05050102010706020507" pitchFamily="18" charset="2"/>
-              <a:buChar char="-"/>
-            </a:pPr>
-            <a:r>
-              <a:rPr lang="de-CH" sz="2900" dirty="0"/>
-              <a:t>PRESENT_RESIDENT</a:t>
-            </a:r>
-          </a:p>
-          <a:p>
-            <a:pPr lvl="1">
-              <a:buFont typeface="Symbol" panose="05050102010706020507" pitchFamily="18" charset="2"/>
-              <a:buChar char="-"/>
-            </a:pPr>
-            <a:r>
-              <a:rPr lang="de-CH" sz="2900" dirty="0"/>
-              <a:t>NUM_CREDITS</a:t>
-            </a:r>
-          </a:p>
-          <a:p>
-            <a:pPr lvl="1">
-              <a:buFont typeface="Symbol" panose="05050102010706020507" pitchFamily="18" charset="2"/>
-              <a:buChar char="-"/>
-            </a:pPr>
-            <a:r>
-              <a:rPr lang="de-CH" sz="2900" dirty="0"/>
+              <a:rPr lang="de-CH" sz="2200" dirty="0"/>
               <a:t>NUM_DEPENDENTS</a:t>
-            </a:r>
-          </a:p>
-          <a:p>
-            <a:pPr lvl="1">
-              <a:buFont typeface="Symbol" panose="05050102010706020507" pitchFamily="18" charset="2"/>
-              <a:buChar char="-"/>
-            </a:pPr>
-            <a:r>
-              <a:rPr lang="de-CH" sz="2900" dirty="0"/>
-              <a:t>TELEPHONE</a:t>
             </a:r>
           </a:p>
           <a:p>

--- a/Praesentation/Presentation.pptx
+++ b/Praesentation/Presentation.pptx
@@ -5,7 +5,7 @@
     <p:sldMasterId id="2147483660" r:id="rId1"/>
   </p:sldMasterIdLst>
   <p:notesMasterIdLst>
-    <p:notesMasterId r:id="rId18"/>
+    <p:notesMasterId r:id="rId15"/>
   </p:notesMasterIdLst>
   <p:sldIdLst>
     <p:sldId id="256" r:id="rId2"/>
@@ -18,12 +18,9 @@
     <p:sldId id="273" r:id="rId9"/>
     <p:sldId id="274" r:id="rId10"/>
     <p:sldId id="275" r:id="rId11"/>
-    <p:sldId id="268" r:id="rId12"/>
-    <p:sldId id="277" r:id="rId13"/>
-    <p:sldId id="278" r:id="rId14"/>
-    <p:sldId id="279" r:id="rId15"/>
-    <p:sldId id="266" r:id="rId16"/>
-    <p:sldId id="260" r:id="rId17"/>
+    <p:sldId id="278" r:id="rId12"/>
+    <p:sldId id="279" r:id="rId13"/>
+    <p:sldId id="260" r:id="rId14"/>
   </p:sldIdLst>
   <p:sldSz cx="12192000" cy="6858000"/>
   <p:notesSz cx="6858000" cy="9144000"/>
@@ -608,9 +605,226 @@
           <a:bodyPr/>
           <a:lstStyle/>
           <a:p>
-            <a:r>
-              <a:rPr lang="de-CH" dirty="0"/>
-              <a:t>Error Rate in Dependance </a:t>
+            <a:endParaRPr lang="de-CH" dirty="0"/>
+          </a:p>
+          <a:p>
+            <a:r>
+              <a:rPr lang="de-CH" dirty="0"/>
+              <a:t>True negative rate: 137/300 -&gt; 45,7%</a:t>
+            </a:r>
+          </a:p>
+          <a:p>
+            <a:r>
+              <a:rPr lang="de-CH" dirty="0"/>
+              <a:t>True positive rate: 636/700 -&gt; 90,9%</a:t>
+            </a:r>
+          </a:p>
+          <a:p>
+            <a:r>
+              <a:rPr lang="de-CH" dirty="0"/>
+              <a:t>-&gt; Both </a:t>
+            </a:r>
+            <a:r>
+              <a:rPr lang="de-CH" dirty="0" err="1"/>
+              <a:t>are</a:t>
+            </a:r>
+            <a:r>
+              <a:rPr lang="de-CH" dirty="0"/>
+              <a:t> </a:t>
+            </a:r>
+            <a:r>
+              <a:rPr lang="de-CH" dirty="0" err="1"/>
+              <a:t>very</a:t>
+            </a:r>
+            <a:r>
+              <a:rPr lang="de-CH" dirty="0"/>
+              <a:t> </a:t>
+            </a:r>
+            <a:r>
+              <a:rPr lang="de-CH" dirty="0" err="1"/>
+              <a:t>good</a:t>
+            </a:r>
+            <a:r>
+              <a:rPr lang="de-CH" dirty="0"/>
+              <a:t> at </a:t>
+            </a:r>
+            <a:r>
+              <a:rPr lang="de-CH" dirty="0" err="1"/>
+              <a:t>which</a:t>
+            </a:r>
+            <a:r>
+              <a:rPr lang="de-CH" dirty="0"/>
+              <a:t> </a:t>
+            </a:r>
+            <a:r>
+              <a:rPr lang="de-CH" dirty="0" err="1"/>
+              <a:t>person</a:t>
+            </a:r>
+            <a:r>
+              <a:rPr lang="de-CH" dirty="0"/>
+              <a:t> </a:t>
+            </a:r>
+            <a:r>
+              <a:rPr lang="de-CH" dirty="0" err="1"/>
+              <a:t>got</a:t>
+            </a:r>
+            <a:r>
+              <a:rPr lang="de-CH" dirty="0"/>
+              <a:t> a </a:t>
+            </a:r>
+            <a:r>
+              <a:rPr lang="de-CH" dirty="0" err="1"/>
+              <a:t>good</a:t>
+            </a:r>
+            <a:r>
+              <a:rPr lang="de-CH" dirty="0"/>
+              <a:t> </a:t>
+            </a:r>
+            <a:r>
+              <a:rPr lang="de-CH" dirty="0" err="1"/>
+              <a:t>credit</a:t>
+            </a:r>
+            <a:r>
+              <a:rPr lang="de-CH" dirty="0"/>
+              <a:t> </a:t>
+            </a:r>
+            <a:r>
+              <a:rPr lang="de-CH" dirty="0" err="1"/>
+              <a:t>rating</a:t>
+            </a:r>
+            <a:r>
+              <a:rPr lang="de-CH" dirty="0"/>
+              <a:t>, but </a:t>
+            </a:r>
+            <a:r>
+              <a:rPr lang="de-CH" dirty="0" err="1"/>
+              <a:t>it’s</a:t>
+            </a:r>
+            <a:r>
+              <a:rPr lang="de-CH" dirty="0"/>
+              <a:t> not </a:t>
+            </a:r>
+            <a:r>
+              <a:rPr lang="de-CH" dirty="0" err="1"/>
+              <a:t>very</a:t>
+            </a:r>
+            <a:r>
+              <a:rPr lang="de-CH" dirty="0"/>
+              <a:t> </a:t>
+            </a:r>
+            <a:r>
+              <a:rPr lang="de-CH" dirty="0" err="1"/>
+              <a:t>good</a:t>
+            </a:r>
+            <a:r>
+              <a:rPr lang="de-CH" dirty="0"/>
+              <a:t> at </a:t>
+            </a:r>
+            <a:r>
+              <a:rPr lang="de-CH" dirty="0" err="1"/>
+              <a:t>predicting</a:t>
+            </a:r>
+            <a:r>
+              <a:rPr lang="de-CH" dirty="0"/>
+              <a:t> </a:t>
+            </a:r>
+            <a:r>
+              <a:rPr lang="de-CH" dirty="0" err="1"/>
+              <a:t>which</a:t>
+            </a:r>
+            <a:r>
+              <a:rPr lang="de-CH" dirty="0"/>
+              <a:t> </a:t>
+            </a:r>
+            <a:r>
+              <a:rPr lang="de-CH" dirty="0" err="1"/>
+              <a:t>one</a:t>
+            </a:r>
+            <a:r>
+              <a:rPr lang="de-CH" dirty="0"/>
+              <a:t> </a:t>
+            </a:r>
+            <a:r>
+              <a:rPr lang="de-CH" dirty="0" err="1"/>
+              <a:t>got</a:t>
+            </a:r>
+            <a:r>
+              <a:rPr lang="de-CH" dirty="0"/>
+              <a:t> a </a:t>
+            </a:r>
+            <a:r>
+              <a:rPr lang="de-CH" dirty="0" err="1"/>
+              <a:t>bad</a:t>
+            </a:r>
+            <a:r>
+              <a:rPr lang="de-CH" dirty="0"/>
+              <a:t> </a:t>
+            </a:r>
+            <a:r>
+              <a:rPr lang="de-CH" dirty="0" err="1"/>
+              <a:t>rating</a:t>
+            </a:r>
+            <a:r>
+              <a:rPr lang="de-CH" dirty="0"/>
+              <a:t>.</a:t>
+            </a:r>
+          </a:p>
+          <a:p>
+            <a:r>
+              <a:rPr lang="de-CH" dirty="0" err="1"/>
+              <a:t>Since</a:t>
+            </a:r>
+            <a:r>
+              <a:rPr lang="de-CH" dirty="0"/>
+              <a:t> </a:t>
+            </a:r>
+            <a:r>
+              <a:rPr lang="de-CH" dirty="0" err="1"/>
+              <a:t>both</a:t>
+            </a:r>
+            <a:r>
+              <a:rPr lang="de-CH" dirty="0"/>
+              <a:t> </a:t>
+            </a:r>
+            <a:r>
+              <a:rPr lang="de-CH" dirty="0" err="1"/>
+              <a:t>models</a:t>
+            </a:r>
+            <a:r>
+              <a:rPr lang="de-CH" dirty="0"/>
+              <a:t> </a:t>
+            </a:r>
+            <a:r>
+              <a:rPr lang="de-CH" dirty="0" err="1"/>
+              <a:t>are</a:t>
+            </a:r>
+            <a:r>
+              <a:rPr lang="de-CH" dirty="0"/>
+              <a:t> </a:t>
+            </a:r>
+            <a:r>
+              <a:rPr lang="de-CH" dirty="0" err="1"/>
+              <a:t>very</a:t>
+            </a:r>
+            <a:r>
+              <a:rPr lang="de-CH" dirty="0"/>
+              <a:t> </a:t>
+            </a:r>
+            <a:r>
+              <a:rPr lang="de-CH" dirty="0" err="1"/>
+              <a:t>similar</a:t>
+            </a:r>
+            <a:r>
+              <a:rPr lang="de-CH" dirty="0"/>
+              <a:t> in </a:t>
+            </a:r>
+            <a:r>
+              <a:rPr lang="de-CH" dirty="0" err="1"/>
+              <a:t>terms</a:t>
+            </a:r>
+            <a:r>
+              <a:rPr lang="de-CH" dirty="0"/>
+              <a:t> </a:t>
             </a:r>
             <a:r>
               <a:rPr lang="de-CH" dirty="0" err="1"/>
@@ -618,6 +832,134 @@
             </a:r>
             <a:r>
               <a:rPr lang="de-CH" dirty="0"/>
+              <a:t> Precision </a:t>
+            </a:r>
+            <a:r>
+              <a:rPr lang="de-CH" dirty="0" err="1"/>
+              <a:t>and</a:t>
+            </a:r>
+            <a:r>
+              <a:rPr lang="de-CH" dirty="0"/>
+              <a:t> </a:t>
+            </a:r>
+            <a:r>
+              <a:rPr lang="de-CH" dirty="0" err="1"/>
+              <a:t>Accuracy</a:t>
+            </a:r>
+            <a:r>
+              <a:rPr lang="de-CH" dirty="0"/>
+              <a:t> </a:t>
+            </a:r>
+            <a:r>
+              <a:rPr lang="de-CH" dirty="0" err="1"/>
+              <a:t>other</a:t>
+            </a:r>
+            <a:r>
+              <a:rPr lang="de-CH" dirty="0"/>
+              <a:t> </a:t>
+            </a:r>
+            <a:r>
+              <a:rPr lang="de-CH" dirty="0" err="1"/>
+              <a:t>criterias</a:t>
+            </a:r>
+            <a:r>
+              <a:rPr lang="de-CH" dirty="0"/>
+              <a:t> </a:t>
+            </a:r>
+            <a:r>
+              <a:rPr lang="de-CH" dirty="0" err="1"/>
+              <a:t>are</a:t>
+            </a:r>
+            <a:r>
+              <a:rPr lang="de-CH" dirty="0"/>
+              <a:t> </a:t>
+            </a:r>
+            <a:r>
+              <a:rPr lang="de-CH" dirty="0" err="1"/>
+              <a:t>getting</a:t>
+            </a:r>
+            <a:r>
+              <a:rPr lang="de-CH" dirty="0"/>
+              <a:t> </a:t>
+            </a:r>
+            <a:r>
+              <a:rPr lang="de-CH" dirty="0" err="1"/>
+              <a:t>important</a:t>
+            </a:r>
+            <a:r>
+              <a:rPr lang="de-CH" dirty="0"/>
+              <a:t>. CT </a:t>
+            </a:r>
+            <a:r>
+              <a:rPr lang="de-CH" dirty="0" err="1"/>
+              <a:t>is</a:t>
+            </a:r>
+            <a:r>
+              <a:rPr lang="de-CH" dirty="0"/>
+              <a:t> </a:t>
+            </a:r>
+            <a:r>
+              <a:rPr lang="de-CH" dirty="0" err="1"/>
+              <a:t>slightly</a:t>
+            </a:r>
+            <a:r>
+              <a:rPr lang="de-CH" dirty="0"/>
+              <a:t> </a:t>
+            </a:r>
+            <a:r>
+              <a:rPr lang="de-CH" dirty="0" err="1"/>
+              <a:t>better</a:t>
+            </a:r>
+            <a:r>
+              <a:rPr lang="de-CH" dirty="0"/>
+              <a:t> in Precision </a:t>
+            </a:r>
+            <a:r>
+              <a:rPr lang="de-CH" dirty="0" err="1"/>
+              <a:t>and</a:t>
+            </a:r>
+            <a:r>
+              <a:rPr lang="de-CH" dirty="0"/>
+              <a:t> </a:t>
+            </a:r>
+            <a:r>
+              <a:rPr lang="de-CH" dirty="0" err="1"/>
+              <a:t>Accuracy</a:t>
+            </a:r>
+            <a:r>
+              <a:rPr lang="de-CH" dirty="0"/>
+              <a:t>, but </a:t>
+            </a:r>
+            <a:r>
+              <a:rPr lang="de-CH" dirty="0" err="1"/>
+              <a:t>taking</a:t>
+            </a:r>
+            <a:r>
+              <a:rPr lang="de-CH" dirty="0"/>
+              <a:t> </a:t>
+            </a:r>
+            <a:r>
+              <a:rPr lang="de-CH" dirty="0" err="1"/>
+              <a:t>into</a:t>
+            </a:r>
+            <a:r>
+              <a:rPr lang="de-CH" dirty="0"/>
+              <a:t> </a:t>
+            </a:r>
+            <a:r>
+              <a:rPr lang="de-CH" dirty="0" err="1"/>
+              <a:t>account</a:t>
+            </a:r>
+            <a:r>
+              <a:rPr lang="de-CH" dirty="0"/>
+              <a:t> </a:t>
+            </a:r>
+            <a:r>
+              <a:rPr lang="de-CH" dirty="0" err="1"/>
+              <a:t>that</a:t>
+            </a:r>
+            <a:r>
+              <a:rPr lang="de-CH" dirty="0"/>
               <a:t> </a:t>
             </a:r>
             <a:r>
@@ -630,7 +972,125 @@
             </a:r>
             <a:r>
               <a:rPr lang="de-CH" dirty="0" err="1"/>
-              <a:t>Number</a:t>
+              <a:t>Classifciation</a:t>
+            </a:r>
+            <a:r>
+              <a:rPr lang="de-CH" dirty="0"/>
+              <a:t> </a:t>
+            </a:r>
+            <a:r>
+              <a:rPr lang="de-CH" dirty="0" err="1"/>
+              <a:t>Tree</a:t>
+            </a:r>
+            <a:r>
+              <a:rPr lang="de-CH" dirty="0"/>
+              <a:t> </a:t>
+            </a:r>
+            <a:r>
+              <a:rPr lang="de-CH" dirty="0" err="1"/>
+              <a:t>is</a:t>
+            </a:r>
+            <a:r>
+              <a:rPr lang="de-CH" dirty="0"/>
+              <a:t> </a:t>
+            </a:r>
+            <a:r>
+              <a:rPr lang="de-CH" dirty="0" err="1"/>
+              <a:t>more</a:t>
+            </a:r>
+            <a:r>
+              <a:rPr lang="de-CH" dirty="0"/>
+              <a:t> </a:t>
+            </a:r>
+            <a:r>
+              <a:rPr lang="de-CH" dirty="0" err="1"/>
+              <a:t>instable</a:t>
+            </a:r>
+            <a:r>
+              <a:rPr lang="de-CH" dirty="0"/>
+              <a:t>, </a:t>
+            </a:r>
+            <a:r>
+              <a:rPr lang="de-CH" dirty="0" err="1"/>
+              <a:t>We</a:t>
+            </a:r>
+            <a:r>
+              <a:rPr lang="de-CH" dirty="0"/>
+              <a:t> </a:t>
+            </a:r>
+            <a:r>
+              <a:rPr lang="de-CH" dirty="0" err="1"/>
+              <a:t>should</a:t>
+            </a:r>
+            <a:r>
+              <a:rPr lang="de-CH" dirty="0"/>
+              <a:t> </a:t>
+            </a:r>
+            <a:r>
+              <a:rPr lang="de-CH" dirty="0" err="1"/>
+              <a:t>therefore</a:t>
+            </a:r>
+            <a:r>
+              <a:rPr lang="de-CH" dirty="0"/>
+              <a:t> </a:t>
+            </a:r>
+            <a:r>
+              <a:rPr lang="de-CH" dirty="0" err="1"/>
+              <a:t>rather</a:t>
+            </a:r>
+            <a:r>
+              <a:rPr lang="de-CH" dirty="0"/>
+              <a:t> </a:t>
+            </a:r>
+            <a:r>
+              <a:rPr lang="de-CH" dirty="0" err="1"/>
+              <a:t>apply</a:t>
+            </a:r>
+            <a:r>
+              <a:rPr lang="de-CH" dirty="0"/>
+              <a:t> </a:t>
+            </a:r>
+            <a:r>
+              <a:rPr lang="de-CH" dirty="0" err="1"/>
+              <a:t>the</a:t>
+            </a:r>
+            <a:r>
+              <a:rPr lang="de-CH" dirty="0"/>
+              <a:t> Random Forest Model</a:t>
+            </a:r>
+          </a:p>
+          <a:p>
+            <a:r>
+              <a:rPr lang="de-CH" dirty="0"/>
+              <a:t>But Classification </a:t>
+            </a:r>
+            <a:r>
+              <a:rPr lang="de-CH" dirty="0" err="1"/>
+              <a:t>Tree</a:t>
+            </a:r>
+            <a:r>
+              <a:rPr lang="de-CH" dirty="0"/>
+              <a:t> </a:t>
+            </a:r>
+            <a:r>
+              <a:rPr lang="de-CH" dirty="0" err="1"/>
+              <a:t>gives</a:t>
+            </a:r>
+            <a:r>
+              <a:rPr lang="de-CH" dirty="0"/>
+              <a:t> a </a:t>
+            </a:r>
+            <a:r>
+              <a:rPr lang="de-CH" dirty="0" err="1"/>
+              <a:t>good</a:t>
+            </a:r>
+            <a:r>
+              <a:rPr lang="de-CH" dirty="0"/>
+              <a:t> </a:t>
+            </a:r>
+            <a:r>
+              <a:rPr lang="de-CH" dirty="0" err="1"/>
+              <a:t>support</a:t>
             </a:r>
             <a:r>
               <a:rPr lang="de-CH" dirty="0"/>
@@ -646,36 +1106,6 @@
             </a:r>
             <a:r>
               <a:rPr lang="de-CH" dirty="0" err="1"/>
-              <a:t>trees</a:t>
-            </a:r>
-            <a:endParaRPr lang="de-CH" dirty="0"/>
-          </a:p>
-          <a:p>
-            <a:endParaRPr lang="de-CH" dirty="0"/>
-          </a:p>
-          <a:p>
-            <a:r>
-              <a:rPr lang="de-CH" dirty="0"/>
-              <a:t>After </a:t>
-            </a:r>
-            <a:r>
-              <a:rPr lang="de-CH" dirty="0" err="1"/>
-              <a:t>around</a:t>
-            </a:r>
-            <a:r>
-              <a:rPr lang="de-CH" dirty="0"/>
-              <a:t> 30 </a:t>
-            </a:r>
-            <a:r>
-              <a:rPr lang="de-CH" dirty="0" err="1"/>
-              <a:t>trees</a:t>
-            </a:r>
-            <a:r>
-              <a:rPr lang="de-CH" dirty="0"/>
-              <a:t> </a:t>
-            </a:r>
-            <a:r>
-              <a:rPr lang="de-CH" dirty="0" err="1"/>
               <a:t>the</a:t>
             </a:r>
             <a:r>
@@ -684,27 +1114,32 @@
             </a:r>
             <a:r>
               <a:rPr lang="de-CH" dirty="0" err="1"/>
-              <a:t>error</a:t>
-            </a:r>
-            <a:r>
-              <a:rPr lang="de-CH" dirty="0"/>
-              <a:t> </a:t>
-            </a:r>
-            <a:r>
-              <a:rPr lang="de-CH" dirty="0" err="1"/>
-              <a:t>keeps</a:t>
-            </a:r>
-            <a:r>
-              <a:rPr lang="de-CH" dirty="0"/>
-              <a:t> </a:t>
-            </a:r>
-            <a:r>
-              <a:rPr lang="de-CH" dirty="0" err="1"/>
-              <a:t>stable</a:t>
-            </a:r>
-            <a:endParaRPr lang="de-CH" dirty="0"/>
-          </a:p>
-          <a:p>
+              <a:t>Finding</a:t>
+            </a:r>
+            <a:r>
+              <a:rPr lang="de-CH" dirty="0"/>
+              <a:t> </a:t>
+            </a:r>
+            <a:r>
+              <a:rPr lang="de-CH" dirty="0" err="1"/>
+              <a:t>of</a:t>
+            </a:r>
+            <a:r>
+              <a:rPr lang="de-CH" dirty="0"/>
+              <a:t> </a:t>
+            </a:r>
+            <a:r>
+              <a:rPr lang="de-CH" dirty="0" err="1"/>
+              <a:t>the</a:t>
+            </a:r>
+            <a:r>
+              <a:rPr lang="de-CH" dirty="0"/>
+              <a:t> Random </a:t>
+            </a:r>
+            <a:r>
+              <a:rPr lang="de-CH" dirty="0" err="1"/>
+              <a:t>FOrest</a:t>
+            </a:r>
             <a:endParaRPr lang="de-CH" dirty="0"/>
           </a:p>
           <a:p>
@@ -738,7 +1173,7 @@
     </p:spTree>
     <p:extLst>
       <p:ext uri="{BB962C8B-B14F-4D97-AF65-F5344CB8AC3E}">
-        <p14:creationId xmlns:p14="http://schemas.microsoft.com/office/powerpoint/2010/main" val="2102382964"/>
+        <p14:creationId xmlns:p14="http://schemas.microsoft.com/office/powerpoint/2010/main" val="800877710"/>
       </p:ext>
     </p:extLst>
   </p:cSld>
@@ -794,35 +1229,202 @@
           <a:p>
             <a:r>
               <a:rPr lang="de-CH" dirty="0"/>
-              <a:t>The Random Forest </a:t>
-            </a:r>
-            <a:r>
-              <a:rPr lang="de-CH" dirty="0" err="1"/>
-              <a:t>supports</a:t>
-            </a:r>
-            <a:r>
-              <a:rPr lang="de-CH" dirty="0"/>
-              <a:t> </a:t>
-            </a:r>
-            <a:r>
-              <a:rPr lang="de-CH" dirty="0" err="1"/>
-              <a:t>our</a:t>
-            </a:r>
-            <a:r>
-              <a:rPr lang="de-CH" dirty="0"/>
-              <a:t> </a:t>
-            </a:r>
-            <a:r>
-              <a:rPr lang="de-CH" dirty="0" err="1"/>
-              <a:t>findings</a:t>
-            </a:r>
-            <a:r>
-              <a:rPr lang="de-CH" dirty="0"/>
-              <a:t> </a:t>
-            </a:r>
-            <a:r>
-              <a:rPr lang="de-CH" dirty="0" err="1"/>
-              <a:t>from</a:t>
+              <a:t>So </a:t>
+            </a:r>
+            <a:r>
+              <a:rPr lang="de-CH" dirty="0" err="1"/>
+              <a:t>one</a:t>
+            </a:r>
+            <a:r>
+              <a:rPr lang="de-CH" dirty="0"/>
+              <a:t> </a:t>
+            </a:r>
+            <a:r>
+              <a:rPr lang="de-CH" dirty="0" err="1"/>
+              <a:t>should</a:t>
+            </a:r>
+            <a:r>
+              <a:rPr lang="de-CH" dirty="0"/>
+              <a:t> </a:t>
+            </a:r>
+            <a:r>
+              <a:rPr lang="de-CH" dirty="0" err="1"/>
+              <a:t>really</a:t>
+            </a:r>
+            <a:r>
+              <a:rPr lang="de-CH" dirty="0"/>
+              <a:t> </a:t>
+            </a:r>
+            <a:r>
+              <a:rPr lang="de-CH" dirty="0" err="1"/>
+              <a:t>emphasize</a:t>
+            </a:r>
+            <a:r>
+              <a:rPr lang="de-CH" dirty="0"/>
+              <a:t> on </a:t>
+            </a:r>
+            <a:r>
+              <a:rPr lang="de-CH" dirty="0" err="1"/>
+              <a:t>these</a:t>
+            </a:r>
+            <a:r>
+              <a:rPr lang="de-CH" dirty="0"/>
+              <a:t> </a:t>
+            </a:r>
+            <a:r>
+              <a:rPr lang="de-CH" dirty="0" err="1"/>
+              <a:t>few</a:t>
+            </a:r>
+            <a:r>
+              <a:rPr lang="de-CH" dirty="0"/>
+              <a:t> variables </a:t>
+            </a:r>
+            <a:r>
+              <a:rPr lang="de-CH" dirty="0" err="1"/>
+              <a:t>to</a:t>
+            </a:r>
+            <a:r>
+              <a:rPr lang="de-CH" dirty="0"/>
+              <a:t> find out </a:t>
+            </a:r>
+            <a:r>
+              <a:rPr lang="de-CH" dirty="0" err="1"/>
+              <a:t>if</a:t>
+            </a:r>
+            <a:r>
+              <a:rPr lang="de-CH" dirty="0"/>
+              <a:t> </a:t>
+            </a:r>
+            <a:r>
+              <a:rPr lang="de-CH" dirty="0" err="1"/>
+              <a:t>someone</a:t>
+            </a:r>
+            <a:r>
+              <a:rPr lang="de-CH" dirty="0"/>
+              <a:t> </a:t>
+            </a:r>
+            <a:r>
+              <a:rPr lang="de-CH" dirty="0" err="1"/>
+              <a:t>has</a:t>
+            </a:r>
+            <a:r>
+              <a:rPr lang="de-CH" dirty="0"/>
+              <a:t> a </a:t>
+            </a:r>
+            <a:r>
+              <a:rPr lang="de-CH" dirty="0" err="1"/>
+              <a:t>good</a:t>
+            </a:r>
+            <a:r>
+              <a:rPr lang="de-CH" dirty="0"/>
+              <a:t> </a:t>
+            </a:r>
+            <a:r>
+              <a:rPr lang="de-CH" dirty="0" err="1"/>
+              <a:t>credit</a:t>
+            </a:r>
+            <a:r>
+              <a:rPr lang="de-CH" dirty="0"/>
+              <a:t> </a:t>
+            </a:r>
+            <a:r>
+              <a:rPr lang="de-CH" dirty="0" err="1"/>
+              <a:t>rating</a:t>
+            </a:r>
+            <a:r>
+              <a:rPr lang="de-CH" dirty="0"/>
+              <a:t> </a:t>
+            </a:r>
+            <a:r>
+              <a:rPr lang="de-CH" dirty="0" err="1"/>
+              <a:t>or</a:t>
+            </a:r>
+            <a:r>
+              <a:rPr lang="de-CH" dirty="0"/>
+              <a:t> not</a:t>
+            </a:r>
+          </a:p>
+          <a:p>
+            <a:endParaRPr lang="de-CH" dirty="0"/>
+          </a:p>
+          <a:p>
+            <a:endParaRPr lang="de-CH" dirty="0"/>
+          </a:p>
+          <a:p>
+            <a:endParaRPr lang="de-CH" dirty="0"/>
+          </a:p>
+          <a:p>
+            <a:r>
+              <a:rPr lang="de-CH" dirty="0"/>
+              <a:t>I </a:t>
+            </a:r>
+            <a:r>
+              <a:rPr lang="de-CH" dirty="0" err="1"/>
+              <a:t>think</a:t>
+            </a:r>
+            <a:r>
+              <a:rPr lang="de-CH" dirty="0"/>
+              <a:t> </a:t>
+            </a:r>
+            <a:r>
+              <a:rPr lang="de-CH" dirty="0" err="1"/>
+              <a:t>these</a:t>
+            </a:r>
+            <a:r>
+              <a:rPr lang="de-CH" dirty="0"/>
+              <a:t> 3 variables </a:t>
+            </a:r>
+            <a:r>
+              <a:rPr lang="de-CH" dirty="0" err="1"/>
+              <a:t>chk_accdt</a:t>
+            </a:r>
+            <a:r>
+              <a:rPr lang="de-CH" dirty="0"/>
+              <a:t> </a:t>
+            </a:r>
+            <a:r>
+              <a:rPr lang="de-CH" dirty="0" err="1"/>
+              <a:t>duration</a:t>
+            </a:r>
+            <a:r>
+              <a:rPr lang="de-CH" dirty="0"/>
+              <a:t> </a:t>
+            </a:r>
+            <a:r>
+              <a:rPr lang="de-CH" dirty="0" err="1"/>
+              <a:t>and</a:t>
+            </a:r>
+            <a:r>
+              <a:rPr lang="de-CH" dirty="0"/>
+              <a:t> </a:t>
+            </a:r>
+            <a:r>
+              <a:rPr lang="de-CH" dirty="0" err="1"/>
+              <a:t>history</a:t>
+            </a:r>
+            <a:r>
+              <a:rPr lang="de-CH" dirty="0"/>
+              <a:t> </a:t>
+            </a:r>
+            <a:r>
+              <a:rPr lang="de-CH" dirty="0" err="1"/>
+              <a:t>suit</a:t>
+            </a:r>
+            <a:r>
+              <a:rPr lang="de-CH" dirty="0"/>
+              <a:t> </a:t>
+            </a:r>
+            <a:r>
+              <a:rPr lang="de-CH" dirty="0" err="1"/>
+              <a:t>quite</a:t>
+            </a:r>
+            <a:r>
+              <a:rPr lang="de-CH" dirty="0"/>
+              <a:t> </a:t>
+            </a:r>
+            <a:r>
+              <a:rPr lang="de-CH" dirty="0" err="1"/>
+              <a:t>well</a:t>
             </a:r>
             <a:r>
               <a:rPr lang="de-CH" dirty="0"/>
@@ -834,59 +1436,27 @@
             </a:r>
             <a:r>
               <a:rPr lang="de-CH" dirty="0"/>
-              <a:t> Classification </a:t>
-            </a:r>
-            <a:r>
-              <a:rPr lang="de-CH" dirty="0" err="1"/>
-              <a:t>Tree</a:t>
-            </a:r>
-            <a:r>
-              <a:rPr lang="de-CH" dirty="0"/>
-              <a:t> </a:t>
-            </a:r>
-            <a:r>
-              <a:rPr lang="de-CH" dirty="0" err="1"/>
-              <a:t>quite</a:t>
-            </a:r>
-            <a:r>
-              <a:rPr lang="de-CH" dirty="0"/>
-              <a:t> </a:t>
-            </a:r>
-            <a:r>
-              <a:rPr lang="de-CH" dirty="0" err="1"/>
-              <a:t>well</a:t>
-            </a:r>
-            <a:r>
-              <a:rPr lang="de-CH" dirty="0"/>
-              <a:t>. </a:t>
-            </a:r>
-            <a:r>
-              <a:rPr lang="de-CH" dirty="0" err="1"/>
-              <a:t>We</a:t>
-            </a:r>
-            <a:r>
-              <a:rPr lang="de-CH" dirty="0"/>
-              <a:t> </a:t>
-            </a:r>
-            <a:r>
-              <a:rPr lang="de-CH" dirty="0" err="1"/>
-              <a:t>can</a:t>
-            </a:r>
-            <a:r>
-              <a:rPr lang="de-CH" dirty="0"/>
-              <a:t> </a:t>
-            </a:r>
-            <a:r>
-              <a:rPr lang="de-CH" dirty="0" err="1"/>
-              <a:t>see</a:t>
-            </a:r>
-            <a:r>
-              <a:rPr lang="de-CH" dirty="0"/>
-              <a:t> </a:t>
-            </a:r>
-            <a:r>
-              <a:rPr lang="de-CH" dirty="0" err="1"/>
-              <a:t>that</a:t>
+              <a:t> intuitive </a:t>
+            </a:r>
+            <a:r>
+              <a:rPr lang="de-CH" dirty="0" err="1"/>
+              <a:t>theoretical</a:t>
+            </a:r>
+            <a:r>
+              <a:rPr lang="de-CH" dirty="0"/>
+              <a:t> </a:t>
+            </a:r>
+            <a:r>
+              <a:rPr lang="de-CH" dirty="0" err="1"/>
+              <a:t>assumptions</a:t>
+            </a:r>
+            <a:r>
+              <a:rPr lang="de-CH" dirty="0"/>
+              <a:t> </a:t>
+            </a:r>
+            <a:r>
+              <a:rPr lang="de-CH" dirty="0" err="1"/>
+              <a:t>about</a:t>
             </a:r>
             <a:r>
               <a:rPr lang="de-CH" dirty="0"/>
@@ -898,54 +1468,15 @@
             </a:r>
             <a:r>
               <a:rPr lang="de-CH" dirty="0"/>
-              <a:t> same variables </a:t>
-            </a:r>
-            <a:r>
-              <a:rPr lang="de-CH" dirty="0" err="1"/>
-              <a:t>are</a:t>
-            </a:r>
-            <a:r>
-              <a:rPr lang="de-CH" dirty="0"/>
-              <a:t> </a:t>
-            </a:r>
-            <a:r>
-              <a:rPr lang="de-CH" dirty="0" err="1"/>
-              <a:t>important</a:t>
-            </a:r>
-            <a:endParaRPr lang="de-CH" dirty="0"/>
-          </a:p>
-          <a:p>
-            <a:r>
-              <a:rPr lang="de-CH" dirty="0" err="1"/>
-              <a:t>We</a:t>
-            </a:r>
-            <a:r>
-              <a:rPr lang="de-CH" dirty="0"/>
-              <a:t> </a:t>
-            </a:r>
-            <a:r>
-              <a:rPr lang="de-CH" dirty="0" err="1"/>
-              <a:t>can</a:t>
-            </a:r>
-            <a:r>
-              <a:rPr lang="de-CH" dirty="0"/>
-              <a:t> </a:t>
-            </a:r>
-            <a:r>
-              <a:rPr lang="de-CH" dirty="0" err="1"/>
-              <a:t>see</a:t>
-            </a:r>
-            <a:r>
-              <a:rPr lang="de-CH" dirty="0"/>
-              <a:t> </a:t>
-            </a:r>
-            <a:r>
-              <a:rPr lang="de-CH" dirty="0" err="1"/>
-              <a:t>by</a:t>
-            </a:r>
-            <a:r>
-              <a:rPr lang="de-CH" dirty="0"/>
-              <a:t> </a:t>
+              <a:t> </a:t>
+            </a:r>
+            <a:r>
+              <a:rPr lang="de-CH" dirty="0" err="1"/>
+              <a:t>impact</a:t>
+            </a:r>
+            <a:r>
+              <a:rPr lang="de-CH" dirty="0"/>
+              <a:t> on </a:t>
             </a:r>
             <a:r>
               <a:rPr lang="de-CH" dirty="0" err="1"/>
@@ -957,434 +1488,15 @@
             </a:r>
             <a:r>
               <a:rPr lang="de-CH" dirty="0" err="1"/>
-              <a:t>left</a:t>
-            </a:r>
-            <a:r>
-              <a:rPr lang="de-CH" dirty="0"/>
-              <a:t> </a:t>
-            </a:r>
-            <a:r>
-              <a:rPr lang="de-CH" dirty="0" err="1"/>
-              <a:t>graph</a:t>
-            </a:r>
-            <a:r>
-              <a:rPr lang="de-CH" dirty="0"/>
-              <a:t>, </a:t>
-            </a:r>
-            <a:r>
-              <a:rPr lang="de-CH" dirty="0" err="1"/>
-              <a:t>that</a:t>
-            </a:r>
-            <a:r>
-              <a:rPr lang="de-CH" dirty="0"/>
-              <a:t> </a:t>
-            </a:r>
-            <a:r>
-              <a:rPr lang="de-CH" dirty="0" err="1"/>
-              <a:t>MeanDecrease</a:t>
-            </a:r>
-            <a:r>
-              <a:rPr lang="de-CH" dirty="0"/>
-              <a:t> </a:t>
-            </a:r>
-            <a:r>
-              <a:rPr lang="de-CH" dirty="0" err="1"/>
-              <a:t>Accuracy</a:t>
-            </a:r>
-            <a:r>
-              <a:rPr lang="de-CH" dirty="0"/>
-              <a:t> </a:t>
-            </a:r>
-            <a:r>
-              <a:rPr lang="de-CH" dirty="0" err="1"/>
-              <a:t>is</a:t>
-            </a:r>
-            <a:r>
-              <a:rPr lang="de-CH" dirty="0"/>
-              <a:t> </a:t>
-            </a:r>
-            <a:r>
-              <a:rPr lang="de-CH" dirty="0" err="1"/>
-              <a:t>forced</a:t>
-            </a:r>
-            <a:r>
-              <a:rPr lang="de-CH" dirty="0"/>
-              <a:t> </a:t>
-            </a:r>
-            <a:r>
-              <a:rPr lang="de-CH" dirty="0" err="1"/>
-              <a:t>mainly</a:t>
-            </a:r>
-            <a:r>
-              <a:rPr lang="de-CH" dirty="0"/>
-              <a:t> </a:t>
-            </a:r>
-            <a:r>
-              <a:rPr lang="de-CH" dirty="0" err="1"/>
-              <a:t>by</a:t>
-            </a:r>
-            <a:r>
-              <a:rPr lang="de-CH" dirty="0"/>
-              <a:t> </a:t>
-            </a:r>
-            <a:r>
-              <a:rPr lang="de-CH" dirty="0" err="1"/>
-              <a:t>the</a:t>
-            </a:r>
-            <a:r>
-              <a:rPr lang="de-CH" dirty="0"/>
-              <a:t> 3 dominant Variables in </a:t>
-            </a:r>
-            <a:r>
-              <a:rPr lang="de-CH" dirty="0" err="1"/>
-              <a:t>the</a:t>
-            </a:r>
-            <a:r>
-              <a:rPr lang="de-CH" dirty="0"/>
-              <a:t> CT </a:t>
-            </a:r>
-            <a:r>
-              <a:rPr lang="de-CH" dirty="0" err="1"/>
-              <a:t>model</a:t>
-            </a:r>
-            <a:r>
-              <a:rPr lang="de-CH" dirty="0"/>
-              <a:t>, CHK_ACCT, DURATION, </a:t>
-            </a:r>
-            <a:r>
-              <a:rPr lang="de-CH" dirty="0" err="1"/>
-              <a:t>and</a:t>
-            </a:r>
-            <a:r>
-              <a:rPr lang="de-CH" dirty="0"/>
-              <a:t> </a:t>
-            </a:r>
-            <a:r>
-              <a:rPr lang="de-CH" dirty="0" err="1"/>
-              <a:t>History</a:t>
-            </a:r>
-            <a:r>
-              <a:rPr lang="de-CH" dirty="0"/>
-              <a:t>. </a:t>
-            </a:r>
-            <a:r>
-              <a:rPr lang="de-CH" dirty="0" err="1"/>
-              <a:t>Again</a:t>
-            </a:r>
-            <a:r>
-              <a:rPr lang="de-CH" dirty="0"/>
-              <a:t> CHK_ACCT </a:t>
-            </a:r>
-            <a:r>
-              <a:rPr lang="de-CH" dirty="0" err="1"/>
-              <a:t>points</a:t>
-            </a:r>
-            <a:r>
-              <a:rPr lang="de-CH" dirty="0"/>
-              <a:t> out </a:t>
-            </a:r>
-            <a:r>
-              <a:rPr lang="de-CH" dirty="0" err="1"/>
-              <a:t>to</a:t>
-            </a:r>
-            <a:r>
-              <a:rPr lang="de-CH" dirty="0"/>
-              <a:t> </a:t>
-            </a:r>
-            <a:r>
-              <a:rPr lang="de-CH" dirty="0" err="1"/>
-              <a:t>be</a:t>
-            </a:r>
-            <a:r>
-              <a:rPr lang="de-CH" dirty="0"/>
-              <a:t> </a:t>
-            </a:r>
-            <a:r>
-              <a:rPr lang="de-CH" dirty="0" err="1"/>
-              <a:t>the</a:t>
-            </a:r>
-            <a:r>
-              <a:rPr lang="de-CH" dirty="0"/>
-              <a:t> </a:t>
-            </a:r>
-            <a:r>
-              <a:rPr lang="de-CH" dirty="0" err="1"/>
-              <a:t>most</a:t>
-            </a:r>
-            <a:r>
-              <a:rPr lang="de-CH" dirty="0"/>
-              <a:t> </a:t>
-            </a:r>
-            <a:r>
-              <a:rPr lang="de-CH" dirty="0" err="1"/>
-              <a:t>influential</a:t>
-            </a:r>
-            <a:r>
-              <a:rPr lang="de-CH" dirty="0"/>
-              <a:t> </a:t>
-            </a:r>
-            <a:r>
-              <a:rPr lang="de-CH" dirty="0" err="1"/>
-              <a:t>coviariate</a:t>
-            </a:r>
-            <a:r>
-              <a:rPr lang="de-CH" dirty="0"/>
-              <a:t> </a:t>
-            </a:r>
-            <a:r>
-              <a:rPr lang="de-CH" dirty="0" err="1"/>
-              <a:t>as</a:t>
-            </a:r>
-            <a:r>
-              <a:rPr lang="de-CH" dirty="0"/>
-              <a:t> </a:t>
-            </a:r>
-            <a:r>
-              <a:rPr lang="de-CH" dirty="0" err="1"/>
-              <a:t>it</a:t>
-            </a:r>
-            <a:r>
-              <a:rPr lang="de-CH" dirty="0"/>
-              <a:t> was </a:t>
-            </a:r>
-            <a:r>
-              <a:rPr lang="de-CH" dirty="0" err="1"/>
-              <a:t>before</a:t>
-            </a:r>
-            <a:r>
-              <a:rPr lang="de-CH" dirty="0"/>
-              <a:t> in </a:t>
-            </a:r>
-            <a:r>
-              <a:rPr lang="de-CH" dirty="0" err="1"/>
-              <a:t>the</a:t>
-            </a:r>
-            <a:r>
-              <a:rPr lang="de-CH" dirty="0"/>
-              <a:t> Classification </a:t>
-            </a:r>
-            <a:r>
-              <a:rPr lang="de-CH" dirty="0" err="1"/>
-              <a:t>tree</a:t>
-            </a:r>
-            <a:r>
-              <a:rPr lang="de-CH" dirty="0"/>
-              <a:t> </a:t>
-            </a:r>
-            <a:r>
-              <a:rPr lang="de-CH" dirty="0" err="1"/>
-              <a:t>as</a:t>
-            </a:r>
-            <a:r>
-              <a:rPr lang="de-CH" dirty="0"/>
-              <a:t> </a:t>
-            </a:r>
-            <a:r>
-              <a:rPr lang="de-CH" dirty="0" err="1"/>
-              <a:t>it</a:t>
-            </a:r>
-            <a:r>
-              <a:rPr lang="de-CH" dirty="0"/>
-              <a:t> </a:t>
-            </a:r>
-            <a:r>
-              <a:rPr lang="de-CH" dirty="0" err="1"/>
-              <a:t>represented</a:t>
-            </a:r>
-            <a:r>
-              <a:rPr lang="de-CH" dirty="0"/>
-              <a:t> </a:t>
-            </a:r>
-            <a:r>
-              <a:rPr lang="de-CH" dirty="0" err="1"/>
-              <a:t>the</a:t>
-            </a:r>
-            <a:r>
-              <a:rPr lang="de-CH" dirty="0"/>
-              <a:t> </a:t>
-            </a:r>
-            <a:r>
-              <a:rPr lang="de-CH" dirty="0" err="1"/>
-              <a:t>first</a:t>
-            </a:r>
-            <a:r>
-              <a:rPr lang="de-CH" dirty="0"/>
-              <a:t> </a:t>
-            </a:r>
-            <a:r>
-              <a:rPr lang="de-CH" dirty="0" err="1"/>
-              <a:t>node</a:t>
-            </a:r>
-            <a:r>
-              <a:rPr lang="de-CH" dirty="0"/>
-              <a:t>. </a:t>
-            </a:r>
-          </a:p>
-          <a:p>
-            <a:pPr marL="171450" indent="-171450">
-              <a:buFontTx/>
-              <a:buChar char="-"/>
-            </a:pPr>
-            <a:r>
-              <a:rPr lang="de-CH" dirty="0"/>
-              <a:t>CHK-ACCT, DURATION, HISTORY, AMOUNT, SAVE_ACCT</a:t>
-            </a:r>
-          </a:p>
-          <a:p>
-            <a:pPr marL="171450" indent="-171450">
-              <a:buFontTx/>
-              <a:buChar char="-"/>
-            </a:pPr>
-            <a:endParaRPr lang="de-CH" dirty="0"/>
-          </a:p>
-          <a:p>
-            <a:pPr marL="171450" indent="-171450">
-              <a:buFontTx/>
-              <a:buChar char="-"/>
-            </a:pPr>
-            <a:r>
-              <a:rPr lang="de-CH" dirty="0"/>
-              <a:t>By </a:t>
-            </a:r>
-            <a:r>
-              <a:rPr lang="de-CH" dirty="0" err="1"/>
-              <a:t>the</a:t>
-            </a:r>
-            <a:r>
-              <a:rPr lang="de-CH" dirty="0"/>
-              <a:t> </a:t>
-            </a:r>
-            <a:r>
-              <a:rPr lang="de-CH" dirty="0" err="1"/>
-              <a:t>right</a:t>
-            </a:r>
-            <a:r>
-              <a:rPr lang="de-CH" dirty="0"/>
-              <a:t> </a:t>
-            </a:r>
-            <a:r>
-              <a:rPr lang="de-CH" dirty="0" err="1"/>
-              <a:t>graph</a:t>
-            </a:r>
-            <a:r>
-              <a:rPr lang="de-CH" dirty="0"/>
-              <a:t> </a:t>
-            </a:r>
-            <a:r>
-              <a:rPr lang="de-CH" dirty="0" err="1"/>
-              <a:t>we</a:t>
-            </a:r>
-            <a:r>
-              <a:rPr lang="de-CH" dirty="0"/>
-              <a:t> </a:t>
-            </a:r>
-            <a:r>
-              <a:rPr lang="de-CH" dirty="0" err="1"/>
-              <a:t>can</a:t>
-            </a:r>
-            <a:r>
-              <a:rPr lang="de-CH" dirty="0"/>
-              <a:t> </a:t>
-            </a:r>
-            <a:r>
-              <a:rPr lang="de-CH" dirty="0" err="1"/>
-              <a:t>see</a:t>
-            </a:r>
-            <a:r>
-              <a:rPr lang="de-CH" dirty="0"/>
-              <a:t> </a:t>
-            </a:r>
-            <a:r>
-              <a:rPr lang="de-CH" dirty="0" err="1"/>
-              <a:t>that</a:t>
-            </a:r>
-            <a:r>
-              <a:rPr lang="de-CH" dirty="0"/>
-              <a:t> Age </a:t>
-            </a:r>
-            <a:r>
-              <a:rPr lang="de-CH" dirty="0" err="1"/>
-              <a:t>and</a:t>
-            </a:r>
-            <a:r>
-              <a:rPr lang="de-CH" dirty="0"/>
-              <a:t> </a:t>
-            </a:r>
-            <a:r>
-              <a:rPr lang="de-CH" dirty="0" err="1"/>
-              <a:t>the</a:t>
-            </a:r>
-            <a:r>
-              <a:rPr lang="de-CH" dirty="0"/>
-              <a:t> </a:t>
-            </a:r>
-            <a:r>
-              <a:rPr lang="de-CH" dirty="0" err="1"/>
-              <a:t>employment</a:t>
-            </a:r>
-            <a:r>
-              <a:rPr lang="de-CH" dirty="0"/>
-              <a:t> </a:t>
-            </a:r>
-            <a:r>
-              <a:rPr lang="de-CH" dirty="0" err="1"/>
-              <a:t>affects</a:t>
-            </a:r>
-            <a:r>
-              <a:rPr lang="de-CH" dirty="0"/>
-              <a:t> </a:t>
-            </a:r>
-            <a:r>
-              <a:rPr lang="de-CH" dirty="0" err="1"/>
-              <a:t>the</a:t>
-            </a:r>
-            <a:r>
-              <a:rPr lang="de-CH" dirty="0"/>
-              <a:t> RESPONSE variable </a:t>
-            </a:r>
-            <a:r>
-              <a:rPr lang="de-CH" dirty="0" err="1"/>
-              <a:t>as</a:t>
-            </a:r>
-            <a:r>
-              <a:rPr lang="de-CH" dirty="0"/>
-              <a:t> </a:t>
-            </a:r>
-            <a:r>
-              <a:rPr lang="de-CH" dirty="0" err="1"/>
-              <a:t>well</a:t>
-            </a:r>
-            <a:r>
-              <a:rPr lang="de-CH" dirty="0"/>
-              <a:t>. So </a:t>
-            </a:r>
-            <a:r>
-              <a:rPr lang="de-CH" dirty="0" err="1"/>
-              <a:t>the</a:t>
-            </a:r>
-            <a:r>
-              <a:rPr lang="de-CH" dirty="0"/>
-              <a:t> RF </a:t>
-            </a:r>
-            <a:r>
-              <a:rPr lang="de-CH" dirty="0" err="1"/>
-              <a:t>weights</a:t>
-            </a:r>
-            <a:r>
-              <a:rPr lang="de-CH" dirty="0"/>
-              <a:t> </a:t>
-            </a:r>
-            <a:r>
-              <a:rPr lang="de-CH" dirty="0" err="1"/>
-              <a:t>the</a:t>
-            </a:r>
-            <a:r>
-              <a:rPr lang="de-CH" dirty="0"/>
-              <a:t> </a:t>
-            </a:r>
-            <a:r>
-              <a:rPr lang="de-CH" dirty="0" err="1"/>
-              <a:t>importance</a:t>
+              <a:t>credit</a:t>
+            </a:r>
+            <a:r>
+              <a:rPr lang="de-CH" dirty="0"/>
+              <a:t> </a:t>
+            </a:r>
+            <a:r>
+              <a:rPr lang="de-CH" dirty="0" err="1"/>
+              <a:t>rating</a:t>
             </a:r>
             <a:r>
               <a:rPr lang="de-CH" dirty="0"/>
@@ -1396,334 +1508,8 @@
             </a:r>
             <a:r>
               <a:rPr lang="de-CH" dirty="0"/>
-              <a:t> </a:t>
-            </a:r>
-            <a:r>
-              <a:rPr lang="de-CH" dirty="0" err="1"/>
-              <a:t>these</a:t>
-            </a:r>
-            <a:r>
-              <a:rPr lang="de-CH" dirty="0"/>
-              <a:t> </a:t>
-            </a:r>
-            <a:r>
-              <a:rPr lang="de-CH" dirty="0" err="1"/>
-              <a:t>two</a:t>
-            </a:r>
-            <a:r>
-              <a:rPr lang="de-CH" dirty="0"/>
-              <a:t> variables a </a:t>
-            </a:r>
-            <a:r>
-              <a:rPr lang="de-CH" dirty="0" err="1"/>
-              <a:t>bit</a:t>
-            </a:r>
-            <a:r>
-              <a:rPr lang="de-CH" dirty="0"/>
-              <a:t> </a:t>
-            </a:r>
-            <a:r>
-              <a:rPr lang="de-CH" dirty="0" err="1"/>
-              <a:t>higher</a:t>
-            </a:r>
-            <a:r>
-              <a:rPr lang="de-CH" dirty="0"/>
-              <a:t>, </a:t>
-            </a:r>
-            <a:r>
-              <a:rPr lang="de-CH" dirty="0" err="1"/>
-              <a:t>otherwise</a:t>
-            </a:r>
-            <a:r>
-              <a:rPr lang="de-CH" dirty="0"/>
-              <a:t> </a:t>
-            </a:r>
-            <a:r>
-              <a:rPr lang="de-CH" dirty="0" err="1"/>
-              <a:t>for</a:t>
-            </a:r>
-            <a:r>
-              <a:rPr lang="de-CH" dirty="0"/>
-              <a:t> </a:t>
-            </a:r>
-            <a:r>
-              <a:rPr lang="de-CH" dirty="0" err="1"/>
-              <a:t>the</a:t>
-            </a:r>
-            <a:r>
-              <a:rPr lang="de-CH" dirty="0"/>
-              <a:t> </a:t>
-            </a:r>
-            <a:r>
-              <a:rPr lang="de-CH" dirty="0" err="1"/>
-              <a:t>classification</a:t>
-            </a:r>
-            <a:r>
-              <a:rPr lang="de-CH" dirty="0"/>
-              <a:t> </a:t>
-            </a:r>
-            <a:r>
-              <a:rPr lang="de-CH" dirty="0" err="1"/>
-              <a:t>the</a:t>
-            </a:r>
-            <a:r>
-              <a:rPr lang="de-CH" dirty="0"/>
-              <a:t> </a:t>
-            </a:r>
-            <a:r>
-              <a:rPr lang="de-CH" dirty="0" err="1"/>
-              <a:t>used</a:t>
-            </a:r>
-            <a:r>
-              <a:rPr lang="de-CH" dirty="0"/>
-              <a:t> Car variable was </a:t>
-            </a:r>
-            <a:r>
-              <a:rPr lang="de-CH" dirty="0" err="1"/>
-              <a:t>quite</a:t>
-            </a:r>
-            <a:r>
-              <a:rPr lang="de-CH" dirty="0"/>
-              <a:t> </a:t>
-            </a:r>
-            <a:r>
-              <a:rPr lang="de-CH" dirty="0" err="1"/>
-              <a:t>important</a:t>
-            </a:r>
-            <a:r>
-              <a:rPr lang="de-CH" dirty="0"/>
-              <a:t>. But </a:t>
-            </a:r>
-            <a:r>
-              <a:rPr lang="de-CH" dirty="0" err="1"/>
-              <a:t>for</a:t>
-            </a:r>
-            <a:r>
-              <a:rPr lang="de-CH" dirty="0"/>
-              <a:t> </a:t>
-            </a:r>
-            <a:r>
-              <a:rPr lang="de-CH" dirty="0" err="1"/>
-              <a:t>both</a:t>
-            </a:r>
-            <a:r>
-              <a:rPr lang="de-CH" dirty="0"/>
-              <a:t> </a:t>
-            </a:r>
-            <a:r>
-              <a:rPr lang="de-CH" dirty="0" err="1"/>
-              <a:t>model</a:t>
-            </a:r>
-            <a:r>
-              <a:rPr lang="de-CH" dirty="0"/>
-              <a:t> </a:t>
-            </a:r>
-            <a:r>
-              <a:rPr lang="de-CH" dirty="0" err="1"/>
-              <a:t>the</a:t>
-            </a:r>
-            <a:r>
-              <a:rPr lang="de-CH" dirty="0"/>
-              <a:t> </a:t>
-            </a:r>
-            <a:r>
-              <a:rPr lang="de-CH" dirty="0" err="1"/>
-              <a:t>core</a:t>
-            </a:r>
-            <a:r>
-              <a:rPr lang="de-CH" dirty="0"/>
-              <a:t> variables, CHEK ACC, DURATION, HISTORY AMOUNT </a:t>
-            </a:r>
-            <a:r>
-              <a:rPr lang="de-CH" dirty="0" err="1"/>
-              <a:t>and</a:t>
-            </a:r>
-            <a:r>
-              <a:rPr lang="de-CH" dirty="0"/>
-              <a:t> SAVE ACCOUNT </a:t>
-            </a:r>
-            <a:r>
-              <a:rPr lang="de-CH" dirty="0" err="1"/>
-              <a:t>stays</a:t>
-            </a:r>
-            <a:r>
-              <a:rPr lang="de-CH" dirty="0"/>
-              <a:t> </a:t>
-            </a:r>
-            <a:r>
-              <a:rPr lang="de-CH" dirty="0" err="1"/>
-              <a:t>the</a:t>
-            </a:r>
-            <a:r>
-              <a:rPr lang="de-CH" dirty="0"/>
-              <a:t> same, </a:t>
-            </a:r>
-            <a:r>
-              <a:rPr lang="de-CH" dirty="0" err="1"/>
-              <a:t>giving</a:t>
-            </a:r>
-            <a:r>
-              <a:rPr lang="de-CH" dirty="0"/>
-              <a:t> </a:t>
-            </a:r>
-            <a:r>
-              <a:rPr lang="de-CH" dirty="0" err="1"/>
-              <a:t>us</a:t>
-            </a:r>
-            <a:r>
-              <a:rPr lang="de-CH" dirty="0"/>
-              <a:t> </a:t>
-            </a:r>
-            <a:r>
-              <a:rPr lang="de-CH" dirty="0" err="1"/>
-              <a:t>robustness</a:t>
-            </a:r>
-            <a:r>
-              <a:rPr lang="de-CH" dirty="0"/>
-              <a:t> </a:t>
-            </a:r>
-            <a:r>
-              <a:rPr lang="de-CH" dirty="0" err="1"/>
-              <a:t>or</a:t>
-            </a:r>
-            <a:r>
-              <a:rPr lang="de-CH" dirty="0"/>
-              <a:t> </a:t>
-            </a:r>
-            <a:r>
-              <a:rPr lang="de-CH" dirty="0" err="1"/>
-              <a:t>both</a:t>
-            </a:r>
-            <a:r>
-              <a:rPr lang="de-CH" dirty="0"/>
-              <a:t> </a:t>
-            </a:r>
-            <a:r>
-              <a:rPr lang="de-CH" dirty="0" err="1"/>
-              <a:t>models</a:t>
-            </a:r>
-            <a:r>
-              <a:rPr lang="de-CH" dirty="0"/>
-              <a:t> </a:t>
-            </a:r>
-            <a:r>
-              <a:rPr lang="de-CH" dirty="0" err="1"/>
-              <a:t>and</a:t>
-            </a:r>
-            <a:r>
-              <a:rPr lang="de-CH" dirty="0"/>
-              <a:t> </a:t>
-            </a:r>
-            <a:r>
-              <a:rPr lang="de-CH" dirty="0" err="1"/>
-              <a:t>evidence</a:t>
-            </a:r>
-            <a:r>
-              <a:rPr lang="de-CH" dirty="0"/>
-              <a:t> </a:t>
-            </a:r>
-            <a:r>
-              <a:rPr lang="de-CH" dirty="0" err="1"/>
-              <a:t>that</a:t>
-            </a:r>
-            <a:r>
-              <a:rPr lang="de-CH" dirty="0"/>
-              <a:t> </a:t>
-            </a:r>
-            <a:r>
-              <a:rPr lang="de-CH" dirty="0" err="1"/>
-              <a:t>these</a:t>
-            </a:r>
-            <a:r>
-              <a:rPr lang="de-CH" dirty="0"/>
-              <a:t> </a:t>
-            </a:r>
-            <a:r>
-              <a:rPr lang="de-CH" dirty="0" err="1"/>
-              <a:t>are</a:t>
-            </a:r>
-            <a:r>
-              <a:rPr lang="de-CH" dirty="0"/>
-              <a:t> </a:t>
-            </a:r>
-            <a:r>
-              <a:rPr lang="de-CH" dirty="0" err="1"/>
-              <a:t>the</a:t>
-            </a:r>
-            <a:r>
-              <a:rPr lang="de-CH" dirty="0"/>
-              <a:t> </a:t>
-            </a:r>
-            <a:r>
-              <a:rPr lang="de-CH" dirty="0" err="1"/>
-              <a:t>most</a:t>
-            </a:r>
-            <a:r>
-              <a:rPr lang="de-CH" dirty="0"/>
-              <a:t> </a:t>
-            </a:r>
-            <a:r>
-              <a:rPr lang="de-CH" dirty="0" err="1"/>
-              <a:t>important</a:t>
-            </a:r>
-            <a:r>
-              <a:rPr lang="de-CH" dirty="0"/>
-              <a:t> variables </a:t>
-            </a:r>
-            <a:r>
-              <a:rPr lang="de-CH" dirty="0" err="1"/>
-              <a:t>to</a:t>
-            </a:r>
-            <a:r>
-              <a:rPr lang="de-CH" dirty="0"/>
-              <a:t> </a:t>
-            </a:r>
-            <a:r>
-              <a:rPr lang="de-CH" dirty="0" err="1"/>
-              <a:t>explain</a:t>
-            </a:r>
-            <a:r>
-              <a:rPr lang="de-CH" dirty="0"/>
-              <a:t> </a:t>
-            </a:r>
-            <a:r>
-              <a:rPr lang="de-CH" dirty="0" err="1"/>
-              <a:t>credit</a:t>
-            </a:r>
-            <a:r>
-              <a:rPr lang="de-CH" dirty="0"/>
-              <a:t> </a:t>
-            </a:r>
-            <a:r>
-              <a:rPr lang="de-CH" dirty="0" err="1"/>
-              <a:t>rating</a:t>
-            </a:r>
-            <a:r>
-              <a:rPr lang="de-CH" dirty="0"/>
-              <a:t> </a:t>
-            </a:r>
-            <a:r>
-              <a:rPr lang="de-CH" dirty="0" err="1"/>
-              <a:t>of</a:t>
-            </a:r>
-            <a:r>
-              <a:rPr lang="de-CH" dirty="0"/>
-              <a:t> a </a:t>
-            </a:r>
-            <a:r>
-              <a:rPr lang="de-CH" dirty="0" err="1"/>
-              <a:t>person</a:t>
-            </a:r>
-            <a:r>
-              <a:rPr lang="de-CH" dirty="0"/>
-              <a:t>.</a:t>
-            </a:r>
-          </a:p>
-          <a:p>
-            <a:endParaRPr lang="de-CH" dirty="0"/>
-          </a:p>
-          <a:p>
-            <a:endParaRPr lang="de-CH" dirty="0"/>
+              <a:t> a Person</a:t>
+            </a:r>
           </a:p>
         </p:txBody>
       </p:sp>
@@ -1745,459 +1531,6 @@
             <a:fld id="{56B4C143-3EED-4096-AFA5-55DE1A70944E}" type="slidenum">
               <a:rPr lang="de-CH" smtClean="0"/>
               <a:t>13</a:t>
-            </a:fld>
-            <a:endParaRPr lang="de-CH"/>
-          </a:p>
-        </p:txBody>
-      </p:sp>
-    </p:spTree>
-    <p:extLst>
-      <p:ext uri="{BB962C8B-B14F-4D97-AF65-F5344CB8AC3E}">
-        <p14:creationId xmlns:p14="http://schemas.microsoft.com/office/powerpoint/2010/main" val="2681681258"/>
-      </p:ext>
-    </p:extLst>
-  </p:cSld>
-  <p:clrMapOvr>
-    <a:masterClrMapping/>
-  </p:clrMapOvr>
-</p:notes>
-</file>
-
-<file path=ppt/notesSlides/notesSlide12.xml><?xml version="1.0" encoding="utf-8"?>
-<p:notes xmlns:a="http://schemas.openxmlformats.org/drawingml/2006/main" xmlns:r="http://schemas.openxmlformats.org/officeDocument/2006/relationships" xmlns:p="http://schemas.openxmlformats.org/presentationml/2006/main">
-  <p:cSld>
-    <p:spTree>
-      <p:nvGrpSpPr>
-        <p:cNvPr id="1" name=""/>
-        <p:cNvGrpSpPr/>
-        <p:nvPr/>
-      </p:nvGrpSpPr>
-      <p:grpSpPr>
-        <a:xfrm>
-          <a:off x="0" y="0"/>
-          <a:ext cx="0" cy="0"/>
-          <a:chOff x="0" y="0"/>
-          <a:chExt cx="0" cy="0"/>
-        </a:xfrm>
-      </p:grpSpPr>
-      <p:sp>
-        <p:nvSpPr>
-          <p:cNvPr id="2" name="Folienbildplatzhalter 1"/>
-          <p:cNvSpPr>
-            <a:spLocks noGrp="1" noRot="1" noChangeAspect="1"/>
-          </p:cNvSpPr>
-          <p:nvPr>
-            <p:ph type="sldImg"/>
-          </p:nvPr>
-        </p:nvSpPr>
-        <p:spPr/>
-      </p:sp>
-      <p:sp>
-        <p:nvSpPr>
-          <p:cNvPr id="3" name="Notizenplatzhalter 2"/>
-          <p:cNvSpPr>
-            <a:spLocks noGrp="1"/>
-          </p:cNvSpPr>
-          <p:nvPr>
-            <p:ph type="body" idx="1"/>
-          </p:nvPr>
-        </p:nvSpPr>
-        <p:spPr/>
-        <p:txBody>
-          <a:bodyPr/>
-          <a:lstStyle/>
-          <a:p>
-            <a:endParaRPr lang="de-CH" dirty="0"/>
-          </a:p>
-          <a:p>
-            <a:endParaRPr lang="de-CH" dirty="0"/>
-          </a:p>
-        </p:txBody>
-      </p:sp>
-      <p:sp>
-        <p:nvSpPr>
-          <p:cNvPr id="4" name="Foliennummernplatzhalter 3"/>
-          <p:cNvSpPr>
-            <a:spLocks noGrp="1"/>
-          </p:cNvSpPr>
-          <p:nvPr>
-            <p:ph type="sldNum" sz="quarter" idx="10"/>
-          </p:nvPr>
-        </p:nvSpPr>
-        <p:spPr/>
-        <p:txBody>
-          <a:bodyPr/>
-          <a:lstStyle/>
-          <a:p>
-            <a:fld id="{56B4C143-3EED-4096-AFA5-55DE1A70944E}" type="slidenum">
-              <a:rPr lang="de-CH" smtClean="0"/>
-              <a:t>14</a:t>
-            </a:fld>
-            <a:endParaRPr lang="de-CH"/>
-          </a:p>
-        </p:txBody>
-      </p:sp>
-    </p:spTree>
-    <p:extLst>
-      <p:ext uri="{BB962C8B-B14F-4D97-AF65-F5344CB8AC3E}">
-        <p14:creationId xmlns:p14="http://schemas.microsoft.com/office/powerpoint/2010/main" val="800877710"/>
-      </p:ext>
-    </p:extLst>
-  </p:cSld>
-  <p:clrMapOvr>
-    <a:masterClrMapping/>
-  </p:clrMapOvr>
-</p:notes>
-</file>
-
-<file path=ppt/notesSlides/notesSlide13.xml><?xml version="1.0" encoding="utf-8"?>
-<p:notes xmlns:a="http://schemas.openxmlformats.org/drawingml/2006/main" xmlns:r="http://schemas.openxmlformats.org/officeDocument/2006/relationships" xmlns:p="http://schemas.openxmlformats.org/presentationml/2006/main">
-  <p:cSld>
-    <p:spTree>
-      <p:nvGrpSpPr>
-        <p:cNvPr id="1" name=""/>
-        <p:cNvGrpSpPr/>
-        <p:nvPr/>
-      </p:nvGrpSpPr>
-      <p:grpSpPr>
-        <a:xfrm>
-          <a:off x="0" y="0"/>
-          <a:ext cx="0" cy="0"/>
-          <a:chOff x="0" y="0"/>
-          <a:chExt cx="0" cy="0"/>
-        </a:xfrm>
-      </p:grpSpPr>
-      <p:sp>
-        <p:nvSpPr>
-          <p:cNvPr id="2" name="Folienbildplatzhalter 1"/>
-          <p:cNvSpPr>
-            <a:spLocks noGrp="1" noRot="1" noChangeAspect="1"/>
-          </p:cNvSpPr>
-          <p:nvPr>
-            <p:ph type="sldImg"/>
-          </p:nvPr>
-        </p:nvSpPr>
-        <p:spPr/>
-      </p:sp>
-      <p:sp>
-        <p:nvSpPr>
-          <p:cNvPr id="3" name="Notizenplatzhalter 2"/>
-          <p:cNvSpPr>
-            <a:spLocks noGrp="1"/>
-          </p:cNvSpPr>
-          <p:nvPr>
-            <p:ph type="body" idx="1"/>
-          </p:nvPr>
-        </p:nvSpPr>
-        <p:spPr/>
-        <p:txBody>
-          <a:bodyPr/>
-          <a:lstStyle/>
-          <a:p>
-            <a:r>
-              <a:rPr lang="de-CH" dirty="0"/>
-              <a:t>So </a:t>
-            </a:r>
-            <a:r>
-              <a:rPr lang="de-CH" dirty="0" err="1"/>
-              <a:t>one</a:t>
-            </a:r>
-            <a:r>
-              <a:rPr lang="de-CH" dirty="0"/>
-              <a:t> </a:t>
-            </a:r>
-            <a:r>
-              <a:rPr lang="de-CH" dirty="0" err="1"/>
-              <a:t>should</a:t>
-            </a:r>
-            <a:r>
-              <a:rPr lang="de-CH" dirty="0"/>
-              <a:t> </a:t>
-            </a:r>
-            <a:r>
-              <a:rPr lang="de-CH" dirty="0" err="1"/>
-              <a:t>really</a:t>
-            </a:r>
-            <a:r>
-              <a:rPr lang="de-CH" dirty="0"/>
-              <a:t> </a:t>
-            </a:r>
-            <a:r>
-              <a:rPr lang="de-CH" dirty="0" err="1"/>
-              <a:t>emphasize</a:t>
-            </a:r>
-            <a:r>
-              <a:rPr lang="de-CH" dirty="0"/>
-              <a:t> on </a:t>
-            </a:r>
-            <a:r>
-              <a:rPr lang="de-CH" dirty="0" err="1"/>
-              <a:t>these</a:t>
-            </a:r>
-            <a:r>
-              <a:rPr lang="de-CH" dirty="0"/>
-              <a:t> </a:t>
-            </a:r>
-            <a:r>
-              <a:rPr lang="de-CH" dirty="0" err="1"/>
-              <a:t>few</a:t>
-            </a:r>
-            <a:r>
-              <a:rPr lang="de-CH" dirty="0"/>
-              <a:t> variables </a:t>
-            </a:r>
-            <a:r>
-              <a:rPr lang="de-CH" dirty="0" err="1"/>
-              <a:t>to</a:t>
-            </a:r>
-            <a:r>
-              <a:rPr lang="de-CH" dirty="0"/>
-              <a:t> find out </a:t>
-            </a:r>
-            <a:r>
-              <a:rPr lang="de-CH" dirty="0" err="1"/>
-              <a:t>if</a:t>
-            </a:r>
-            <a:r>
-              <a:rPr lang="de-CH" dirty="0"/>
-              <a:t> </a:t>
-            </a:r>
-            <a:r>
-              <a:rPr lang="de-CH" dirty="0" err="1"/>
-              <a:t>someone</a:t>
-            </a:r>
-            <a:r>
-              <a:rPr lang="de-CH" dirty="0"/>
-              <a:t> </a:t>
-            </a:r>
-            <a:r>
-              <a:rPr lang="de-CH" dirty="0" err="1"/>
-              <a:t>has</a:t>
-            </a:r>
-            <a:r>
-              <a:rPr lang="de-CH" dirty="0"/>
-              <a:t> a </a:t>
-            </a:r>
-            <a:r>
-              <a:rPr lang="de-CH" dirty="0" err="1"/>
-              <a:t>good</a:t>
-            </a:r>
-            <a:r>
-              <a:rPr lang="de-CH" dirty="0"/>
-              <a:t> </a:t>
-            </a:r>
-            <a:r>
-              <a:rPr lang="de-CH" dirty="0" err="1"/>
-              <a:t>credit</a:t>
-            </a:r>
-            <a:r>
-              <a:rPr lang="de-CH" dirty="0"/>
-              <a:t> </a:t>
-            </a:r>
-            <a:r>
-              <a:rPr lang="de-CH" dirty="0" err="1"/>
-              <a:t>rating</a:t>
-            </a:r>
-            <a:r>
-              <a:rPr lang="de-CH" dirty="0"/>
-              <a:t> </a:t>
-            </a:r>
-            <a:r>
-              <a:rPr lang="de-CH" dirty="0" err="1"/>
-              <a:t>or</a:t>
-            </a:r>
-            <a:r>
-              <a:rPr lang="de-CH" dirty="0"/>
-              <a:t> not</a:t>
-            </a:r>
-          </a:p>
-          <a:p>
-            <a:endParaRPr lang="de-CH" dirty="0"/>
-          </a:p>
-          <a:p>
-            <a:endParaRPr lang="de-CH" dirty="0"/>
-          </a:p>
-          <a:p>
-            <a:endParaRPr lang="de-CH" dirty="0"/>
-          </a:p>
-          <a:p>
-            <a:r>
-              <a:rPr lang="de-CH" dirty="0"/>
-              <a:t>I </a:t>
-            </a:r>
-            <a:r>
-              <a:rPr lang="de-CH" dirty="0" err="1"/>
-              <a:t>think</a:t>
-            </a:r>
-            <a:r>
-              <a:rPr lang="de-CH" dirty="0"/>
-              <a:t> </a:t>
-            </a:r>
-            <a:r>
-              <a:rPr lang="de-CH" dirty="0" err="1"/>
-              <a:t>these</a:t>
-            </a:r>
-            <a:r>
-              <a:rPr lang="de-CH" dirty="0"/>
-              <a:t> 3 variables </a:t>
-            </a:r>
-            <a:r>
-              <a:rPr lang="de-CH" dirty="0" err="1"/>
-              <a:t>chk_accdt</a:t>
-            </a:r>
-            <a:r>
-              <a:rPr lang="de-CH" dirty="0"/>
-              <a:t> </a:t>
-            </a:r>
-            <a:r>
-              <a:rPr lang="de-CH" dirty="0" err="1"/>
-              <a:t>duration</a:t>
-            </a:r>
-            <a:r>
-              <a:rPr lang="de-CH" dirty="0"/>
-              <a:t> </a:t>
-            </a:r>
-            <a:r>
-              <a:rPr lang="de-CH" dirty="0" err="1"/>
-              <a:t>and</a:t>
-            </a:r>
-            <a:r>
-              <a:rPr lang="de-CH" dirty="0"/>
-              <a:t> </a:t>
-            </a:r>
-            <a:r>
-              <a:rPr lang="de-CH" dirty="0" err="1"/>
-              <a:t>history</a:t>
-            </a:r>
-            <a:r>
-              <a:rPr lang="de-CH" dirty="0"/>
-              <a:t> </a:t>
-            </a:r>
-            <a:r>
-              <a:rPr lang="de-CH" dirty="0" err="1"/>
-              <a:t>suit</a:t>
-            </a:r>
-            <a:r>
-              <a:rPr lang="de-CH" dirty="0"/>
-              <a:t> </a:t>
-            </a:r>
-            <a:r>
-              <a:rPr lang="de-CH" dirty="0" err="1"/>
-              <a:t>quite</a:t>
-            </a:r>
-            <a:r>
-              <a:rPr lang="de-CH" dirty="0"/>
-              <a:t> </a:t>
-            </a:r>
-            <a:r>
-              <a:rPr lang="de-CH" dirty="0" err="1"/>
-              <a:t>well</a:t>
-            </a:r>
-            <a:r>
-              <a:rPr lang="de-CH" dirty="0"/>
-              <a:t> </a:t>
-            </a:r>
-            <a:r>
-              <a:rPr lang="de-CH" dirty="0" err="1"/>
-              <a:t>the</a:t>
-            </a:r>
-            <a:r>
-              <a:rPr lang="de-CH" dirty="0"/>
-              <a:t> intuitive </a:t>
-            </a:r>
-            <a:r>
-              <a:rPr lang="de-CH" dirty="0" err="1"/>
-              <a:t>theoretical</a:t>
-            </a:r>
-            <a:r>
-              <a:rPr lang="de-CH" dirty="0"/>
-              <a:t> </a:t>
-            </a:r>
-            <a:r>
-              <a:rPr lang="de-CH" dirty="0" err="1"/>
-              <a:t>assumptions</a:t>
-            </a:r>
-            <a:r>
-              <a:rPr lang="de-CH" dirty="0"/>
-              <a:t> </a:t>
-            </a:r>
-            <a:r>
-              <a:rPr lang="de-CH" dirty="0" err="1"/>
-              <a:t>about</a:t>
-            </a:r>
-            <a:r>
-              <a:rPr lang="de-CH" dirty="0"/>
-              <a:t> </a:t>
-            </a:r>
-            <a:r>
-              <a:rPr lang="de-CH" dirty="0" err="1"/>
-              <a:t>the</a:t>
-            </a:r>
-            <a:r>
-              <a:rPr lang="de-CH" dirty="0"/>
-              <a:t> </a:t>
-            </a:r>
-            <a:r>
-              <a:rPr lang="de-CH" dirty="0" err="1"/>
-              <a:t>impact</a:t>
-            </a:r>
-            <a:r>
-              <a:rPr lang="de-CH" dirty="0"/>
-              <a:t> on </a:t>
-            </a:r>
-            <a:r>
-              <a:rPr lang="de-CH" dirty="0" err="1"/>
-              <a:t>the</a:t>
-            </a:r>
-            <a:r>
-              <a:rPr lang="de-CH" dirty="0"/>
-              <a:t> </a:t>
-            </a:r>
-            <a:r>
-              <a:rPr lang="de-CH" dirty="0" err="1"/>
-              <a:t>credit</a:t>
-            </a:r>
-            <a:r>
-              <a:rPr lang="de-CH" dirty="0"/>
-              <a:t> </a:t>
-            </a:r>
-            <a:r>
-              <a:rPr lang="de-CH" dirty="0" err="1"/>
-              <a:t>rating</a:t>
-            </a:r>
-            <a:r>
-              <a:rPr lang="de-CH" dirty="0"/>
-              <a:t> </a:t>
-            </a:r>
-            <a:r>
-              <a:rPr lang="de-CH" dirty="0" err="1"/>
-              <a:t>of</a:t>
-            </a:r>
-            <a:r>
-              <a:rPr lang="de-CH" dirty="0"/>
-              <a:t> a Person</a:t>
-            </a:r>
-          </a:p>
-        </p:txBody>
-      </p:sp>
-      <p:sp>
-        <p:nvSpPr>
-          <p:cNvPr id="4" name="Foliennummernplatzhalter 3"/>
-          <p:cNvSpPr>
-            <a:spLocks noGrp="1"/>
-          </p:cNvSpPr>
-          <p:nvPr>
-            <p:ph type="sldNum" sz="quarter" idx="10"/>
-          </p:nvPr>
-        </p:nvSpPr>
-        <p:spPr/>
-        <p:txBody>
-          <a:bodyPr/>
-          <a:lstStyle/>
-          <a:p>
-            <a:fld id="{56B4C143-3EED-4096-AFA5-55DE1A70944E}" type="slidenum">
-              <a:rPr lang="de-CH" smtClean="0"/>
-              <a:t>16</a:t>
             </a:fld>
             <a:endParaRPr lang="de-CH"/>
           </a:p>
@@ -3428,7 +2761,481 @@
           <a:p>
             <a:r>
               <a:rPr lang="de-CH" dirty="0"/>
-              <a:t>So </a:t>
+              <a:t>The Random Forest </a:t>
+            </a:r>
+            <a:r>
+              <a:rPr lang="de-CH" dirty="0" err="1"/>
+              <a:t>supports</a:t>
+            </a:r>
+            <a:r>
+              <a:rPr lang="de-CH" dirty="0"/>
+              <a:t> </a:t>
+            </a:r>
+            <a:r>
+              <a:rPr lang="de-CH" dirty="0" err="1"/>
+              <a:t>our</a:t>
+            </a:r>
+            <a:r>
+              <a:rPr lang="de-CH" dirty="0"/>
+              <a:t> </a:t>
+            </a:r>
+            <a:r>
+              <a:rPr lang="de-CH" dirty="0" err="1"/>
+              <a:t>findings</a:t>
+            </a:r>
+            <a:r>
+              <a:rPr lang="de-CH" dirty="0"/>
+              <a:t> </a:t>
+            </a:r>
+            <a:r>
+              <a:rPr lang="de-CH" dirty="0" err="1"/>
+              <a:t>from</a:t>
+            </a:r>
+            <a:r>
+              <a:rPr lang="de-CH" dirty="0"/>
+              <a:t> </a:t>
+            </a:r>
+            <a:r>
+              <a:rPr lang="de-CH" dirty="0" err="1"/>
+              <a:t>the</a:t>
+            </a:r>
+            <a:r>
+              <a:rPr lang="de-CH" dirty="0"/>
+              <a:t> Classification </a:t>
+            </a:r>
+            <a:r>
+              <a:rPr lang="de-CH" dirty="0" err="1"/>
+              <a:t>Tree</a:t>
+            </a:r>
+            <a:r>
+              <a:rPr lang="de-CH" dirty="0"/>
+              <a:t> </a:t>
+            </a:r>
+            <a:r>
+              <a:rPr lang="de-CH" dirty="0" err="1"/>
+              <a:t>quite</a:t>
+            </a:r>
+            <a:r>
+              <a:rPr lang="de-CH" dirty="0"/>
+              <a:t> </a:t>
+            </a:r>
+            <a:r>
+              <a:rPr lang="de-CH" dirty="0" err="1"/>
+              <a:t>well</a:t>
+            </a:r>
+            <a:r>
+              <a:rPr lang="de-CH" dirty="0"/>
+              <a:t>. </a:t>
+            </a:r>
+            <a:r>
+              <a:rPr lang="de-CH" dirty="0" err="1"/>
+              <a:t>We</a:t>
+            </a:r>
+            <a:r>
+              <a:rPr lang="de-CH" dirty="0"/>
+              <a:t> </a:t>
+            </a:r>
+            <a:r>
+              <a:rPr lang="de-CH" dirty="0" err="1"/>
+              <a:t>can</a:t>
+            </a:r>
+            <a:r>
+              <a:rPr lang="de-CH" dirty="0"/>
+              <a:t> </a:t>
+            </a:r>
+            <a:r>
+              <a:rPr lang="de-CH" dirty="0" err="1"/>
+              <a:t>see</a:t>
+            </a:r>
+            <a:r>
+              <a:rPr lang="de-CH" dirty="0"/>
+              <a:t> </a:t>
+            </a:r>
+            <a:r>
+              <a:rPr lang="de-CH" dirty="0" err="1"/>
+              <a:t>that</a:t>
+            </a:r>
+            <a:r>
+              <a:rPr lang="de-CH" dirty="0"/>
+              <a:t> </a:t>
+            </a:r>
+            <a:r>
+              <a:rPr lang="de-CH" dirty="0" err="1"/>
+              <a:t>the</a:t>
+            </a:r>
+            <a:r>
+              <a:rPr lang="de-CH" dirty="0"/>
+              <a:t> same variables </a:t>
+            </a:r>
+            <a:r>
+              <a:rPr lang="de-CH" dirty="0" err="1"/>
+              <a:t>are</a:t>
+            </a:r>
+            <a:r>
+              <a:rPr lang="de-CH" dirty="0"/>
+              <a:t> </a:t>
+            </a:r>
+            <a:r>
+              <a:rPr lang="de-CH" dirty="0" err="1"/>
+              <a:t>important</a:t>
+            </a:r>
+            <a:endParaRPr lang="de-CH" dirty="0"/>
+          </a:p>
+          <a:p>
+            <a:r>
+              <a:rPr lang="de-CH" dirty="0" err="1"/>
+              <a:t>We</a:t>
+            </a:r>
+            <a:r>
+              <a:rPr lang="de-CH" dirty="0"/>
+              <a:t> </a:t>
+            </a:r>
+            <a:r>
+              <a:rPr lang="de-CH" dirty="0" err="1"/>
+              <a:t>can</a:t>
+            </a:r>
+            <a:r>
+              <a:rPr lang="de-CH" dirty="0"/>
+              <a:t> </a:t>
+            </a:r>
+            <a:r>
+              <a:rPr lang="de-CH" dirty="0" err="1"/>
+              <a:t>see</a:t>
+            </a:r>
+            <a:r>
+              <a:rPr lang="de-CH" dirty="0"/>
+              <a:t> </a:t>
+            </a:r>
+            <a:r>
+              <a:rPr lang="de-CH" dirty="0" err="1"/>
+              <a:t>by</a:t>
+            </a:r>
+            <a:r>
+              <a:rPr lang="de-CH" dirty="0"/>
+              <a:t> </a:t>
+            </a:r>
+            <a:r>
+              <a:rPr lang="de-CH" dirty="0" err="1"/>
+              <a:t>the</a:t>
+            </a:r>
+            <a:r>
+              <a:rPr lang="de-CH" dirty="0"/>
+              <a:t> </a:t>
+            </a:r>
+            <a:r>
+              <a:rPr lang="de-CH" dirty="0" err="1"/>
+              <a:t>left</a:t>
+            </a:r>
+            <a:r>
+              <a:rPr lang="de-CH" dirty="0"/>
+              <a:t> </a:t>
+            </a:r>
+            <a:r>
+              <a:rPr lang="de-CH" dirty="0" err="1"/>
+              <a:t>graph</a:t>
+            </a:r>
+            <a:r>
+              <a:rPr lang="de-CH" dirty="0"/>
+              <a:t>, </a:t>
+            </a:r>
+            <a:r>
+              <a:rPr lang="de-CH" dirty="0" err="1"/>
+              <a:t>that</a:t>
+            </a:r>
+            <a:r>
+              <a:rPr lang="de-CH" dirty="0"/>
+              <a:t> </a:t>
+            </a:r>
+            <a:r>
+              <a:rPr lang="de-CH" dirty="0" err="1"/>
+              <a:t>MeanDecrease</a:t>
+            </a:r>
+            <a:r>
+              <a:rPr lang="de-CH" dirty="0"/>
+              <a:t> </a:t>
+            </a:r>
+            <a:r>
+              <a:rPr lang="de-CH" dirty="0" err="1"/>
+              <a:t>Accuracy</a:t>
+            </a:r>
+            <a:r>
+              <a:rPr lang="de-CH" dirty="0"/>
+              <a:t> </a:t>
+            </a:r>
+            <a:r>
+              <a:rPr lang="de-CH" dirty="0" err="1"/>
+              <a:t>is</a:t>
+            </a:r>
+            <a:r>
+              <a:rPr lang="de-CH" dirty="0"/>
+              <a:t> </a:t>
+            </a:r>
+            <a:r>
+              <a:rPr lang="de-CH" dirty="0" err="1"/>
+              <a:t>forced</a:t>
+            </a:r>
+            <a:r>
+              <a:rPr lang="de-CH" dirty="0"/>
+              <a:t> </a:t>
+            </a:r>
+            <a:r>
+              <a:rPr lang="de-CH" dirty="0" err="1"/>
+              <a:t>mainly</a:t>
+            </a:r>
+            <a:r>
+              <a:rPr lang="de-CH" dirty="0"/>
+              <a:t> </a:t>
+            </a:r>
+            <a:r>
+              <a:rPr lang="de-CH" dirty="0" err="1"/>
+              <a:t>by</a:t>
+            </a:r>
+            <a:r>
+              <a:rPr lang="de-CH" dirty="0"/>
+              <a:t> </a:t>
+            </a:r>
+            <a:r>
+              <a:rPr lang="de-CH" dirty="0" err="1"/>
+              <a:t>the</a:t>
+            </a:r>
+            <a:r>
+              <a:rPr lang="de-CH" dirty="0"/>
+              <a:t> 3 dominant Variables in </a:t>
+            </a:r>
+            <a:r>
+              <a:rPr lang="de-CH" dirty="0" err="1"/>
+              <a:t>the</a:t>
+            </a:r>
+            <a:r>
+              <a:rPr lang="de-CH" dirty="0"/>
+              <a:t> CT </a:t>
+            </a:r>
+            <a:r>
+              <a:rPr lang="de-CH" dirty="0" err="1"/>
+              <a:t>model</a:t>
+            </a:r>
+            <a:r>
+              <a:rPr lang="de-CH" dirty="0"/>
+              <a:t>, CHK_ACCT, DURATION, </a:t>
+            </a:r>
+            <a:r>
+              <a:rPr lang="de-CH" dirty="0" err="1"/>
+              <a:t>and</a:t>
+            </a:r>
+            <a:r>
+              <a:rPr lang="de-CH" dirty="0"/>
+              <a:t> </a:t>
+            </a:r>
+            <a:r>
+              <a:rPr lang="de-CH" dirty="0" err="1"/>
+              <a:t>History</a:t>
+            </a:r>
+            <a:r>
+              <a:rPr lang="de-CH" dirty="0"/>
+              <a:t>. </a:t>
+            </a:r>
+            <a:r>
+              <a:rPr lang="de-CH" dirty="0" err="1"/>
+              <a:t>Again</a:t>
+            </a:r>
+            <a:r>
+              <a:rPr lang="de-CH" dirty="0"/>
+              <a:t> CHK_ACCT </a:t>
+            </a:r>
+            <a:r>
+              <a:rPr lang="de-CH" dirty="0" err="1"/>
+              <a:t>points</a:t>
+            </a:r>
+            <a:r>
+              <a:rPr lang="de-CH" dirty="0"/>
+              <a:t> out </a:t>
+            </a:r>
+            <a:r>
+              <a:rPr lang="de-CH" dirty="0" err="1"/>
+              <a:t>to</a:t>
+            </a:r>
+            <a:r>
+              <a:rPr lang="de-CH" dirty="0"/>
+              <a:t> </a:t>
+            </a:r>
+            <a:r>
+              <a:rPr lang="de-CH" dirty="0" err="1"/>
+              <a:t>be</a:t>
+            </a:r>
+            <a:r>
+              <a:rPr lang="de-CH" dirty="0"/>
+              <a:t> </a:t>
+            </a:r>
+            <a:r>
+              <a:rPr lang="de-CH" dirty="0" err="1"/>
+              <a:t>the</a:t>
+            </a:r>
+            <a:r>
+              <a:rPr lang="de-CH" dirty="0"/>
+              <a:t> </a:t>
+            </a:r>
+            <a:r>
+              <a:rPr lang="de-CH" dirty="0" err="1"/>
+              <a:t>most</a:t>
+            </a:r>
+            <a:r>
+              <a:rPr lang="de-CH" dirty="0"/>
+              <a:t> </a:t>
+            </a:r>
+            <a:r>
+              <a:rPr lang="de-CH" dirty="0" err="1"/>
+              <a:t>influential</a:t>
+            </a:r>
+            <a:r>
+              <a:rPr lang="de-CH" dirty="0"/>
+              <a:t> </a:t>
+            </a:r>
+            <a:r>
+              <a:rPr lang="de-CH" dirty="0" err="1"/>
+              <a:t>coviariate</a:t>
+            </a:r>
+            <a:r>
+              <a:rPr lang="de-CH" dirty="0"/>
+              <a:t> </a:t>
+            </a:r>
+            <a:r>
+              <a:rPr lang="de-CH" dirty="0" err="1"/>
+              <a:t>as</a:t>
+            </a:r>
+            <a:r>
+              <a:rPr lang="de-CH" dirty="0"/>
+              <a:t> </a:t>
+            </a:r>
+            <a:r>
+              <a:rPr lang="de-CH" dirty="0" err="1"/>
+              <a:t>it</a:t>
+            </a:r>
+            <a:r>
+              <a:rPr lang="de-CH" dirty="0"/>
+              <a:t> was </a:t>
+            </a:r>
+            <a:r>
+              <a:rPr lang="de-CH" dirty="0" err="1"/>
+              <a:t>before</a:t>
+            </a:r>
+            <a:r>
+              <a:rPr lang="de-CH" dirty="0"/>
+              <a:t> in </a:t>
+            </a:r>
+            <a:r>
+              <a:rPr lang="de-CH" dirty="0" err="1"/>
+              <a:t>the</a:t>
+            </a:r>
+            <a:r>
+              <a:rPr lang="de-CH" dirty="0"/>
+              <a:t> Classification </a:t>
+            </a:r>
+            <a:r>
+              <a:rPr lang="de-CH" dirty="0" err="1"/>
+              <a:t>tree</a:t>
+            </a:r>
+            <a:r>
+              <a:rPr lang="de-CH" dirty="0"/>
+              <a:t> </a:t>
+            </a:r>
+            <a:r>
+              <a:rPr lang="de-CH" dirty="0" err="1"/>
+              <a:t>as</a:t>
+            </a:r>
+            <a:r>
+              <a:rPr lang="de-CH" dirty="0"/>
+              <a:t> </a:t>
+            </a:r>
+            <a:r>
+              <a:rPr lang="de-CH" dirty="0" err="1"/>
+              <a:t>it</a:t>
+            </a:r>
+            <a:r>
+              <a:rPr lang="de-CH" dirty="0"/>
+              <a:t> </a:t>
+            </a:r>
+            <a:r>
+              <a:rPr lang="de-CH" dirty="0" err="1"/>
+              <a:t>represented</a:t>
+            </a:r>
+            <a:r>
+              <a:rPr lang="de-CH" dirty="0"/>
+              <a:t> </a:t>
+            </a:r>
+            <a:r>
+              <a:rPr lang="de-CH" dirty="0" err="1"/>
+              <a:t>the</a:t>
+            </a:r>
+            <a:r>
+              <a:rPr lang="de-CH" dirty="0"/>
+              <a:t> </a:t>
+            </a:r>
+            <a:r>
+              <a:rPr lang="de-CH" dirty="0" err="1"/>
+              <a:t>first</a:t>
+            </a:r>
+            <a:r>
+              <a:rPr lang="de-CH" dirty="0"/>
+              <a:t> </a:t>
+            </a:r>
+            <a:r>
+              <a:rPr lang="de-CH" dirty="0" err="1"/>
+              <a:t>node</a:t>
+            </a:r>
+            <a:r>
+              <a:rPr lang="de-CH" dirty="0"/>
+              <a:t>. </a:t>
+            </a:r>
+          </a:p>
+          <a:p>
+            <a:pPr marL="171450" indent="-171450">
+              <a:buFontTx/>
+              <a:buChar char="-"/>
+            </a:pPr>
+            <a:r>
+              <a:rPr lang="de-CH" dirty="0"/>
+              <a:t>CHK-ACCT, DURATION, HISTORY, AMOUNT, SAVE_ACCT</a:t>
+            </a:r>
+          </a:p>
+          <a:p>
+            <a:pPr marL="171450" indent="-171450">
+              <a:buFontTx/>
+              <a:buChar char="-"/>
+            </a:pPr>
+            <a:endParaRPr lang="de-CH" dirty="0"/>
+          </a:p>
+          <a:p>
+            <a:pPr marL="171450" indent="-171450">
+              <a:buFontTx/>
+              <a:buChar char="-"/>
+            </a:pPr>
+            <a:r>
+              <a:rPr lang="de-CH" dirty="0"/>
+              <a:t>By </a:t>
+            </a:r>
+            <a:r>
+              <a:rPr lang="de-CH" dirty="0" err="1"/>
+              <a:t>the</a:t>
+            </a:r>
+            <a:r>
+              <a:rPr lang="de-CH" dirty="0"/>
+              <a:t> </a:t>
+            </a:r>
+            <a:r>
+              <a:rPr lang="de-CH" dirty="0" err="1"/>
+              <a:t>right</a:t>
+            </a:r>
+            <a:r>
+              <a:rPr lang="de-CH" dirty="0"/>
+              <a:t> </a:t>
+            </a:r>
+            <a:r>
+              <a:rPr lang="de-CH" dirty="0" err="1"/>
+              <a:t>graph</a:t>
+            </a:r>
+            <a:r>
+              <a:rPr lang="de-CH" dirty="0"/>
+              <a:t> </a:t>
             </a:r>
             <a:r>
               <a:rPr lang="de-CH" dirty="0" err="1"/>
@@ -3448,7 +3255,63 @@
             </a:r>
             <a:r>
               <a:rPr lang="de-CH" dirty="0" err="1"/>
-              <a:t>very</a:t>
+              <a:t>see</a:t>
+            </a:r>
+            <a:r>
+              <a:rPr lang="de-CH" dirty="0"/>
+              <a:t> </a:t>
+            </a:r>
+            <a:r>
+              <a:rPr lang="de-CH" dirty="0" err="1"/>
+              <a:t>that</a:t>
+            </a:r>
+            <a:r>
+              <a:rPr lang="de-CH" dirty="0"/>
+              <a:t> Age </a:t>
+            </a:r>
+            <a:r>
+              <a:rPr lang="de-CH" dirty="0" err="1"/>
+              <a:t>and</a:t>
+            </a:r>
+            <a:r>
+              <a:rPr lang="de-CH" dirty="0"/>
+              <a:t> </a:t>
+            </a:r>
+            <a:r>
+              <a:rPr lang="de-CH" dirty="0" err="1"/>
+              <a:t>the</a:t>
+            </a:r>
+            <a:r>
+              <a:rPr lang="de-CH" dirty="0"/>
+              <a:t> </a:t>
+            </a:r>
+            <a:r>
+              <a:rPr lang="de-CH" dirty="0" err="1"/>
+              <a:t>employment</a:t>
+            </a:r>
+            <a:r>
+              <a:rPr lang="de-CH" dirty="0"/>
+              <a:t> </a:t>
+            </a:r>
+            <a:r>
+              <a:rPr lang="de-CH" dirty="0" err="1"/>
+              <a:t>affects</a:t>
+            </a:r>
+            <a:r>
+              <a:rPr lang="de-CH" dirty="0"/>
+              <a:t> </a:t>
+            </a:r>
+            <a:r>
+              <a:rPr lang="de-CH" dirty="0" err="1"/>
+              <a:t>the</a:t>
+            </a:r>
+            <a:r>
+              <a:rPr lang="de-CH" dirty="0"/>
+              <a:t> RESPONSE variable </a:t>
+            </a:r>
+            <a:r>
+              <a:rPr lang="de-CH" dirty="0" err="1"/>
+              <a:t>as</a:t>
             </a:r>
             <a:r>
               <a:rPr lang="de-CH" dirty="0"/>
@@ -3460,23 +3323,183 @@
             </a:r>
             <a:r>
               <a:rPr lang="de-CH" dirty="0"/>
-              <a:t> </a:t>
-            </a:r>
-            <a:r>
-              <a:rPr lang="de-CH" dirty="0" err="1"/>
-              <a:t>distinguish</a:t>
-            </a:r>
-            <a:r>
-              <a:rPr lang="de-CH" dirty="0"/>
-              <a:t> </a:t>
-            </a:r>
-            <a:r>
-              <a:rPr lang="de-CH" dirty="0" err="1"/>
-              <a:t>true</a:t>
-            </a:r>
-            <a:r>
-              <a:rPr lang="de-CH" dirty="0"/>
-              <a:t> positives </a:t>
+              <a:t>. So </a:t>
+            </a:r>
+            <a:r>
+              <a:rPr lang="de-CH" dirty="0" err="1"/>
+              <a:t>the</a:t>
+            </a:r>
+            <a:r>
+              <a:rPr lang="de-CH" dirty="0"/>
+              <a:t> RF </a:t>
+            </a:r>
+            <a:r>
+              <a:rPr lang="de-CH" dirty="0" err="1"/>
+              <a:t>weights</a:t>
+            </a:r>
+            <a:r>
+              <a:rPr lang="de-CH" dirty="0"/>
+              <a:t> </a:t>
+            </a:r>
+            <a:r>
+              <a:rPr lang="de-CH" dirty="0" err="1"/>
+              <a:t>the</a:t>
+            </a:r>
+            <a:r>
+              <a:rPr lang="de-CH" dirty="0"/>
+              <a:t> </a:t>
+            </a:r>
+            <a:r>
+              <a:rPr lang="de-CH" dirty="0" err="1"/>
+              <a:t>importance</a:t>
+            </a:r>
+            <a:r>
+              <a:rPr lang="de-CH" dirty="0"/>
+              <a:t> </a:t>
+            </a:r>
+            <a:r>
+              <a:rPr lang="de-CH" dirty="0" err="1"/>
+              <a:t>of</a:t>
+            </a:r>
+            <a:r>
+              <a:rPr lang="de-CH" dirty="0"/>
+              <a:t> </a:t>
+            </a:r>
+            <a:r>
+              <a:rPr lang="de-CH" dirty="0" err="1"/>
+              <a:t>these</a:t>
+            </a:r>
+            <a:r>
+              <a:rPr lang="de-CH" dirty="0"/>
+              <a:t> </a:t>
+            </a:r>
+            <a:r>
+              <a:rPr lang="de-CH" dirty="0" err="1"/>
+              <a:t>two</a:t>
+            </a:r>
+            <a:r>
+              <a:rPr lang="de-CH" dirty="0"/>
+              <a:t> variables a </a:t>
+            </a:r>
+            <a:r>
+              <a:rPr lang="de-CH" dirty="0" err="1"/>
+              <a:t>bit</a:t>
+            </a:r>
+            <a:r>
+              <a:rPr lang="de-CH" dirty="0"/>
+              <a:t> </a:t>
+            </a:r>
+            <a:r>
+              <a:rPr lang="de-CH" dirty="0" err="1"/>
+              <a:t>higher</a:t>
+            </a:r>
+            <a:r>
+              <a:rPr lang="de-CH" dirty="0"/>
+              <a:t>, </a:t>
+            </a:r>
+            <a:r>
+              <a:rPr lang="de-CH" dirty="0" err="1"/>
+              <a:t>otherwise</a:t>
+            </a:r>
+            <a:r>
+              <a:rPr lang="de-CH" dirty="0"/>
+              <a:t> </a:t>
+            </a:r>
+            <a:r>
+              <a:rPr lang="de-CH" dirty="0" err="1"/>
+              <a:t>for</a:t>
+            </a:r>
+            <a:r>
+              <a:rPr lang="de-CH" dirty="0"/>
+              <a:t> </a:t>
+            </a:r>
+            <a:r>
+              <a:rPr lang="de-CH" dirty="0" err="1"/>
+              <a:t>the</a:t>
+            </a:r>
+            <a:r>
+              <a:rPr lang="de-CH" dirty="0"/>
+              <a:t> </a:t>
+            </a:r>
+            <a:r>
+              <a:rPr lang="de-CH" dirty="0" err="1"/>
+              <a:t>classification</a:t>
+            </a:r>
+            <a:r>
+              <a:rPr lang="de-CH" dirty="0"/>
+              <a:t> </a:t>
+            </a:r>
+            <a:r>
+              <a:rPr lang="de-CH" dirty="0" err="1"/>
+              <a:t>the</a:t>
+            </a:r>
+            <a:r>
+              <a:rPr lang="de-CH" dirty="0"/>
+              <a:t> </a:t>
+            </a:r>
+            <a:r>
+              <a:rPr lang="de-CH" dirty="0" err="1"/>
+              <a:t>used</a:t>
+            </a:r>
+            <a:r>
+              <a:rPr lang="de-CH" dirty="0"/>
+              <a:t> Car variable was </a:t>
+            </a:r>
+            <a:r>
+              <a:rPr lang="de-CH" dirty="0" err="1"/>
+              <a:t>quite</a:t>
+            </a:r>
+            <a:r>
+              <a:rPr lang="de-CH" dirty="0"/>
+              <a:t> </a:t>
+            </a:r>
+            <a:r>
+              <a:rPr lang="de-CH" dirty="0" err="1"/>
+              <a:t>important</a:t>
+            </a:r>
+            <a:r>
+              <a:rPr lang="de-CH" dirty="0"/>
+              <a:t>. But </a:t>
+            </a:r>
+            <a:r>
+              <a:rPr lang="de-CH" dirty="0" err="1"/>
+              <a:t>for</a:t>
+            </a:r>
+            <a:r>
+              <a:rPr lang="de-CH" dirty="0"/>
+              <a:t> </a:t>
+            </a:r>
+            <a:r>
+              <a:rPr lang="de-CH" dirty="0" err="1"/>
+              <a:t>both</a:t>
+            </a:r>
+            <a:r>
+              <a:rPr lang="de-CH" dirty="0"/>
+              <a:t> </a:t>
+            </a:r>
+            <a:r>
+              <a:rPr lang="de-CH" dirty="0" err="1"/>
+              <a:t>model</a:t>
+            </a:r>
+            <a:r>
+              <a:rPr lang="de-CH" dirty="0"/>
+              <a:t> </a:t>
+            </a:r>
+            <a:r>
+              <a:rPr lang="de-CH" dirty="0" err="1"/>
+              <a:t>the</a:t>
+            </a:r>
+            <a:r>
+              <a:rPr lang="de-CH" dirty="0"/>
+              <a:t> </a:t>
+            </a:r>
+            <a:r>
+              <a:rPr lang="de-CH" dirty="0" err="1"/>
+              <a:t>core</a:t>
+            </a:r>
+            <a:r>
+              <a:rPr lang="de-CH" dirty="0"/>
+              <a:t> variables, CHEK ACC, DURATION, HISTORY AMOUNT </a:t>
             </a:r>
             <a:r>
               <a:rPr lang="de-CH" dirty="0" err="1"/>
@@ -3484,16 +3507,190 @@
             </a:r>
             <a:r>
               <a:rPr lang="de-CH" dirty="0"/>
-              <a:t> </a:t>
-            </a:r>
-            <a:r>
-              <a:rPr lang="de-CH" dirty="0" err="1"/>
-              <a:t>false</a:t>
-            </a:r>
-            <a:r>
-              <a:rPr lang="de-CH" dirty="0"/>
-              <a:t> negatives</a:t>
-            </a:r>
+              <a:t> SAVE ACCOUNT </a:t>
+            </a:r>
+            <a:r>
+              <a:rPr lang="de-CH" dirty="0" err="1"/>
+              <a:t>stays</a:t>
+            </a:r>
+            <a:r>
+              <a:rPr lang="de-CH" dirty="0"/>
+              <a:t> </a:t>
+            </a:r>
+            <a:r>
+              <a:rPr lang="de-CH" dirty="0" err="1"/>
+              <a:t>the</a:t>
+            </a:r>
+            <a:r>
+              <a:rPr lang="de-CH" dirty="0"/>
+              <a:t> same, </a:t>
+            </a:r>
+            <a:r>
+              <a:rPr lang="de-CH" dirty="0" err="1"/>
+              <a:t>giving</a:t>
+            </a:r>
+            <a:r>
+              <a:rPr lang="de-CH" dirty="0"/>
+              <a:t> </a:t>
+            </a:r>
+            <a:r>
+              <a:rPr lang="de-CH" dirty="0" err="1"/>
+              <a:t>us</a:t>
+            </a:r>
+            <a:r>
+              <a:rPr lang="de-CH" dirty="0"/>
+              <a:t> </a:t>
+            </a:r>
+            <a:r>
+              <a:rPr lang="de-CH" dirty="0" err="1"/>
+              <a:t>robustness</a:t>
+            </a:r>
+            <a:r>
+              <a:rPr lang="de-CH" dirty="0"/>
+              <a:t> </a:t>
+            </a:r>
+            <a:r>
+              <a:rPr lang="de-CH" dirty="0" err="1"/>
+              <a:t>or</a:t>
+            </a:r>
+            <a:r>
+              <a:rPr lang="de-CH" dirty="0"/>
+              <a:t> </a:t>
+            </a:r>
+            <a:r>
+              <a:rPr lang="de-CH" dirty="0" err="1"/>
+              <a:t>both</a:t>
+            </a:r>
+            <a:r>
+              <a:rPr lang="de-CH" dirty="0"/>
+              <a:t> </a:t>
+            </a:r>
+            <a:r>
+              <a:rPr lang="de-CH" dirty="0" err="1"/>
+              <a:t>models</a:t>
+            </a:r>
+            <a:r>
+              <a:rPr lang="de-CH" dirty="0"/>
+              <a:t> </a:t>
+            </a:r>
+            <a:r>
+              <a:rPr lang="de-CH" dirty="0" err="1"/>
+              <a:t>and</a:t>
+            </a:r>
+            <a:r>
+              <a:rPr lang="de-CH" dirty="0"/>
+              <a:t> </a:t>
+            </a:r>
+            <a:r>
+              <a:rPr lang="de-CH" dirty="0" err="1"/>
+              <a:t>evidence</a:t>
+            </a:r>
+            <a:r>
+              <a:rPr lang="de-CH" dirty="0"/>
+              <a:t> </a:t>
+            </a:r>
+            <a:r>
+              <a:rPr lang="de-CH" dirty="0" err="1"/>
+              <a:t>that</a:t>
+            </a:r>
+            <a:r>
+              <a:rPr lang="de-CH" dirty="0"/>
+              <a:t> </a:t>
+            </a:r>
+            <a:r>
+              <a:rPr lang="de-CH" dirty="0" err="1"/>
+              <a:t>these</a:t>
+            </a:r>
+            <a:r>
+              <a:rPr lang="de-CH" dirty="0"/>
+              <a:t> </a:t>
+            </a:r>
+            <a:r>
+              <a:rPr lang="de-CH" dirty="0" err="1"/>
+              <a:t>are</a:t>
+            </a:r>
+            <a:r>
+              <a:rPr lang="de-CH" dirty="0"/>
+              <a:t> </a:t>
+            </a:r>
+            <a:r>
+              <a:rPr lang="de-CH" dirty="0" err="1"/>
+              <a:t>the</a:t>
+            </a:r>
+            <a:r>
+              <a:rPr lang="de-CH" dirty="0"/>
+              <a:t> </a:t>
+            </a:r>
+            <a:r>
+              <a:rPr lang="de-CH" dirty="0" err="1"/>
+              <a:t>most</a:t>
+            </a:r>
+            <a:r>
+              <a:rPr lang="de-CH" dirty="0"/>
+              <a:t> </a:t>
+            </a:r>
+            <a:r>
+              <a:rPr lang="de-CH" dirty="0" err="1"/>
+              <a:t>important</a:t>
+            </a:r>
+            <a:r>
+              <a:rPr lang="de-CH" dirty="0"/>
+              <a:t> variables </a:t>
+            </a:r>
+            <a:r>
+              <a:rPr lang="de-CH" dirty="0" err="1"/>
+              <a:t>to</a:t>
+            </a:r>
+            <a:r>
+              <a:rPr lang="de-CH" dirty="0"/>
+              <a:t> </a:t>
+            </a:r>
+            <a:r>
+              <a:rPr lang="de-CH" dirty="0" err="1"/>
+              <a:t>explain</a:t>
+            </a:r>
+            <a:r>
+              <a:rPr lang="de-CH" dirty="0"/>
+              <a:t> </a:t>
+            </a:r>
+            <a:r>
+              <a:rPr lang="de-CH" dirty="0" err="1"/>
+              <a:t>credit</a:t>
+            </a:r>
+            <a:r>
+              <a:rPr lang="de-CH" dirty="0"/>
+              <a:t> </a:t>
+            </a:r>
+            <a:r>
+              <a:rPr lang="de-CH" dirty="0" err="1"/>
+              <a:t>rating</a:t>
+            </a:r>
+            <a:r>
+              <a:rPr lang="de-CH" dirty="0"/>
+              <a:t> </a:t>
+            </a:r>
+            <a:r>
+              <a:rPr lang="de-CH" dirty="0" err="1"/>
+              <a:t>of</a:t>
+            </a:r>
+            <a:r>
+              <a:rPr lang="de-CH" dirty="0"/>
+              <a:t> a </a:t>
+            </a:r>
+            <a:r>
+              <a:rPr lang="de-CH" dirty="0" err="1"/>
+              <a:t>person</a:t>
+            </a:r>
+            <a:r>
+              <a:rPr lang="de-CH" dirty="0"/>
+              <a:t>.</a:t>
+            </a:r>
+          </a:p>
+          <a:p>
+            <a:endParaRPr lang="de-CH" dirty="0"/>
+          </a:p>
+          <a:p>
+            <a:endParaRPr lang="de-CH" dirty="0"/>
           </a:p>
         </p:txBody>
       </p:sp>
@@ -3523,7 +3720,7 @@
     </p:spTree>
     <p:extLst>
       <p:ext uri="{BB962C8B-B14F-4D97-AF65-F5344CB8AC3E}">
-        <p14:creationId xmlns:p14="http://schemas.microsoft.com/office/powerpoint/2010/main" val="3590793876"/>
+        <p14:creationId xmlns:p14="http://schemas.microsoft.com/office/powerpoint/2010/main" val="2681681258"/>
       </p:ext>
     </p:extLst>
   </p:cSld>
@@ -9485,28 +9682,22 @@
       </p:grpSpPr>
       <p:pic>
         <p:nvPicPr>
-          <p:cNvPr id="7" name="Grafik 6"/>
+          <p:cNvPr id="18" name="Grafik 17"/>
           <p:cNvPicPr>
             <a:picLocks noChangeAspect="1"/>
           </p:cNvPicPr>
           <p:nvPr/>
         </p:nvPicPr>
         <p:blipFill>
-          <a:blip r:embed="rId3">
-            <a:extLst>
-              <a:ext uri="{28A0092B-C50C-407E-A947-70E740481C1C}">
-                <a14:useLocalDpi xmlns:a14="http://schemas.microsoft.com/office/drawing/2010/main" val="0"/>
-              </a:ext>
-            </a:extLst>
-          </a:blip>
+          <a:blip r:embed="rId3"/>
           <a:stretch>
             <a:fillRect/>
           </a:stretch>
         </p:blipFill>
         <p:spPr>
           <a:xfrm>
-            <a:off x="1460416" y="1690688"/>
-            <a:ext cx="6553284" cy="3234811"/>
+            <a:off x="1920240" y="1310640"/>
+            <a:ext cx="5090160" cy="5547360"/>
           </a:xfrm>
           <a:prstGeom prst="rect">
             <a:avLst/>
@@ -9526,22 +9717,13 @@
         <p:spPr/>
         <p:txBody>
           <a:bodyPr>
-            <a:normAutofit fontScale="90000"/>
+            <a:normAutofit/>
           </a:bodyPr>
           <a:lstStyle/>
           <a:p>
-            <a:br>
-              <a:rPr lang="de-CH" dirty="0"/>
-            </a:br>
-            <a:br>
-              <a:rPr lang="de-CH" dirty="0"/>
-            </a:br>
-            <a:br>
-              <a:rPr lang="de-CH" dirty="0"/>
-            </a:br>
-            <a:r>
-              <a:rPr lang="de-CH" dirty="0" err="1"/>
-              <a:t>IIIa</a:t>
+            <a:r>
+              <a:rPr lang="de-CH" dirty="0" err="1"/>
+              <a:t>IIIb</a:t>
             </a:r>
             <a:r>
               <a:rPr lang="de-CH" dirty="0"/>
@@ -9553,33 +9735,8 @@
             </a:r>
             <a:r>
               <a:rPr lang="de-CH" dirty="0"/>
-              <a:t>: Classification </a:t>
-            </a:r>
-            <a:r>
-              <a:rPr lang="de-CH" dirty="0" err="1"/>
-              <a:t>Tree</a:t>
-            </a:r>
-            <a:br>
-              <a:rPr lang="de-CH" dirty="0"/>
-            </a:br>
-            <a:r>
-              <a:rPr lang="de-CH" dirty="0" err="1"/>
-              <a:t>Prediction</a:t>
-            </a:r>
-            <a:r>
-              <a:rPr lang="de-CH" dirty="0"/>
-              <a:t> Performance</a:t>
-            </a:r>
-            <a:br>
-              <a:rPr lang="de-CH" dirty="0"/>
-            </a:br>
-            <a:r>
-              <a:rPr lang="de-CH" dirty="0"/>
-              <a:t>	</a:t>
-            </a:r>
-            <a:br>
-              <a:rPr lang="de-CH" dirty="0"/>
-            </a:br>
+              <a:t>: Random Forest</a:t>
+            </a:r>
             <a:br>
               <a:rPr lang="de-CH" dirty="0"/>
             </a:br>
@@ -9589,7 +9746,7 @@
       </p:sp>
       <p:sp>
         <p:nvSpPr>
-          <p:cNvPr id="5" name="Inhaltsplatzhalter 4"/>
+          <p:cNvPr id="19" name="Inhaltsplatzhalter 7"/>
           <p:cNvSpPr>
             <a:spLocks noGrp="1"/>
           </p:cNvSpPr>
@@ -9599,277 +9756,27 @@
         </p:nvSpPr>
         <p:spPr>
           <a:xfrm>
-            <a:off x="584200" y="2133600"/>
-            <a:ext cx="10769600" cy="4622799"/>
+            <a:off x="677334" y="1691639"/>
+            <a:ext cx="8596668" cy="3880773"/>
           </a:xfrm>
         </p:spPr>
         <p:txBody>
           <a:bodyPr>
-            <a:normAutofit lnSpcReduction="10000"/>
+            <a:normAutofit/>
           </a:bodyPr>
           <a:lstStyle/>
           <a:p>
-            <a:endParaRPr lang="de-CH" dirty="0"/>
-          </a:p>
-          <a:p>
-            <a:endParaRPr lang="de-CH" dirty="0"/>
-          </a:p>
-          <a:p>
-            <a:endParaRPr lang="de-CH" dirty="0"/>
-          </a:p>
-          <a:p>
-            <a:endParaRPr lang="de-CH" dirty="0"/>
-          </a:p>
-          <a:p>
-            <a:endParaRPr lang="de-CH" dirty="0"/>
-          </a:p>
-          <a:p>
-            <a:endParaRPr lang="de-CH" dirty="0"/>
-          </a:p>
-          <a:p>
-            <a:endParaRPr lang="de-CH" dirty="0"/>
-          </a:p>
-          <a:p>
-            <a:endParaRPr lang="de-CH" dirty="0"/>
-          </a:p>
-          <a:p>
-            <a:r>
-              <a:rPr lang="de-CH" dirty="0"/>
-              <a:t>True negative rate: 137/300 -&gt; 45,7%</a:t>
-            </a:r>
-          </a:p>
-          <a:p>
-            <a:r>
-              <a:rPr lang="de-CH" dirty="0"/>
-              <a:t>True positive rate: 636/700 -&gt; 90,9%</a:t>
-            </a:r>
-          </a:p>
-          <a:p>
-            <a:r>
-              <a:rPr lang="de-CH" dirty="0"/>
-              <a:t>-&gt; </a:t>
-            </a:r>
-            <a:r>
-              <a:rPr lang="de-CH" dirty="0" err="1"/>
-              <a:t>Conclusion</a:t>
-            </a:r>
-            <a:r>
-              <a:rPr lang="de-CH" dirty="0"/>
-              <a:t>: CT </a:t>
-            </a:r>
-            <a:r>
-              <a:rPr lang="de-CH" dirty="0" err="1"/>
-              <a:t>Tree</a:t>
-            </a:r>
-            <a:r>
-              <a:rPr lang="de-CH" dirty="0"/>
-              <a:t>, </a:t>
-            </a:r>
-            <a:r>
-              <a:rPr lang="de-CH" dirty="0" err="1"/>
-              <a:t>besides</a:t>
-            </a:r>
-            <a:r>
-              <a:rPr lang="de-CH" dirty="0"/>
-              <a:t> </a:t>
-            </a:r>
-            <a:r>
-              <a:rPr lang="de-CH" dirty="0" err="1"/>
-              <a:t>its</a:t>
-            </a:r>
-            <a:r>
-              <a:rPr lang="de-CH" dirty="0"/>
-              <a:t> </a:t>
-            </a:r>
-            <a:r>
-              <a:rPr lang="de-CH" dirty="0" err="1"/>
-              <a:t>instability</a:t>
-            </a:r>
-            <a:r>
-              <a:rPr lang="de-CH" dirty="0"/>
-              <a:t>, </a:t>
-            </a:r>
-            <a:r>
-              <a:rPr lang="de-CH" dirty="0" err="1"/>
-              <a:t>is</a:t>
-            </a:r>
-            <a:r>
-              <a:rPr lang="de-CH" dirty="0"/>
-              <a:t> </a:t>
-            </a:r>
-            <a:r>
-              <a:rPr lang="de-CH" dirty="0" err="1"/>
-              <a:t>very</a:t>
-            </a:r>
-            <a:r>
-              <a:rPr lang="de-CH" dirty="0"/>
-              <a:t> </a:t>
-            </a:r>
-            <a:r>
-              <a:rPr lang="de-CH" dirty="0" err="1"/>
-              <a:t>good</a:t>
-            </a:r>
-            <a:r>
-              <a:rPr lang="de-CH" dirty="0"/>
-              <a:t> at </a:t>
-            </a:r>
-            <a:r>
-              <a:rPr lang="de-CH" dirty="0" err="1"/>
-              <a:t>which</a:t>
-            </a:r>
-            <a:r>
-              <a:rPr lang="de-CH" dirty="0"/>
-              <a:t> </a:t>
-            </a:r>
-            <a:r>
-              <a:rPr lang="de-CH" dirty="0" err="1"/>
-              <a:t>person</a:t>
-            </a:r>
-            <a:r>
-              <a:rPr lang="de-CH" dirty="0"/>
-              <a:t> </a:t>
-            </a:r>
-            <a:r>
-              <a:rPr lang="de-CH" dirty="0" err="1"/>
-              <a:t>got</a:t>
-            </a:r>
-            <a:r>
-              <a:rPr lang="de-CH" dirty="0"/>
-              <a:t> a </a:t>
-            </a:r>
-            <a:r>
-              <a:rPr lang="de-CH" dirty="0" err="1"/>
-              <a:t>good</a:t>
-            </a:r>
-            <a:r>
-              <a:rPr lang="de-CH" dirty="0"/>
-              <a:t> </a:t>
-            </a:r>
-            <a:r>
-              <a:rPr lang="de-CH" dirty="0" err="1"/>
-              <a:t>credit</a:t>
-            </a:r>
-            <a:r>
-              <a:rPr lang="de-CH" dirty="0"/>
-              <a:t> </a:t>
-            </a:r>
-            <a:r>
-              <a:rPr lang="de-CH" dirty="0" err="1"/>
-              <a:t>rating</a:t>
-            </a:r>
-            <a:r>
-              <a:rPr lang="de-CH" dirty="0"/>
-              <a:t>, but </a:t>
-            </a:r>
-            <a:r>
-              <a:rPr lang="de-CH" dirty="0" err="1"/>
-              <a:t>it’s</a:t>
-            </a:r>
-            <a:r>
-              <a:rPr lang="de-CH" dirty="0"/>
-              <a:t> not </a:t>
-            </a:r>
-            <a:r>
-              <a:rPr lang="de-CH" dirty="0" err="1"/>
-              <a:t>very</a:t>
-            </a:r>
-            <a:r>
-              <a:rPr lang="de-CH" dirty="0"/>
-              <a:t> </a:t>
-            </a:r>
-            <a:r>
-              <a:rPr lang="de-CH" dirty="0" err="1"/>
-              <a:t>good</a:t>
-            </a:r>
-            <a:r>
-              <a:rPr lang="de-CH" dirty="0"/>
-              <a:t> at </a:t>
-            </a:r>
-            <a:r>
-              <a:rPr lang="de-CH" dirty="0" err="1"/>
-              <a:t>predicting</a:t>
-            </a:r>
-            <a:r>
-              <a:rPr lang="de-CH" dirty="0"/>
-              <a:t> </a:t>
-            </a:r>
-            <a:r>
-              <a:rPr lang="de-CH" dirty="0" err="1"/>
-              <a:t>which</a:t>
-            </a:r>
-            <a:r>
-              <a:rPr lang="de-CH" dirty="0"/>
-              <a:t> </a:t>
-            </a:r>
-            <a:r>
-              <a:rPr lang="de-CH" dirty="0" err="1"/>
-              <a:t>one</a:t>
-            </a:r>
-            <a:r>
-              <a:rPr lang="de-CH" dirty="0"/>
-              <a:t> </a:t>
-            </a:r>
-            <a:r>
-              <a:rPr lang="de-CH" dirty="0" err="1"/>
-              <a:t>got</a:t>
-            </a:r>
-            <a:r>
-              <a:rPr lang="de-CH" dirty="0"/>
-              <a:t> a </a:t>
-            </a:r>
-            <a:r>
-              <a:rPr lang="de-CH" dirty="0" err="1"/>
-              <a:t>bad</a:t>
-            </a:r>
-            <a:r>
-              <a:rPr lang="de-CH" dirty="0"/>
-              <a:t> </a:t>
-            </a:r>
-            <a:r>
-              <a:rPr lang="de-CH" dirty="0" err="1"/>
-              <a:t>rating</a:t>
-            </a:r>
-            <a:r>
-              <a:rPr lang="de-CH" dirty="0"/>
-              <a:t>.</a:t>
-            </a:r>
-          </a:p>
-          <a:p>
-            <a:endParaRPr lang="de-CH" dirty="0"/>
-          </a:p>
-          <a:p>
-            <a:endParaRPr lang="de-CH" dirty="0"/>
-          </a:p>
-          <a:p>
-            <a:endParaRPr lang="de-CH" dirty="0"/>
-          </a:p>
-          <a:p>
-            <a:endParaRPr lang="de-CH" dirty="0"/>
-          </a:p>
-          <a:p>
-            <a:endParaRPr lang="de-CH" dirty="0"/>
-          </a:p>
-          <a:p>
-            <a:endParaRPr lang="de-CH" dirty="0"/>
-          </a:p>
-          <a:p>
-            <a:endParaRPr lang="de-CH" dirty="0"/>
-          </a:p>
-          <a:p>
-            <a:endParaRPr lang="de-CH" dirty="0"/>
-          </a:p>
-          <a:p>
-            <a:endParaRPr lang="de-CH" dirty="0"/>
-          </a:p>
-          <a:p>
-            <a:endParaRPr lang="de-CH" dirty="0"/>
+            <a:pPr marL="0" indent="0">
+              <a:buNone/>
+            </a:pPr>
+            <a:endParaRPr lang="de-CH" sz="2400" dirty="0"/>
           </a:p>
         </p:txBody>
       </p:sp>
     </p:spTree>
     <p:extLst>
       <p:ext uri="{BB962C8B-B14F-4D97-AF65-F5344CB8AC3E}">
-        <p14:creationId xmlns:p14="http://schemas.microsoft.com/office/powerpoint/2010/main" val="898421874"/>
+        <p14:creationId xmlns:p14="http://schemas.microsoft.com/office/powerpoint/2010/main" val="3092949066"/>
       </p:ext>
     </p:extLst>
   </p:cSld>
@@ -9896,30 +9803,6 @@
           <a:chExt cx="0" cy="0"/>
         </a:xfrm>
       </p:grpSpPr>
-      <p:pic>
-        <p:nvPicPr>
-          <p:cNvPr id="9" name="Grafik 8"/>
-          <p:cNvPicPr>
-            <a:picLocks noChangeAspect="1"/>
-          </p:cNvPicPr>
-          <p:nvPr/>
-        </p:nvPicPr>
-        <p:blipFill>
-          <a:blip r:embed="rId3"/>
-          <a:stretch>
-            <a:fillRect/>
-          </a:stretch>
-        </p:blipFill>
-        <p:spPr>
-          <a:xfrm>
-            <a:off x="677334" y="2634615"/>
-            <a:ext cx="8085666" cy="4201729"/>
-          </a:xfrm>
-          <a:prstGeom prst="rect">
-            <a:avLst/>
-          </a:prstGeom>
-        </p:spPr>
-      </p:pic>
       <p:sp>
         <p:nvSpPr>
           <p:cNvPr id="2" name="Titel 1"/>
@@ -9938,20 +9821,20 @@
           <a:lstStyle/>
           <a:p>
             <a:r>
-              <a:rPr lang="de-CH" dirty="0" err="1"/>
-              <a:t>IIIb</a:t>
-            </a:r>
-            <a:r>
-              <a:rPr lang="de-CH" dirty="0"/>
-              <a:t> </a:t>
-            </a:r>
-            <a:r>
-              <a:rPr lang="de-CH" dirty="0" err="1"/>
-              <a:t>Modelling</a:t>
-            </a:r>
-            <a:r>
-              <a:rPr lang="de-CH" dirty="0"/>
-              <a:t>: Random Forest</a:t>
+              <a:rPr lang="de-CH" dirty="0"/>
+              <a:t>IV </a:t>
+            </a:r>
+            <a:r>
+              <a:rPr lang="de-CH" dirty="0" err="1"/>
+              <a:t>Conclusion</a:t>
+            </a:r>
+            <a:r>
+              <a:rPr lang="de-CH" dirty="0"/>
+              <a:t>: Model </a:t>
+            </a:r>
+            <a:r>
+              <a:rPr lang="de-CH" dirty="0" err="1"/>
+              <a:t>recommandation</a:t>
             </a:r>
             <a:br>
               <a:rPr lang="de-CH" dirty="0"/>
@@ -9962,291 +9845,17 @@
       </p:sp>
       <p:sp>
         <p:nvSpPr>
-          <p:cNvPr id="8" name="Inhaltsplatzhalter 7"/>
-          <p:cNvSpPr>
-            <a:spLocks noGrp="1"/>
-          </p:cNvSpPr>
-          <p:nvPr>
-            <p:ph idx="1"/>
-          </p:nvPr>
-        </p:nvSpPr>
-        <p:spPr/>
-        <p:txBody>
-          <a:bodyPr>
-            <a:normAutofit/>
-          </a:bodyPr>
-          <a:lstStyle/>
-          <a:p>
-            <a:r>
-              <a:rPr lang="de-CH" sz="2400" dirty="0"/>
-              <a:t>Error rate in </a:t>
-            </a:r>
-            <a:r>
-              <a:rPr lang="de-CH" sz="2400" dirty="0" err="1"/>
-              <a:t>dependance</a:t>
-            </a:r>
-            <a:r>
-              <a:rPr lang="de-CH" sz="2400" dirty="0"/>
-              <a:t> </a:t>
-            </a:r>
-            <a:r>
-              <a:rPr lang="de-CH" sz="2400" dirty="0" err="1"/>
-              <a:t>of</a:t>
-            </a:r>
-            <a:r>
-              <a:rPr lang="de-CH" sz="2400" dirty="0"/>
-              <a:t> </a:t>
-            </a:r>
-            <a:r>
-              <a:rPr lang="de-CH" sz="2400" dirty="0" err="1"/>
-              <a:t>the</a:t>
-            </a:r>
-            <a:r>
-              <a:rPr lang="de-CH" sz="2400" dirty="0"/>
-              <a:t> </a:t>
-            </a:r>
-            <a:r>
-              <a:rPr lang="de-CH" sz="2400" dirty="0" err="1"/>
-              <a:t>number</a:t>
-            </a:r>
-            <a:r>
-              <a:rPr lang="de-CH" sz="2400" dirty="0"/>
-              <a:t> </a:t>
-            </a:r>
-            <a:r>
-              <a:rPr lang="de-CH" sz="2400" dirty="0" err="1"/>
-              <a:t>of</a:t>
-            </a:r>
-            <a:r>
-              <a:rPr lang="de-CH" sz="2400" dirty="0"/>
-              <a:t> </a:t>
-            </a:r>
-            <a:r>
-              <a:rPr lang="de-CH" sz="2400" dirty="0" err="1"/>
-              <a:t>trees</a:t>
-            </a:r>
-            <a:endParaRPr lang="de-CH" sz="2400" dirty="0"/>
-          </a:p>
-        </p:txBody>
-      </p:sp>
-    </p:spTree>
-    <p:extLst>
-      <p:ext uri="{BB962C8B-B14F-4D97-AF65-F5344CB8AC3E}">
-        <p14:creationId xmlns:p14="http://schemas.microsoft.com/office/powerpoint/2010/main" val="1116370599"/>
-      </p:ext>
-    </p:extLst>
-  </p:cSld>
-  <p:clrMapOvr>
-    <a:masterClrMapping/>
-  </p:clrMapOvr>
-</p:sld>
-</file>
-
-<file path=ppt/slides/slide13.xml><?xml version="1.0" encoding="utf-8"?>
-<p:sld xmlns:a="http://schemas.openxmlformats.org/drawingml/2006/main" xmlns:r="http://schemas.openxmlformats.org/officeDocument/2006/relationships" xmlns:p="http://schemas.openxmlformats.org/presentationml/2006/main">
-  <p:cSld>
-    <p:spTree>
-      <p:nvGrpSpPr>
-        <p:cNvPr id="1" name=""/>
-        <p:cNvGrpSpPr/>
-        <p:nvPr/>
-      </p:nvGrpSpPr>
-      <p:grpSpPr>
-        <a:xfrm>
-          <a:off x="0" y="0"/>
-          <a:ext cx="0" cy="0"/>
-          <a:chOff x="0" y="0"/>
-          <a:chExt cx="0" cy="0"/>
-        </a:xfrm>
-      </p:grpSpPr>
-      <p:pic>
-        <p:nvPicPr>
-          <p:cNvPr id="18" name="Grafik 17"/>
-          <p:cNvPicPr>
-            <a:picLocks noChangeAspect="1"/>
-          </p:cNvPicPr>
-          <p:nvPr/>
-        </p:nvPicPr>
-        <p:blipFill>
-          <a:blip r:embed="rId3"/>
-          <a:stretch>
-            <a:fillRect/>
-          </a:stretch>
-        </p:blipFill>
+          <p:cNvPr id="5" name="Textplatzhalter 4"/>
+          <p:cNvSpPr>
+            <a:spLocks noGrp="1"/>
+          </p:cNvSpPr>
+          <p:nvPr>
+            <p:ph type="body" idx="1"/>
+          </p:nvPr>
+        </p:nvSpPr>
         <p:spPr>
           <a:xfrm>
-            <a:off x="1691640" y="2072832"/>
-            <a:ext cx="5897880" cy="4785168"/>
-          </a:xfrm>
-          <a:prstGeom prst="rect">
-            <a:avLst/>
-          </a:prstGeom>
-        </p:spPr>
-      </p:pic>
-      <p:sp>
-        <p:nvSpPr>
-          <p:cNvPr id="2" name="Titel 1"/>
-          <p:cNvSpPr>
-            <a:spLocks noGrp="1"/>
-          </p:cNvSpPr>
-          <p:nvPr>
-            <p:ph type="title"/>
-          </p:nvPr>
-        </p:nvSpPr>
-        <p:spPr/>
-        <p:txBody>
-          <a:bodyPr>
-            <a:normAutofit/>
-          </a:bodyPr>
-          <a:lstStyle/>
-          <a:p>
-            <a:r>
-              <a:rPr lang="de-CH" dirty="0" err="1"/>
-              <a:t>IIIb</a:t>
-            </a:r>
-            <a:r>
-              <a:rPr lang="de-CH" dirty="0"/>
-              <a:t> </a:t>
-            </a:r>
-            <a:r>
-              <a:rPr lang="de-CH" dirty="0" err="1"/>
-              <a:t>Modelling</a:t>
-            </a:r>
-            <a:r>
-              <a:rPr lang="de-CH" dirty="0"/>
-              <a:t>: Random Forest</a:t>
-            </a:r>
-            <a:br>
-              <a:rPr lang="de-CH" dirty="0"/>
-            </a:br>
-            <a:endParaRPr lang="de-CH" dirty="0"/>
-          </a:p>
-        </p:txBody>
-      </p:sp>
-      <p:sp>
-        <p:nvSpPr>
-          <p:cNvPr id="19" name="Inhaltsplatzhalter 7"/>
-          <p:cNvSpPr>
-            <a:spLocks noGrp="1"/>
-          </p:cNvSpPr>
-          <p:nvPr>
-            <p:ph idx="1"/>
-          </p:nvPr>
-        </p:nvSpPr>
-        <p:spPr>
-          <a:xfrm>
-            <a:off x="677334" y="1691639"/>
-            <a:ext cx="8596668" cy="3880773"/>
-          </a:xfrm>
-        </p:spPr>
-        <p:txBody>
-          <a:bodyPr>
-            <a:normAutofit/>
-          </a:bodyPr>
-          <a:lstStyle/>
-          <a:p>
-            <a:r>
-              <a:rPr lang="de-CH" sz="2400" dirty="0"/>
-              <a:t>Most </a:t>
-            </a:r>
-            <a:r>
-              <a:rPr lang="de-CH" sz="2400" dirty="0" err="1"/>
-              <a:t>important</a:t>
-            </a:r>
-            <a:r>
-              <a:rPr lang="de-CH" sz="2400" dirty="0"/>
-              <a:t> Variables</a:t>
-            </a:r>
-          </a:p>
-        </p:txBody>
-      </p:sp>
-    </p:spTree>
-    <p:extLst>
-      <p:ext uri="{BB962C8B-B14F-4D97-AF65-F5344CB8AC3E}">
-        <p14:creationId xmlns:p14="http://schemas.microsoft.com/office/powerpoint/2010/main" val="3092949066"/>
-      </p:ext>
-    </p:extLst>
-  </p:cSld>
-  <p:clrMapOvr>
-    <a:masterClrMapping/>
-  </p:clrMapOvr>
-</p:sld>
-</file>
-
-<file path=ppt/slides/slide14.xml><?xml version="1.0" encoding="utf-8"?>
-<p:sld xmlns:a="http://schemas.openxmlformats.org/drawingml/2006/main" xmlns:r="http://schemas.openxmlformats.org/officeDocument/2006/relationships" xmlns:p="http://schemas.openxmlformats.org/presentationml/2006/main">
-  <p:cSld>
-    <p:spTree>
-      <p:nvGrpSpPr>
-        <p:cNvPr id="1" name=""/>
-        <p:cNvGrpSpPr/>
-        <p:nvPr/>
-      </p:nvGrpSpPr>
-      <p:grpSpPr>
-        <a:xfrm>
-          <a:off x="0" y="0"/>
-          <a:ext cx="0" cy="0"/>
-          <a:chOff x="0" y="0"/>
-          <a:chExt cx="0" cy="0"/>
-        </a:xfrm>
-      </p:grpSpPr>
-      <p:sp>
-        <p:nvSpPr>
-          <p:cNvPr id="2" name="Titel 1"/>
-          <p:cNvSpPr>
-            <a:spLocks noGrp="1"/>
-          </p:cNvSpPr>
-          <p:nvPr>
-            <p:ph type="title"/>
-          </p:nvPr>
-        </p:nvSpPr>
-        <p:spPr/>
-        <p:txBody>
-          <a:bodyPr>
-            <a:normAutofit/>
-          </a:bodyPr>
-          <a:lstStyle/>
-          <a:p>
-            <a:r>
-              <a:rPr lang="de-CH" dirty="0" err="1"/>
-              <a:t>IIIc</a:t>
-            </a:r>
-            <a:r>
-              <a:rPr lang="de-CH" dirty="0"/>
-              <a:t> </a:t>
-            </a:r>
-            <a:r>
-              <a:rPr lang="de-CH" dirty="0" err="1"/>
-              <a:t>Modelling</a:t>
-            </a:r>
-            <a:r>
-              <a:rPr lang="de-CH" dirty="0"/>
-              <a:t>: </a:t>
-            </a:r>
-            <a:r>
-              <a:rPr lang="de-CH" dirty="0" err="1"/>
-              <a:t>Comparison</a:t>
-            </a:r>
-            <a:br>
-              <a:rPr lang="de-CH" dirty="0"/>
-            </a:br>
-            <a:endParaRPr lang="de-CH" dirty="0"/>
-          </a:p>
-        </p:txBody>
-      </p:sp>
-      <p:sp>
-        <p:nvSpPr>
-          <p:cNvPr id="5" name="Textplatzhalter 4"/>
-          <p:cNvSpPr>
-            <a:spLocks noGrp="1"/>
-          </p:cNvSpPr>
-          <p:nvPr>
-            <p:ph type="body" idx="1"/>
-          </p:nvPr>
-        </p:nvSpPr>
-        <p:spPr>
-          <a:xfrm>
-            <a:off x="675746" y="1688543"/>
+            <a:off x="677334" y="1411290"/>
             <a:ext cx="4185623" cy="576262"/>
           </a:xfrm>
         </p:spPr>
@@ -10278,19 +9887,59 @@
         </p:nvSpPr>
         <p:spPr>
           <a:xfrm>
-            <a:off x="508106" y="5036824"/>
-            <a:ext cx="8498734" cy="1653536"/>
+            <a:off x="463231" y="5036826"/>
+            <a:ext cx="4512437" cy="1927856"/>
           </a:xfrm>
         </p:spPr>
         <p:txBody>
           <a:bodyPr>
-            <a:normAutofit/>
+            <a:normAutofit fontScale="77500" lnSpcReduction="20000"/>
           </a:bodyPr>
           <a:lstStyle/>
           <a:p>
             <a:pPr marL="0" indent="0">
               <a:buNone/>
             </a:pPr>
+            <a:r>
+              <a:rPr lang="de-CH" sz="2300" dirty="0"/>
+              <a:t>True negative rate: 137/300 -&gt; 45,7%</a:t>
+            </a:r>
+          </a:p>
+          <a:p>
+            <a:pPr marL="0" indent="0">
+              <a:buNone/>
+            </a:pPr>
+            <a:r>
+              <a:rPr lang="de-CH" sz="2300" dirty="0"/>
+              <a:t>True positive rate: 636/700 -&gt; 90,9%</a:t>
+            </a:r>
+          </a:p>
+          <a:p>
+            <a:pPr marL="0" indent="0">
+              <a:buNone/>
+            </a:pPr>
+            <a:r>
+              <a:rPr lang="de-CH" sz="2800" dirty="0"/>
+              <a:t>Precision: 636/(636+163) -&gt; 79.6%</a:t>
+            </a:r>
+          </a:p>
+          <a:p>
+            <a:pPr marL="0" indent="0">
+              <a:buNone/>
+            </a:pPr>
+            <a:r>
+              <a:rPr lang="de-CH" sz="2800" dirty="0" err="1"/>
+              <a:t>Accuracy</a:t>
+            </a:r>
+            <a:r>
+              <a:rPr lang="de-CH" sz="2800" dirty="0"/>
+              <a:t>:(636+137)/1000 -&gt; 77.3%</a:t>
+            </a:r>
+          </a:p>
+          <a:p>
+            <a:pPr marL="0" indent="0">
+              <a:buNone/>
+            </a:pPr>
             <a:endParaRPr lang="de-CH" sz="2400" dirty="0"/>
           </a:p>
         </p:txBody>
@@ -10307,7 +9956,7 @@
         </p:nvSpPr>
         <p:spPr>
           <a:xfrm>
-            <a:off x="5088384" y="1688543"/>
+            <a:off x="5089972" y="1411290"/>
             <a:ext cx="4185618" cy="576262"/>
           </a:xfrm>
         </p:spPr>
@@ -10344,8 +9993,8 @@
         </p:blipFill>
         <p:spPr>
           <a:xfrm>
-            <a:off x="264053" y="2264805"/>
-            <a:ext cx="4824331" cy="2703435"/>
+            <a:off x="106679" y="1998985"/>
+            <a:ext cx="4981705" cy="2969256"/>
           </a:xfrm>
           <a:prstGeom prst="rect">
             <a:avLst/>
@@ -10374,14 +10023,87 @@
         </p:blipFill>
         <p:spPr>
           <a:xfrm>
-            <a:off x="5088384" y="2321957"/>
-            <a:ext cx="4589016" cy="2646283"/>
+            <a:off x="5088384" y="2056135"/>
+            <a:ext cx="4848096" cy="2884809"/>
           </a:xfrm>
           <a:prstGeom prst="rect">
             <a:avLst/>
           </a:prstGeom>
         </p:spPr>
       </p:pic>
+      <p:sp>
+        <p:nvSpPr>
+          <p:cNvPr id="18" name="Inhaltsplatzhalter 7"/>
+          <p:cNvSpPr>
+            <a:spLocks noGrp="1"/>
+          </p:cNvSpPr>
+          <p:nvPr>
+            <p:ph sz="half" idx="2"/>
+          </p:nvPr>
+        </p:nvSpPr>
+        <p:spPr>
+          <a:xfrm>
+            <a:off x="5006149" y="4998094"/>
+            <a:ext cx="4353263" cy="1653536"/>
+          </a:xfrm>
+        </p:spPr>
+        <p:txBody>
+          <a:bodyPr>
+            <a:normAutofit lnSpcReduction="10000"/>
+          </a:bodyPr>
+          <a:lstStyle/>
+          <a:p>
+            <a:pPr marL="0" indent="0">
+              <a:buNone/>
+            </a:pPr>
+            <a:r>
+              <a:rPr lang="de-CH" dirty="0"/>
+              <a:t>True negative rate: 24/60 -&gt; 40,0%</a:t>
+            </a:r>
+          </a:p>
+          <a:p>
+            <a:pPr marL="0" indent="0">
+              <a:buNone/>
+            </a:pPr>
+            <a:r>
+              <a:rPr lang="de-CH" dirty="0"/>
+              <a:t>True positive rate: 129/140 -&gt; 92,1%</a:t>
+            </a:r>
+          </a:p>
+          <a:p>
+            <a:pPr marL="0" indent="0">
+              <a:buNone/>
+            </a:pPr>
+            <a:r>
+              <a:rPr lang="de-CH" sz="2200" dirty="0"/>
+              <a:t>Precision: 129/(129+36) -&gt; 78.2%</a:t>
+            </a:r>
+          </a:p>
+          <a:p>
+            <a:pPr marL="0" indent="0">
+              <a:buNone/>
+            </a:pPr>
+            <a:r>
+              <a:rPr lang="de-CH" sz="2200" dirty="0" err="1"/>
+              <a:t>Accuracy</a:t>
+            </a:r>
+            <a:r>
+              <a:rPr lang="de-CH" sz="2200" dirty="0"/>
+              <a:t>: (129+24)/200 -&gt; 76.5</a:t>
+            </a:r>
+            <a:r>
+              <a:rPr lang="de-CH" sz="2400" dirty="0"/>
+              <a:t>%</a:t>
+            </a:r>
+          </a:p>
+          <a:p>
+            <a:pPr marL="0" indent="0">
+              <a:buNone/>
+            </a:pPr>
+            <a:endParaRPr lang="de-CH" sz="2400" dirty="0"/>
+          </a:p>
+        </p:txBody>
+      </p:sp>
     </p:spTree>
     <p:extLst>
       <p:ext uri="{BB962C8B-B14F-4D97-AF65-F5344CB8AC3E}">
@@ -10395,7 +10117,7 @@
 </p:sld>
 </file>
 
-<file path=ppt/slides/slide15.xml><?xml version="1.0" encoding="utf-8"?>
+<file path=ppt/slides/slide13.xml><?xml version="1.0" encoding="utf-8"?>
 <p:sld xmlns:a="http://schemas.openxmlformats.org/drawingml/2006/main" xmlns:r="http://schemas.openxmlformats.org/officeDocument/2006/relationships" xmlns:p="http://schemas.openxmlformats.org/presentationml/2006/main">
   <p:cSld>
     <p:spTree>
@@ -10424,367 +10146,6 @@
         </p:nvSpPr>
         <p:spPr/>
         <p:txBody>
-          <a:bodyPr>
-            <a:normAutofit fontScale="90000"/>
-          </a:bodyPr>
-          <a:lstStyle/>
-          <a:p>
-            <a:br>
-              <a:rPr lang="de-CH" dirty="0"/>
-            </a:br>
-            <a:r>
-              <a:rPr lang="de-CH" dirty="0"/>
-              <a:t>III </a:t>
-            </a:r>
-            <a:r>
-              <a:rPr lang="de-CH" dirty="0" err="1"/>
-              <a:t>Modelling</a:t>
-            </a:r>
-            <a:r>
-              <a:rPr lang="de-CH" dirty="0"/>
-              <a:t>: Random Forest</a:t>
-            </a:r>
-            <a:br>
-              <a:rPr lang="de-CH" dirty="0"/>
-            </a:br>
-            <a:r>
-              <a:rPr lang="de-CH" dirty="0" err="1"/>
-              <a:t>Prediction</a:t>
-            </a:r>
-            <a:r>
-              <a:rPr lang="de-CH" dirty="0"/>
-              <a:t> Performance</a:t>
-            </a:r>
-            <a:br>
-              <a:rPr lang="de-CH" dirty="0"/>
-            </a:br>
-            <a:endParaRPr lang="de-CH" dirty="0"/>
-          </a:p>
-        </p:txBody>
-      </p:sp>
-      <p:sp>
-        <p:nvSpPr>
-          <p:cNvPr id="3" name="Inhaltsplatzhalter 2"/>
-          <p:cNvSpPr>
-            <a:spLocks noGrp="1"/>
-          </p:cNvSpPr>
-          <p:nvPr>
-            <p:ph idx="1"/>
-          </p:nvPr>
-        </p:nvSpPr>
-        <p:spPr/>
-        <p:txBody>
-          <a:bodyPr>
-            <a:normAutofit/>
-          </a:bodyPr>
-          <a:lstStyle/>
-          <a:p>
-            <a:endParaRPr lang="de-CH" dirty="0"/>
-          </a:p>
-          <a:p>
-            <a:endParaRPr lang="de-CH" dirty="0"/>
-          </a:p>
-          <a:p>
-            <a:endParaRPr lang="de-CH" dirty="0"/>
-          </a:p>
-          <a:p>
-            <a:endParaRPr lang="de-CH" dirty="0"/>
-          </a:p>
-          <a:p>
-            <a:r>
-              <a:rPr lang="de-CH" dirty="0" err="1"/>
-              <a:t>Similar</a:t>
-            </a:r>
-            <a:r>
-              <a:rPr lang="de-CH" dirty="0"/>
-              <a:t> </a:t>
-            </a:r>
-            <a:r>
-              <a:rPr lang="de-CH" dirty="0" err="1"/>
-              <a:t>Prediction</a:t>
-            </a:r>
-            <a:r>
-              <a:rPr lang="de-CH" dirty="0"/>
-              <a:t> Quality </a:t>
-            </a:r>
-            <a:r>
-              <a:rPr lang="de-CH" dirty="0" err="1"/>
-              <a:t>as</a:t>
-            </a:r>
-            <a:r>
-              <a:rPr lang="de-CH" dirty="0"/>
-              <a:t> </a:t>
-            </a:r>
-            <a:r>
-              <a:rPr lang="de-CH" dirty="0" err="1"/>
-              <a:t>the</a:t>
-            </a:r>
-            <a:r>
-              <a:rPr lang="de-CH" dirty="0"/>
-              <a:t> Classification </a:t>
-            </a:r>
-            <a:r>
-              <a:rPr lang="de-CH" dirty="0" err="1"/>
-              <a:t>Tree</a:t>
-            </a:r>
-            <a:r>
-              <a:rPr lang="de-CH" dirty="0"/>
-              <a:t> (</a:t>
-            </a:r>
-            <a:r>
-              <a:rPr lang="de-CH" dirty="0" err="1"/>
-              <a:t>besides</a:t>
-            </a:r>
-            <a:r>
-              <a:rPr lang="de-CH" dirty="0"/>
-              <a:t> </a:t>
-            </a:r>
-            <a:r>
-              <a:rPr lang="de-CH" dirty="0" err="1"/>
-              <a:t>that</a:t>
-            </a:r>
-            <a:r>
-              <a:rPr lang="de-CH" dirty="0"/>
-              <a:t> RT </a:t>
-            </a:r>
-            <a:r>
-              <a:rPr lang="de-CH" dirty="0" err="1"/>
-              <a:t>is</a:t>
-            </a:r>
-            <a:r>
-              <a:rPr lang="de-CH" dirty="0"/>
-              <a:t> </a:t>
-            </a:r>
-            <a:r>
-              <a:rPr lang="de-CH" dirty="0" err="1"/>
-              <a:t>more</a:t>
-            </a:r>
-            <a:r>
-              <a:rPr lang="de-CH" dirty="0"/>
-              <a:t> </a:t>
-            </a:r>
-            <a:r>
-              <a:rPr lang="de-CH" dirty="0" err="1"/>
-              <a:t>stable</a:t>
-            </a:r>
-            <a:r>
-              <a:rPr lang="de-CH" dirty="0"/>
-              <a:t>)</a:t>
-            </a:r>
-          </a:p>
-          <a:p>
-            <a:r>
-              <a:rPr lang="de-CH" dirty="0"/>
-              <a:t>Performing </a:t>
-            </a:r>
-            <a:r>
-              <a:rPr lang="de-CH" dirty="0" err="1"/>
-              <a:t>slightly</a:t>
-            </a:r>
-            <a:r>
-              <a:rPr lang="de-CH" dirty="0"/>
-              <a:t> </a:t>
-            </a:r>
-            <a:r>
-              <a:rPr lang="de-CH" dirty="0" err="1"/>
-              <a:t>better</a:t>
-            </a:r>
-            <a:r>
-              <a:rPr lang="de-CH" dirty="0"/>
-              <a:t> in </a:t>
-            </a:r>
-            <a:r>
-              <a:rPr lang="de-CH" dirty="0" err="1"/>
-              <a:t>terms</a:t>
-            </a:r>
-            <a:r>
-              <a:rPr lang="de-CH" dirty="0"/>
-              <a:t> </a:t>
-            </a:r>
-            <a:r>
-              <a:rPr lang="de-CH" dirty="0" err="1"/>
-              <a:t>of</a:t>
-            </a:r>
-            <a:r>
-              <a:rPr lang="de-CH" dirty="0"/>
-              <a:t> </a:t>
-            </a:r>
-            <a:r>
-              <a:rPr lang="de-CH" dirty="0" err="1"/>
-              <a:t>true</a:t>
-            </a:r>
-            <a:r>
-              <a:rPr lang="de-CH" dirty="0"/>
-              <a:t> positive rate </a:t>
-            </a:r>
-            <a:r>
-              <a:rPr lang="de-CH" dirty="0" err="1"/>
-              <a:t>than</a:t>
-            </a:r>
-            <a:r>
-              <a:rPr lang="de-CH" dirty="0"/>
-              <a:t> </a:t>
-            </a:r>
-            <a:r>
-              <a:rPr lang="de-CH" dirty="0" err="1"/>
-              <a:t>the</a:t>
-            </a:r>
-            <a:r>
-              <a:rPr lang="de-CH" dirty="0"/>
-              <a:t> Classification </a:t>
-            </a:r>
-            <a:r>
-              <a:rPr lang="de-CH" dirty="0" err="1"/>
-              <a:t>Tree</a:t>
-            </a:r>
-            <a:r>
-              <a:rPr lang="de-CH" dirty="0"/>
-              <a:t> </a:t>
-            </a:r>
-            <a:r>
-              <a:rPr lang="de-CH" dirty="0" err="1"/>
-              <a:t>and</a:t>
-            </a:r>
-            <a:r>
-              <a:rPr lang="de-CH" dirty="0"/>
-              <a:t> </a:t>
-            </a:r>
-            <a:r>
-              <a:rPr lang="de-CH" dirty="0" err="1"/>
-              <a:t>slightly</a:t>
-            </a:r>
-            <a:r>
-              <a:rPr lang="de-CH" dirty="0"/>
-              <a:t> </a:t>
-            </a:r>
-            <a:r>
-              <a:rPr lang="de-CH" dirty="0" err="1"/>
-              <a:t>worse</a:t>
-            </a:r>
-            <a:r>
-              <a:rPr lang="de-CH" dirty="0"/>
-              <a:t> in </a:t>
-            </a:r>
-            <a:r>
-              <a:rPr lang="de-CH" dirty="0" err="1"/>
-              <a:t>terms</a:t>
-            </a:r>
-            <a:r>
-              <a:rPr lang="de-CH" dirty="0"/>
-              <a:t> </a:t>
-            </a:r>
-            <a:r>
-              <a:rPr lang="de-CH" dirty="0" err="1"/>
-              <a:t>of</a:t>
-            </a:r>
-            <a:r>
-              <a:rPr lang="de-CH" dirty="0"/>
-              <a:t> </a:t>
-            </a:r>
-            <a:r>
-              <a:rPr lang="de-CH" dirty="0" err="1"/>
-              <a:t>true</a:t>
-            </a:r>
-            <a:r>
-              <a:rPr lang="de-CH" dirty="0"/>
-              <a:t> negative rate</a:t>
-            </a:r>
-          </a:p>
-          <a:p>
-            <a:r>
-              <a:rPr lang="de-CH" dirty="0"/>
-              <a:t>True negative rate: 137/300 -&gt; 41,3%  (CT: 45,7%)</a:t>
-            </a:r>
-          </a:p>
-          <a:p>
-            <a:r>
-              <a:rPr lang="de-CH" dirty="0"/>
-              <a:t>True positive rate: 636/700 -&gt; 91,9% (CT: 90,9%)</a:t>
-            </a:r>
-          </a:p>
-          <a:p>
-            <a:endParaRPr lang="de-CH" dirty="0"/>
-          </a:p>
-          <a:p>
-            <a:endParaRPr lang="de-CH" dirty="0"/>
-          </a:p>
-          <a:p>
-            <a:endParaRPr lang="de-CH" dirty="0"/>
-          </a:p>
-        </p:txBody>
-      </p:sp>
-      <p:pic>
-        <p:nvPicPr>
-          <p:cNvPr id="4" name="Inhaltsplatzhalter 4"/>
-          <p:cNvPicPr>
-            <a:picLocks noChangeAspect="1"/>
-          </p:cNvPicPr>
-          <p:nvPr/>
-        </p:nvPicPr>
-        <p:blipFill>
-          <a:blip r:embed="rId2">
-            <a:extLst>
-              <a:ext uri="{28A0092B-C50C-407E-A947-70E740481C1C}">
-                <a14:useLocalDpi xmlns:a14="http://schemas.microsoft.com/office/drawing/2010/main" val="0"/>
-              </a:ext>
-            </a:extLst>
-          </a:blip>
-          <a:stretch>
-            <a:fillRect/>
-          </a:stretch>
-        </p:blipFill>
-        <p:spPr>
-          <a:xfrm>
-            <a:off x="4848860" y="1930400"/>
-            <a:ext cx="4581562" cy="1335432"/>
-          </a:xfrm>
-          <a:prstGeom prst="rect">
-            <a:avLst/>
-          </a:prstGeom>
-        </p:spPr>
-      </p:pic>
-    </p:spTree>
-    <p:extLst>
-      <p:ext uri="{BB962C8B-B14F-4D97-AF65-F5344CB8AC3E}">
-        <p14:creationId xmlns:p14="http://schemas.microsoft.com/office/powerpoint/2010/main" val="2436642936"/>
-      </p:ext>
-    </p:extLst>
-  </p:cSld>
-  <p:clrMapOvr>
-    <a:masterClrMapping/>
-  </p:clrMapOvr>
-</p:sld>
-</file>
-
-<file path=ppt/slides/slide16.xml><?xml version="1.0" encoding="utf-8"?>
-<p:sld xmlns:a="http://schemas.openxmlformats.org/drawingml/2006/main" xmlns:r="http://schemas.openxmlformats.org/officeDocument/2006/relationships" xmlns:p="http://schemas.openxmlformats.org/presentationml/2006/main">
-  <p:cSld>
-    <p:spTree>
-      <p:nvGrpSpPr>
-        <p:cNvPr id="1" name=""/>
-        <p:cNvGrpSpPr/>
-        <p:nvPr/>
-      </p:nvGrpSpPr>
-      <p:grpSpPr>
-        <a:xfrm>
-          <a:off x="0" y="0"/>
-          <a:ext cx="0" cy="0"/>
-          <a:chOff x="0" y="0"/>
-          <a:chExt cx="0" cy="0"/>
-        </a:xfrm>
-      </p:grpSpPr>
-      <p:sp>
-        <p:nvSpPr>
-          <p:cNvPr id="2" name="Titel 1"/>
-          <p:cNvSpPr>
-            <a:spLocks noGrp="1"/>
-          </p:cNvSpPr>
-          <p:nvPr>
-            <p:ph type="title"/>
-          </p:nvPr>
-        </p:nvSpPr>
-        <p:spPr/>
-        <p:txBody>
           <a:bodyPr/>
           <a:lstStyle/>
           <a:p>
@@ -10798,11 +10159,15 @@
             </a:r>
             <a:r>
               <a:rPr lang="de-CH" dirty="0"/>
-              <a:t>/</a:t>
-            </a:r>
-            <a:r>
-              <a:rPr lang="de-CH" dirty="0" err="1"/>
-              <a:t>Findings</a:t>
+              <a:t>: Most </a:t>
+            </a:r>
+            <a:r>
+              <a:rPr lang="de-CH" dirty="0" err="1"/>
+              <a:t>important</a:t>
+            </a:r>
+            <a:r>
+              <a:rPr lang="de-CH" dirty="0"/>
+              <a:t> variables</a:t>
             </a:r>
             <a:br>
               <a:rPr lang="de-CH" dirty="0"/>

--- a/Praesentation/Presentation.pptx
+++ b/Praesentation/Presentation.pptx
@@ -9696,8 +9696,8 @@
         </p:blipFill>
         <p:spPr>
           <a:xfrm>
-            <a:off x="1920240" y="1310640"/>
-            <a:ext cx="5090160" cy="5547360"/>
+            <a:off x="1920240" y="1021080"/>
+            <a:ext cx="5090160" cy="5836920"/>
           </a:xfrm>
           <a:prstGeom prst="rect">
             <a:avLst/>
@@ -9741,35 +9741,6 @@
               <a:rPr lang="de-CH" dirty="0"/>
             </a:br>
             <a:endParaRPr lang="de-CH" dirty="0"/>
-          </a:p>
-        </p:txBody>
-      </p:sp>
-      <p:sp>
-        <p:nvSpPr>
-          <p:cNvPr id="19" name="Inhaltsplatzhalter 7"/>
-          <p:cNvSpPr>
-            <a:spLocks noGrp="1"/>
-          </p:cNvSpPr>
-          <p:nvPr>
-            <p:ph idx="1"/>
-          </p:nvPr>
-        </p:nvSpPr>
-        <p:spPr>
-          <a:xfrm>
-            <a:off x="677334" y="1691639"/>
-            <a:ext cx="8596668" cy="3880773"/>
-          </a:xfrm>
-        </p:spPr>
-        <p:txBody>
-          <a:bodyPr>
-            <a:normAutofit/>
-          </a:bodyPr>
-          <a:lstStyle/>
-          <a:p>
-            <a:pPr marL="0" indent="0">
-              <a:buNone/>
-            </a:pPr>
-            <a:endParaRPr lang="de-CH" sz="2400" dirty="0"/>
           </a:p>
         </p:txBody>
       </p:sp>
@@ -10188,90 +10159,86 @@
         </p:nvSpPr>
         <p:spPr>
           <a:xfrm>
-            <a:off x="677334" y="1524001"/>
-            <a:ext cx="8596668" cy="4517362"/>
+            <a:off x="677334" y="1524000"/>
+            <a:ext cx="8596668" cy="5333999"/>
           </a:xfrm>
         </p:spPr>
         <p:txBody>
           <a:bodyPr>
-            <a:normAutofit fontScale="47500" lnSpcReduction="20000"/>
+            <a:normAutofit fontScale="32500" lnSpcReduction="20000"/>
           </a:bodyPr>
           <a:lstStyle/>
           <a:p>
             <a:pPr marL="0" indent="0">
               <a:buNone/>
             </a:pPr>
-            <a:r>
-              <a:rPr lang="de-CH" sz="3100" dirty="0"/>
+            <a:endParaRPr lang="de-CH" sz="3100" dirty="0"/>
+          </a:p>
+          <a:p>
+            <a:pPr marL="0" indent="0">
+              <a:buNone/>
+            </a:pPr>
+            <a:endParaRPr lang="de-CH" sz="3100" dirty="0"/>
+          </a:p>
+          <a:p>
+            <a:pPr marL="0" indent="0">
+              <a:buNone/>
+            </a:pPr>
+            <a:r>
+              <a:rPr lang="de-CH" sz="6200" dirty="0"/>
               <a:t>Most </a:t>
             </a:r>
             <a:r>
-              <a:rPr lang="de-CH" sz="3100" dirty="0" err="1"/>
+              <a:rPr lang="de-CH" sz="6200" dirty="0" err="1"/>
               <a:t>important</a:t>
             </a:r>
             <a:r>
-              <a:rPr lang="de-CH" sz="3100" dirty="0"/>
-              <a:t> </a:t>
-            </a:r>
-            <a:r>
-              <a:rPr lang="de-CH" sz="3100" dirty="0" err="1"/>
+              <a:rPr lang="de-CH" sz="6200" dirty="0"/>
+              <a:t> </a:t>
+            </a:r>
+            <a:r>
+              <a:rPr lang="de-CH" sz="6200" dirty="0" err="1"/>
               <a:t>and</a:t>
             </a:r>
             <a:r>
-              <a:rPr lang="de-CH" sz="3100" dirty="0"/>
-              <a:t> robust Variables </a:t>
-            </a:r>
-            <a:r>
-              <a:rPr lang="de-CH" sz="3100" b="1" dirty="0" err="1"/>
+              <a:rPr lang="de-CH" sz="6200" dirty="0"/>
+              <a:t> robust variables </a:t>
+            </a:r>
+            <a:r>
+              <a:rPr lang="de-CH" sz="6200" b="1" dirty="0" err="1"/>
               <a:t>according</a:t>
             </a:r>
             <a:r>
-              <a:rPr lang="de-CH" sz="3100" b="1" dirty="0"/>
-              <a:t> </a:t>
-            </a:r>
-            <a:r>
-              <a:rPr lang="de-CH" sz="3100" b="1" dirty="0" err="1"/>
+              <a:rPr lang="de-CH" sz="6200" b="1" dirty="0"/>
+              <a:t> </a:t>
+            </a:r>
+            <a:r>
+              <a:rPr lang="de-CH" sz="6200" b="1" dirty="0" err="1"/>
               <a:t>to</a:t>
             </a:r>
             <a:r>
-              <a:rPr lang="de-CH" sz="3100" b="1" dirty="0"/>
-              <a:t> </a:t>
-            </a:r>
-            <a:r>
-              <a:rPr lang="de-CH" sz="3100" b="1" dirty="0" err="1"/>
+              <a:rPr lang="de-CH" sz="6200" b="1" dirty="0"/>
+              <a:t> </a:t>
+            </a:r>
+            <a:r>
+              <a:rPr lang="de-CH" sz="6200" b="1" dirty="0" err="1"/>
               <a:t>both</a:t>
             </a:r>
             <a:r>
-              <a:rPr lang="de-CH" sz="3100" b="1" dirty="0"/>
-              <a:t> </a:t>
-            </a:r>
-            <a:r>
-              <a:rPr lang="de-CH" sz="3100" b="1" dirty="0" err="1"/>
+              <a:rPr lang="de-CH" sz="6200" b="1" dirty="0"/>
+              <a:t> </a:t>
+            </a:r>
+            <a:r>
+              <a:rPr lang="de-CH" sz="6200" b="1" dirty="0" err="1"/>
               <a:t>models</a:t>
             </a:r>
             <a:r>
-              <a:rPr lang="de-CH" sz="3100" b="1" dirty="0"/>
-              <a:t> </a:t>
-            </a:r>
-            <a:r>
-              <a:rPr lang="de-CH" sz="3100" dirty="0"/>
-              <a:t>Classification </a:t>
-            </a:r>
-            <a:r>
-              <a:rPr lang="de-CH" sz="3100" dirty="0" err="1"/>
-              <a:t>Tree</a:t>
-            </a:r>
-            <a:r>
-              <a:rPr lang="de-CH" sz="3100" dirty="0"/>
-              <a:t> </a:t>
-            </a:r>
-            <a:r>
-              <a:rPr lang="de-CH" sz="3100" dirty="0" err="1"/>
-              <a:t>and</a:t>
-            </a:r>
-            <a:r>
-              <a:rPr lang="de-CH" sz="3100" dirty="0"/>
-              <a:t> Random Forest:</a:t>
+              <a:rPr lang="de-CH" sz="6200" b="1" dirty="0"/>
+              <a:t> </a:t>
+            </a:r>
+            <a:r>
+              <a:rPr lang="de-CH" sz="5500" dirty="0"/>
+              <a:t>:</a:t>
             </a:r>
           </a:p>
           <a:p>
@@ -10279,596 +10246,502 @@
               <a:buAutoNum type="arabicPeriod"/>
             </a:pPr>
             <a:r>
-              <a:rPr lang="de-CH" sz="3100" dirty="0"/>
-              <a:t>CHK_ACCT (</a:t>
-            </a:r>
-            <a:r>
-              <a:rPr lang="de-CH" sz="3100" dirty="0" err="1"/>
-              <a:t>most</a:t>
-            </a:r>
-            <a:r>
-              <a:rPr lang="de-CH" sz="3100" dirty="0"/>
-              <a:t> </a:t>
-            </a:r>
-            <a:r>
-              <a:rPr lang="de-CH" sz="3100" dirty="0" err="1"/>
+              <a:rPr lang="de-CH" sz="6800" dirty="0"/>
+              <a:t>CHK_ACCT </a:t>
+            </a:r>
+          </a:p>
+          <a:p>
+            <a:pPr marL="514350" indent="-514350">
+              <a:buAutoNum type="arabicPeriod"/>
+            </a:pPr>
+            <a:r>
+              <a:rPr lang="de-CH" sz="6800" dirty="0"/>
+              <a:t>DURATION</a:t>
+            </a:r>
+          </a:p>
+          <a:p>
+            <a:pPr marL="514350" indent="-514350">
+              <a:buAutoNum type="arabicPeriod"/>
+            </a:pPr>
+            <a:r>
+              <a:rPr lang="de-CH" sz="6800" dirty="0"/>
+              <a:t>Further </a:t>
+            </a:r>
+            <a:r>
+              <a:rPr lang="de-CH" sz="6800" dirty="0" err="1"/>
               <a:t>important</a:t>
             </a:r>
             <a:r>
-              <a:rPr lang="de-CH" sz="3100" dirty="0"/>
-              <a:t> Variable!)</a:t>
+              <a:rPr lang="de-CH" sz="6800" dirty="0"/>
+              <a:t> variables: DURATION, HISTORY, SAVE_ACCT </a:t>
+            </a:r>
+            <a:r>
+              <a:rPr lang="de-CH" sz="6800" dirty="0" err="1"/>
+              <a:t>and</a:t>
+            </a:r>
+            <a:r>
+              <a:rPr lang="de-CH" sz="6800" dirty="0"/>
+              <a:t> AMOUNT (</a:t>
+            </a:r>
+            <a:r>
+              <a:rPr lang="de-CH" sz="6800" dirty="0" err="1"/>
+              <a:t>only</a:t>
+            </a:r>
+            <a:r>
+              <a:rPr lang="de-CH" sz="6800" dirty="0"/>
+              <a:t> </a:t>
+            </a:r>
+            <a:r>
+              <a:rPr lang="de-CH" sz="6800" dirty="0" err="1"/>
+              <a:t>supported</a:t>
+            </a:r>
+            <a:r>
+              <a:rPr lang="de-CH" sz="6800" dirty="0"/>
+              <a:t> </a:t>
+            </a:r>
+            <a:r>
+              <a:rPr lang="de-CH" sz="6800" dirty="0" err="1"/>
+              <a:t>by</a:t>
+            </a:r>
+            <a:r>
+              <a:rPr lang="de-CH" sz="6800" dirty="0"/>
+              <a:t> Random Forest)</a:t>
             </a:r>
           </a:p>
           <a:p>
             <a:pPr marL="0" indent="0">
               <a:buNone/>
             </a:pPr>
-            <a:r>
-              <a:rPr lang="de-CH" sz="3100" dirty="0"/>
-              <a:t>Further: DURATION, HISTORY, AMOUNT, SAVE_ACCT</a:t>
-            </a:r>
+            <a:endParaRPr lang="de-CH" sz="5500" dirty="0"/>
           </a:p>
           <a:p>
             <a:pPr marL="0" indent="0">
               <a:buNone/>
             </a:pPr>
-            <a:endParaRPr lang="de-CH" sz="3100" dirty="0"/>
+            <a:r>
+              <a:rPr lang="de-CH" sz="6200" dirty="0" err="1"/>
+              <a:t>Conclusion</a:t>
+            </a:r>
+            <a:r>
+              <a:rPr lang="de-CH" sz="6200" dirty="0"/>
+              <a:t>: </a:t>
+            </a:r>
+            <a:r>
+              <a:rPr lang="de-CH" sz="6200" dirty="0" err="1"/>
+              <a:t>To</a:t>
+            </a:r>
+            <a:r>
+              <a:rPr lang="de-CH" sz="6200" dirty="0"/>
+              <a:t> rate an </a:t>
+            </a:r>
+            <a:r>
+              <a:rPr lang="de-CH" sz="6200" dirty="0" err="1"/>
+              <a:t>applicant’s</a:t>
+            </a:r>
+            <a:r>
+              <a:rPr lang="de-CH" sz="6200" dirty="0"/>
+              <a:t>  </a:t>
+            </a:r>
+            <a:r>
+              <a:rPr lang="de-CH" sz="6200" dirty="0" err="1"/>
+              <a:t>credit</a:t>
+            </a:r>
+            <a:r>
+              <a:rPr lang="de-CH" sz="6200" dirty="0"/>
+              <a:t> </a:t>
+            </a:r>
+            <a:r>
+              <a:rPr lang="de-CH" sz="6200" dirty="0" err="1"/>
+              <a:t>rating</a:t>
+            </a:r>
+            <a:r>
+              <a:rPr lang="de-CH" sz="6200" dirty="0"/>
+              <a:t> </a:t>
+            </a:r>
+            <a:r>
+              <a:rPr lang="de-CH" sz="6200" dirty="0" err="1"/>
+              <a:t>one</a:t>
+            </a:r>
+            <a:r>
+              <a:rPr lang="de-CH" sz="6200" dirty="0"/>
+              <a:t> </a:t>
+            </a:r>
+            <a:r>
+              <a:rPr lang="de-CH" sz="6200" dirty="0" err="1"/>
+              <a:t>should</a:t>
+            </a:r>
+            <a:r>
+              <a:rPr lang="de-CH" sz="6200" dirty="0"/>
+              <a:t> </a:t>
+            </a:r>
+            <a:r>
+              <a:rPr lang="de-CH" sz="6200" dirty="0" err="1"/>
+              <a:t>emphasize</a:t>
+            </a:r>
+            <a:r>
+              <a:rPr lang="de-CH" sz="6200" dirty="0"/>
+              <a:t> </a:t>
+            </a:r>
+            <a:r>
+              <a:rPr lang="de-CH" sz="6200" dirty="0" err="1"/>
+              <a:t>especially</a:t>
+            </a:r>
+            <a:r>
+              <a:rPr lang="de-CH" sz="6200" dirty="0"/>
+              <a:t> on </a:t>
+            </a:r>
+            <a:r>
+              <a:rPr lang="de-CH" sz="6200" dirty="0" err="1"/>
+              <a:t>the</a:t>
+            </a:r>
+            <a:r>
+              <a:rPr lang="de-CH" sz="6200" dirty="0"/>
+              <a:t> </a:t>
+            </a:r>
+            <a:r>
+              <a:rPr lang="de-CH" sz="6200" dirty="0" err="1"/>
+              <a:t>checking</a:t>
+            </a:r>
+            <a:r>
+              <a:rPr lang="de-CH" sz="6200" dirty="0"/>
+              <a:t> </a:t>
+            </a:r>
+            <a:r>
+              <a:rPr lang="de-CH" sz="6200" dirty="0" err="1"/>
+              <a:t>account</a:t>
+            </a:r>
+            <a:r>
+              <a:rPr lang="de-CH" sz="6200" dirty="0"/>
+              <a:t> </a:t>
+            </a:r>
+            <a:r>
+              <a:rPr lang="de-CH" sz="6200" dirty="0" err="1"/>
+              <a:t>status</a:t>
+            </a:r>
+            <a:r>
+              <a:rPr lang="de-CH" sz="6200" dirty="0"/>
+              <a:t> </a:t>
+            </a:r>
+            <a:r>
+              <a:rPr lang="de-CH" sz="6200" dirty="0" err="1"/>
+              <a:t>and</a:t>
+            </a:r>
+            <a:r>
+              <a:rPr lang="de-CH" sz="6200" dirty="0"/>
+              <a:t> on </a:t>
+            </a:r>
+            <a:r>
+              <a:rPr lang="de-CH" sz="6200" dirty="0" err="1"/>
+              <a:t>the</a:t>
+            </a:r>
+            <a:r>
+              <a:rPr lang="de-CH" sz="6200" dirty="0"/>
+              <a:t> </a:t>
+            </a:r>
+            <a:r>
+              <a:rPr lang="de-CH" sz="6200" dirty="0" err="1"/>
+              <a:t>Credit</a:t>
+            </a:r>
+            <a:r>
+              <a:rPr lang="de-CH" sz="6200" dirty="0"/>
+              <a:t> Duration </a:t>
+            </a:r>
+            <a:r>
+              <a:rPr lang="de-CH" sz="6200" dirty="0" err="1"/>
+              <a:t>demanded</a:t>
+            </a:r>
+            <a:r>
+              <a:rPr lang="de-CH" sz="6200" dirty="0"/>
+              <a:t> </a:t>
+            </a:r>
           </a:p>
           <a:p>
             <a:pPr marL="0" indent="0">
               <a:buNone/>
             </a:pPr>
             <a:r>
-              <a:rPr lang="de-CH" sz="3100" dirty="0"/>
+              <a:rPr lang="de-CH" sz="6200" dirty="0"/>
               <a:t>Further </a:t>
             </a:r>
             <a:r>
-              <a:rPr lang="de-CH" sz="3100" dirty="0" err="1"/>
+              <a:rPr lang="de-CH" sz="6200" dirty="0" err="1"/>
               <a:t>important</a:t>
             </a:r>
             <a:r>
-              <a:rPr lang="de-CH" sz="3100" dirty="0"/>
-              <a:t> </a:t>
-            </a:r>
-            <a:r>
-              <a:rPr lang="de-CH" sz="3100" dirty="0" err="1"/>
+              <a:rPr lang="de-CH" sz="6200" dirty="0"/>
+              <a:t> </a:t>
+            </a:r>
+            <a:r>
+              <a:rPr lang="de-CH" sz="6200" dirty="0" err="1"/>
+              <a:t>are</a:t>
+            </a:r>
+            <a:r>
+              <a:rPr lang="de-CH" sz="6200" dirty="0"/>
+              <a:t> </a:t>
+            </a:r>
+            <a:r>
+              <a:rPr lang="de-CH" sz="6200" dirty="0" err="1"/>
+              <a:t>the</a:t>
+            </a:r>
+            <a:r>
+              <a:rPr lang="de-CH" sz="6200" dirty="0"/>
+              <a:t> </a:t>
+            </a:r>
+            <a:r>
+              <a:rPr lang="de-CH" sz="6200" dirty="0" err="1"/>
+              <a:t>Credit</a:t>
+            </a:r>
+            <a:r>
+              <a:rPr lang="de-CH" sz="6200" dirty="0"/>
+              <a:t> </a:t>
+            </a:r>
+            <a:r>
+              <a:rPr lang="de-CH" sz="6200" dirty="0" err="1"/>
+              <a:t>History</a:t>
+            </a:r>
+            <a:r>
+              <a:rPr lang="de-CH" sz="6200" dirty="0"/>
+              <a:t>, </a:t>
+            </a:r>
+            <a:r>
+              <a:rPr lang="de-CH" sz="6200" dirty="0" err="1"/>
+              <a:t>the</a:t>
+            </a:r>
+            <a:r>
+              <a:rPr lang="de-CH" sz="6200" dirty="0"/>
+              <a:t> </a:t>
+            </a:r>
+            <a:r>
+              <a:rPr lang="de-CH" sz="6200" dirty="0" err="1"/>
+              <a:t>Credit</a:t>
+            </a:r>
+            <a:r>
+              <a:rPr lang="de-CH" sz="6200" dirty="0"/>
+              <a:t> </a:t>
+            </a:r>
+            <a:r>
+              <a:rPr lang="de-CH" sz="6200" dirty="0" err="1"/>
+              <a:t>Amount</a:t>
+            </a:r>
+            <a:r>
+              <a:rPr lang="de-CH" sz="6200" dirty="0"/>
+              <a:t> </a:t>
+            </a:r>
+            <a:r>
+              <a:rPr lang="de-CH" sz="6200" dirty="0" err="1"/>
+              <a:t>as</a:t>
+            </a:r>
+            <a:r>
+              <a:rPr lang="de-CH" sz="6200" dirty="0"/>
+              <a:t> </a:t>
+            </a:r>
+            <a:r>
+              <a:rPr lang="de-CH" sz="6200" dirty="0" err="1"/>
+              <a:t>well</a:t>
+            </a:r>
+            <a:r>
+              <a:rPr lang="de-CH" sz="6200" dirty="0"/>
+              <a:t> </a:t>
+            </a:r>
+            <a:r>
+              <a:rPr lang="de-CH" sz="6200" dirty="0" err="1"/>
+              <a:t>as</a:t>
+            </a:r>
+            <a:r>
+              <a:rPr lang="de-CH" sz="6200" dirty="0"/>
+              <a:t> </a:t>
+            </a:r>
+            <a:r>
+              <a:rPr lang="de-CH" sz="6200" dirty="0" err="1"/>
+              <a:t>the</a:t>
+            </a:r>
+            <a:r>
+              <a:rPr lang="de-CH" sz="6200" dirty="0"/>
+              <a:t> SAVE_ACCT.</a:t>
+            </a:r>
+          </a:p>
+          <a:p>
+            <a:r>
+              <a:rPr lang="de-CH" sz="6200" dirty="0"/>
+              <a:t>Be </a:t>
+            </a:r>
+            <a:r>
+              <a:rPr lang="de-CH" sz="6200" dirty="0" err="1"/>
+              <a:t>aware</a:t>
+            </a:r>
+            <a:r>
+              <a:rPr lang="de-CH" sz="6200" dirty="0"/>
+              <a:t> </a:t>
+            </a:r>
+            <a:r>
+              <a:rPr lang="de-CH" sz="6200" dirty="0" err="1"/>
+              <a:t>of</a:t>
+            </a:r>
+            <a:r>
+              <a:rPr lang="de-CH" sz="6200" dirty="0"/>
+              <a:t> </a:t>
+            </a:r>
+            <a:r>
+              <a:rPr lang="de-CH" sz="6200" dirty="0" err="1"/>
+              <a:t>predicting</a:t>
+            </a:r>
+            <a:r>
+              <a:rPr lang="de-CH" sz="6200" dirty="0"/>
+              <a:t> </a:t>
+            </a:r>
+            <a:r>
+              <a:rPr lang="de-CH" sz="6200" dirty="0" err="1"/>
+              <a:t>bad</a:t>
+            </a:r>
+            <a:r>
+              <a:rPr lang="de-CH" sz="6200" dirty="0"/>
+              <a:t> </a:t>
+            </a:r>
+            <a:r>
+              <a:rPr lang="de-CH" sz="6200" dirty="0" err="1"/>
+              <a:t>rating</a:t>
+            </a:r>
+            <a:r>
+              <a:rPr lang="de-CH" sz="6200" dirty="0"/>
+              <a:t> -&gt; The </a:t>
+            </a:r>
+            <a:r>
+              <a:rPr lang="de-CH" sz="6200" dirty="0" err="1"/>
+              <a:t>misclassification</a:t>
+            </a:r>
+            <a:r>
+              <a:rPr lang="de-CH" sz="6200" dirty="0"/>
+              <a:t> </a:t>
+            </a:r>
+            <a:r>
+              <a:rPr lang="de-CH" sz="6200" dirty="0" err="1"/>
+              <a:t>error</a:t>
+            </a:r>
+            <a:r>
+              <a:rPr lang="de-CH" sz="6200" dirty="0"/>
+              <a:t> </a:t>
+            </a:r>
+            <a:r>
+              <a:rPr lang="de-CH" sz="6200" dirty="0" err="1"/>
+              <a:t>for</a:t>
+            </a:r>
+            <a:r>
+              <a:rPr lang="de-CH" sz="6200" dirty="0"/>
+              <a:t> </a:t>
+            </a:r>
+            <a:r>
+              <a:rPr lang="de-CH" sz="6200" dirty="0" err="1"/>
+              <a:t>these</a:t>
+            </a:r>
+            <a:r>
+              <a:rPr lang="de-CH" sz="6200" dirty="0"/>
+              <a:t> </a:t>
+            </a:r>
+            <a:r>
+              <a:rPr lang="de-CH" sz="6200" dirty="0" err="1"/>
+              <a:t>cases</a:t>
+            </a:r>
+            <a:r>
+              <a:rPr lang="de-CH" sz="6200" dirty="0"/>
+              <a:t> </a:t>
+            </a:r>
+            <a:r>
+              <a:rPr lang="de-CH" sz="6200" dirty="0" err="1"/>
+              <a:t>is</a:t>
+            </a:r>
+            <a:r>
+              <a:rPr lang="de-CH" sz="6200" dirty="0"/>
+              <a:t> high! </a:t>
+            </a:r>
+          </a:p>
+          <a:p>
+            <a:r>
+              <a:rPr lang="de-CH" sz="6200" dirty="0" err="1"/>
+              <a:t>Therefore</a:t>
+            </a:r>
+            <a:r>
+              <a:rPr lang="de-CH" sz="6200" dirty="0"/>
+              <a:t> </a:t>
+            </a:r>
+            <a:r>
+              <a:rPr lang="de-CH" sz="6200" dirty="0" err="1"/>
+              <a:t>both</a:t>
+            </a:r>
+            <a:r>
+              <a:rPr lang="de-CH" sz="6200" dirty="0"/>
+              <a:t> </a:t>
+            </a:r>
+            <a:r>
+              <a:rPr lang="de-CH" sz="6200" dirty="0" err="1"/>
+              <a:t>models</a:t>
+            </a:r>
+            <a:r>
+              <a:rPr lang="de-CH" sz="6200" dirty="0"/>
+              <a:t> </a:t>
+            </a:r>
+            <a:r>
+              <a:rPr lang="de-CH" sz="6200" dirty="0" err="1"/>
+              <a:t>should</a:t>
+            </a:r>
+            <a:r>
+              <a:rPr lang="de-CH" sz="6200" dirty="0"/>
+              <a:t> </a:t>
+            </a:r>
+            <a:r>
+              <a:rPr lang="de-CH" sz="6200" dirty="0" err="1"/>
               <a:t>only</a:t>
             </a:r>
             <a:r>
-              <a:rPr lang="de-CH" sz="3100" dirty="0"/>
-              <a:t> in Classification </a:t>
-            </a:r>
-            <a:r>
-              <a:rPr lang="de-CH" sz="3100" dirty="0" err="1"/>
-              <a:t>Tree</a:t>
-            </a:r>
-            <a:r>
-              <a:rPr lang="de-CH" sz="3100" dirty="0"/>
-              <a:t>: USED_CAR</a:t>
-            </a:r>
-          </a:p>
-          <a:p>
-            <a:pPr marL="0" indent="0">
-              <a:buNone/>
-            </a:pPr>
-            <a:r>
-              <a:rPr lang="de-CH" sz="3100" dirty="0"/>
-              <a:t>Further </a:t>
-            </a:r>
-            <a:r>
-              <a:rPr lang="de-CH" sz="3100" dirty="0" err="1"/>
-              <a:t>important</a:t>
-            </a:r>
-            <a:r>
-              <a:rPr lang="de-CH" sz="3100" dirty="0"/>
-              <a:t> </a:t>
-            </a:r>
-            <a:r>
-              <a:rPr lang="de-CH" sz="3100" dirty="0" err="1"/>
-              <a:t>only</a:t>
-            </a:r>
-            <a:r>
-              <a:rPr lang="de-CH" sz="3100" dirty="0"/>
-              <a:t> in Random Forest: AGE, EMPLOYMENT</a:t>
-            </a:r>
-          </a:p>
-          <a:p>
-            <a:pPr marL="0" indent="0">
-              <a:buNone/>
-            </a:pPr>
-            <a:endParaRPr lang="de-CH" sz="3100" dirty="0"/>
-          </a:p>
-          <a:p>
-            <a:pPr marL="0" indent="0">
-              <a:buNone/>
-            </a:pPr>
-            <a:r>
-              <a:rPr lang="de-CH" sz="3100" dirty="0"/>
-              <a:t>Both Models </a:t>
-            </a:r>
-            <a:r>
-              <a:rPr lang="de-CH" sz="3100" dirty="0" err="1"/>
-              <a:t>are</a:t>
-            </a:r>
-            <a:r>
-              <a:rPr lang="de-CH" sz="3100" dirty="0"/>
-              <a:t> </a:t>
-            </a:r>
-            <a:r>
-              <a:rPr lang="de-CH" sz="3100" dirty="0" err="1"/>
+              <a:rPr lang="de-CH" sz="6200" dirty="0"/>
+              <a:t> </a:t>
+            </a:r>
+            <a:r>
+              <a:rPr lang="de-CH" sz="6200" dirty="0" err="1"/>
+              <a:t>be</a:t>
+            </a:r>
+            <a:r>
+              <a:rPr lang="de-CH" sz="6200" dirty="0"/>
+              <a:t> </a:t>
+            </a:r>
+            <a:r>
+              <a:rPr lang="de-CH" sz="6200" dirty="0" err="1"/>
+              <a:t>used</a:t>
+            </a:r>
+            <a:r>
+              <a:rPr lang="de-CH" sz="6200" dirty="0"/>
+              <a:t> </a:t>
+            </a:r>
+            <a:r>
+              <a:rPr lang="de-CH" sz="6200" dirty="0" err="1"/>
+              <a:t>to</a:t>
+            </a:r>
+            <a:r>
+              <a:rPr lang="de-CH" sz="6200" dirty="0"/>
+              <a:t> </a:t>
+            </a:r>
+            <a:r>
+              <a:rPr lang="de-CH" sz="6200" dirty="0" err="1"/>
+              <a:t>predict</a:t>
+            </a:r>
+            <a:r>
+              <a:rPr lang="de-CH" sz="6200" dirty="0"/>
+              <a:t> </a:t>
+            </a:r>
+            <a:r>
+              <a:rPr lang="de-CH" sz="6200" dirty="0" err="1"/>
               <a:t>good</a:t>
             </a:r>
             <a:r>
-              <a:rPr lang="de-CH" sz="3100" dirty="0"/>
-              <a:t> in </a:t>
-            </a:r>
-            <a:r>
-              <a:rPr lang="de-CH" sz="3100" dirty="0" err="1"/>
-              <a:t>prediction</a:t>
-            </a:r>
-            <a:r>
-              <a:rPr lang="de-CH" sz="3100" dirty="0"/>
-              <a:t> </a:t>
-            </a:r>
-            <a:r>
-              <a:rPr lang="de-CH" sz="3100" dirty="0" err="1"/>
-              <a:t>if</a:t>
-            </a:r>
-            <a:r>
-              <a:rPr lang="de-CH" sz="3100" dirty="0"/>
-              <a:t> an </a:t>
-            </a:r>
-            <a:r>
-              <a:rPr lang="de-CH" sz="3100" dirty="0" err="1"/>
-              <a:t>applicant</a:t>
-            </a:r>
-            <a:r>
-              <a:rPr lang="de-CH" sz="3100" dirty="0"/>
-              <a:t> </a:t>
-            </a:r>
-            <a:r>
-              <a:rPr lang="de-CH" sz="3100" dirty="0" err="1"/>
-              <a:t>has</a:t>
-            </a:r>
-            <a:r>
-              <a:rPr lang="de-CH" sz="3100" dirty="0"/>
-              <a:t> a </a:t>
-            </a:r>
-            <a:r>
-              <a:rPr lang="de-CH" sz="3100" dirty="0" err="1"/>
-              <a:t>good</a:t>
-            </a:r>
-            <a:r>
-              <a:rPr lang="de-CH" sz="3100" dirty="0"/>
-              <a:t> </a:t>
-            </a:r>
-            <a:r>
-              <a:rPr lang="de-CH" sz="3100" dirty="0" err="1"/>
-              <a:t>credit</a:t>
-            </a:r>
-            <a:r>
-              <a:rPr lang="de-CH" sz="3100" dirty="0"/>
-              <a:t> </a:t>
-            </a:r>
-            <a:r>
-              <a:rPr lang="de-CH" sz="3100" dirty="0" err="1"/>
-              <a:t>rating</a:t>
-            </a:r>
-            <a:endParaRPr lang="de-CH" sz="3100" dirty="0"/>
-          </a:p>
-          <a:p>
-            <a:pPr marL="0" indent="0">
-              <a:buNone/>
-            </a:pPr>
-            <a:r>
-              <a:rPr lang="de-CH" sz="3100" dirty="0"/>
-              <a:t>Not </a:t>
-            </a:r>
-            <a:r>
-              <a:rPr lang="de-CH" sz="3100" dirty="0" err="1"/>
-              <a:t>very</a:t>
-            </a:r>
-            <a:r>
-              <a:rPr lang="de-CH" sz="3100" dirty="0"/>
-              <a:t> </a:t>
-            </a:r>
-            <a:r>
-              <a:rPr lang="de-CH" sz="3100" dirty="0" err="1"/>
-              <a:t>precise</a:t>
-            </a:r>
-            <a:r>
-              <a:rPr lang="de-CH" sz="3100" dirty="0"/>
-              <a:t> in </a:t>
-            </a:r>
-            <a:r>
-              <a:rPr lang="de-CH" sz="3100" dirty="0" err="1"/>
-              <a:t>predicting</a:t>
-            </a:r>
-            <a:r>
-              <a:rPr lang="de-CH" sz="3100" dirty="0"/>
-              <a:t> </a:t>
-            </a:r>
-            <a:r>
-              <a:rPr lang="de-CH" sz="3100" dirty="0" err="1"/>
-              <a:t>applicants</a:t>
-            </a:r>
-            <a:r>
-              <a:rPr lang="de-CH" sz="3100" dirty="0"/>
-              <a:t> </a:t>
-            </a:r>
-            <a:r>
-              <a:rPr lang="de-CH" sz="3100" dirty="0" err="1"/>
-              <a:t>having</a:t>
-            </a:r>
-            <a:r>
-              <a:rPr lang="de-CH" sz="3100" dirty="0"/>
-              <a:t> a </a:t>
-            </a:r>
-            <a:r>
-              <a:rPr lang="de-CH" sz="3100" dirty="0" err="1"/>
-              <a:t>bad</a:t>
-            </a:r>
-            <a:r>
-              <a:rPr lang="de-CH" sz="3100" dirty="0"/>
-              <a:t> </a:t>
-            </a:r>
-            <a:r>
-              <a:rPr lang="de-CH" sz="3100" dirty="0" err="1"/>
-              <a:t>credit</a:t>
-            </a:r>
-            <a:r>
-              <a:rPr lang="de-CH" sz="3100" dirty="0"/>
-              <a:t> </a:t>
-            </a:r>
-            <a:r>
-              <a:rPr lang="de-CH" sz="3100" dirty="0" err="1"/>
-              <a:t>rating</a:t>
-            </a:r>
-            <a:endParaRPr lang="de-CH" sz="3100" dirty="0"/>
-          </a:p>
-          <a:p>
-            <a:pPr marL="0" indent="0">
-              <a:buNone/>
-            </a:pPr>
-            <a:endParaRPr lang="de-CH" sz="3100" dirty="0"/>
-          </a:p>
-          <a:p>
-            <a:pPr marL="0" indent="0">
-              <a:buNone/>
-            </a:pPr>
-            <a:r>
-              <a:rPr lang="de-CH" sz="3100" dirty="0" err="1"/>
-              <a:t>Conclusion</a:t>
-            </a:r>
-            <a:r>
-              <a:rPr lang="de-CH" sz="3100" dirty="0"/>
-              <a:t>: </a:t>
-            </a:r>
-            <a:r>
-              <a:rPr lang="de-CH" sz="3100" dirty="0" err="1"/>
-              <a:t>One</a:t>
-            </a:r>
-            <a:r>
-              <a:rPr lang="de-CH" sz="3100" dirty="0"/>
-              <a:t> </a:t>
-            </a:r>
-            <a:r>
-              <a:rPr lang="de-CH" sz="3100" dirty="0" err="1"/>
-              <a:t>should</a:t>
-            </a:r>
-            <a:r>
-              <a:rPr lang="de-CH" sz="3100" dirty="0"/>
-              <a:t> </a:t>
-            </a:r>
-            <a:r>
-              <a:rPr lang="de-CH" sz="3100" dirty="0" err="1"/>
-              <a:t>emphasize</a:t>
-            </a:r>
-            <a:r>
-              <a:rPr lang="de-CH" sz="3100" dirty="0"/>
-              <a:t> </a:t>
-            </a:r>
-            <a:r>
-              <a:rPr lang="de-CH" sz="3100" dirty="0" err="1"/>
-              <a:t>especially</a:t>
-            </a:r>
-            <a:r>
-              <a:rPr lang="de-CH" sz="3100" dirty="0"/>
-              <a:t> on </a:t>
-            </a:r>
-            <a:r>
-              <a:rPr lang="de-CH" sz="3100" dirty="0" err="1"/>
-              <a:t>the</a:t>
-            </a:r>
-            <a:r>
-              <a:rPr lang="de-CH" sz="3100" dirty="0"/>
-              <a:t> </a:t>
-            </a:r>
-            <a:r>
-              <a:rPr lang="de-CH" sz="3100" dirty="0" err="1"/>
-              <a:t>Checking</a:t>
-            </a:r>
-            <a:r>
-              <a:rPr lang="de-CH" sz="3100" dirty="0"/>
-              <a:t> </a:t>
-            </a:r>
-            <a:r>
-              <a:rPr lang="de-CH" sz="3100" dirty="0" err="1"/>
-              <a:t>account</a:t>
-            </a:r>
-            <a:r>
-              <a:rPr lang="de-CH" sz="3100" dirty="0"/>
-              <a:t> </a:t>
-            </a:r>
-            <a:r>
-              <a:rPr lang="de-CH" sz="3100" dirty="0" err="1"/>
-              <a:t>status</a:t>
-            </a:r>
-            <a:r>
-              <a:rPr lang="de-CH" sz="3100" dirty="0"/>
-              <a:t> </a:t>
-            </a:r>
-            <a:r>
-              <a:rPr lang="de-CH" sz="3100" dirty="0" err="1"/>
-              <a:t>and</a:t>
-            </a:r>
-            <a:r>
-              <a:rPr lang="de-CH" sz="3100" dirty="0"/>
-              <a:t> </a:t>
-            </a:r>
-            <a:r>
-              <a:rPr lang="de-CH" sz="3100" dirty="0" err="1"/>
-              <a:t>one</a:t>
-            </a:r>
-            <a:r>
-              <a:rPr lang="de-CH" sz="3100" dirty="0"/>
-              <a:t> </a:t>
-            </a:r>
-            <a:r>
-              <a:rPr lang="de-CH" sz="3100" dirty="0" err="1"/>
-              <a:t>can</a:t>
-            </a:r>
-            <a:r>
-              <a:rPr lang="de-CH" sz="3100" dirty="0"/>
-              <a:t> </a:t>
-            </a:r>
-            <a:r>
-              <a:rPr lang="de-CH" sz="3100" dirty="0" err="1"/>
-              <a:t>further</a:t>
-            </a:r>
-            <a:r>
-              <a:rPr lang="de-CH" sz="3100" dirty="0"/>
-              <a:t> </a:t>
-            </a:r>
-            <a:r>
-              <a:rPr lang="de-CH" sz="3100" dirty="0" err="1"/>
-              <a:t>emphasize</a:t>
-            </a:r>
-            <a:r>
-              <a:rPr lang="de-CH" sz="3100" dirty="0"/>
-              <a:t> on variables like </a:t>
-            </a:r>
-            <a:r>
-              <a:rPr lang="de-CH" sz="3100" dirty="0" err="1"/>
-              <a:t>Credit</a:t>
-            </a:r>
-            <a:r>
-              <a:rPr lang="de-CH" sz="3100" dirty="0"/>
-              <a:t> Duration, </a:t>
-            </a:r>
-            <a:r>
-              <a:rPr lang="de-CH" sz="3100" dirty="0" err="1"/>
-              <a:t>Credit</a:t>
-            </a:r>
-            <a:r>
-              <a:rPr lang="de-CH" sz="3100" dirty="0"/>
-              <a:t> </a:t>
-            </a:r>
-            <a:r>
-              <a:rPr lang="de-CH" sz="3100" dirty="0" err="1"/>
-              <a:t>History</a:t>
-            </a:r>
-            <a:r>
-              <a:rPr lang="de-CH" sz="3100" dirty="0"/>
-              <a:t>, </a:t>
-            </a:r>
-            <a:r>
-              <a:rPr lang="de-CH" sz="3100" dirty="0" err="1"/>
-              <a:t>Credit</a:t>
-            </a:r>
-            <a:r>
-              <a:rPr lang="de-CH" sz="3100" dirty="0"/>
-              <a:t> </a:t>
-            </a:r>
-            <a:r>
-              <a:rPr lang="de-CH" sz="3100" dirty="0" err="1"/>
-              <a:t>Amount</a:t>
-            </a:r>
-            <a:r>
-              <a:rPr lang="de-CH" sz="3100" dirty="0"/>
-              <a:t> </a:t>
-            </a:r>
-            <a:r>
-              <a:rPr lang="de-CH" sz="3100" dirty="0" err="1"/>
-              <a:t>as</a:t>
-            </a:r>
-            <a:r>
-              <a:rPr lang="de-CH" sz="3100" dirty="0"/>
-              <a:t> </a:t>
-            </a:r>
-            <a:r>
-              <a:rPr lang="de-CH" sz="3100" dirty="0" err="1"/>
-              <a:t>well</a:t>
-            </a:r>
-            <a:r>
-              <a:rPr lang="de-CH" sz="3100" dirty="0"/>
-              <a:t> </a:t>
-            </a:r>
-            <a:r>
-              <a:rPr lang="de-CH" sz="3100" dirty="0" err="1"/>
-              <a:t>as</a:t>
-            </a:r>
-            <a:r>
-              <a:rPr lang="de-CH" sz="3100" dirty="0"/>
-              <a:t> on </a:t>
-            </a:r>
-            <a:r>
-              <a:rPr lang="de-CH" sz="3100" dirty="0" err="1"/>
-              <a:t>the</a:t>
-            </a:r>
-            <a:r>
-              <a:rPr lang="de-CH" sz="3100" dirty="0"/>
-              <a:t> </a:t>
-            </a:r>
-            <a:r>
-              <a:rPr lang="de-CH" sz="3100" dirty="0" err="1"/>
-              <a:t>purpose</a:t>
-            </a:r>
-            <a:r>
-              <a:rPr lang="de-CH" sz="3100" dirty="0"/>
-              <a:t> (</a:t>
-            </a:r>
-            <a:r>
-              <a:rPr lang="de-CH" sz="3100" dirty="0" err="1"/>
-              <a:t>Used_Car</a:t>
-            </a:r>
-            <a:r>
-              <a:rPr lang="de-CH" sz="3100" dirty="0"/>
-              <a:t>) </a:t>
-            </a:r>
-            <a:r>
-              <a:rPr lang="de-CH" sz="3100" dirty="0" err="1"/>
-              <a:t>and</a:t>
-            </a:r>
-            <a:r>
-              <a:rPr lang="de-CH" sz="3100" dirty="0"/>
-              <a:t> </a:t>
-            </a:r>
-            <a:r>
-              <a:rPr lang="de-CH" sz="3100" dirty="0" err="1"/>
-              <a:t>socio-economic</a:t>
-            </a:r>
-            <a:r>
-              <a:rPr lang="de-CH" sz="3100" dirty="0"/>
-              <a:t> variables </a:t>
-            </a:r>
-            <a:r>
-              <a:rPr lang="de-CH" sz="3100" dirty="0" err="1"/>
-              <a:t>as</a:t>
-            </a:r>
-            <a:r>
-              <a:rPr lang="de-CH" sz="3100" dirty="0"/>
-              <a:t> AGE </a:t>
-            </a:r>
-            <a:r>
-              <a:rPr lang="de-CH" sz="3100" dirty="0" err="1"/>
-              <a:t>and</a:t>
-            </a:r>
-            <a:r>
-              <a:rPr lang="de-CH" sz="3100" dirty="0"/>
-              <a:t> EMPLOYMENT in </a:t>
-            </a:r>
-            <a:r>
-              <a:rPr lang="de-CH" sz="3100" dirty="0" err="1"/>
-              <a:t>order</a:t>
-            </a:r>
-            <a:r>
-              <a:rPr lang="de-CH" sz="3100" dirty="0"/>
-              <a:t> </a:t>
-            </a:r>
-            <a:r>
-              <a:rPr lang="de-CH" sz="3100" dirty="0" err="1"/>
-              <a:t>to</a:t>
-            </a:r>
-            <a:r>
-              <a:rPr lang="de-CH" sz="3100" dirty="0"/>
-              <a:t> rate a </a:t>
-            </a:r>
-            <a:r>
-              <a:rPr lang="de-CH" sz="3100" dirty="0" err="1"/>
-              <a:t>Persons</a:t>
-            </a:r>
-            <a:r>
-              <a:rPr lang="de-CH" sz="3100" dirty="0"/>
-              <a:t> </a:t>
-            </a:r>
-            <a:r>
-              <a:rPr lang="de-CH" sz="3100" dirty="0" err="1"/>
-              <a:t>Credibility</a:t>
-            </a:r>
-            <a:endParaRPr lang="de-CH" sz="3100" dirty="0"/>
-          </a:p>
-          <a:p>
-            <a:pPr marL="0" indent="0">
-              <a:buNone/>
-            </a:pPr>
-            <a:r>
-              <a:rPr lang="de-CH" sz="3100" dirty="0"/>
-              <a:t>Be </a:t>
-            </a:r>
-            <a:r>
-              <a:rPr lang="de-CH" sz="3100" dirty="0" err="1"/>
-              <a:t>aware</a:t>
-            </a:r>
-            <a:r>
-              <a:rPr lang="de-CH" sz="3100" dirty="0"/>
-              <a:t> </a:t>
-            </a:r>
-            <a:r>
-              <a:rPr lang="de-CH" sz="3100" dirty="0" err="1"/>
-              <a:t>of</a:t>
-            </a:r>
-            <a:r>
-              <a:rPr lang="de-CH" sz="3100" dirty="0"/>
-              <a:t> </a:t>
-            </a:r>
-            <a:r>
-              <a:rPr lang="de-CH" sz="3100" dirty="0" err="1"/>
-              <a:t>predicting</a:t>
-            </a:r>
-            <a:r>
-              <a:rPr lang="de-CH" sz="3100" dirty="0"/>
-              <a:t> </a:t>
-            </a:r>
-            <a:r>
-              <a:rPr lang="de-CH" sz="3100" dirty="0" err="1"/>
-              <a:t>bad</a:t>
-            </a:r>
-            <a:r>
-              <a:rPr lang="de-CH" sz="3100" dirty="0"/>
-              <a:t> </a:t>
-            </a:r>
-            <a:r>
-              <a:rPr lang="de-CH" sz="3100" dirty="0" err="1"/>
-              <a:t>rated</a:t>
-            </a:r>
-            <a:r>
-              <a:rPr lang="de-CH" sz="3100" dirty="0"/>
-              <a:t> </a:t>
-            </a:r>
-            <a:r>
-              <a:rPr lang="de-CH" sz="3100" dirty="0" err="1"/>
-              <a:t>applicants</a:t>
-            </a:r>
-            <a:r>
-              <a:rPr lang="de-CH" sz="3100" dirty="0"/>
-              <a:t> -&gt; True negative rate </a:t>
-            </a:r>
-            <a:r>
-              <a:rPr lang="de-CH" sz="3100" dirty="0" err="1"/>
-              <a:t>of</a:t>
-            </a:r>
-            <a:r>
-              <a:rPr lang="de-CH" sz="3100" dirty="0"/>
-              <a:t> </a:t>
-            </a:r>
-            <a:r>
-              <a:rPr lang="de-CH" sz="3100" dirty="0" err="1"/>
-              <a:t>only</a:t>
-            </a:r>
-            <a:r>
-              <a:rPr lang="de-CH" sz="3100" dirty="0"/>
-              <a:t> 41%!</a:t>
+              <a:rPr lang="de-CH" sz="6200" dirty="0"/>
+              <a:t> </a:t>
+            </a:r>
+            <a:r>
+              <a:rPr lang="de-CH" sz="6200" dirty="0" err="1"/>
+              <a:t>ratings</a:t>
+            </a:r>
+            <a:r>
+              <a:rPr lang="de-CH" sz="6200" dirty="0"/>
+              <a:t>!</a:t>
             </a:r>
           </a:p>
           <a:p>
@@ -10946,8 +10819,8 @@
         </p:nvSpPr>
         <p:spPr>
           <a:xfrm>
-            <a:off x="538843" y="1930400"/>
-            <a:ext cx="8735159" cy="4424679"/>
+            <a:off x="538843" y="1661160"/>
+            <a:ext cx="9504317" cy="4693919"/>
           </a:xfrm>
         </p:spPr>
         <p:txBody>
@@ -11066,14 +10939,18 @@
               <a:buFont typeface="Symbol" panose="05050102010706020507" pitchFamily="18" charset="2"/>
               <a:buChar char="-"/>
             </a:pPr>
+            <a:endParaRPr lang="de-CH" sz="2800" dirty="0"/>
+          </a:p>
+          <a:p>
+            <a:pPr marL="514350" indent="-514350">
+              <a:buFont typeface="+mj-lt"/>
+              <a:buAutoNum type="romanUcPeriod"/>
+            </a:pPr>
             <a:r>
               <a:rPr lang="de-CH" sz="2800" dirty="0" err="1"/>
-              <a:t>Neural</a:t>
-            </a:r>
-            <a:r>
-              <a:rPr lang="de-CH" sz="2800" dirty="0"/>
-              <a:t> Network</a:t>
-            </a:r>
+              <a:t>Conclusion</a:t>
+            </a:r>
+            <a:endParaRPr lang="de-CH" sz="2800" dirty="0"/>
           </a:p>
           <a:p>
             <a:pPr lvl="1">
@@ -11081,47 +10958,45 @@
               <a:buChar char="-"/>
             </a:pPr>
             <a:r>
+              <a:rPr lang="de-CH" sz="2800" dirty="0"/>
+              <a:t>Model </a:t>
+            </a:r>
+            <a:r>
               <a:rPr lang="de-CH" sz="2800" dirty="0" err="1"/>
-              <a:t>Comparison</a:t>
-            </a:r>
+              <a:t>recommendation</a:t>
+            </a:r>
+            <a:endParaRPr lang="de-CH" sz="2800" dirty="0"/>
+          </a:p>
+          <a:p>
+            <a:pPr lvl="1">
+              <a:buFont typeface="Symbol" panose="05050102010706020507" pitchFamily="18" charset="2"/>
+              <a:buChar char="-"/>
+            </a:pPr>
             <a:r>
               <a:rPr lang="de-CH" sz="2800" dirty="0"/>
-              <a:t> </a:t>
+              <a:t>Most </a:t>
             </a:r>
             <a:r>
               <a:rPr lang="de-CH" sz="2800" dirty="0" err="1"/>
-              <a:t>of</a:t>
+              <a:t>important</a:t>
             </a:r>
             <a:r>
               <a:rPr lang="de-CH" sz="2800" dirty="0"/>
-              <a:t> </a:t>
-            </a:r>
-            <a:r>
-              <a:rPr lang="de-CH" sz="2800" dirty="0" err="1"/>
-              <a:t>the</a:t>
-            </a:r>
-            <a:r>
-              <a:rPr lang="de-CH" sz="2800" dirty="0"/>
-              <a:t> Models</a:t>
-            </a:r>
+              <a:t> variables</a:t>
+            </a:r>
+          </a:p>
+          <a:p>
+            <a:pPr lvl="1">
+              <a:buFont typeface="Symbol" panose="05050102010706020507" pitchFamily="18" charset="2"/>
+              <a:buChar char="-"/>
+            </a:pPr>
+            <a:endParaRPr lang="de-CH" sz="2800" dirty="0"/>
           </a:p>
           <a:p>
             <a:pPr marL="514350" indent="-514350">
               <a:buFont typeface="+mj-lt"/>
               <a:buAutoNum type="romanUcPeriod"/>
             </a:pPr>
-            <a:r>
-              <a:rPr lang="de-CH" sz="2800" dirty="0" err="1"/>
-              <a:t>Conclusion</a:t>
-            </a:r>
-            <a:r>
-              <a:rPr lang="de-CH" sz="2800" dirty="0"/>
-              <a:t>/</a:t>
-            </a:r>
-            <a:r>
-              <a:rPr lang="de-CH" sz="2800" dirty="0" err="1"/>
-              <a:t>Findings</a:t>
-            </a:r>
             <a:endParaRPr lang="de-CH" sz="2800" dirty="0"/>
           </a:p>
           <a:p>
@@ -11285,7 +11160,10 @@
               <a:rPr lang="de-CH" sz="2400" dirty="0" err="1"/>
               <a:t>Applicant</a:t>
             </a:r>
-            <a:endParaRPr lang="de-CH" sz="2400" dirty="0"/>
+            <a:r>
+              <a:rPr lang="de-CH" sz="2400" dirty="0"/>
+              <a:t> (Binary Response)</a:t>
+            </a:r>
           </a:p>
           <a:p>
             <a:endParaRPr lang="de-CH" sz="2400" dirty="0"/>
@@ -11301,7 +11179,15 @@
             </a:r>
             <a:r>
               <a:rPr lang="de-CH" sz="2400" dirty="0"/>
-              <a:t> Data </a:t>
+              <a:t> Data (1000 </a:t>
+            </a:r>
+            <a:r>
+              <a:rPr lang="de-CH" sz="2400" dirty="0" err="1"/>
+              <a:t>observations</a:t>
+            </a:r>
+            <a:r>
+              <a:rPr lang="de-CH" sz="2400" dirty="0"/>
+              <a:t>, ~30attributes)</a:t>
             </a:r>
           </a:p>
           <a:p>
@@ -11445,41 +11331,56 @@
             </a:r>
             <a:r>
               <a:rPr lang="de-CH" sz="2400" dirty="0"/>
-              <a:t>: </a:t>
-            </a:r>
-            <a:r>
-              <a:rPr lang="de-CH" sz="2400" dirty="0" err="1"/>
-              <a:t>Conclusion</a:t>
-            </a:r>
-            <a:endParaRPr lang="de-CH" sz="2400" dirty="0"/>
+              <a:t>: Goal</a:t>
+            </a:r>
           </a:p>
           <a:p>
             <a:pPr lvl="1"/>
             <a:r>
-              <a:rPr lang="de-CH" sz="2000" dirty="0"/>
+              <a:rPr lang="de-CH" sz="2200" dirty="0" err="1"/>
+              <a:t>Showing</a:t>
+            </a:r>
+            <a:r>
+              <a:rPr lang="de-CH" sz="2200" dirty="0"/>
+              <a:t> </a:t>
+            </a:r>
+            <a:r>
+              <a:rPr lang="de-CH" sz="2200" dirty="0" err="1"/>
+              <a:t>the</a:t>
+            </a:r>
+            <a:r>
+              <a:rPr lang="de-CH" sz="2200" dirty="0"/>
+              <a:t> </a:t>
+            </a:r>
+            <a:r>
+              <a:rPr lang="de-CH" sz="2200" dirty="0" err="1"/>
+              <a:t>most</a:t>
+            </a:r>
+            <a:r>
+              <a:rPr lang="de-CH" sz="2200" dirty="0"/>
+              <a:t> </a:t>
+            </a:r>
+            <a:r>
+              <a:rPr lang="de-CH" sz="2200" dirty="0" err="1"/>
+              <a:t>appropriate</a:t>
+            </a:r>
+            <a:r>
+              <a:rPr lang="de-CH" sz="2200" dirty="0"/>
+              <a:t> Model</a:t>
+            </a:r>
+          </a:p>
+          <a:p>
+            <a:pPr lvl="1"/>
+            <a:r>
+              <a:rPr lang="de-CH" sz="2200" dirty="0"/>
               <a:t>Most </a:t>
             </a:r>
             <a:r>
-              <a:rPr lang="de-CH" sz="2000" dirty="0" err="1"/>
-              <a:t>appropriate</a:t>
-            </a:r>
-            <a:r>
-              <a:rPr lang="de-CH" sz="2000" dirty="0"/>
-              <a:t> Model</a:t>
-            </a:r>
-          </a:p>
-          <a:p>
-            <a:pPr lvl="1"/>
-            <a:r>
-              <a:rPr lang="de-CH" sz="2000" dirty="0"/>
-              <a:t>Most </a:t>
-            </a:r>
-            <a:r>
-              <a:rPr lang="de-CH" sz="2000" dirty="0" err="1"/>
+              <a:rPr lang="de-CH" sz="2200" dirty="0" err="1"/>
               <a:t>important</a:t>
             </a:r>
             <a:r>
-              <a:rPr lang="de-CH" sz="2000" dirty="0"/>
+              <a:rPr lang="de-CH" sz="2200" dirty="0"/>
               <a:t> variables</a:t>
             </a:r>
           </a:p>
@@ -11621,19 +11522,19 @@
           <a:p>
             <a:r>
               <a:rPr lang="de-CH" sz="2200" dirty="0" err="1"/>
-              <a:t>Signification</a:t>
+              <a:t>Significance</a:t>
             </a:r>
             <a:r>
               <a:rPr lang="de-CH" sz="2200" dirty="0"/>
-              <a:t> </a:t>
+              <a:t> Level: 95%  (</a:t>
             </a:r>
             <a:r>
               <a:rPr lang="de-CH" sz="2200" dirty="0" err="1"/>
-              <a:t>Criteria</a:t>
+              <a:t>Pearson’s</a:t>
             </a:r>
             <a:r>
               <a:rPr lang="de-CH" sz="2200" dirty="0"/>
-              <a:t>: p-Value Pearson’ Chi^2-Test</a:t>
+              <a:t> Chi^2-Test)</a:t>
             </a:r>
           </a:p>
           <a:p>
@@ -11655,7 +11556,7 @@
             </a:r>
             <a:r>
               <a:rPr lang="de-CH" sz="2200" dirty="0" err="1"/>
-              <a:t>relationships</a:t>
+              <a:t>correlations</a:t>
             </a:r>
             <a:r>
               <a:rPr lang="de-CH" sz="2200" dirty="0"/>
@@ -11663,7 +11564,7 @@
             </a:r>
             <a:r>
               <a:rPr lang="de-CH" sz="2200" dirty="0" err="1"/>
-              <a:t>to</a:t>
+              <a:t>with</a:t>
             </a:r>
             <a:r>
               <a:rPr lang="de-CH" sz="2200" dirty="0"/>
@@ -11671,11 +11572,19 @@
             </a:r>
             <a:r>
               <a:rPr lang="de-CH" sz="2200" dirty="0" err="1"/>
-              <a:t>Credit</a:t>
+              <a:t>credit</a:t>
             </a:r>
             <a:r>
               <a:rPr lang="de-CH" sz="2200" dirty="0"/>
-              <a:t> Rating </a:t>
+              <a:t> </a:t>
+            </a:r>
+            <a:r>
+              <a:rPr lang="de-CH" sz="2200" dirty="0" err="1"/>
+              <a:t>rating</a:t>
+            </a:r>
+            <a:r>
+              <a:rPr lang="de-CH" sz="2200" dirty="0"/>
+              <a:t> </a:t>
             </a:r>
             <a:r>
               <a:rPr lang="de-CH" sz="2200" dirty="0" err="1"/>
@@ -11721,7 +11630,73 @@
           <a:p>
             <a:r>
               <a:rPr lang="de-CH" sz="2200" dirty="0" err="1"/>
-              <a:t>Eliminating</a:t>
+              <a:t>Conservative</a:t>
+            </a:r>
+            <a:r>
+              <a:rPr lang="de-CH" sz="2200" dirty="0"/>
+              <a:t> </a:t>
+            </a:r>
+            <a:r>
+              <a:rPr lang="de-CH" sz="2200" dirty="0" err="1"/>
+              <a:t>approach</a:t>
+            </a:r>
+            <a:r>
+              <a:rPr lang="de-CH" sz="2200" dirty="0"/>
+              <a:t> (</a:t>
+            </a:r>
+            <a:r>
+              <a:rPr lang="de-CH" sz="2200" dirty="0" err="1"/>
+              <a:t>keeping</a:t>
+            </a:r>
+            <a:r>
+              <a:rPr lang="de-CH" sz="2200" dirty="0"/>
+              <a:t> </a:t>
+            </a:r>
+            <a:r>
+              <a:rPr lang="de-CH" sz="2200" dirty="0" err="1"/>
+              <a:t>most</a:t>
+            </a:r>
+            <a:r>
+              <a:rPr lang="de-CH" sz="2200" dirty="0"/>
+              <a:t> variables </a:t>
+            </a:r>
+            <a:r>
+              <a:rPr lang="de-CH" sz="2200" dirty="0" err="1"/>
+              <a:t>with</a:t>
+            </a:r>
+            <a:r>
+              <a:rPr lang="de-CH" sz="2200" dirty="0"/>
+              <a:t> </a:t>
+            </a:r>
+            <a:r>
+              <a:rPr lang="de-CH" sz="2200" dirty="0" err="1"/>
+              <a:t>categories</a:t>
+            </a:r>
+            <a:r>
+              <a:rPr lang="de-CH" sz="2200" dirty="0"/>
+              <a:t> &gt;3)</a:t>
+            </a:r>
+          </a:p>
+          <a:p>
+            <a:r>
+              <a:rPr lang="de-CH" sz="2200" dirty="0" err="1"/>
+              <a:t>Finally</a:t>
+            </a:r>
+            <a:r>
+              <a:rPr lang="de-CH" sz="2200" dirty="0"/>
+              <a:t> </a:t>
+            </a:r>
+            <a:r>
+              <a:rPr lang="de-CH" sz="2200"/>
+              <a:t>eliminating</a:t>
+            </a:r>
+            <a:r>
+              <a:rPr lang="de-CH" sz="2200" dirty="0"/>
+              <a:t> </a:t>
+            </a:r>
+            <a:r>
+              <a:rPr lang="de-CH" sz="2200" dirty="0" err="1"/>
+              <a:t>only</a:t>
             </a:r>
             <a:r>
               <a:rPr lang="de-CH" sz="2200" dirty="0"/>
@@ -11774,7 +11749,7 @@
               <a:buChar char="-"/>
             </a:pPr>
             <a:r>
-              <a:rPr lang="de-CH" sz="2200" dirty="0"/>
+              <a:rPr lang="de-CH" sz="2000" dirty="0"/>
               <a:t>FURNITURE			RETRAINING</a:t>
             </a:r>
           </a:p>
@@ -11784,7 +11759,7 @@
               <a:buChar char="-"/>
             </a:pPr>
             <a:r>
-              <a:rPr lang="de-CH" sz="2200" dirty="0"/>
+              <a:rPr lang="de-CH" sz="2000" dirty="0"/>
               <a:t>MALE_DIV			MALE_MAR_WID</a:t>
             </a:r>
           </a:p>
@@ -11794,7 +11769,7 @@
               <a:buChar char="-"/>
             </a:pPr>
             <a:r>
-              <a:rPr lang="de-CH" sz="2200" dirty="0"/>
+              <a:rPr lang="de-CH" sz="2000" dirty="0"/>
               <a:t>GUARANTOR			PRESENT_RESIDENT</a:t>
             </a:r>
           </a:p>
@@ -11804,7 +11779,7 @@
               <a:buChar char="-"/>
             </a:pPr>
             <a:r>
-              <a:rPr lang="de-CH" sz="2200" dirty="0"/>
+              <a:rPr lang="de-CH" sz="2000" dirty="0"/>
               <a:t>NUM_CREDITS		TELEPHONE</a:t>
             </a:r>
           </a:p>
@@ -11814,7 +11789,7 @@
               <a:buChar char="-"/>
             </a:pPr>
             <a:r>
-              <a:rPr lang="de-CH" sz="2200" dirty="0"/>
+              <a:rPr lang="de-CH" sz="2000" dirty="0"/>
               <a:t>NUM_DEPENDENTS</a:t>
             </a:r>
           </a:p>
@@ -12188,7 +12163,7 @@
         </p:blipFill>
         <p:spPr>
           <a:xfrm>
-            <a:off x="953452" y="2515544"/>
+            <a:off x="677334" y="2576504"/>
             <a:ext cx="7580948" cy="4062920"/>
           </a:xfrm>
           <a:prstGeom prst="rect">
@@ -12333,8 +12308,8 @@
         </p:blipFill>
         <p:spPr>
           <a:xfrm>
-            <a:off x="677334" y="2407920"/>
-            <a:ext cx="8192346" cy="4450080"/>
+            <a:off x="677334" y="2514600"/>
+            <a:ext cx="7818120" cy="4343400"/>
           </a:xfrm>
           <a:prstGeom prst="rect">
             <a:avLst/>
@@ -12553,7 +12528,7 @@
         </p:blipFill>
         <p:spPr>
           <a:xfrm>
-            <a:off x="527956" y="2520740"/>
+            <a:off x="677334" y="2492963"/>
             <a:ext cx="6966857" cy="4365037"/>
           </a:xfrm>
           <a:prstGeom prst="rect">
